--- a/easemob_sdk_integration.pptx
+++ b/easemob_sdk_integration.pptx
@@ -4,23 +4,50 @@
   <p:sldMasterIdLst>
     <p:sldMasterId id="2147483648" r:id="rId1"/>
   </p:sldMasterIdLst>
+  <p:notesMasterIdLst>
+    <p:notesMasterId r:id="rId42"/>
+  </p:notesMasterIdLst>
   <p:sldIdLst>
     <p:sldId id="256" r:id="rId2"/>
-    <p:sldId id="266" r:id="rId3"/>
-    <p:sldId id="271" r:id="rId4"/>
-    <p:sldId id="259" r:id="rId5"/>
-    <p:sldId id="268" r:id="rId6"/>
-    <p:sldId id="257" r:id="rId7"/>
-    <p:sldId id="269" r:id="rId8"/>
-    <p:sldId id="270" r:id="rId9"/>
-    <p:sldId id="267" r:id="rId10"/>
-    <p:sldId id="262" r:id="rId11"/>
-    <p:sldId id="261" r:id="rId12"/>
-    <p:sldId id="258" r:id="rId13"/>
-    <p:sldId id="260" r:id="rId14"/>
-    <p:sldId id="263" r:id="rId15"/>
-    <p:sldId id="264" r:id="rId16"/>
-    <p:sldId id="265" r:id="rId17"/>
+    <p:sldId id="274" r:id="rId3"/>
+    <p:sldId id="284" r:id="rId4"/>
+    <p:sldId id="299" r:id="rId5"/>
+    <p:sldId id="266" r:id="rId6"/>
+    <p:sldId id="273" r:id="rId7"/>
+    <p:sldId id="272" r:id="rId8"/>
+    <p:sldId id="302" r:id="rId9"/>
+    <p:sldId id="275" r:id="rId10"/>
+    <p:sldId id="276" r:id="rId11"/>
+    <p:sldId id="277" r:id="rId12"/>
+    <p:sldId id="278" r:id="rId13"/>
+    <p:sldId id="279" r:id="rId14"/>
+    <p:sldId id="280" r:id="rId15"/>
+    <p:sldId id="291" r:id="rId16"/>
+    <p:sldId id="281" r:id="rId17"/>
+    <p:sldId id="282" r:id="rId18"/>
+    <p:sldId id="283" r:id="rId19"/>
+    <p:sldId id="300" r:id="rId20"/>
+    <p:sldId id="268" r:id="rId21"/>
+    <p:sldId id="301" r:id="rId22"/>
+    <p:sldId id="269" r:id="rId23"/>
+    <p:sldId id="297" r:id="rId24"/>
+    <p:sldId id="267" r:id="rId25"/>
+    <p:sldId id="303" r:id="rId26"/>
+    <p:sldId id="304" r:id="rId27"/>
+    <p:sldId id="305" r:id="rId28"/>
+    <p:sldId id="258" r:id="rId29"/>
+    <p:sldId id="295" r:id="rId30"/>
+    <p:sldId id="260" r:id="rId31"/>
+    <p:sldId id="294" r:id="rId32"/>
+    <p:sldId id="293" r:id="rId33"/>
+    <p:sldId id="263" r:id="rId34"/>
+    <p:sldId id="285" r:id="rId35"/>
+    <p:sldId id="264" r:id="rId36"/>
+    <p:sldId id="286" r:id="rId37"/>
+    <p:sldId id="265" r:id="rId38"/>
+    <p:sldId id="287" r:id="rId39"/>
+    <p:sldId id="288" r:id="rId40"/>
+    <p:sldId id="289" r:id="rId41"/>
   </p:sldIdLst>
   <p:sldSz cx="9144000" cy="6858000" type="screen4x3"/>
   <p:notesSz cx="6858000" cy="9144000"/>
@@ -120,6 +147,2725 @@
     </a:lvl9pPr>
   </p:defaultTextStyle>
 </p:presentation>
+</file>
+
+<file path=ppt/notesMasters/notesMaster1.xml><?xml version="1.0" encoding="utf-8"?>
+<p:notesMaster xmlns:a="http://schemas.openxmlformats.org/drawingml/2006/main" xmlns:r="http://schemas.openxmlformats.org/officeDocument/2006/relationships" xmlns:p="http://schemas.openxmlformats.org/presentationml/2006/main">
+  <p:cSld>
+    <p:bg>
+      <p:bgRef idx="1001">
+        <a:schemeClr val="bg1"/>
+      </p:bgRef>
+    </p:bg>
+    <p:spTree>
+      <p:nvGrpSpPr>
+        <p:cNvPr id="1" name=""/>
+        <p:cNvGrpSpPr/>
+        <p:nvPr/>
+      </p:nvGrpSpPr>
+      <p:grpSpPr>
+        <a:xfrm>
+          <a:off x="0" y="0"/>
+          <a:ext cx="0" cy="0"/>
+          <a:chOff x="0" y="0"/>
+          <a:chExt cx="0" cy="0"/>
+        </a:xfrm>
+      </p:grpSpPr>
+      <p:sp>
+        <p:nvSpPr>
+          <p:cNvPr id="2" name="页眉占位符 1"/>
+          <p:cNvSpPr>
+            <a:spLocks noGrp="1"/>
+          </p:cNvSpPr>
+          <p:nvPr>
+            <p:ph type="hdr" sz="quarter"/>
+          </p:nvPr>
+        </p:nvSpPr>
+        <p:spPr>
+          <a:xfrm>
+            <a:off x="0" y="0"/>
+            <a:ext cx="2971800" cy="457200"/>
+          </a:xfrm>
+          <a:prstGeom prst="rect">
+            <a:avLst/>
+          </a:prstGeom>
+        </p:spPr>
+        <p:txBody>
+          <a:bodyPr vert="horz" lIns="91440" tIns="45720" rIns="91440" bIns="45720" rtlCol="0"/>
+          <a:lstStyle>
+            <a:lvl1pPr algn="l">
+              <a:defRPr sz="1200"/>
+            </a:lvl1pPr>
+          </a:lstStyle>
+          <a:p>
+            <a:endParaRPr kumimoji="1" lang="zh-CN" altLang="en-US"/>
+          </a:p>
+        </p:txBody>
+      </p:sp>
+      <p:sp>
+        <p:nvSpPr>
+          <p:cNvPr id="3" name="日期占位符 2"/>
+          <p:cNvSpPr>
+            <a:spLocks noGrp="1"/>
+          </p:cNvSpPr>
+          <p:nvPr>
+            <p:ph type="dt" idx="1"/>
+          </p:nvPr>
+        </p:nvSpPr>
+        <p:spPr>
+          <a:xfrm>
+            <a:off x="3884613" y="0"/>
+            <a:ext cx="2971800" cy="457200"/>
+          </a:xfrm>
+          <a:prstGeom prst="rect">
+            <a:avLst/>
+          </a:prstGeom>
+        </p:spPr>
+        <p:txBody>
+          <a:bodyPr vert="horz" lIns="91440" tIns="45720" rIns="91440" bIns="45720" rtlCol="0"/>
+          <a:lstStyle>
+            <a:lvl1pPr algn="r">
+              <a:defRPr sz="1200"/>
+            </a:lvl1pPr>
+          </a:lstStyle>
+          <a:p>
+            <a:fld id="{FEA5BCD8-7195-5A44-A468-0D30EA0A6CEC}" type="datetimeFigureOut">
+              <a:rPr kumimoji="1" lang="zh-CN" altLang="en-US" smtClean="0"/>
+              <a:t>16/5/13</a:t>
+            </a:fld>
+            <a:endParaRPr kumimoji="1" lang="zh-CN" altLang="en-US"/>
+          </a:p>
+        </p:txBody>
+      </p:sp>
+      <p:sp>
+        <p:nvSpPr>
+          <p:cNvPr id="4" name="幻灯片图像占位符 3"/>
+          <p:cNvSpPr>
+            <a:spLocks noGrp="1" noRot="1" noChangeAspect="1"/>
+          </p:cNvSpPr>
+          <p:nvPr>
+            <p:ph type="sldImg" idx="2"/>
+          </p:nvPr>
+        </p:nvSpPr>
+        <p:spPr>
+          <a:xfrm>
+            <a:off x="1143000" y="685800"/>
+            <a:ext cx="4572000" cy="3429000"/>
+          </a:xfrm>
+          <a:prstGeom prst="rect">
+            <a:avLst/>
+          </a:prstGeom>
+          <a:noFill/>
+          <a:ln w="12700">
+            <a:solidFill>
+              <a:prstClr val="black"/>
+            </a:solidFill>
+          </a:ln>
+        </p:spPr>
+        <p:txBody>
+          <a:bodyPr vert="horz" lIns="91440" tIns="45720" rIns="91440" bIns="45720" rtlCol="0" anchor="ctr"/>
+          <a:lstStyle/>
+          <a:p>
+            <a:endParaRPr lang="zh-CN" altLang="en-US"/>
+          </a:p>
+        </p:txBody>
+      </p:sp>
+      <p:sp>
+        <p:nvSpPr>
+          <p:cNvPr id="5" name="备注占位符 4"/>
+          <p:cNvSpPr>
+            <a:spLocks noGrp="1"/>
+          </p:cNvSpPr>
+          <p:nvPr>
+            <p:ph type="body" sz="quarter" idx="3"/>
+          </p:nvPr>
+        </p:nvSpPr>
+        <p:spPr>
+          <a:xfrm>
+            <a:off x="685800" y="4343400"/>
+            <a:ext cx="5486400" cy="4114800"/>
+          </a:xfrm>
+          <a:prstGeom prst="rect">
+            <a:avLst/>
+          </a:prstGeom>
+        </p:spPr>
+        <p:txBody>
+          <a:bodyPr vert="horz" lIns="91440" tIns="45720" rIns="91440" bIns="45720" rtlCol="0"/>
+          <a:lstStyle/>
+          <a:p>
+            <a:pPr lvl="0"/>
+            <a:r>
+              <a:rPr kumimoji="1" lang="zh-CN" altLang="en-US" smtClean="0"/>
+              <a:t>单击此处编辑母版文本样式</a:t>
+            </a:r>
+          </a:p>
+          <a:p>
+            <a:pPr lvl="1"/>
+            <a:r>
+              <a:rPr kumimoji="1" lang="zh-CN" altLang="en-US" smtClean="0"/>
+              <a:t>二级</a:t>
+            </a:r>
+          </a:p>
+          <a:p>
+            <a:pPr lvl="2"/>
+            <a:r>
+              <a:rPr kumimoji="1" lang="zh-CN" altLang="en-US" smtClean="0"/>
+              <a:t>三级</a:t>
+            </a:r>
+          </a:p>
+          <a:p>
+            <a:pPr lvl="3"/>
+            <a:r>
+              <a:rPr kumimoji="1" lang="zh-CN" altLang="en-US" smtClean="0"/>
+              <a:t>四级</a:t>
+            </a:r>
+          </a:p>
+          <a:p>
+            <a:pPr lvl="4"/>
+            <a:r>
+              <a:rPr kumimoji="1" lang="zh-CN" altLang="en-US" smtClean="0"/>
+              <a:t>五级</a:t>
+            </a:r>
+            <a:endParaRPr kumimoji="1" lang="zh-CN" altLang="en-US"/>
+          </a:p>
+        </p:txBody>
+      </p:sp>
+      <p:sp>
+        <p:nvSpPr>
+          <p:cNvPr id="6" name="页脚占位符 5"/>
+          <p:cNvSpPr>
+            <a:spLocks noGrp="1"/>
+          </p:cNvSpPr>
+          <p:nvPr>
+            <p:ph type="ftr" sz="quarter" idx="4"/>
+          </p:nvPr>
+        </p:nvSpPr>
+        <p:spPr>
+          <a:xfrm>
+            <a:off x="0" y="8685213"/>
+            <a:ext cx="2971800" cy="457200"/>
+          </a:xfrm>
+          <a:prstGeom prst="rect">
+            <a:avLst/>
+          </a:prstGeom>
+        </p:spPr>
+        <p:txBody>
+          <a:bodyPr vert="horz" lIns="91440" tIns="45720" rIns="91440" bIns="45720" rtlCol="0" anchor="b"/>
+          <a:lstStyle>
+            <a:lvl1pPr algn="l">
+              <a:defRPr sz="1200"/>
+            </a:lvl1pPr>
+          </a:lstStyle>
+          <a:p>
+            <a:endParaRPr kumimoji="1" lang="zh-CN" altLang="en-US"/>
+          </a:p>
+        </p:txBody>
+      </p:sp>
+      <p:sp>
+        <p:nvSpPr>
+          <p:cNvPr id="7" name="幻灯片编号占位符 6"/>
+          <p:cNvSpPr>
+            <a:spLocks noGrp="1"/>
+          </p:cNvSpPr>
+          <p:nvPr>
+            <p:ph type="sldNum" sz="quarter" idx="5"/>
+          </p:nvPr>
+        </p:nvSpPr>
+        <p:spPr>
+          <a:xfrm>
+            <a:off x="3884613" y="8685213"/>
+            <a:ext cx="2971800" cy="457200"/>
+          </a:xfrm>
+          <a:prstGeom prst="rect">
+            <a:avLst/>
+          </a:prstGeom>
+        </p:spPr>
+        <p:txBody>
+          <a:bodyPr vert="horz" lIns="91440" tIns="45720" rIns="91440" bIns="45720" rtlCol="0" anchor="b"/>
+          <a:lstStyle>
+            <a:lvl1pPr algn="r">
+              <a:defRPr sz="1200"/>
+            </a:lvl1pPr>
+          </a:lstStyle>
+          <a:p>
+            <a:fld id="{7F23289A-29F9-AB45-8ADB-162B1E17C738}" type="slidenum">
+              <a:rPr kumimoji="1" lang="zh-CN" altLang="en-US" smtClean="0"/>
+              <a:t>‹#›</a:t>
+            </a:fld>
+            <a:endParaRPr kumimoji="1" lang="zh-CN" altLang="en-US"/>
+          </a:p>
+        </p:txBody>
+      </p:sp>
+    </p:spTree>
+    <p:extLst>
+      <p:ext uri="{BB962C8B-B14F-4D97-AF65-F5344CB8AC3E}">
+        <p14:creationId xmlns:p14="http://schemas.microsoft.com/office/powerpoint/2010/main" val="3952074799"/>
+      </p:ext>
+    </p:extLst>
+  </p:cSld>
+  <p:clrMap bg1="lt1" tx1="dk1" bg2="lt2" tx2="dk2" accent1="accent1" accent2="accent2" accent3="accent3" accent4="accent4" accent5="accent5" accent6="accent6" hlink="hlink" folHlink="folHlink"/>
+  <p:notesStyle>
+    <a:lvl1pPr marL="0" algn="l" defTabSz="457200" rtl="0" eaLnBrk="1" latinLnBrk="0" hangingPunct="1">
+      <a:defRPr sz="1200" kern="1200">
+        <a:solidFill>
+          <a:schemeClr val="tx1"/>
+        </a:solidFill>
+        <a:latin typeface="+mn-lt"/>
+        <a:ea typeface="+mn-ea"/>
+        <a:cs typeface="+mn-cs"/>
+      </a:defRPr>
+    </a:lvl1pPr>
+    <a:lvl2pPr marL="457200" algn="l" defTabSz="457200" rtl="0" eaLnBrk="1" latinLnBrk="0" hangingPunct="1">
+      <a:defRPr sz="1200" kern="1200">
+        <a:solidFill>
+          <a:schemeClr val="tx1"/>
+        </a:solidFill>
+        <a:latin typeface="+mn-lt"/>
+        <a:ea typeface="+mn-ea"/>
+        <a:cs typeface="+mn-cs"/>
+      </a:defRPr>
+    </a:lvl2pPr>
+    <a:lvl3pPr marL="914400" algn="l" defTabSz="457200" rtl="0" eaLnBrk="1" latinLnBrk="0" hangingPunct="1">
+      <a:defRPr sz="1200" kern="1200">
+        <a:solidFill>
+          <a:schemeClr val="tx1"/>
+        </a:solidFill>
+        <a:latin typeface="+mn-lt"/>
+        <a:ea typeface="+mn-ea"/>
+        <a:cs typeface="+mn-cs"/>
+      </a:defRPr>
+    </a:lvl3pPr>
+    <a:lvl4pPr marL="1371600" algn="l" defTabSz="457200" rtl="0" eaLnBrk="1" latinLnBrk="0" hangingPunct="1">
+      <a:defRPr sz="1200" kern="1200">
+        <a:solidFill>
+          <a:schemeClr val="tx1"/>
+        </a:solidFill>
+        <a:latin typeface="+mn-lt"/>
+        <a:ea typeface="+mn-ea"/>
+        <a:cs typeface="+mn-cs"/>
+      </a:defRPr>
+    </a:lvl4pPr>
+    <a:lvl5pPr marL="1828800" algn="l" defTabSz="457200" rtl="0" eaLnBrk="1" latinLnBrk="0" hangingPunct="1">
+      <a:defRPr sz="1200" kern="1200">
+        <a:solidFill>
+          <a:schemeClr val="tx1"/>
+        </a:solidFill>
+        <a:latin typeface="+mn-lt"/>
+        <a:ea typeface="+mn-ea"/>
+        <a:cs typeface="+mn-cs"/>
+      </a:defRPr>
+    </a:lvl5pPr>
+    <a:lvl6pPr marL="2286000" algn="l" defTabSz="457200" rtl="0" eaLnBrk="1" latinLnBrk="0" hangingPunct="1">
+      <a:defRPr sz="1200" kern="1200">
+        <a:solidFill>
+          <a:schemeClr val="tx1"/>
+        </a:solidFill>
+        <a:latin typeface="+mn-lt"/>
+        <a:ea typeface="+mn-ea"/>
+        <a:cs typeface="+mn-cs"/>
+      </a:defRPr>
+    </a:lvl6pPr>
+    <a:lvl7pPr marL="2743200" algn="l" defTabSz="457200" rtl="0" eaLnBrk="1" latinLnBrk="0" hangingPunct="1">
+      <a:defRPr sz="1200" kern="1200">
+        <a:solidFill>
+          <a:schemeClr val="tx1"/>
+        </a:solidFill>
+        <a:latin typeface="+mn-lt"/>
+        <a:ea typeface="+mn-ea"/>
+        <a:cs typeface="+mn-cs"/>
+      </a:defRPr>
+    </a:lvl7pPr>
+    <a:lvl8pPr marL="3200400" algn="l" defTabSz="457200" rtl="0" eaLnBrk="1" latinLnBrk="0" hangingPunct="1">
+      <a:defRPr sz="1200" kern="1200">
+        <a:solidFill>
+          <a:schemeClr val="tx1"/>
+        </a:solidFill>
+        <a:latin typeface="+mn-lt"/>
+        <a:ea typeface="+mn-ea"/>
+        <a:cs typeface="+mn-cs"/>
+      </a:defRPr>
+    </a:lvl8pPr>
+    <a:lvl9pPr marL="3657600" algn="l" defTabSz="457200" rtl="0" eaLnBrk="1" latinLnBrk="0" hangingPunct="1">
+      <a:defRPr sz="1200" kern="1200">
+        <a:solidFill>
+          <a:schemeClr val="tx1"/>
+        </a:solidFill>
+        <a:latin typeface="+mn-lt"/>
+        <a:ea typeface="+mn-ea"/>
+        <a:cs typeface="+mn-cs"/>
+      </a:defRPr>
+    </a:lvl9pPr>
+  </p:notesStyle>
+</p:notesMaster>
+</file>
+
+<file path=ppt/notesSlides/notesSlide1.xml><?xml version="1.0" encoding="utf-8"?>
+<p:notes xmlns:a="http://schemas.openxmlformats.org/drawingml/2006/main" xmlns:r="http://schemas.openxmlformats.org/officeDocument/2006/relationships" xmlns:p="http://schemas.openxmlformats.org/presentationml/2006/main">
+  <p:cSld>
+    <p:spTree>
+      <p:nvGrpSpPr>
+        <p:cNvPr id="1" name=""/>
+        <p:cNvGrpSpPr/>
+        <p:nvPr/>
+      </p:nvGrpSpPr>
+      <p:grpSpPr>
+        <a:xfrm>
+          <a:off x="0" y="0"/>
+          <a:ext cx="0" cy="0"/>
+          <a:chOff x="0" y="0"/>
+          <a:chExt cx="0" cy="0"/>
+        </a:xfrm>
+      </p:grpSpPr>
+      <p:sp>
+        <p:nvSpPr>
+          <p:cNvPr id="2" name="幻灯片图像占位符 1"/>
+          <p:cNvSpPr>
+            <a:spLocks noGrp="1" noRot="1" noChangeAspect="1"/>
+          </p:cNvSpPr>
+          <p:nvPr>
+            <p:ph type="sldImg"/>
+          </p:nvPr>
+        </p:nvSpPr>
+        <p:spPr/>
+      </p:sp>
+      <p:sp>
+        <p:nvSpPr>
+          <p:cNvPr id="3" name="备注占位符 2"/>
+          <p:cNvSpPr>
+            <a:spLocks noGrp="1"/>
+          </p:cNvSpPr>
+          <p:nvPr>
+            <p:ph type="body" idx="1"/>
+          </p:nvPr>
+        </p:nvSpPr>
+        <p:spPr/>
+        <p:txBody>
+          <a:bodyPr/>
+          <a:lstStyle/>
+          <a:p>
+            <a:r>
+              <a:rPr kumimoji="1" lang="zh-CN" altLang="en-US" dirty="0" smtClean="0"/>
+              <a:t>            </a:t>
+            </a:r>
+            <a:r>
+              <a:rPr kumimoji="1" lang="en-US" altLang="zh-CN" dirty="0" err="1" smtClean="0"/>
+              <a:t>EMMessage</a:t>
+            </a:r>
+            <a:r>
+              <a:rPr kumimoji="1" lang="en-US" altLang="zh-CN" dirty="0" smtClean="0"/>
+              <a:t> message = </a:t>
+            </a:r>
+            <a:r>
+              <a:rPr kumimoji="1" lang="en-US" altLang="zh-CN" dirty="0" err="1" smtClean="0"/>
+              <a:t>EMMessage.createSendMessage</a:t>
+            </a:r>
+            <a:r>
+              <a:rPr kumimoji="1" lang="en-US" altLang="zh-CN" dirty="0" smtClean="0"/>
+              <a:t>(</a:t>
+            </a:r>
+            <a:r>
+              <a:rPr kumimoji="1" lang="en-US" altLang="zh-CN" dirty="0" err="1" smtClean="0"/>
+              <a:t>EMMessage.Type.TXT</a:t>
+            </a:r>
+            <a:r>
+              <a:rPr kumimoji="1" lang="en-US" altLang="zh-CN" dirty="0" smtClean="0"/>
+              <a:t>);</a:t>
+            </a:r>
+          </a:p>
+          <a:p>
+            <a:r>
+              <a:rPr kumimoji="1" lang="en-US" altLang="zh-CN" dirty="0" smtClean="0"/>
+              <a:t>           // </a:t>
+            </a:r>
+            <a:r>
+              <a:rPr kumimoji="1" lang="zh-CN" altLang="en-US" dirty="0" smtClean="0"/>
+              <a:t>如果是群聊，设置</a:t>
+            </a:r>
+            <a:r>
+              <a:rPr kumimoji="1" lang="en-US" altLang="zh-CN" dirty="0" err="1" smtClean="0"/>
+              <a:t>chattype</a:t>
+            </a:r>
+            <a:r>
+              <a:rPr kumimoji="1" lang="en-US" altLang="zh-CN" dirty="0" smtClean="0"/>
+              <a:t>,</a:t>
+            </a:r>
+            <a:r>
+              <a:rPr kumimoji="1" lang="zh-CN" altLang="en-US" dirty="0" smtClean="0"/>
+              <a:t>默认是单聊</a:t>
+            </a:r>
+          </a:p>
+          <a:p>
+            <a:r>
+              <a:rPr kumimoji="1" lang="zh-CN" altLang="en-US" dirty="0" smtClean="0"/>
+              <a:t>            </a:t>
+            </a:r>
+            <a:r>
+              <a:rPr kumimoji="1" lang="en-US" altLang="zh-CN" dirty="0" smtClean="0"/>
+              <a:t>if (</a:t>
+            </a:r>
+            <a:r>
+              <a:rPr kumimoji="1" lang="en-US" altLang="zh-CN" dirty="0" err="1" smtClean="0"/>
+              <a:t>chatType</a:t>
+            </a:r>
+            <a:r>
+              <a:rPr kumimoji="1" lang="en-US" altLang="zh-CN" dirty="0" smtClean="0"/>
+              <a:t> == CHATTYPE_GROUP) {</a:t>
+            </a:r>
+          </a:p>
+          <a:p>
+            <a:r>
+              <a:rPr kumimoji="1" lang="en-US" altLang="zh-CN" dirty="0" smtClean="0"/>
+              <a:t>                </a:t>
+            </a:r>
+            <a:r>
+              <a:rPr kumimoji="1" lang="en-US" altLang="zh-CN" dirty="0" err="1" smtClean="0"/>
+              <a:t>message.setChatType</a:t>
+            </a:r>
+            <a:r>
+              <a:rPr kumimoji="1" lang="en-US" altLang="zh-CN" dirty="0" smtClean="0"/>
+              <a:t>(</a:t>
+            </a:r>
+            <a:r>
+              <a:rPr kumimoji="1" lang="en-US" altLang="zh-CN" dirty="0" err="1" smtClean="0"/>
+              <a:t>ChatType.GroupChat</a:t>
+            </a:r>
+            <a:r>
+              <a:rPr kumimoji="1" lang="en-US" altLang="zh-CN" dirty="0" smtClean="0"/>
+              <a:t>);</a:t>
+            </a:r>
+          </a:p>
+          <a:p>
+            <a:r>
+              <a:rPr kumimoji="1" lang="en-US" altLang="zh-CN" dirty="0" smtClean="0"/>
+              <a:t>            } else if (</a:t>
+            </a:r>
+            <a:r>
+              <a:rPr kumimoji="1" lang="en-US" altLang="zh-CN" dirty="0" err="1" smtClean="0"/>
+              <a:t>chatType</a:t>
+            </a:r>
+            <a:r>
+              <a:rPr kumimoji="1" lang="en-US" altLang="zh-CN" dirty="0" smtClean="0"/>
+              <a:t> == CHATTYPE_CHATROOM) {</a:t>
+            </a:r>
+          </a:p>
+          <a:p>
+            <a:r>
+              <a:rPr kumimoji="1" lang="en-US" altLang="zh-CN" dirty="0" smtClean="0"/>
+              <a:t>                </a:t>
+            </a:r>
+            <a:r>
+              <a:rPr kumimoji="1" lang="en-US" altLang="zh-CN" dirty="0" err="1" smtClean="0"/>
+              <a:t>message.setChatType</a:t>
+            </a:r>
+            <a:r>
+              <a:rPr kumimoji="1" lang="en-US" altLang="zh-CN" dirty="0" smtClean="0"/>
+              <a:t>(</a:t>
+            </a:r>
+            <a:r>
+              <a:rPr kumimoji="1" lang="en-US" altLang="zh-CN" dirty="0" err="1" smtClean="0"/>
+              <a:t>ChatType.ChatRoom</a:t>
+            </a:r>
+            <a:r>
+              <a:rPr kumimoji="1" lang="en-US" altLang="zh-CN" dirty="0" smtClean="0"/>
+              <a:t>);</a:t>
+            </a:r>
+          </a:p>
+          <a:p>
+            <a:r>
+              <a:rPr kumimoji="1" lang="en-US" altLang="zh-CN" dirty="0" smtClean="0"/>
+              <a:t>            }</a:t>
+            </a:r>
+          </a:p>
+          <a:p>
+            <a:r>
+              <a:rPr kumimoji="1" lang="en-US" altLang="zh-CN" dirty="0" smtClean="0"/>
+              <a:t>            if (</a:t>
+            </a:r>
+            <a:r>
+              <a:rPr kumimoji="1" lang="en-US" altLang="zh-CN" dirty="0" err="1" smtClean="0"/>
+              <a:t>isRobot</a:t>
+            </a:r>
+            <a:r>
+              <a:rPr kumimoji="1" lang="en-US" altLang="zh-CN" dirty="0" smtClean="0"/>
+              <a:t>) {</a:t>
+            </a:r>
+          </a:p>
+          <a:p>
+            <a:r>
+              <a:rPr kumimoji="1" lang="en-US" altLang="zh-CN" dirty="0" smtClean="0"/>
+              <a:t>                </a:t>
+            </a:r>
+            <a:r>
+              <a:rPr kumimoji="1" lang="en-US" altLang="zh-CN" dirty="0" err="1" smtClean="0"/>
+              <a:t>message.setAttribute</a:t>
+            </a:r>
+            <a:r>
+              <a:rPr kumimoji="1" lang="en-US" altLang="zh-CN" dirty="0" smtClean="0"/>
+              <a:t>("</a:t>
+            </a:r>
+            <a:r>
+              <a:rPr kumimoji="1" lang="en-US" altLang="zh-CN" dirty="0" err="1" smtClean="0"/>
+              <a:t>em_robot_message</a:t>
+            </a:r>
+            <a:r>
+              <a:rPr kumimoji="1" lang="en-US" altLang="zh-CN" dirty="0" smtClean="0"/>
+              <a:t>", true);</a:t>
+            </a:r>
+          </a:p>
+          <a:p>
+            <a:r>
+              <a:rPr kumimoji="1" lang="en-US" altLang="zh-CN" dirty="0" smtClean="0"/>
+              <a:t>            }</a:t>
+            </a:r>
+          </a:p>
+          <a:p>
+            <a:r>
+              <a:rPr kumimoji="1" lang="en-US" altLang="zh-CN" dirty="0" smtClean="0"/>
+              <a:t>            </a:t>
+            </a:r>
+            <a:r>
+              <a:rPr kumimoji="1" lang="en-US" altLang="zh-CN" dirty="0" err="1" smtClean="0"/>
+              <a:t>EMTextMessageBody</a:t>
+            </a:r>
+            <a:r>
+              <a:rPr kumimoji="1" lang="en-US" altLang="zh-CN" dirty="0" smtClean="0"/>
+              <a:t> </a:t>
+            </a:r>
+            <a:r>
+              <a:rPr kumimoji="1" lang="en-US" altLang="zh-CN" dirty="0" err="1" smtClean="0"/>
+              <a:t>txtBody</a:t>
+            </a:r>
+            <a:r>
+              <a:rPr kumimoji="1" lang="en-US" altLang="zh-CN" dirty="0" smtClean="0"/>
+              <a:t> = new </a:t>
+            </a:r>
+            <a:r>
+              <a:rPr kumimoji="1" lang="en-US" altLang="zh-CN" dirty="0" err="1" smtClean="0"/>
+              <a:t>EMTextMessageBody</a:t>
+            </a:r>
+            <a:r>
+              <a:rPr kumimoji="1" lang="en-US" altLang="zh-CN" dirty="0" smtClean="0"/>
+              <a:t>(content);</a:t>
+            </a:r>
+          </a:p>
+          <a:p>
+            <a:r>
+              <a:rPr kumimoji="1" lang="en-US" altLang="zh-CN" dirty="0" smtClean="0"/>
+              <a:t>            // </a:t>
+            </a:r>
+            <a:r>
+              <a:rPr kumimoji="1" lang="zh-CN" altLang="en-US" dirty="0" smtClean="0"/>
+              <a:t>设置消息</a:t>
+            </a:r>
+            <a:r>
+              <a:rPr kumimoji="1" lang="en-US" altLang="zh-CN" dirty="0" smtClean="0"/>
+              <a:t>body</a:t>
+            </a:r>
+          </a:p>
+          <a:p>
+            <a:r>
+              <a:rPr kumimoji="1" lang="en-US" altLang="zh-CN" dirty="0" smtClean="0"/>
+              <a:t>            </a:t>
+            </a:r>
+            <a:r>
+              <a:rPr kumimoji="1" lang="en-US" altLang="zh-CN" dirty="0" err="1" smtClean="0"/>
+              <a:t>message.addBody</a:t>
+            </a:r>
+            <a:r>
+              <a:rPr kumimoji="1" lang="en-US" altLang="zh-CN" dirty="0" smtClean="0"/>
+              <a:t>(</a:t>
+            </a:r>
+            <a:r>
+              <a:rPr kumimoji="1" lang="en-US" altLang="zh-CN" dirty="0" err="1" smtClean="0"/>
+              <a:t>txtBody</a:t>
+            </a:r>
+            <a:r>
+              <a:rPr kumimoji="1" lang="en-US" altLang="zh-CN" dirty="0" smtClean="0"/>
+              <a:t>);</a:t>
+            </a:r>
+          </a:p>
+          <a:p>
+            <a:r>
+              <a:rPr kumimoji="1" lang="en-US" altLang="zh-CN" dirty="0" smtClean="0"/>
+              <a:t>            // </a:t>
+            </a:r>
+            <a:r>
+              <a:rPr kumimoji="1" lang="zh-CN" altLang="en-US" dirty="0" smtClean="0"/>
+              <a:t>设置要发给谁</a:t>
+            </a:r>
+            <a:r>
+              <a:rPr kumimoji="1" lang="en-US" altLang="zh-CN" dirty="0" smtClean="0"/>
+              <a:t>,</a:t>
+            </a:r>
+            <a:r>
+              <a:rPr kumimoji="1" lang="zh-CN" altLang="en-US" dirty="0" smtClean="0"/>
+              <a:t>用户</a:t>
+            </a:r>
+            <a:r>
+              <a:rPr kumimoji="1" lang="en-US" altLang="zh-CN" dirty="0" smtClean="0"/>
+              <a:t>username</a:t>
+            </a:r>
+            <a:r>
+              <a:rPr kumimoji="1" lang="zh-CN" altLang="en-US" dirty="0" smtClean="0"/>
+              <a:t>或者群聊</a:t>
+            </a:r>
+            <a:r>
+              <a:rPr kumimoji="1" lang="en-US" altLang="zh-CN" dirty="0" err="1" smtClean="0"/>
+              <a:t>groupid</a:t>
+            </a:r>
+            <a:endParaRPr kumimoji="1" lang="en-US" altLang="zh-CN" dirty="0" smtClean="0"/>
+          </a:p>
+          <a:p>
+            <a:r>
+              <a:rPr kumimoji="1" lang="en-US" altLang="zh-CN" dirty="0" smtClean="0"/>
+              <a:t>            </a:t>
+            </a:r>
+            <a:r>
+              <a:rPr kumimoji="1" lang="en-US" altLang="zh-CN" dirty="0" err="1" smtClean="0"/>
+              <a:t>message.setReceipt</a:t>
+            </a:r>
+            <a:r>
+              <a:rPr kumimoji="1" lang="en-US" altLang="zh-CN" dirty="0" smtClean="0"/>
+              <a:t>(</a:t>
+            </a:r>
+            <a:r>
+              <a:rPr kumimoji="1" lang="en-US" altLang="zh-CN" dirty="0" err="1" smtClean="0"/>
+              <a:t>toChatUsername</a:t>
+            </a:r>
+            <a:r>
+              <a:rPr kumimoji="1" lang="en-US" altLang="zh-CN" dirty="0" smtClean="0"/>
+              <a:t>);</a:t>
+            </a:r>
+          </a:p>
+          <a:p>
+            <a:r>
+              <a:rPr kumimoji="1" lang="en-US" altLang="zh-CN" dirty="0" smtClean="0"/>
+              <a:t>            </a:t>
+            </a:r>
+          </a:p>
+          <a:p>
+            <a:r>
+              <a:rPr kumimoji="1" lang="en-US" altLang="zh-CN" dirty="0" smtClean="0"/>
+              <a:t>            // </a:t>
+            </a:r>
+            <a:r>
+              <a:rPr kumimoji="1" lang="zh-CN" altLang="en-US" dirty="0" smtClean="0"/>
+              <a:t>发送消息</a:t>
+            </a:r>
+          </a:p>
+          <a:p>
+            <a:r>
+              <a:rPr kumimoji="1" lang="zh-CN" altLang="en-US" dirty="0" smtClean="0"/>
+              <a:t>            </a:t>
+            </a:r>
+            <a:r>
+              <a:rPr kumimoji="1" lang="en-US" altLang="zh-CN" dirty="0" err="1" smtClean="0"/>
+              <a:t>EMClient.getInstance</a:t>
+            </a:r>
+            <a:r>
+              <a:rPr kumimoji="1" lang="en-US" altLang="zh-CN" dirty="0" smtClean="0"/>
+              <a:t>().</a:t>
+            </a:r>
+            <a:r>
+              <a:rPr kumimoji="1" lang="en-US" altLang="zh-CN" dirty="0" err="1" smtClean="0"/>
+              <a:t>chatManager</a:t>
+            </a:r>
+            <a:r>
+              <a:rPr kumimoji="1" lang="en-US" altLang="zh-CN" dirty="0" smtClean="0"/>
+              <a:t>().</a:t>
+            </a:r>
+            <a:r>
+              <a:rPr kumimoji="1" lang="en-US" altLang="zh-CN" dirty="0" err="1" smtClean="0"/>
+              <a:t>sendMessage</a:t>
+            </a:r>
+            <a:r>
+              <a:rPr kumimoji="1" lang="en-US" altLang="zh-CN" dirty="0" smtClean="0"/>
+              <a:t>(message);</a:t>
+            </a:r>
+            <a:endParaRPr kumimoji="1" lang="zh-CN" altLang="en-US" dirty="0"/>
+          </a:p>
+        </p:txBody>
+      </p:sp>
+      <p:sp>
+        <p:nvSpPr>
+          <p:cNvPr id="4" name="幻灯片编号占位符 3"/>
+          <p:cNvSpPr>
+            <a:spLocks noGrp="1"/>
+          </p:cNvSpPr>
+          <p:nvPr>
+            <p:ph type="sldNum" sz="quarter" idx="10"/>
+          </p:nvPr>
+        </p:nvSpPr>
+        <p:spPr/>
+        <p:txBody>
+          <a:bodyPr/>
+          <a:lstStyle/>
+          <a:p>
+            <a:fld id="{7F23289A-29F9-AB45-8ADB-162B1E17C738}" type="slidenum">
+              <a:rPr kumimoji="1" lang="zh-CN" altLang="en-US" smtClean="0"/>
+              <a:t>15</a:t>
+            </a:fld>
+            <a:endParaRPr kumimoji="1" lang="zh-CN" altLang="en-US"/>
+          </a:p>
+        </p:txBody>
+      </p:sp>
+    </p:spTree>
+    <p:extLst>
+      <p:ext uri="{BB962C8B-B14F-4D97-AF65-F5344CB8AC3E}">
+        <p14:creationId xmlns:p14="http://schemas.microsoft.com/office/powerpoint/2010/main" val="1211108687"/>
+      </p:ext>
+    </p:extLst>
+  </p:cSld>
+  <p:clrMapOvr>
+    <a:masterClrMapping/>
+  </p:clrMapOvr>
+</p:notes>
+</file>
+
+<file path=ppt/notesSlides/notesSlide2.xml><?xml version="1.0" encoding="utf-8"?>
+<p:notes xmlns:a="http://schemas.openxmlformats.org/drawingml/2006/main" xmlns:r="http://schemas.openxmlformats.org/officeDocument/2006/relationships" xmlns:p="http://schemas.openxmlformats.org/presentationml/2006/main">
+  <p:cSld>
+    <p:spTree>
+      <p:nvGrpSpPr>
+        <p:cNvPr id="1" name=""/>
+        <p:cNvGrpSpPr/>
+        <p:nvPr/>
+      </p:nvGrpSpPr>
+      <p:grpSpPr>
+        <a:xfrm>
+          <a:off x="0" y="0"/>
+          <a:ext cx="0" cy="0"/>
+          <a:chOff x="0" y="0"/>
+          <a:chExt cx="0" cy="0"/>
+        </a:xfrm>
+      </p:grpSpPr>
+      <p:sp>
+        <p:nvSpPr>
+          <p:cNvPr id="2" name="幻灯片图像占位符 1"/>
+          <p:cNvSpPr>
+            <a:spLocks noGrp="1" noRot="1" noChangeAspect="1"/>
+          </p:cNvSpPr>
+          <p:nvPr>
+            <p:ph type="sldImg"/>
+          </p:nvPr>
+        </p:nvSpPr>
+        <p:spPr/>
+      </p:sp>
+      <p:sp>
+        <p:nvSpPr>
+          <p:cNvPr id="3" name="备注占位符 2"/>
+          <p:cNvSpPr>
+            <a:spLocks noGrp="1"/>
+          </p:cNvSpPr>
+          <p:nvPr>
+            <p:ph type="body" idx="1"/>
+          </p:nvPr>
+        </p:nvSpPr>
+        <p:spPr/>
+        <p:txBody>
+          <a:bodyPr/>
+          <a:lstStyle/>
+          <a:p>
+            <a:r>
+              <a:rPr kumimoji="1" lang="en-US" altLang="zh-CN" dirty="0" err="1" smtClean="0"/>
+              <a:t>getAllMessages</a:t>
+            </a:r>
+            <a:endParaRPr kumimoji="1" lang="en-US" altLang="zh-CN" dirty="0" smtClean="0"/>
+          </a:p>
+          <a:p>
+            <a:pPr marL="171450" indent="-171450">
+              <a:buFont typeface="Arial"/>
+              <a:buChar char="•"/>
+            </a:pPr>
+            <a:r>
+              <a:rPr kumimoji="1" lang="zh-CN" altLang="en-US" dirty="0" smtClean="0"/>
+              <a:t>按时间排序返回当前</a:t>
+            </a:r>
+            <a:r>
+              <a:rPr kumimoji="1" lang="en-US" altLang="zh-CN" dirty="0" smtClean="0"/>
+              <a:t>cache</a:t>
+            </a:r>
+            <a:r>
+              <a:rPr kumimoji="1" lang="zh-CN" altLang="en-US" dirty="0" smtClean="0"/>
+              <a:t>里的消息</a:t>
+            </a:r>
+            <a:endParaRPr kumimoji="1" lang="en-US" altLang="zh-CN" dirty="0" smtClean="0"/>
+          </a:p>
+          <a:p>
+            <a:pPr marL="171450" indent="-171450">
+              <a:buFont typeface="Arial"/>
+              <a:buChar char="•"/>
+            </a:pPr>
+            <a:endParaRPr kumimoji="1" lang="en-US" altLang="zh-CN" dirty="0" smtClean="0"/>
+          </a:p>
+          <a:p>
+            <a:pPr marL="0" indent="0">
+              <a:buFont typeface="Arial"/>
+              <a:buNone/>
+            </a:pPr>
+            <a:r>
+              <a:rPr kumimoji="1" lang="en-US" altLang="zh-CN" dirty="0" err="1" smtClean="0"/>
+              <a:t>loadMoreMsgFromDB</a:t>
+            </a:r>
+            <a:r>
+              <a:rPr kumimoji="1" lang="en-US" altLang="zh-CN" dirty="0" smtClean="0"/>
+              <a:t>(</a:t>
+            </a:r>
+            <a:r>
+              <a:rPr kumimoji="1" lang="en-US" altLang="zh-CN" dirty="0" err="1" smtClean="0"/>
+              <a:t>msgId</a:t>
+            </a:r>
+            <a:r>
+              <a:rPr kumimoji="1" lang="en-US" altLang="zh-CN" dirty="0" smtClean="0"/>
+              <a:t>, </a:t>
+            </a:r>
+            <a:r>
+              <a:rPr kumimoji="1" lang="en-US" altLang="zh-CN" dirty="0" err="1" smtClean="0"/>
+              <a:t>pagesize</a:t>
+            </a:r>
+            <a:r>
+              <a:rPr kumimoji="1" lang="en-US" altLang="zh-CN" dirty="0" smtClean="0"/>
+              <a:t>);</a:t>
+            </a:r>
+          </a:p>
+          <a:p>
+            <a:pPr marL="171450" indent="-171450">
+              <a:buFont typeface="Arial"/>
+              <a:buChar char="•"/>
+            </a:pPr>
+            <a:r>
+              <a:rPr kumimoji="1" lang="zh-CN" altLang="en-US" dirty="0" smtClean="0"/>
+              <a:t>获取更多的消息</a:t>
+            </a:r>
+            <a:endParaRPr kumimoji="1" lang="en-US" altLang="zh-CN" dirty="0" smtClean="0"/>
+          </a:p>
+        </p:txBody>
+      </p:sp>
+      <p:sp>
+        <p:nvSpPr>
+          <p:cNvPr id="4" name="幻灯片编号占位符 3"/>
+          <p:cNvSpPr>
+            <a:spLocks noGrp="1"/>
+          </p:cNvSpPr>
+          <p:nvPr>
+            <p:ph type="sldNum" sz="quarter" idx="10"/>
+          </p:nvPr>
+        </p:nvSpPr>
+        <p:spPr/>
+        <p:txBody>
+          <a:bodyPr/>
+          <a:lstStyle/>
+          <a:p>
+            <a:fld id="{7F23289A-29F9-AB45-8ADB-162B1E17C738}" type="slidenum">
+              <a:rPr kumimoji="1" lang="zh-CN" altLang="en-US" smtClean="0"/>
+              <a:t>16</a:t>
+            </a:fld>
+            <a:endParaRPr kumimoji="1" lang="zh-CN" altLang="en-US"/>
+          </a:p>
+        </p:txBody>
+      </p:sp>
+    </p:spTree>
+    <p:extLst>
+      <p:ext uri="{BB962C8B-B14F-4D97-AF65-F5344CB8AC3E}">
+        <p14:creationId xmlns:p14="http://schemas.microsoft.com/office/powerpoint/2010/main" val="726066223"/>
+      </p:ext>
+    </p:extLst>
+  </p:cSld>
+  <p:clrMapOvr>
+    <a:masterClrMapping/>
+  </p:clrMapOvr>
+</p:notes>
+</file>
+
+<file path=ppt/notesSlides/notesSlide3.xml><?xml version="1.0" encoding="utf-8"?>
+<p:notes xmlns:a="http://schemas.openxmlformats.org/drawingml/2006/main" xmlns:r="http://schemas.openxmlformats.org/officeDocument/2006/relationships" xmlns:p="http://schemas.openxmlformats.org/presentationml/2006/main">
+  <p:cSld>
+    <p:spTree>
+      <p:nvGrpSpPr>
+        <p:cNvPr id="1" name=""/>
+        <p:cNvGrpSpPr/>
+        <p:nvPr/>
+      </p:nvGrpSpPr>
+      <p:grpSpPr>
+        <a:xfrm>
+          <a:off x="0" y="0"/>
+          <a:ext cx="0" cy="0"/>
+          <a:chOff x="0" y="0"/>
+          <a:chExt cx="0" cy="0"/>
+        </a:xfrm>
+      </p:grpSpPr>
+      <p:sp>
+        <p:nvSpPr>
+          <p:cNvPr id="2" name="幻灯片图像占位符 1"/>
+          <p:cNvSpPr>
+            <a:spLocks noGrp="1" noRot="1" noChangeAspect="1"/>
+          </p:cNvSpPr>
+          <p:nvPr>
+            <p:ph type="sldImg"/>
+          </p:nvPr>
+        </p:nvSpPr>
+        <p:spPr/>
+      </p:sp>
+      <p:sp>
+        <p:nvSpPr>
+          <p:cNvPr id="3" name="备注占位符 2"/>
+          <p:cNvSpPr>
+            <a:spLocks noGrp="1"/>
+          </p:cNvSpPr>
+          <p:nvPr>
+            <p:ph type="body" idx="1"/>
+          </p:nvPr>
+        </p:nvSpPr>
+        <p:spPr/>
+        <p:txBody>
+          <a:bodyPr/>
+          <a:lstStyle/>
+          <a:p>
+            <a:endParaRPr kumimoji="1" lang="zh-CN" altLang="en-US" dirty="0"/>
+          </a:p>
+        </p:txBody>
+      </p:sp>
+      <p:sp>
+        <p:nvSpPr>
+          <p:cNvPr id="4" name="幻灯片编号占位符 3"/>
+          <p:cNvSpPr>
+            <a:spLocks noGrp="1"/>
+          </p:cNvSpPr>
+          <p:nvPr>
+            <p:ph type="sldNum" sz="quarter" idx="10"/>
+          </p:nvPr>
+        </p:nvSpPr>
+        <p:spPr/>
+        <p:txBody>
+          <a:bodyPr/>
+          <a:lstStyle/>
+          <a:p>
+            <a:fld id="{7F23289A-29F9-AB45-8ADB-162B1E17C738}" type="slidenum">
+              <a:rPr kumimoji="1" lang="zh-CN" altLang="en-US" smtClean="0"/>
+              <a:t>28</a:t>
+            </a:fld>
+            <a:endParaRPr kumimoji="1" lang="zh-CN" altLang="en-US"/>
+          </a:p>
+        </p:txBody>
+      </p:sp>
+    </p:spTree>
+    <p:extLst>
+      <p:ext uri="{BB962C8B-B14F-4D97-AF65-F5344CB8AC3E}">
+        <p14:creationId xmlns:p14="http://schemas.microsoft.com/office/powerpoint/2010/main" val="2912068373"/>
+      </p:ext>
+    </p:extLst>
+  </p:cSld>
+  <p:clrMapOvr>
+    <a:masterClrMapping/>
+  </p:clrMapOvr>
+</p:notes>
+</file>
+
+<file path=ppt/notesSlides/notesSlide4.xml><?xml version="1.0" encoding="utf-8"?>
+<p:notes xmlns:a="http://schemas.openxmlformats.org/drawingml/2006/main" xmlns:r="http://schemas.openxmlformats.org/officeDocument/2006/relationships" xmlns:p="http://schemas.openxmlformats.org/presentationml/2006/main">
+  <p:cSld>
+    <p:spTree>
+      <p:nvGrpSpPr>
+        <p:cNvPr id="1" name=""/>
+        <p:cNvGrpSpPr/>
+        <p:nvPr/>
+      </p:nvGrpSpPr>
+      <p:grpSpPr>
+        <a:xfrm>
+          <a:off x="0" y="0"/>
+          <a:ext cx="0" cy="0"/>
+          <a:chOff x="0" y="0"/>
+          <a:chExt cx="0" cy="0"/>
+        </a:xfrm>
+      </p:grpSpPr>
+      <p:sp>
+        <p:nvSpPr>
+          <p:cNvPr id="2" name="幻灯片图像占位符 1"/>
+          <p:cNvSpPr>
+            <a:spLocks noGrp="1" noRot="1" noChangeAspect="1"/>
+          </p:cNvSpPr>
+          <p:nvPr>
+            <p:ph type="sldImg"/>
+          </p:nvPr>
+        </p:nvSpPr>
+        <p:spPr/>
+      </p:sp>
+      <p:sp>
+        <p:nvSpPr>
+          <p:cNvPr id="3" name="备注占位符 2"/>
+          <p:cNvSpPr>
+            <a:spLocks noGrp="1"/>
+          </p:cNvSpPr>
+          <p:nvPr>
+            <p:ph type="body" idx="1"/>
+          </p:nvPr>
+        </p:nvSpPr>
+        <p:spPr/>
+        <p:txBody>
+          <a:bodyPr/>
+          <a:lstStyle/>
+          <a:p>
+            <a:r>
+              <a:rPr kumimoji="1" lang="en-US" altLang="zh-CN" dirty="0" err="1" smtClean="0"/>
+              <a:t>EMMessage</a:t>
+            </a:r>
+            <a:r>
+              <a:rPr kumimoji="1" lang="en-US" altLang="zh-CN" dirty="0" smtClean="0"/>
+              <a:t> message = </a:t>
+            </a:r>
+            <a:r>
+              <a:rPr kumimoji="1" lang="en-US" altLang="zh-CN" dirty="0" err="1" smtClean="0"/>
+              <a:t>EMMessage.createSendMessage</a:t>
+            </a:r>
+            <a:r>
+              <a:rPr kumimoji="1" lang="en-US" altLang="zh-CN" dirty="0" smtClean="0"/>
+              <a:t>(</a:t>
+            </a:r>
+            <a:r>
+              <a:rPr kumimoji="1" lang="en-US" altLang="zh-CN" dirty="0" err="1" smtClean="0"/>
+              <a:t>EMMessage.Type.TXT</a:t>
+            </a:r>
+            <a:r>
+              <a:rPr kumimoji="1" lang="en-US" altLang="zh-CN" dirty="0" smtClean="0"/>
+              <a:t>);</a:t>
+            </a:r>
+          </a:p>
+          <a:p>
+            <a:r>
+              <a:rPr kumimoji="1" lang="en-US" altLang="zh-CN" dirty="0" smtClean="0"/>
+              <a:t>            // </a:t>
+            </a:r>
+            <a:r>
+              <a:rPr kumimoji="1" lang="zh-CN" altLang="en-US" dirty="0" smtClean="0"/>
+              <a:t>如果是群聊，设置</a:t>
+            </a:r>
+            <a:r>
+              <a:rPr kumimoji="1" lang="en-US" altLang="zh-CN" dirty="0" err="1" smtClean="0"/>
+              <a:t>chattype</a:t>
+            </a:r>
+            <a:r>
+              <a:rPr kumimoji="1" lang="en-US" altLang="zh-CN" dirty="0" smtClean="0"/>
+              <a:t>,</a:t>
+            </a:r>
+            <a:r>
+              <a:rPr kumimoji="1" lang="zh-CN" altLang="en-US" dirty="0" smtClean="0"/>
+              <a:t>默认是单聊</a:t>
+            </a:r>
+          </a:p>
+          <a:p>
+            <a:r>
+              <a:rPr kumimoji="1" lang="zh-CN" altLang="en-US" dirty="0" smtClean="0"/>
+              <a:t>            </a:t>
+            </a:r>
+            <a:r>
+              <a:rPr kumimoji="1" lang="en-US" altLang="zh-CN" dirty="0" smtClean="0"/>
+              <a:t>if (</a:t>
+            </a:r>
+            <a:r>
+              <a:rPr kumimoji="1" lang="en-US" altLang="zh-CN" dirty="0" err="1" smtClean="0"/>
+              <a:t>chatType</a:t>
+            </a:r>
+            <a:r>
+              <a:rPr kumimoji="1" lang="en-US" altLang="zh-CN" dirty="0" smtClean="0"/>
+              <a:t> == CHATTYPE_GROUP) {</a:t>
+            </a:r>
+          </a:p>
+          <a:p>
+            <a:r>
+              <a:rPr kumimoji="1" lang="en-US" altLang="zh-CN" dirty="0" smtClean="0"/>
+              <a:t>                </a:t>
+            </a:r>
+            <a:r>
+              <a:rPr kumimoji="1" lang="en-US" altLang="zh-CN" dirty="0" err="1" smtClean="0"/>
+              <a:t>message.setChatType</a:t>
+            </a:r>
+            <a:r>
+              <a:rPr kumimoji="1" lang="en-US" altLang="zh-CN" dirty="0" smtClean="0"/>
+              <a:t>(</a:t>
+            </a:r>
+            <a:r>
+              <a:rPr kumimoji="1" lang="en-US" altLang="zh-CN" dirty="0" err="1" smtClean="0"/>
+              <a:t>ChatType.GroupChat</a:t>
+            </a:r>
+            <a:r>
+              <a:rPr kumimoji="1" lang="en-US" altLang="zh-CN" dirty="0" smtClean="0"/>
+              <a:t>);</a:t>
+            </a:r>
+          </a:p>
+          <a:p>
+            <a:r>
+              <a:rPr kumimoji="1" lang="en-US" altLang="zh-CN" dirty="0" smtClean="0"/>
+              <a:t>            } else if (</a:t>
+            </a:r>
+            <a:r>
+              <a:rPr kumimoji="1" lang="en-US" altLang="zh-CN" dirty="0" err="1" smtClean="0"/>
+              <a:t>chatType</a:t>
+            </a:r>
+            <a:r>
+              <a:rPr kumimoji="1" lang="en-US" altLang="zh-CN" dirty="0" smtClean="0"/>
+              <a:t> == CHATTYPE_CHATROOM) {</a:t>
+            </a:r>
+          </a:p>
+          <a:p>
+            <a:r>
+              <a:rPr kumimoji="1" lang="en-US" altLang="zh-CN" dirty="0" smtClean="0"/>
+              <a:t>                </a:t>
+            </a:r>
+            <a:r>
+              <a:rPr kumimoji="1" lang="en-US" altLang="zh-CN" dirty="0" err="1" smtClean="0"/>
+              <a:t>message.setChatType</a:t>
+            </a:r>
+            <a:r>
+              <a:rPr kumimoji="1" lang="en-US" altLang="zh-CN" dirty="0" smtClean="0"/>
+              <a:t>(</a:t>
+            </a:r>
+            <a:r>
+              <a:rPr kumimoji="1" lang="en-US" altLang="zh-CN" dirty="0" err="1" smtClean="0"/>
+              <a:t>ChatType.ChatRoom</a:t>
+            </a:r>
+            <a:r>
+              <a:rPr kumimoji="1" lang="en-US" altLang="zh-CN" dirty="0" smtClean="0"/>
+              <a:t>);</a:t>
+            </a:r>
+          </a:p>
+          <a:p>
+            <a:r>
+              <a:rPr kumimoji="1" lang="en-US" altLang="zh-CN" dirty="0" smtClean="0"/>
+              <a:t>            }</a:t>
+            </a:r>
+          </a:p>
+          <a:p>
+            <a:endParaRPr kumimoji="1" lang="en-US" altLang="zh-CN" dirty="0" smtClean="0"/>
+          </a:p>
+          <a:p>
+            <a:r>
+              <a:rPr kumimoji="1" lang="en-US" altLang="zh-CN" dirty="0" smtClean="0"/>
+              <a:t>            </a:t>
+            </a:r>
+            <a:r>
+              <a:rPr kumimoji="1" lang="en-US" altLang="zh-CN" dirty="0" err="1" smtClean="0"/>
+              <a:t>EMTextMessageBody</a:t>
+            </a:r>
+            <a:r>
+              <a:rPr kumimoji="1" lang="en-US" altLang="zh-CN" dirty="0" smtClean="0"/>
+              <a:t> </a:t>
+            </a:r>
+            <a:r>
+              <a:rPr kumimoji="1" lang="en-US" altLang="zh-CN" dirty="0" err="1" smtClean="0"/>
+              <a:t>txtBody</a:t>
+            </a:r>
+            <a:r>
+              <a:rPr kumimoji="1" lang="en-US" altLang="zh-CN" dirty="0" smtClean="0"/>
+              <a:t> = new </a:t>
+            </a:r>
+            <a:r>
+              <a:rPr kumimoji="1" lang="en-US" altLang="zh-CN" dirty="0" err="1" smtClean="0"/>
+              <a:t>EMTextMessageBody</a:t>
+            </a:r>
+            <a:r>
+              <a:rPr kumimoji="1" lang="en-US" altLang="zh-CN" dirty="0" smtClean="0"/>
+              <a:t>(content);</a:t>
+            </a:r>
+          </a:p>
+          <a:p>
+            <a:r>
+              <a:rPr kumimoji="1" lang="en-US" altLang="zh-CN" dirty="0" smtClean="0"/>
+              <a:t>            // </a:t>
+            </a:r>
+            <a:r>
+              <a:rPr kumimoji="1" lang="zh-CN" altLang="en-US" dirty="0" smtClean="0"/>
+              <a:t>设置消息</a:t>
+            </a:r>
+            <a:r>
+              <a:rPr kumimoji="1" lang="en-US" altLang="zh-CN" dirty="0" smtClean="0"/>
+              <a:t>body</a:t>
+            </a:r>
+          </a:p>
+          <a:p>
+            <a:r>
+              <a:rPr kumimoji="1" lang="en-US" altLang="zh-CN" dirty="0" smtClean="0"/>
+              <a:t>            </a:t>
+            </a:r>
+            <a:r>
+              <a:rPr kumimoji="1" lang="en-US" altLang="zh-CN" dirty="0" err="1" smtClean="0"/>
+              <a:t>message.addBody</a:t>
+            </a:r>
+            <a:r>
+              <a:rPr kumimoji="1" lang="en-US" altLang="zh-CN" dirty="0" smtClean="0"/>
+              <a:t>(</a:t>
+            </a:r>
+            <a:r>
+              <a:rPr kumimoji="1" lang="en-US" altLang="zh-CN" dirty="0" err="1" smtClean="0"/>
+              <a:t>txtBody</a:t>
+            </a:r>
+            <a:r>
+              <a:rPr kumimoji="1" lang="en-US" altLang="zh-CN" dirty="0" smtClean="0"/>
+              <a:t>);</a:t>
+            </a:r>
+          </a:p>
+          <a:p>
+            <a:r>
+              <a:rPr kumimoji="1" lang="en-US" altLang="zh-CN" dirty="0" smtClean="0"/>
+              <a:t>            // </a:t>
+            </a:r>
+            <a:r>
+              <a:rPr kumimoji="1" lang="zh-CN" altLang="en-US" dirty="0" smtClean="0"/>
+              <a:t>设置要发给谁</a:t>
+            </a:r>
+            <a:r>
+              <a:rPr kumimoji="1" lang="en-US" altLang="zh-CN" dirty="0" smtClean="0"/>
+              <a:t>,</a:t>
+            </a:r>
+            <a:r>
+              <a:rPr kumimoji="1" lang="zh-CN" altLang="en-US" dirty="0" smtClean="0"/>
+              <a:t>用户</a:t>
+            </a:r>
+            <a:r>
+              <a:rPr kumimoji="1" lang="en-US" altLang="zh-CN" dirty="0" smtClean="0"/>
+              <a:t>username</a:t>
+            </a:r>
+            <a:r>
+              <a:rPr kumimoji="1" lang="zh-CN" altLang="en-US" dirty="0" smtClean="0"/>
+              <a:t>或者群聊</a:t>
+            </a:r>
+            <a:r>
+              <a:rPr kumimoji="1" lang="en-US" altLang="zh-CN" dirty="0" err="1" smtClean="0"/>
+              <a:t>groupid</a:t>
+            </a:r>
+            <a:endParaRPr kumimoji="1" lang="en-US" altLang="zh-CN" dirty="0" smtClean="0"/>
+          </a:p>
+          <a:p>
+            <a:r>
+              <a:rPr kumimoji="1" lang="en-US" altLang="zh-CN" dirty="0" smtClean="0"/>
+              <a:t>            </a:t>
+            </a:r>
+            <a:r>
+              <a:rPr kumimoji="1" lang="en-US" altLang="zh-CN" dirty="0" err="1" smtClean="0"/>
+              <a:t>message.setReceipt</a:t>
+            </a:r>
+            <a:r>
+              <a:rPr kumimoji="1" lang="en-US" altLang="zh-CN" dirty="0" smtClean="0"/>
+              <a:t>(</a:t>
+            </a:r>
+            <a:r>
+              <a:rPr kumimoji="1" lang="en-US" altLang="zh-CN" dirty="0" err="1" smtClean="0"/>
+              <a:t>toChatUsername</a:t>
+            </a:r>
+            <a:r>
+              <a:rPr kumimoji="1" lang="en-US" altLang="zh-CN" dirty="0" smtClean="0"/>
+              <a:t>);</a:t>
+            </a:r>
+          </a:p>
+          <a:p>
+            <a:r>
+              <a:rPr kumimoji="1" lang="en-US" altLang="zh-CN" dirty="0" smtClean="0"/>
+              <a:t>            </a:t>
+            </a:r>
+          </a:p>
+          <a:p>
+            <a:r>
+              <a:rPr kumimoji="1" lang="en-US" altLang="zh-CN" dirty="0" smtClean="0"/>
+              <a:t>            // </a:t>
+            </a:r>
+            <a:r>
+              <a:rPr kumimoji="1" lang="zh-CN" altLang="en-US" dirty="0" smtClean="0"/>
+              <a:t>发送消息</a:t>
+            </a:r>
+          </a:p>
+          <a:p>
+            <a:r>
+              <a:rPr kumimoji="1" lang="zh-CN" altLang="en-US" dirty="0" smtClean="0"/>
+              <a:t>            </a:t>
+            </a:r>
+            <a:r>
+              <a:rPr kumimoji="1" lang="en-US" altLang="zh-CN" dirty="0" err="1" smtClean="0"/>
+              <a:t>EMClient.getInstance</a:t>
+            </a:r>
+            <a:r>
+              <a:rPr kumimoji="1" lang="en-US" altLang="zh-CN" dirty="0" smtClean="0"/>
+              <a:t>().</a:t>
+            </a:r>
+            <a:r>
+              <a:rPr kumimoji="1" lang="en-US" altLang="zh-CN" dirty="0" err="1" smtClean="0"/>
+              <a:t>chatManager</a:t>
+            </a:r>
+            <a:r>
+              <a:rPr kumimoji="1" lang="en-US" altLang="zh-CN" dirty="0" smtClean="0"/>
+              <a:t>().</a:t>
+            </a:r>
+            <a:r>
+              <a:rPr kumimoji="1" lang="en-US" altLang="zh-CN" dirty="0" err="1" smtClean="0"/>
+              <a:t>sendMessage</a:t>
+            </a:r>
+            <a:r>
+              <a:rPr kumimoji="1" lang="en-US" altLang="zh-CN" dirty="0" smtClean="0"/>
+              <a:t>(message);</a:t>
+            </a:r>
+          </a:p>
+          <a:p>
+            <a:r>
+              <a:rPr kumimoji="1" lang="en-US" altLang="zh-CN" dirty="0" smtClean="0"/>
+              <a:t>            // </a:t>
+            </a:r>
+            <a:r>
+              <a:rPr kumimoji="1" lang="zh-CN" altLang="en-US" dirty="0" smtClean="0"/>
+              <a:t>刷新</a:t>
+            </a:r>
+            <a:r>
+              <a:rPr kumimoji="1" lang="en-US" altLang="zh-CN" dirty="0" err="1" smtClean="0"/>
+              <a:t>ui</a:t>
+            </a:r>
+            <a:endParaRPr kumimoji="1" lang="en-US" altLang="zh-CN" dirty="0" smtClean="0"/>
+          </a:p>
+          <a:p>
+            <a:r>
+              <a:rPr kumimoji="1" lang="en-US" altLang="zh-CN" dirty="0" smtClean="0"/>
+              <a:t>            </a:t>
+            </a:r>
+            <a:r>
+              <a:rPr kumimoji="1" lang="en-US" altLang="zh-CN" dirty="0" err="1" smtClean="0"/>
+              <a:t>adapter.refreshSelectLast</a:t>
+            </a:r>
+            <a:r>
+              <a:rPr kumimoji="1" lang="en-US" altLang="zh-CN" dirty="0" smtClean="0"/>
+              <a:t>();</a:t>
+            </a:r>
+          </a:p>
+          <a:p>
+            <a:r>
+              <a:rPr kumimoji="1" lang="en-US" altLang="zh-CN" dirty="0" smtClean="0"/>
+              <a:t>            </a:t>
+            </a:r>
+            <a:r>
+              <a:rPr kumimoji="1" lang="en-US" altLang="zh-CN" dirty="0" err="1" smtClean="0"/>
+              <a:t>mEditTextContent.setText</a:t>
+            </a:r>
+            <a:r>
+              <a:rPr kumimoji="1" lang="en-US" altLang="zh-CN" dirty="0" smtClean="0"/>
+              <a:t>("");</a:t>
+            </a:r>
+          </a:p>
+          <a:p>
+            <a:endParaRPr kumimoji="1" lang="en-US" altLang="zh-CN" dirty="0" smtClean="0"/>
+          </a:p>
+          <a:p>
+            <a:r>
+              <a:rPr kumimoji="1" lang="en-US" altLang="zh-CN" dirty="0" smtClean="0"/>
+              <a:t>            </a:t>
+            </a:r>
+            <a:r>
+              <a:rPr kumimoji="1" lang="en-US" altLang="zh-CN" dirty="0" err="1" smtClean="0"/>
+              <a:t>setResult</a:t>
+            </a:r>
+            <a:r>
+              <a:rPr kumimoji="1" lang="en-US" altLang="zh-CN" dirty="0" smtClean="0"/>
+              <a:t>(RESULT_OK);</a:t>
+            </a:r>
+            <a:endParaRPr kumimoji="1" lang="zh-CN" altLang="en-US" dirty="0"/>
+          </a:p>
+        </p:txBody>
+      </p:sp>
+      <p:sp>
+        <p:nvSpPr>
+          <p:cNvPr id="4" name="幻灯片编号占位符 3"/>
+          <p:cNvSpPr>
+            <a:spLocks noGrp="1"/>
+          </p:cNvSpPr>
+          <p:nvPr>
+            <p:ph type="sldNum" sz="quarter" idx="10"/>
+          </p:nvPr>
+        </p:nvSpPr>
+        <p:spPr/>
+        <p:txBody>
+          <a:bodyPr/>
+          <a:lstStyle/>
+          <a:p>
+            <a:fld id="{7F23289A-29F9-AB45-8ADB-162B1E17C738}" type="slidenum">
+              <a:rPr kumimoji="1" lang="zh-CN" altLang="en-US" smtClean="0"/>
+              <a:t>29</a:t>
+            </a:fld>
+            <a:endParaRPr kumimoji="1" lang="zh-CN" altLang="en-US"/>
+          </a:p>
+        </p:txBody>
+      </p:sp>
+    </p:spTree>
+    <p:extLst>
+      <p:ext uri="{BB962C8B-B14F-4D97-AF65-F5344CB8AC3E}">
+        <p14:creationId xmlns:p14="http://schemas.microsoft.com/office/powerpoint/2010/main" val="556810800"/>
+      </p:ext>
+    </p:extLst>
+  </p:cSld>
+  <p:clrMapOvr>
+    <a:masterClrMapping/>
+  </p:clrMapOvr>
+</p:notes>
+</file>
+
+<file path=ppt/notesSlides/notesSlide5.xml><?xml version="1.0" encoding="utf-8"?>
+<p:notes xmlns:a="http://schemas.openxmlformats.org/drawingml/2006/main" xmlns:r="http://schemas.openxmlformats.org/officeDocument/2006/relationships" xmlns:p="http://schemas.openxmlformats.org/presentationml/2006/main">
+  <p:cSld>
+    <p:spTree>
+      <p:nvGrpSpPr>
+        <p:cNvPr id="1" name=""/>
+        <p:cNvGrpSpPr/>
+        <p:nvPr/>
+      </p:nvGrpSpPr>
+      <p:grpSpPr>
+        <a:xfrm>
+          <a:off x="0" y="0"/>
+          <a:ext cx="0" cy="0"/>
+          <a:chOff x="0" y="0"/>
+          <a:chExt cx="0" cy="0"/>
+        </a:xfrm>
+      </p:grpSpPr>
+      <p:sp>
+        <p:nvSpPr>
+          <p:cNvPr id="2" name="幻灯片图像占位符 1"/>
+          <p:cNvSpPr>
+            <a:spLocks noGrp="1" noRot="1" noChangeAspect="1"/>
+          </p:cNvSpPr>
+          <p:nvPr>
+            <p:ph type="sldImg"/>
+          </p:nvPr>
+        </p:nvSpPr>
+        <p:spPr/>
+      </p:sp>
+      <p:sp>
+        <p:nvSpPr>
+          <p:cNvPr id="3" name="备注占位符 2"/>
+          <p:cNvSpPr>
+            <a:spLocks noGrp="1"/>
+          </p:cNvSpPr>
+          <p:nvPr>
+            <p:ph type="body" idx="1"/>
+          </p:nvPr>
+        </p:nvSpPr>
+        <p:spPr/>
+        <p:txBody>
+          <a:bodyPr/>
+          <a:lstStyle/>
+          <a:p>
+            <a:r>
+              <a:rPr kumimoji="1" lang="en-US" altLang="zh-CN" dirty="0" err="1" smtClean="0"/>
+              <a:t>EMMessageListener</a:t>
+            </a:r>
+            <a:r>
+              <a:rPr kumimoji="1" lang="en-US" altLang="zh-CN" dirty="0" smtClean="0"/>
+              <a:t> </a:t>
+            </a:r>
+            <a:r>
+              <a:rPr kumimoji="1" lang="en-US" altLang="zh-CN" dirty="0" err="1" smtClean="0"/>
+              <a:t>msgListener</a:t>
+            </a:r>
+            <a:r>
+              <a:rPr kumimoji="1" lang="en-US" altLang="zh-CN" dirty="0" smtClean="0"/>
+              <a:t> = new </a:t>
+            </a:r>
+            <a:r>
+              <a:rPr kumimoji="1" lang="en-US" altLang="zh-CN" dirty="0" err="1" smtClean="0"/>
+              <a:t>EMMessageListener</a:t>
+            </a:r>
+            <a:r>
+              <a:rPr kumimoji="1" lang="en-US" altLang="zh-CN" dirty="0" smtClean="0"/>
+              <a:t>() {</a:t>
+            </a:r>
+          </a:p>
+          <a:p>
+            <a:endParaRPr kumimoji="1" lang="en-US" altLang="zh-CN" dirty="0" smtClean="0"/>
+          </a:p>
+          <a:p>
+            <a:r>
+              <a:rPr kumimoji="1" lang="en-US" altLang="zh-CN" dirty="0" smtClean="0"/>
+              <a:t>        @Override</a:t>
+            </a:r>
+          </a:p>
+          <a:p>
+            <a:r>
+              <a:rPr kumimoji="1" lang="en-US" altLang="zh-CN" dirty="0" smtClean="0"/>
+              <a:t>        public void </a:t>
+            </a:r>
+            <a:r>
+              <a:rPr kumimoji="1" lang="en-US" altLang="zh-CN" dirty="0" err="1" smtClean="0"/>
+              <a:t>onMessageReceived</a:t>
+            </a:r>
+            <a:r>
+              <a:rPr kumimoji="1" lang="en-US" altLang="zh-CN" dirty="0" smtClean="0"/>
+              <a:t>(List&lt;</a:t>
+            </a:r>
+            <a:r>
+              <a:rPr kumimoji="1" lang="en-US" altLang="zh-CN" dirty="0" err="1" smtClean="0"/>
+              <a:t>EMMessage</a:t>
+            </a:r>
+            <a:r>
+              <a:rPr kumimoji="1" lang="en-US" altLang="zh-CN" dirty="0" smtClean="0"/>
+              <a:t>&gt; messages) {</a:t>
+            </a:r>
+          </a:p>
+          <a:p>
+            <a:endParaRPr kumimoji="1" lang="en-US" altLang="zh-CN" dirty="0" smtClean="0"/>
+          </a:p>
+          <a:p>
+            <a:r>
+              <a:rPr kumimoji="1" lang="en-US" altLang="zh-CN" dirty="0" smtClean="0"/>
+              <a:t>            for (</a:t>
+            </a:r>
+            <a:r>
+              <a:rPr kumimoji="1" lang="en-US" altLang="zh-CN" dirty="0" err="1" smtClean="0"/>
+              <a:t>EMMessage</a:t>
+            </a:r>
+            <a:r>
+              <a:rPr kumimoji="1" lang="en-US" altLang="zh-CN" dirty="0" smtClean="0"/>
+              <a:t> message : messages) {</a:t>
+            </a:r>
+          </a:p>
+          <a:p>
+            <a:r>
+              <a:rPr kumimoji="1" lang="en-US" altLang="zh-CN" dirty="0" smtClean="0"/>
+              <a:t>                String username = null;</a:t>
+            </a:r>
+          </a:p>
+          <a:p>
+            <a:r>
+              <a:rPr kumimoji="1" lang="en-US" altLang="zh-CN" dirty="0" smtClean="0"/>
+              <a:t>                // </a:t>
+            </a:r>
+            <a:r>
+              <a:rPr kumimoji="1" lang="zh-CN" altLang="en-US" dirty="0" smtClean="0"/>
+              <a:t>群组消息</a:t>
+            </a:r>
+          </a:p>
+          <a:p>
+            <a:r>
+              <a:rPr kumimoji="1" lang="zh-CN" altLang="en-US" dirty="0" smtClean="0"/>
+              <a:t>                </a:t>
+            </a:r>
+            <a:r>
+              <a:rPr kumimoji="1" lang="en-US" altLang="zh-CN" dirty="0" smtClean="0"/>
+              <a:t>if (</a:t>
+            </a:r>
+            <a:r>
+              <a:rPr kumimoji="1" lang="en-US" altLang="zh-CN" dirty="0" err="1" smtClean="0"/>
+              <a:t>message.getChatType</a:t>
+            </a:r>
+            <a:r>
+              <a:rPr kumimoji="1" lang="en-US" altLang="zh-CN" dirty="0" smtClean="0"/>
+              <a:t>() == </a:t>
+            </a:r>
+            <a:r>
+              <a:rPr kumimoji="1" lang="en-US" altLang="zh-CN" dirty="0" err="1" smtClean="0"/>
+              <a:t>ChatType.GroupChat</a:t>
+            </a:r>
+            <a:r>
+              <a:rPr kumimoji="1" lang="en-US" altLang="zh-CN" dirty="0" smtClean="0"/>
+              <a:t> || </a:t>
+            </a:r>
+            <a:r>
+              <a:rPr kumimoji="1" lang="en-US" altLang="zh-CN" dirty="0" err="1" smtClean="0"/>
+              <a:t>message.getChatType</a:t>
+            </a:r>
+            <a:r>
+              <a:rPr kumimoji="1" lang="en-US" altLang="zh-CN" dirty="0" smtClean="0"/>
+              <a:t>() == </a:t>
+            </a:r>
+            <a:r>
+              <a:rPr kumimoji="1" lang="en-US" altLang="zh-CN" dirty="0" err="1" smtClean="0"/>
+              <a:t>ChatType.ChatRoom</a:t>
+            </a:r>
+            <a:r>
+              <a:rPr kumimoji="1" lang="en-US" altLang="zh-CN" dirty="0" smtClean="0"/>
+              <a:t>) {</a:t>
+            </a:r>
+          </a:p>
+          <a:p>
+            <a:r>
+              <a:rPr kumimoji="1" lang="en-US" altLang="zh-CN" dirty="0" smtClean="0"/>
+              <a:t>                    username = </a:t>
+            </a:r>
+            <a:r>
+              <a:rPr kumimoji="1" lang="en-US" altLang="zh-CN" dirty="0" err="1" smtClean="0"/>
+              <a:t>message.getTo</a:t>
+            </a:r>
+            <a:r>
+              <a:rPr kumimoji="1" lang="en-US" altLang="zh-CN" dirty="0" smtClean="0"/>
+              <a:t>();</a:t>
+            </a:r>
+          </a:p>
+          <a:p>
+            <a:r>
+              <a:rPr kumimoji="1" lang="en-US" altLang="zh-CN" dirty="0" smtClean="0"/>
+              <a:t>                } else {</a:t>
+            </a:r>
+          </a:p>
+          <a:p>
+            <a:r>
+              <a:rPr kumimoji="1" lang="en-US" altLang="zh-CN" dirty="0" smtClean="0"/>
+              <a:t>                    // </a:t>
+            </a:r>
+            <a:r>
+              <a:rPr kumimoji="1" lang="zh-CN" altLang="en-US" dirty="0" smtClean="0"/>
+              <a:t>单聊消息</a:t>
+            </a:r>
+          </a:p>
+          <a:p>
+            <a:r>
+              <a:rPr kumimoji="1" lang="zh-CN" altLang="en-US" dirty="0" smtClean="0"/>
+              <a:t>                    </a:t>
+            </a:r>
+            <a:r>
+              <a:rPr kumimoji="1" lang="en-US" altLang="zh-CN" dirty="0" smtClean="0"/>
+              <a:t>username = </a:t>
+            </a:r>
+            <a:r>
+              <a:rPr kumimoji="1" lang="en-US" altLang="zh-CN" dirty="0" err="1" smtClean="0"/>
+              <a:t>message.getFrom</a:t>
+            </a:r>
+            <a:r>
+              <a:rPr kumimoji="1" lang="en-US" altLang="zh-CN" dirty="0" smtClean="0"/>
+              <a:t>();</a:t>
+            </a:r>
+          </a:p>
+          <a:p>
+            <a:r>
+              <a:rPr kumimoji="1" lang="en-US" altLang="zh-CN" dirty="0" smtClean="0"/>
+              <a:t>                }</a:t>
+            </a:r>
+          </a:p>
+          <a:p>
+            <a:endParaRPr kumimoji="1" lang="en-US" altLang="zh-CN" dirty="0" smtClean="0"/>
+          </a:p>
+          <a:p>
+            <a:r>
+              <a:rPr kumimoji="1" lang="en-US" altLang="zh-CN" dirty="0" smtClean="0"/>
+              <a:t>             // </a:t>
+            </a:r>
+            <a:r>
+              <a:rPr kumimoji="1" lang="zh-CN" altLang="en-US" dirty="0" smtClean="0"/>
+              <a:t>如果是当前会话的消息，刷新聊天页面</a:t>
+            </a:r>
+          </a:p>
+          <a:p>
+            <a:r>
+              <a:rPr kumimoji="1" lang="zh-CN" altLang="en-US" dirty="0" smtClean="0"/>
+              <a:t>                </a:t>
+            </a:r>
+            <a:r>
+              <a:rPr kumimoji="1" lang="en-US" altLang="zh-CN" dirty="0" smtClean="0"/>
+              <a:t>if (</a:t>
+            </a:r>
+            <a:r>
+              <a:rPr kumimoji="1" lang="en-US" altLang="zh-CN" dirty="0" err="1" smtClean="0"/>
+              <a:t>username.equals</a:t>
+            </a:r>
+            <a:r>
+              <a:rPr kumimoji="1" lang="en-US" altLang="zh-CN" dirty="0" smtClean="0"/>
+              <a:t>(</a:t>
+            </a:r>
+            <a:r>
+              <a:rPr kumimoji="1" lang="en-US" altLang="zh-CN" dirty="0" err="1" smtClean="0"/>
+              <a:t>getToChatUsername</a:t>
+            </a:r>
+            <a:r>
+              <a:rPr kumimoji="1" lang="en-US" altLang="zh-CN" dirty="0" smtClean="0"/>
+              <a:t>())) {</a:t>
+            </a:r>
+          </a:p>
+          <a:p>
+            <a:r>
+              <a:rPr kumimoji="1" lang="en-US" altLang="zh-CN" dirty="0" smtClean="0"/>
+              <a:t>                    </a:t>
+            </a:r>
+            <a:r>
+              <a:rPr kumimoji="1" lang="en-US" altLang="zh-CN" dirty="0" err="1" smtClean="0"/>
+              <a:t>refreshUIWithNewMessage</a:t>
+            </a:r>
+            <a:r>
+              <a:rPr kumimoji="1" lang="en-US" altLang="zh-CN" dirty="0" smtClean="0"/>
+              <a:t>();</a:t>
+            </a:r>
+          </a:p>
+          <a:p>
+            <a:r>
+              <a:rPr kumimoji="1" lang="en-US" altLang="zh-CN" dirty="0" smtClean="0"/>
+              <a:t>                    // </a:t>
+            </a:r>
+            <a:r>
+              <a:rPr kumimoji="1" lang="zh-CN" altLang="en-US" dirty="0" smtClean="0"/>
+              <a:t>声音和震动提示有新消息</a:t>
+            </a:r>
+          </a:p>
+          <a:p>
+            <a:r>
+              <a:rPr kumimoji="1" lang="zh-CN" altLang="en-US" dirty="0" smtClean="0"/>
+              <a:t>                    </a:t>
+            </a:r>
+            <a:r>
+              <a:rPr kumimoji="1" lang="en-US" altLang="zh-CN" dirty="0" err="1" smtClean="0"/>
+              <a:t>HXSDKHelper.getInstance</a:t>
+            </a:r>
+            <a:r>
+              <a:rPr kumimoji="1" lang="en-US" altLang="zh-CN" dirty="0" smtClean="0"/>
+              <a:t>().</a:t>
+            </a:r>
+            <a:r>
+              <a:rPr kumimoji="1" lang="en-US" altLang="zh-CN" dirty="0" err="1" smtClean="0"/>
+              <a:t>getNotifier</a:t>
+            </a:r>
+            <a:r>
+              <a:rPr kumimoji="1" lang="en-US" altLang="zh-CN" dirty="0" smtClean="0"/>
+              <a:t>().</a:t>
+            </a:r>
+            <a:r>
+              <a:rPr kumimoji="1" lang="en-US" altLang="zh-CN" dirty="0" err="1" smtClean="0"/>
+              <a:t>viberateAndPlayTone</a:t>
+            </a:r>
+            <a:r>
+              <a:rPr kumimoji="1" lang="en-US" altLang="zh-CN" dirty="0" smtClean="0"/>
+              <a:t>(message);</a:t>
+            </a:r>
+          </a:p>
+          <a:p>
+            <a:r>
+              <a:rPr kumimoji="1" lang="en-US" altLang="zh-CN" dirty="0" smtClean="0"/>
+              <a:t>                } else {</a:t>
+            </a:r>
+          </a:p>
+          <a:p>
+            <a:r>
+              <a:rPr kumimoji="1" lang="en-US" altLang="zh-CN" dirty="0" smtClean="0"/>
+              <a:t>                    // </a:t>
+            </a:r>
+            <a:r>
+              <a:rPr kumimoji="1" lang="zh-CN" altLang="en-US" dirty="0" smtClean="0"/>
+              <a:t>如果消息不是和当前聊天</a:t>
+            </a:r>
+            <a:r>
+              <a:rPr kumimoji="1" lang="en-US" altLang="zh-CN" dirty="0" smtClean="0"/>
+              <a:t>ID</a:t>
+            </a:r>
+            <a:r>
+              <a:rPr kumimoji="1" lang="zh-CN" altLang="en-US" dirty="0" smtClean="0"/>
+              <a:t>的消息</a:t>
+            </a:r>
+          </a:p>
+          <a:p>
+            <a:r>
+              <a:rPr kumimoji="1" lang="zh-CN" altLang="en-US" dirty="0" smtClean="0"/>
+              <a:t>                    </a:t>
+            </a:r>
+            <a:r>
+              <a:rPr kumimoji="1" lang="en-US" altLang="zh-CN" dirty="0" err="1" smtClean="0"/>
+              <a:t>HXSDKHelper.getInstance</a:t>
+            </a:r>
+            <a:r>
+              <a:rPr kumimoji="1" lang="en-US" altLang="zh-CN" dirty="0" smtClean="0"/>
+              <a:t>().</a:t>
+            </a:r>
+            <a:r>
+              <a:rPr kumimoji="1" lang="en-US" altLang="zh-CN" dirty="0" err="1" smtClean="0"/>
+              <a:t>getNotifier</a:t>
+            </a:r>
+            <a:r>
+              <a:rPr kumimoji="1" lang="en-US" altLang="zh-CN" dirty="0" smtClean="0"/>
+              <a:t>().</a:t>
+            </a:r>
+            <a:r>
+              <a:rPr kumimoji="1" lang="en-US" altLang="zh-CN" dirty="0" err="1" smtClean="0"/>
+              <a:t>onNewMsg</a:t>
+            </a:r>
+            <a:r>
+              <a:rPr kumimoji="1" lang="en-US" altLang="zh-CN" dirty="0" smtClean="0"/>
+              <a:t>(message);</a:t>
+            </a:r>
+          </a:p>
+          <a:p>
+            <a:r>
+              <a:rPr kumimoji="1" lang="en-US" altLang="zh-CN" dirty="0" smtClean="0"/>
+              <a:t>                }</a:t>
+            </a:r>
+          </a:p>
+          <a:p>
+            <a:r>
+              <a:rPr kumimoji="1" lang="en-US" altLang="zh-CN" dirty="0" smtClean="0"/>
+              <a:t>            }</a:t>
+            </a:r>
+          </a:p>
+          <a:p>
+            <a:r>
+              <a:rPr kumimoji="1" lang="en-US" altLang="zh-CN" dirty="0" smtClean="0"/>
+              <a:t>        }</a:t>
+            </a:r>
+          </a:p>
+          <a:p>
+            <a:endParaRPr kumimoji="1" lang="en-US" altLang="zh-CN" dirty="0" smtClean="0"/>
+          </a:p>
+          <a:p>
+            <a:r>
+              <a:rPr kumimoji="1" lang="en-US" altLang="zh-CN" dirty="0" smtClean="0"/>
+              <a:t>        @Override</a:t>
+            </a:r>
+          </a:p>
+          <a:p>
+            <a:r>
+              <a:rPr kumimoji="1" lang="en-US" altLang="zh-CN" dirty="0" smtClean="0"/>
+              <a:t>        public void </a:t>
+            </a:r>
+            <a:r>
+              <a:rPr kumimoji="1" lang="en-US" altLang="zh-CN" dirty="0" err="1" smtClean="0"/>
+              <a:t>onCmdMessageReceived</a:t>
+            </a:r>
+            <a:r>
+              <a:rPr kumimoji="1" lang="en-US" altLang="zh-CN" dirty="0" smtClean="0"/>
+              <a:t>(List&lt;</a:t>
+            </a:r>
+            <a:r>
+              <a:rPr kumimoji="1" lang="en-US" altLang="zh-CN" dirty="0" err="1" smtClean="0"/>
+              <a:t>EMMessage</a:t>
+            </a:r>
+            <a:r>
+              <a:rPr kumimoji="1" lang="en-US" altLang="zh-CN" dirty="0" smtClean="0"/>
+              <a:t>&gt; messages) {</a:t>
+            </a:r>
+          </a:p>
+          <a:p>
+            <a:endParaRPr kumimoji="1" lang="en-US" altLang="zh-CN" dirty="0" smtClean="0"/>
+          </a:p>
+          <a:p>
+            <a:r>
+              <a:rPr kumimoji="1" lang="en-US" altLang="zh-CN" dirty="0" smtClean="0"/>
+              <a:t>        }</a:t>
+            </a:r>
+          </a:p>
+          <a:p>
+            <a:endParaRPr kumimoji="1" lang="en-US" altLang="zh-CN" dirty="0" smtClean="0"/>
+          </a:p>
+          <a:p>
+            <a:r>
+              <a:rPr kumimoji="1" lang="en-US" altLang="zh-CN" dirty="0" smtClean="0"/>
+              <a:t>        @Override</a:t>
+            </a:r>
+          </a:p>
+          <a:p>
+            <a:r>
+              <a:rPr kumimoji="1" lang="en-US" altLang="zh-CN" dirty="0" smtClean="0"/>
+              <a:t>        public void </a:t>
+            </a:r>
+            <a:r>
+              <a:rPr kumimoji="1" lang="en-US" altLang="zh-CN" dirty="0" err="1" smtClean="0"/>
+              <a:t>onMessageReadAckReceived</a:t>
+            </a:r>
+            <a:r>
+              <a:rPr kumimoji="1" lang="en-US" altLang="zh-CN" dirty="0" smtClean="0"/>
+              <a:t>(List&lt;</a:t>
+            </a:r>
+            <a:r>
+              <a:rPr kumimoji="1" lang="en-US" altLang="zh-CN" dirty="0" err="1" smtClean="0"/>
+              <a:t>EMMessage</a:t>
+            </a:r>
+            <a:r>
+              <a:rPr kumimoji="1" lang="en-US" altLang="zh-CN" dirty="0" smtClean="0"/>
+              <a:t>&gt; messages) {</a:t>
+            </a:r>
+          </a:p>
+          <a:p>
+            <a:r>
+              <a:rPr kumimoji="1" lang="en-US" altLang="zh-CN" dirty="0" smtClean="0"/>
+              <a:t>            </a:t>
+            </a:r>
+            <a:r>
+              <a:rPr kumimoji="1" lang="en-US" altLang="zh-CN" dirty="0" err="1" smtClean="0"/>
+              <a:t>refreshUI</a:t>
+            </a:r>
+            <a:r>
+              <a:rPr kumimoji="1" lang="en-US" altLang="zh-CN" dirty="0" smtClean="0"/>
+              <a:t>();</a:t>
+            </a:r>
+          </a:p>
+          <a:p>
+            <a:r>
+              <a:rPr kumimoji="1" lang="en-US" altLang="zh-CN" dirty="0" smtClean="0"/>
+              <a:t>        }</a:t>
+            </a:r>
+          </a:p>
+          <a:p>
+            <a:endParaRPr kumimoji="1" lang="en-US" altLang="zh-CN" dirty="0" smtClean="0"/>
+          </a:p>
+          <a:p>
+            <a:r>
+              <a:rPr kumimoji="1" lang="en-US" altLang="zh-CN" dirty="0" smtClean="0"/>
+              <a:t>        @Override</a:t>
+            </a:r>
+          </a:p>
+          <a:p>
+            <a:r>
+              <a:rPr kumimoji="1" lang="en-US" altLang="zh-CN" dirty="0" smtClean="0"/>
+              <a:t>        public void </a:t>
+            </a:r>
+            <a:r>
+              <a:rPr kumimoji="1" lang="en-US" altLang="zh-CN" dirty="0" err="1" smtClean="0"/>
+              <a:t>onMessageDeliveryAckReceived</a:t>
+            </a:r>
+            <a:r>
+              <a:rPr kumimoji="1" lang="en-US" altLang="zh-CN" dirty="0" smtClean="0"/>
+              <a:t>(List&lt;</a:t>
+            </a:r>
+            <a:r>
+              <a:rPr kumimoji="1" lang="en-US" altLang="zh-CN" dirty="0" err="1" smtClean="0"/>
+              <a:t>EMMessage</a:t>
+            </a:r>
+            <a:r>
+              <a:rPr kumimoji="1" lang="en-US" altLang="zh-CN" dirty="0" smtClean="0"/>
+              <a:t>&gt; message) {</a:t>
+            </a:r>
+          </a:p>
+          <a:p>
+            <a:r>
+              <a:rPr kumimoji="1" lang="en-US" altLang="zh-CN" dirty="0" smtClean="0"/>
+              <a:t>            </a:t>
+            </a:r>
+            <a:r>
+              <a:rPr kumimoji="1" lang="en-US" altLang="zh-CN" dirty="0" err="1" smtClean="0"/>
+              <a:t>refreshUI</a:t>
+            </a:r>
+            <a:r>
+              <a:rPr kumimoji="1" lang="en-US" altLang="zh-CN" dirty="0" smtClean="0"/>
+              <a:t>();</a:t>
+            </a:r>
+          </a:p>
+          <a:p>
+            <a:r>
+              <a:rPr kumimoji="1" lang="en-US" altLang="zh-CN" dirty="0" smtClean="0"/>
+              <a:t>        }</a:t>
+            </a:r>
+          </a:p>
+          <a:p>
+            <a:endParaRPr kumimoji="1" lang="en-US" altLang="zh-CN" dirty="0" smtClean="0"/>
+          </a:p>
+          <a:p>
+            <a:r>
+              <a:rPr kumimoji="1" lang="en-US" altLang="zh-CN" dirty="0" smtClean="0"/>
+              <a:t>        @Override</a:t>
+            </a:r>
+          </a:p>
+          <a:p>
+            <a:r>
+              <a:rPr kumimoji="1" lang="en-US" altLang="zh-CN" dirty="0" smtClean="0"/>
+              <a:t>        public void </a:t>
+            </a:r>
+            <a:r>
+              <a:rPr kumimoji="1" lang="en-US" altLang="zh-CN" dirty="0" err="1" smtClean="0"/>
+              <a:t>onMessageChanged</a:t>
+            </a:r>
+            <a:r>
+              <a:rPr kumimoji="1" lang="en-US" altLang="zh-CN" dirty="0" smtClean="0"/>
+              <a:t>(</a:t>
+            </a:r>
+            <a:r>
+              <a:rPr kumimoji="1" lang="en-US" altLang="zh-CN" dirty="0" err="1" smtClean="0"/>
+              <a:t>EMMessage</a:t>
+            </a:r>
+            <a:r>
+              <a:rPr kumimoji="1" lang="en-US" altLang="zh-CN" dirty="0" smtClean="0"/>
+              <a:t> message, Object change) {</a:t>
+            </a:r>
+          </a:p>
+          <a:p>
+            <a:r>
+              <a:rPr kumimoji="1" lang="en-US" altLang="zh-CN" dirty="0" smtClean="0"/>
+              <a:t>            </a:t>
+            </a:r>
+            <a:r>
+              <a:rPr kumimoji="1" lang="en-US" altLang="zh-CN" dirty="0" err="1" smtClean="0"/>
+              <a:t>refreshUI</a:t>
+            </a:r>
+            <a:r>
+              <a:rPr kumimoji="1" lang="en-US" altLang="zh-CN" dirty="0" smtClean="0"/>
+              <a:t>();</a:t>
+            </a:r>
+          </a:p>
+          <a:p>
+            <a:r>
+              <a:rPr kumimoji="1" lang="en-US" altLang="zh-CN" dirty="0" smtClean="0"/>
+              <a:t>        }</a:t>
+            </a:r>
+          </a:p>
+          <a:p>
+            <a:r>
+              <a:rPr kumimoji="1" lang="en-US" altLang="zh-CN" dirty="0" smtClean="0"/>
+              <a:t>    };</a:t>
+            </a:r>
+            <a:endParaRPr kumimoji="1" lang="zh-CN" altLang="en-US" dirty="0" smtClean="0"/>
+          </a:p>
+          <a:p>
+            <a:endParaRPr kumimoji="1" lang="zh-CN" altLang="en-US" dirty="0"/>
+          </a:p>
+        </p:txBody>
+      </p:sp>
+      <p:sp>
+        <p:nvSpPr>
+          <p:cNvPr id="4" name="幻灯片编号占位符 3"/>
+          <p:cNvSpPr>
+            <a:spLocks noGrp="1"/>
+          </p:cNvSpPr>
+          <p:nvPr>
+            <p:ph type="sldNum" sz="quarter" idx="10"/>
+          </p:nvPr>
+        </p:nvSpPr>
+        <p:spPr/>
+        <p:txBody>
+          <a:bodyPr/>
+          <a:lstStyle/>
+          <a:p>
+            <a:fld id="{7F23289A-29F9-AB45-8ADB-162B1E17C738}" type="slidenum">
+              <a:rPr kumimoji="1" lang="zh-CN" altLang="en-US" smtClean="0"/>
+              <a:t>30</a:t>
+            </a:fld>
+            <a:endParaRPr kumimoji="1" lang="zh-CN" altLang="en-US"/>
+          </a:p>
+        </p:txBody>
+      </p:sp>
+    </p:spTree>
+    <p:extLst>
+      <p:ext uri="{BB962C8B-B14F-4D97-AF65-F5344CB8AC3E}">
+        <p14:creationId xmlns:p14="http://schemas.microsoft.com/office/powerpoint/2010/main" val="50736518"/>
+      </p:ext>
+    </p:extLst>
+  </p:cSld>
+  <p:clrMapOvr>
+    <a:masterClrMapping/>
+  </p:clrMapOvr>
+</p:notes>
+</file>
+
+<file path=ppt/notesSlides/notesSlide6.xml><?xml version="1.0" encoding="utf-8"?>
+<p:notes xmlns:a="http://schemas.openxmlformats.org/drawingml/2006/main" xmlns:r="http://schemas.openxmlformats.org/officeDocument/2006/relationships" xmlns:p="http://schemas.openxmlformats.org/presentationml/2006/main">
+  <p:cSld>
+    <p:spTree>
+      <p:nvGrpSpPr>
+        <p:cNvPr id="1" name=""/>
+        <p:cNvGrpSpPr/>
+        <p:nvPr/>
+      </p:nvGrpSpPr>
+      <p:grpSpPr>
+        <a:xfrm>
+          <a:off x="0" y="0"/>
+          <a:ext cx="0" cy="0"/>
+          <a:chOff x="0" y="0"/>
+          <a:chExt cx="0" cy="0"/>
+        </a:xfrm>
+      </p:grpSpPr>
+      <p:sp>
+        <p:nvSpPr>
+          <p:cNvPr id="2" name="幻灯片图像占位符 1"/>
+          <p:cNvSpPr>
+            <a:spLocks noGrp="1" noRot="1" noChangeAspect="1"/>
+          </p:cNvSpPr>
+          <p:nvPr>
+            <p:ph type="sldImg"/>
+          </p:nvPr>
+        </p:nvSpPr>
+        <p:spPr/>
+      </p:sp>
+      <p:sp>
+        <p:nvSpPr>
+          <p:cNvPr id="3" name="备注占位符 2"/>
+          <p:cNvSpPr>
+            <a:spLocks noGrp="1"/>
+          </p:cNvSpPr>
+          <p:nvPr>
+            <p:ph type="body" idx="1"/>
+          </p:nvPr>
+        </p:nvSpPr>
+        <p:spPr/>
+        <p:txBody>
+          <a:bodyPr/>
+          <a:lstStyle/>
+          <a:p>
+            <a:r>
+              <a:rPr kumimoji="1" lang="en-US" altLang="zh-CN" dirty="0" err="1" smtClean="0"/>
+              <a:t>EMMessageListener</a:t>
+            </a:r>
+            <a:r>
+              <a:rPr kumimoji="1" lang="en-US" altLang="zh-CN" dirty="0" smtClean="0"/>
+              <a:t> </a:t>
+            </a:r>
+            <a:r>
+              <a:rPr kumimoji="1" lang="en-US" altLang="zh-CN" dirty="0" err="1" smtClean="0"/>
+              <a:t>msgListener</a:t>
+            </a:r>
+            <a:r>
+              <a:rPr kumimoji="1" lang="en-US" altLang="zh-CN" dirty="0" smtClean="0"/>
+              <a:t> = new </a:t>
+            </a:r>
+            <a:r>
+              <a:rPr kumimoji="1" lang="en-US" altLang="zh-CN" dirty="0" err="1" smtClean="0"/>
+              <a:t>EMMessageListener</a:t>
+            </a:r>
+            <a:r>
+              <a:rPr kumimoji="1" lang="en-US" altLang="zh-CN" dirty="0" smtClean="0"/>
+              <a:t>() {</a:t>
+            </a:r>
+          </a:p>
+          <a:p>
+            <a:endParaRPr kumimoji="1" lang="en-US" altLang="zh-CN" dirty="0" smtClean="0"/>
+          </a:p>
+          <a:p>
+            <a:r>
+              <a:rPr kumimoji="1" lang="en-US" altLang="zh-CN" dirty="0" smtClean="0"/>
+              <a:t>        @Override</a:t>
+            </a:r>
+          </a:p>
+          <a:p>
+            <a:r>
+              <a:rPr kumimoji="1" lang="en-US" altLang="zh-CN" dirty="0" smtClean="0"/>
+              <a:t>        public void </a:t>
+            </a:r>
+            <a:r>
+              <a:rPr kumimoji="1" lang="en-US" altLang="zh-CN" dirty="0" err="1" smtClean="0"/>
+              <a:t>onMessageReceived</a:t>
+            </a:r>
+            <a:r>
+              <a:rPr kumimoji="1" lang="en-US" altLang="zh-CN" dirty="0" smtClean="0"/>
+              <a:t>(List&lt;</a:t>
+            </a:r>
+            <a:r>
+              <a:rPr kumimoji="1" lang="en-US" altLang="zh-CN" dirty="0" err="1" smtClean="0"/>
+              <a:t>EMMessage</a:t>
+            </a:r>
+            <a:r>
+              <a:rPr kumimoji="1" lang="en-US" altLang="zh-CN" dirty="0" smtClean="0"/>
+              <a:t>&gt; messages) {</a:t>
+            </a:r>
+          </a:p>
+          <a:p>
+            <a:endParaRPr kumimoji="1" lang="en-US" altLang="zh-CN" dirty="0" smtClean="0"/>
+          </a:p>
+          <a:p>
+            <a:r>
+              <a:rPr kumimoji="1" lang="en-US" altLang="zh-CN" dirty="0" smtClean="0"/>
+              <a:t>            for (</a:t>
+            </a:r>
+            <a:r>
+              <a:rPr kumimoji="1" lang="en-US" altLang="zh-CN" dirty="0" err="1" smtClean="0"/>
+              <a:t>EMMessage</a:t>
+            </a:r>
+            <a:r>
+              <a:rPr kumimoji="1" lang="en-US" altLang="zh-CN" dirty="0" smtClean="0"/>
+              <a:t> message : messages) {</a:t>
+            </a:r>
+          </a:p>
+          <a:p>
+            <a:r>
+              <a:rPr kumimoji="1" lang="en-US" altLang="zh-CN" dirty="0" smtClean="0"/>
+              <a:t>                String username = null;</a:t>
+            </a:r>
+          </a:p>
+          <a:p>
+            <a:r>
+              <a:rPr kumimoji="1" lang="en-US" altLang="zh-CN" dirty="0" smtClean="0"/>
+              <a:t>                // </a:t>
+            </a:r>
+            <a:r>
+              <a:rPr kumimoji="1" lang="zh-CN" altLang="en-US" dirty="0" smtClean="0"/>
+              <a:t>群组消息</a:t>
+            </a:r>
+          </a:p>
+          <a:p>
+            <a:r>
+              <a:rPr kumimoji="1" lang="zh-CN" altLang="en-US" dirty="0" smtClean="0"/>
+              <a:t>                </a:t>
+            </a:r>
+            <a:r>
+              <a:rPr kumimoji="1" lang="en-US" altLang="zh-CN" dirty="0" smtClean="0"/>
+              <a:t>if (</a:t>
+            </a:r>
+            <a:r>
+              <a:rPr kumimoji="1" lang="en-US" altLang="zh-CN" dirty="0" err="1" smtClean="0"/>
+              <a:t>message.getChatType</a:t>
+            </a:r>
+            <a:r>
+              <a:rPr kumimoji="1" lang="en-US" altLang="zh-CN" dirty="0" smtClean="0"/>
+              <a:t>() == </a:t>
+            </a:r>
+            <a:r>
+              <a:rPr kumimoji="1" lang="en-US" altLang="zh-CN" dirty="0" err="1" smtClean="0"/>
+              <a:t>ChatType.GroupChat</a:t>
+            </a:r>
+            <a:r>
+              <a:rPr kumimoji="1" lang="en-US" altLang="zh-CN" dirty="0" smtClean="0"/>
+              <a:t> || </a:t>
+            </a:r>
+            <a:r>
+              <a:rPr kumimoji="1" lang="en-US" altLang="zh-CN" dirty="0" err="1" smtClean="0"/>
+              <a:t>message.getChatType</a:t>
+            </a:r>
+            <a:r>
+              <a:rPr kumimoji="1" lang="en-US" altLang="zh-CN" dirty="0" smtClean="0"/>
+              <a:t>() == </a:t>
+            </a:r>
+            <a:r>
+              <a:rPr kumimoji="1" lang="en-US" altLang="zh-CN" dirty="0" err="1" smtClean="0"/>
+              <a:t>ChatType.ChatRoom</a:t>
+            </a:r>
+            <a:r>
+              <a:rPr kumimoji="1" lang="en-US" altLang="zh-CN" dirty="0" smtClean="0"/>
+              <a:t>) {</a:t>
+            </a:r>
+          </a:p>
+          <a:p>
+            <a:r>
+              <a:rPr kumimoji="1" lang="en-US" altLang="zh-CN" dirty="0" smtClean="0"/>
+              <a:t>                    username = </a:t>
+            </a:r>
+            <a:r>
+              <a:rPr kumimoji="1" lang="en-US" altLang="zh-CN" dirty="0" err="1" smtClean="0"/>
+              <a:t>message.getTo</a:t>
+            </a:r>
+            <a:r>
+              <a:rPr kumimoji="1" lang="en-US" altLang="zh-CN" dirty="0" smtClean="0"/>
+              <a:t>();</a:t>
+            </a:r>
+          </a:p>
+          <a:p>
+            <a:r>
+              <a:rPr kumimoji="1" lang="en-US" altLang="zh-CN" dirty="0" smtClean="0"/>
+              <a:t>                } else {</a:t>
+            </a:r>
+          </a:p>
+          <a:p>
+            <a:r>
+              <a:rPr kumimoji="1" lang="en-US" altLang="zh-CN" dirty="0" smtClean="0"/>
+              <a:t>                    // </a:t>
+            </a:r>
+            <a:r>
+              <a:rPr kumimoji="1" lang="zh-CN" altLang="en-US" dirty="0" smtClean="0"/>
+              <a:t>单聊消息</a:t>
+            </a:r>
+          </a:p>
+          <a:p>
+            <a:r>
+              <a:rPr kumimoji="1" lang="zh-CN" altLang="en-US" dirty="0" smtClean="0"/>
+              <a:t>                    </a:t>
+            </a:r>
+            <a:r>
+              <a:rPr kumimoji="1" lang="en-US" altLang="zh-CN" dirty="0" smtClean="0"/>
+              <a:t>username = </a:t>
+            </a:r>
+            <a:r>
+              <a:rPr kumimoji="1" lang="en-US" altLang="zh-CN" dirty="0" err="1" smtClean="0"/>
+              <a:t>message.getFrom</a:t>
+            </a:r>
+            <a:r>
+              <a:rPr kumimoji="1" lang="en-US" altLang="zh-CN" dirty="0" smtClean="0"/>
+              <a:t>();</a:t>
+            </a:r>
+          </a:p>
+          <a:p>
+            <a:r>
+              <a:rPr kumimoji="1" lang="en-US" altLang="zh-CN" dirty="0" smtClean="0"/>
+              <a:t>                }</a:t>
+            </a:r>
+          </a:p>
+          <a:p>
+            <a:endParaRPr kumimoji="1" lang="en-US" altLang="zh-CN" dirty="0" smtClean="0"/>
+          </a:p>
+          <a:p>
+            <a:r>
+              <a:rPr kumimoji="1" lang="en-US" altLang="zh-CN" dirty="0" smtClean="0"/>
+              <a:t>             // </a:t>
+            </a:r>
+            <a:r>
+              <a:rPr kumimoji="1" lang="zh-CN" altLang="en-US" dirty="0" smtClean="0"/>
+              <a:t>如果是当前会话的消息，刷新聊天页面</a:t>
+            </a:r>
+          </a:p>
+          <a:p>
+            <a:r>
+              <a:rPr kumimoji="1" lang="zh-CN" altLang="en-US" dirty="0" smtClean="0"/>
+              <a:t>                </a:t>
+            </a:r>
+            <a:r>
+              <a:rPr kumimoji="1" lang="en-US" altLang="zh-CN" dirty="0" smtClean="0"/>
+              <a:t>if (</a:t>
+            </a:r>
+            <a:r>
+              <a:rPr kumimoji="1" lang="en-US" altLang="zh-CN" dirty="0" err="1" smtClean="0"/>
+              <a:t>username.equals</a:t>
+            </a:r>
+            <a:r>
+              <a:rPr kumimoji="1" lang="en-US" altLang="zh-CN" dirty="0" smtClean="0"/>
+              <a:t>(</a:t>
+            </a:r>
+            <a:r>
+              <a:rPr kumimoji="1" lang="en-US" altLang="zh-CN" dirty="0" err="1" smtClean="0"/>
+              <a:t>getToChatUsername</a:t>
+            </a:r>
+            <a:r>
+              <a:rPr kumimoji="1" lang="en-US" altLang="zh-CN" dirty="0" smtClean="0"/>
+              <a:t>())) {</a:t>
+            </a:r>
+          </a:p>
+          <a:p>
+            <a:r>
+              <a:rPr kumimoji="1" lang="en-US" altLang="zh-CN" dirty="0" smtClean="0"/>
+              <a:t>                    </a:t>
+            </a:r>
+            <a:r>
+              <a:rPr kumimoji="1" lang="en-US" altLang="zh-CN" dirty="0" err="1" smtClean="0"/>
+              <a:t>refreshUIWithNewMessage</a:t>
+            </a:r>
+            <a:r>
+              <a:rPr kumimoji="1" lang="en-US" altLang="zh-CN" dirty="0" smtClean="0"/>
+              <a:t>();</a:t>
+            </a:r>
+          </a:p>
+          <a:p>
+            <a:r>
+              <a:rPr kumimoji="1" lang="en-US" altLang="zh-CN" dirty="0" smtClean="0"/>
+              <a:t>                    // </a:t>
+            </a:r>
+            <a:r>
+              <a:rPr kumimoji="1" lang="zh-CN" altLang="en-US" dirty="0" smtClean="0"/>
+              <a:t>声音和震动提示有新消息</a:t>
+            </a:r>
+          </a:p>
+          <a:p>
+            <a:r>
+              <a:rPr kumimoji="1" lang="zh-CN" altLang="en-US" dirty="0" smtClean="0"/>
+              <a:t>                    </a:t>
+            </a:r>
+            <a:r>
+              <a:rPr kumimoji="1" lang="en-US" altLang="zh-CN" dirty="0" err="1" smtClean="0"/>
+              <a:t>HXSDKHelper.getInstance</a:t>
+            </a:r>
+            <a:r>
+              <a:rPr kumimoji="1" lang="en-US" altLang="zh-CN" dirty="0" smtClean="0"/>
+              <a:t>().</a:t>
+            </a:r>
+            <a:r>
+              <a:rPr kumimoji="1" lang="en-US" altLang="zh-CN" dirty="0" err="1" smtClean="0"/>
+              <a:t>getNotifier</a:t>
+            </a:r>
+            <a:r>
+              <a:rPr kumimoji="1" lang="en-US" altLang="zh-CN" dirty="0" smtClean="0"/>
+              <a:t>().</a:t>
+            </a:r>
+            <a:r>
+              <a:rPr kumimoji="1" lang="en-US" altLang="zh-CN" dirty="0" err="1" smtClean="0"/>
+              <a:t>viberateAndPlayTone</a:t>
+            </a:r>
+            <a:r>
+              <a:rPr kumimoji="1" lang="en-US" altLang="zh-CN" dirty="0" smtClean="0"/>
+              <a:t>(message);</a:t>
+            </a:r>
+          </a:p>
+          <a:p>
+            <a:r>
+              <a:rPr kumimoji="1" lang="en-US" altLang="zh-CN" dirty="0" smtClean="0"/>
+              <a:t>                } else {</a:t>
+            </a:r>
+          </a:p>
+          <a:p>
+            <a:r>
+              <a:rPr kumimoji="1" lang="en-US" altLang="zh-CN" dirty="0" smtClean="0"/>
+              <a:t>                    // </a:t>
+            </a:r>
+            <a:r>
+              <a:rPr kumimoji="1" lang="zh-CN" altLang="en-US" dirty="0" smtClean="0"/>
+              <a:t>如果消息不是和当前聊天</a:t>
+            </a:r>
+            <a:r>
+              <a:rPr kumimoji="1" lang="en-US" altLang="zh-CN" dirty="0" smtClean="0"/>
+              <a:t>ID</a:t>
+            </a:r>
+            <a:r>
+              <a:rPr kumimoji="1" lang="zh-CN" altLang="en-US" dirty="0" smtClean="0"/>
+              <a:t>的消息</a:t>
+            </a:r>
+          </a:p>
+          <a:p>
+            <a:r>
+              <a:rPr kumimoji="1" lang="zh-CN" altLang="en-US" dirty="0" smtClean="0"/>
+              <a:t>                    </a:t>
+            </a:r>
+            <a:r>
+              <a:rPr kumimoji="1" lang="en-US" altLang="zh-CN" dirty="0" err="1" smtClean="0"/>
+              <a:t>HXSDKHelper.getInstance</a:t>
+            </a:r>
+            <a:r>
+              <a:rPr kumimoji="1" lang="en-US" altLang="zh-CN" dirty="0" smtClean="0"/>
+              <a:t>().</a:t>
+            </a:r>
+            <a:r>
+              <a:rPr kumimoji="1" lang="en-US" altLang="zh-CN" dirty="0" err="1" smtClean="0"/>
+              <a:t>getNotifier</a:t>
+            </a:r>
+            <a:r>
+              <a:rPr kumimoji="1" lang="en-US" altLang="zh-CN" dirty="0" smtClean="0"/>
+              <a:t>().</a:t>
+            </a:r>
+            <a:r>
+              <a:rPr kumimoji="1" lang="en-US" altLang="zh-CN" dirty="0" err="1" smtClean="0"/>
+              <a:t>onNewMsg</a:t>
+            </a:r>
+            <a:r>
+              <a:rPr kumimoji="1" lang="en-US" altLang="zh-CN" dirty="0" smtClean="0"/>
+              <a:t>(message);</a:t>
+            </a:r>
+          </a:p>
+          <a:p>
+            <a:r>
+              <a:rPr kumimoji="1" lang="en-US" altLang="zh-CN" dirty="0" smtClean="0"/>
+              <a:t>                }</a:t>
+            </a:r>
+          </a:p>
+          <a:p>
+            <a:r>
+              <a:rPr kumimoji="1" lang="en-US" altLang="zh-CN" dirty="0" smtClean="0"/>
+              <a:t>            }</a:t>
+            </a:r>
+          </a:p>
+          <a:p>
+            <a:r>
+              <a:rPr kumimoji="1" lang="en-US" altLang="zh-CN" dirty="0" smtClean="0"/>
+              <a:t>        }</a:t>
+            </a:r>
+          </a:p>
+          <a:p>
+            <a:endParaRPr kumimoji="1" lang="en-US" altLang="zh-CN" dirty="0" smtClean="0"/>
+          </a:p>
+          <a:p>
+            <a:r>
+              <a:rPr kumimoji="1" lang="en-US" altLang="zh-CN" dirty="0" smtClean="0"/>
+              <a:t>        @Override</a:t>
+            </a:r>
+          </a:p>
+          <a:p>
+            <a:r>
+              <a:rPr kumimoji="1" lang="en-US" altLang="zh-CN" dirty="0" smtClean="0"/>
+              <a:t>        public void </a:t>
+            </a:r>
+            <a:r>
+              <a:rPr kumimoji="1" lang="en-US" altLang="zh-CN" dirty="0" err="1" smtClean="0"/>
+              <a:t>onCmdMessageReceived</a:t>
+            </a:r>
+            <a:r>
+              <a:rPr kumimoji="1" lang="en-US" altLang="zh-CN" dirty="0" smtClean="0"/>
+              <a:t>(List&lt;</a:t>
+            </a:r>
+            <a:r>
+              <a:rPr kumimoji="1" lang="en-US" altLang="zh-CN" dirty="0" err="1" smtClean="0"/>
+              <a:t>EMMessage</a:t>
+            </a:r>
+            <a:r>
+              <a:rPr kumimoji="1" lang="en-US" altLang="zh-CN" dirty="0" smtClean="0"/>
+              <a:t>&gt; messages) {</a:t>
+            </a:r>
+          </a:p>
+          <a:p>
+            <a:endParaRPr kumimoji="1" lang="en-US" altLang="zh-CN" dirty="0" smtClean="0"/>
+          </a:p>
+          <a:p>
+            <a:r>
+              <a:rPr kumimoji="1" lang="en-US" altLang="zh-CN" dirty="0" smtClean="0"/>
+              <a:t>        }</a:t>
+            </a:r>
+          </a:p>
+          <a:p>
+            <a:endParaRPr kumimoji="1" lang="en-US" altLang="zh-CN" dirty="0" smtClean="0"/>
+          </a:p>
+          <a:p>
+            <a:r>
+              <a:rPr kumimoji="1" lang="en-US" altLang="zh-CN" dirty="0" smtClean="0"/>
+              <a:t>        @Override</a:t>
+            </a:r>
+          </a:p>
+          <a:p>
+            <a:r>
+              <a:rPr kumimoji="1" lang="en-US" altLang="zh-CN" dirty="0" smtClean="0"/>
+              <a:t>        public void </a:t>
+            </a:r>
+            <a:r>
+              <a:rPr kumimoji="1" lang="en-US" altLang="zh-CN" dirty="0" err="1" smtClean="0"/>
+              <a:t>onMessageReadAckReceived</a:t>
+            </a:r>
+            <a:r>
+              <a:rPr kumimoji="1" lang="en-US" altLang="zh-CN" dirty="0" smtClean="0"/>
+              <a:t>(List&lt;</a:t>
+            </a:r>
+            <a:r>
+              <a:rPr kumimoji="1" lang="en-US" altLang="zh-CN" dirty="0" err="1" smtClean="0"/>
+              <a:t>EMMessage</a:t>
+            </a:r>
+            <a:r>
+              <a:rPr kumimoji="1" lang="en-US" altLang="zh-CN" dirty="0" smtClean="0"/>
+              <a:t>&gt; messages) {</a:t>
+            </a:r>
+          </a:p>
+          <a:p>
+            <a:r>
+              <a:rPr kumimoji="1" lang="en-US" altLang="zh-CN" dirty="0" smtClean="0"/>
+              <a:t>            </a:t>
+            </a:r>
+            <a:r>
+              <a:rPr kumimoji="1" lang="en-US" altLang="zh-CN" dirty="0" err="1" smtClean="0"/>
+              <a:t>refreshUI</a:t>
+            </a:r>
+            <a:r>
+              <a:rPr kumimoji="1" lang="en-US" altLang="zh-CN" dirty="0" smtClean="0"/>
+              <a:t>();</a:t>
+            </a:r>
+          </a:p>
+          <a:p>
+            <a:r>
+              <a:rPr kumimoji="1" lang="en-US" altLang="zh-CN" dirty="0" smtClean="0"/>
+              <a:t>        }</a:t>
+            </a:r>
+          </a:p>
+          <a:p>
+            <a:endParaRPr kumimoji="1" lang="en-US" altLang="zh-CN" dirty="0" smtClean="0"/>
+          </a:p>
+          <a:p>
+            <a:r>
+              <a:rPr kumimoji="1" lang="en-US" altLang="zh-CN" dirty="0" smtClean="0"/>
+              <a:t>        @Override</a:t>
+            </a:r>
+          </a:p>
+          <a:p>
+            <a:r>
+              <a:rPr kumimoji="1" lang="en-US" altLang="zh-CN" dirty="0" smtClean="0"/>
+              <a:t>        public void </a:t>
+            </a:r>
+            <a:r>
+              <a:rPr kumimoji="1" lang="en-US" altLang="zh-CN" dirty="0" err="1" smtClean="0"/>
+              <a:t>onMessageDeliveryAckReceived</a:t>
+            </a:r>
+            <a:r>
+              <a:rPr kumimoji="1" lang="en-US" altLang="zh-CN" dirty="0" smtClean="0"/>
+              <a:t>(List&lt;</a:t>
+            </a:r>
+            <a:r>
+              <a:rPr kumimoji="1" lang="en-US" altLang="zh-CN" dirty="0" err="1" smtClean="0"/>
+              <a:t>EMMessage</a:t>
+            </a:r>
+            <a:r>
+              <a:rPr kumimoji="1" lang="en-US" altLang="zh-CN" dirty="0" smtClean="0"/>
+              <a:t>&gt; message) {</a:t>
+            </a:r>
+          </a:p>
+          <a:p>
+            <a:r>
+              <a:rPr kumimoji="1" lang="en-US" altLang="zh-CN" dirty="0" smtClean="0"/>
+              <a:t>            </a:t>
+            </a:r>
+            <a:r>
+              <a:rPr kumimoji="1" lang="en-US" altLang="zh-CN" dirty="0" err="1" smtClean="0"/>
+              <a:t>refreshUI</a:t>
+            </a:r>
+            <a:r>
+              <a:rPr kumimoji="1" lang="en-US" altLang="zh-CN" dirty="0" smtClean="0"/>
+              <a:t>();</a:t>
+            </a:r>
+          </a:p>
+          <a:p>
+            <a:r>
+              <a:rPr kumimoji="1" lang="en-US" altLang="zh-CN" dirty="0" smtClean="0"/>
+              <a:t>        }</a:t>
+            </a:r>
+          </a:p>
+          <a:p>
+            <a:endParaRPr kumimoji="1" lang="en-US" altLang="zh-CN" dirty="0" smtClean="0"/>
+          </a:p>
+          <a:p>
+            <a:r>
+              <a:rPr kumimoji="1" lang="en-US" altLang="zh-CN" dirty="0" smtClean="0"/>
+              <a:t>        @Override</a:t>
+            </a:r>
+          </a:p>
+          <a:p>
+            <a:r>
+              <a:rPr kumimoji="1" lang="en-US" altLang="zh-CN" dirty="0" smtClean="0"/>
+              <a:t>        public void </a:t>
+            </a:r>
+            <a:r>
+              <a:rPr kumimoji="1" lang="en-US" altLang="zh-CN" dirty="0" err="1" smtClean="0"/>
+              <a:t>onMessageChanged</a:t>
+            </a:r>
+            <a:r>
+              <a:rPr kumimoji="1" lang="en-US" altLang="zh-CN" dirty="0" smtClean="0"/>
+              <a:t>(</a:t>
+            </a:r>
+            <a:r>
+              <a:rPr kumimoji="1" lang="en-US" altLang="zh-CN" dirty="0" err="1" smtClean="0"/>
+              <a:t>EMMessage</a:t>
+            </a:r>
+            <a:r>
+              <a:rPr kumimoji="1" lang="en-US" altLang="zh-CN" dirty="0" smtClean="0"/>
+              <a:t> message, Object change) {</a:t>
+            </a:r>
+          </a:p>
+          <a:p>
+            <a:r>
+              <a:rPr kumimoji="1" lang="en-US" altLang="zh-CN" dirty="0" smtClean="0"/>
+              <a:t>            </a:t>
+            </a:r>
+            <a:r>
+              <a:rPr kumimoji="1" lang="en-US" altLang="zh-CN" dirty="0" err="1" smtClean="0"/>
+              <a:t>refreshUI</a:t>
+            </a:r>
+            <a:r>
+              <a:rPr kumimoji="1" lang="en-US" altLang="zh-CN" dirty="0" smtClean="0"/>
+              <a:t>();</a:t>
+            </a:r>
+          </a:p>
+          <a:p>
+            <a:r>
+              <a:rPr kumimoji="1" lang="en-US" altLang="zh-CN" dirty="0" smtClean="0"/>
+              <a:t>        }</a:t>
+            </a:r>
+          </a:p>
+          <a:p>
+            <a:r>
+              <a:rPr kumimoji="1" lang="en-US" altLang="zh-CN" dirty="0" smtClean="0"/>
+              <a:t>    };</a:t>
+            </a:r>
+            <a:endParaRPr kumimoji="1" lang="zh-CN" altLang="en-US" dirty="0"/>
+          </a:p>
+        </p:txBody>
+      </p:sp>
+      <p:sp>
+        <p:nvSpPr>
+          <p:cNvPr id="4" name="幻灯片编号占位符 3"/>
+          <p:cNvSpPr>
+            <a:spLocks noGrp="1"/>
+          </p:cNvSpPr>
+          <p:nvPr>
+            <p:ph type="sldNum" sz="quarter" idx="10"/>
+          </p:nvPr>
+        </p:nvSpPr>
+        <p:spPr/>
+        <p:txBody>
+          <a:bodyPr/>
+          <a:lstStyle/>
+          <a:p>
+            <a:fld id="{7F23289A-29F9-AB45-8ADB-162B1E17C738}" type="slidenum">
+              <a:rPr kumimoji="1" lang="zh-CN" altLang="en-US" smtClean="0"/>
+              <a:t>31</a:t>
+            </a:fld>
+            <a:endParaRPr kumimoji="1" lang="zh-CN" altLang="en-US"/>
+          </a:p>
+        </p:txBody>
+      </p:sp>
+    </p:spTree>
+    <p:extLst>
+      <p:ext uri="{BB962C8B-B14F-4D97-AF65-F5344CB8AC3E}">
+        <p14:creationId xmlns:p14="http://schemas.microsoft.com/office/powerpoint/2010/main" val="1394995509"/>
+      </p:ext>
+    </p:extLst>
+  </p:cSld>
+  <p:clrMapOvr>
+    <a:masterClrMapping/>
+  </p:clrMapOvr>
+</p:notes>
 </file>
 
 <file path=ppt/slideLayouts/slideLayout1.xml><?xml version="1.0" encoding="utf-8"?>
@@ -3217,8 +5963,8 @@
           <a:lstStyle/>
           <a:p>
             <a:r>
-              <a:rPr kumimoji="1" lang="zh-CN" altLang="en-US" dirty="0" smtClean="0"/>
-              <a:t>监测网络连接</a:t>
+              <a:rPr kumimoji="1" lang="en-US" altLang="zh-CN" dirty="0" err="1" smtClean="0"/>
+              <a:t>EMContactManager</a:t>
             </a:r>
             <a:endParaRPr kumimoji="1" lang="zh-CN" altLang="en-US" dirty="0"/>
           </a:p>
@@ -3239,14 +5985,48 @@
           <a:bodyPr/>
           <a:lstStyle/>
           <a:p>
-            <a:endParaRPr kumimoji="1" lang="zh-CN" altLang="en-US"/>
+            <a:r>
+              <a:rPr kumimoji="1" lang="zh-CN" altLang="en-US" dirty="0" smtClean="0"/>
+              <a:t>联系人管理</a:t>
+            </a:r>
+            <a:endParaRPr kumimoji="1" lang="en-US" altLang="zh-CN" dirty="0" smtClean="0"/>
+          </a:p>
+          <a:p>
+            <a:endParaRPr kumimoji="1" lang="en-US" altLang="zh-CN" dirty="0"/>
+          </a:p>
+          <a:p>
+            <a:r>
+              <a:rPr kumimoji="1" lang="zh-CN" altLang="en-US" dirty="0" smtClean="0"/>
+              <a:t>增删联系人</a:t>
+            </a:r>
+            <a:endParaRPr kumimoji="1" lang="en-US" altLang="zh-CN" dirty="0" smtClean="0"/>
+          </a:p>
+          <a:p>
+            <a:endParaRPr kumimoji="1" lang="en-US" altLang="zh-CN" dirty="0"/>
+          </a:p>
+          <a:p>
+            <a:r>
+              <a:rPr kumimoji="1" lang="zh-CN" altLang="en-US" dirty="0" smtClean="0"/>
+              <a:t>黑名单管理</a:t>
+            </a:r>
+            <a:endParaRPr kumimoji="1" lang="en-US" altLang="zh-CN" dirty="0" smtClean="0"/>
+          </a:p>
+          <a:p>
+            <a:endParaRPr kumimoji="1" lang="en-US" altLang="zh-CN" dirty="0"/>
+          </a:p>
+          <a:p>
+            <a:r>
+              <a:rPr kumimoji="1" lang="zh-CN" altLang="en-US" dirty="0" smtClean="0"/>
+              <a:t>联系人监听</a:t>
+            </a:r>
+            <a:endParaRPr kumimoji="1" lang="zh-CN" altLang="en-US" dirty="0"/>
           </a:p>
         </p:txBody>
       </p:sp>
     </p:spTree>
     <p:extLst>
       <p:ext uri="{BB962C8B-B14F-4D97-AF65-F5344CB8AC3E}">
-        <p14:creationId xmlns:p14="http://schemas.microsoft.com/office/powerpoint/2010/main" val="2171916754"/>
+        <p14:creationId xmlns:p14="http://schemas.microsoft.com/office/powerpoint/2010/main" val="472373910"/>
       </p:ext>
     </p:extLst>
   </p:cSld>
@@ -3296,8 +6076,8 @@
           <a:lstStyle/>
           <a:p>
             <a:r>
-              <a:rPr kumimoji="1" lang="zh-CN" altLang="en-US" dirty="0" smtClean="0"/>
-              <a:t>获取会话</a:t>
+              <a:rPr kumimoji="1" lang="en-US" altLang="zh-CN" dirty="0" err="1" smtClean="0"/>
+              <a:t>EMGroupManager</a:t>
             </a:r>
             <a:endParaRPr kumimoji="1" lang="zh-CN" altLang="en-US" dirty="0"/>
           </a:p>
@@ -3318,14 +6098,28 @@
           <a:bodyPr/>
           <a:lstStyle/>
           <a:p>
-            <a:endParaRPr kumimoji="1" lang="zh-CN" altLang="en-US"/>
+            <a:r>
+              <a:rPr kumimoji="1" lang="zh-CN" altLang="en-US" dirty="0" smtClean="0"/>
+              <a:t>群组管理</a:t>
+            </a:r>
+            <a:endParaRPr kumimoji="1" lang="en-US" altLang="zh-CN" dirty="0" smtClean="0"/>
+          </a:p>
+          <a:p>
+            <a:endParaRPr kumimoji="1" lang="en-US" altLang="zh-CN" dirty="0"/>
+          </a:p>
+          <a:p>
+            <a:r>
+              <a:rPr kumimoji="1" lang="zh-CN" altLang="en-US" dirty="0" smtClean="0"/>
+              <a:t>监听群事件</a:t>
+            </a:r>
+            <a:endParaRPr kumimoji="1" lang="en-US" altLang="zh-CN" dirty="0" smtClean="0"/>
           </a:p>
         </p:txBody>
       </p:sp>
     </p:spTree>
     <p:extLst>
       <p:ext uri="{BB962C8B-B14F-4D97-AF65-F5344CB8AC3E}">
-        <p14:creationId xmlns:p14="http://schemas.microsoft.com/office/powerpoint/2010/main" val="1935424399"/>
+        <p14:creationId xmlns:p14="http://schemas.microsoft.com/office/powerpoint/2010/main" val="2848050431"/>
       </p:ext>
     </p:extLst>
   </p:cSld>
@@ -3375,12 +6169,8 @@
           <a:lstStyle/>
           <a:p>
             <a:r>
-              <a:rPr kumimoji="1" lang="zh-CN" altLang="en-US" dirty="0" smtClean="0"/>
-              <a:t>发送消息 </a:t>
-            </a:r>
-            <a:r>
-              <a:rPr kumimoji="1" lang="en-US" altLang="zh-CN" dirty="0" smtClean="0"/>
-              <a:t>Send MSG</a:t>
+              <a:rPr kumimoji="1" lang="en-US" altLang="zh-CN" dirty="0" err="1" smtClean="0"/>
+              <a:t>EMChatroomManager</a:t>
             </a:r>
             <a:endParaRPr kumimoji="1" lang="zh-CN" altLang="en-US" dirty="0"/>
           </a:p>
@@ -3401,14 +6191,28 @@
           <a:bodyPr/>
           <a:lstStyle/>
           <a:p>
-            <a:endParaRPr kumimoji="1" lang="zh-CN" altLang="en-US"/>
+            <a:r>
+              <a:rPr kumimoji="1" lang="zh-CN" altLang="en-US" dirty="0" smtClean="0"/>
+              <a:t>聊天室管理</a:t>
+            </a:r>
+            <a:endParaRPr kumimoji="1" lang="en-US" altLang="zh-CN" dirty="0" smtClean="0"/>
+          </a:p>
+          <a:p>
+            <a:endParaRPr kumimoji="1" lang="en-US" altLang="zh-CN" dirty="0"/>
+          </a:p>
+          <a:p>
+            <a:r>
+              <a:rPr kumimoji="1" lang="zh-CN" altLang="en-US" dirty="0" smtClean="0"/>
+              <a:t>监听聊天室事件</a:t>
+            </a:r>
+            <a:endParaRPr kumimoji="1" lang="zh-CN" altLang="en-US" dirty="0"/>
           </a:p>
         </p:txBody>
       </p:sp>
     </p:spTree>
     <p:extLst>
       <p:ext uri="{BB962C8B-B14F-4D97-AF65-F5344CB8AC3E}">
-        <p14:creationId xmlns:p14="http://schemas.microsoft.com/office/powerpoint/2010/main" val="2700658824"/>
+        <p14:creationId xmlns:p14="http://schemas.microsoft.com/office/powerpoint/2010/main" val="2292511235"/>
       </p:ext>
     </p:extLst>
   </p:cSld>
@@ -3458,12 +6262,8 @@
           <a:lstStyle/>
           <a:p>
             <a:r>
-              <a:rPr kumimoji="1" lang="zh-CN" altLang="en-US" dirty="0" smtClean="0"/>
-              <a:t>接收消息</a:t>
-            </a:r>
-            <a:r>
-              <a:rPr kumimoji="1" lang="en-US" altLang="zh-CN" dirty="0" smtClean="0"/>
-              <a:t> Receive MSG</a:t>
+              <a:rPr kumimoji="1" lang="en-US" altLang="zh-CN" dirty="0" err="1" smtClean="0"/>
+              <a:t>EMCallManager</a:t>
             </a:r>
             <a:endParaRPr kumimoji="1" lang="zh-CN" altLang="en-US" dirty="0"/>
           </a:p>
@@ -3484,6 +6284,2258 @@
           <a:bodyPr/>
           <a:lstStyle/>
           <a:p>
+            <a:r>
+              <a:rPr kumimoji="1" lang="zh-CN" altLang="en-US" dirty="0" smtClean="0"/>
+              <a:t>实时音视频功能管理</a:t>
+            </a:r>
+            <a:endParaRPr kumimoji="1" lang="zh-CN" altLang="en-US" dirty="0"/>
+          </a:p>
+        </p:txBody>
+      </p:sp>
+    </p:spTree>
+    <p:extLst>
+      <p:ext uri="{BB962C8B-B14F-4D97-AF65-F5344CB8AC3E}">
+        <p14:creationId xmlns:p14="http://schemas.microsoft.com/office/powerpoint/2010/main" val="3477152827"/>
+      </p:ext>
+    </p:extLst>
+  </p:cSld>
+  <p:clrMapOvr>
+    <a:masterClrMapping/>
+  </p:clrMapOvr>
+  <p:timing>
+    <p:tnLst>
+      <p:par>
+        <p:cTn xmlns:p14="http://schemas.microsoft.com/office/powerpoint/2010/main" id="1" dur="indefinite" restart="never" nodeType="tmRoot"/>
+      </p:par>
+    </p:tnLst>
+  </p:timing>
+</p:sld>
+</file>
+
+<file path=ppt/slides/slide14.xml><?xml version="1.0" encoding="utf-8"?>
+<p:sld xmlns:a="http://schemas.openxmlformats.org/drawingml/2006/main" xmlns:r="http://schemas.openxmlformats.org/officeDocument/2006/relationships" xmlns:p="http://schemas.openxmlformats.org/presentationml/2006/main">
+  <p:cSld>
+    <p:spTree>
+      <p:nvGrpSpPr>
+        <p:cNvPr id="1" name=""/>
+        <p:cNvGrpSpPr/>
+        <p:nvPr/>
+      </p:nvGrpSpPr>
+      <p:grpSpPr>
+        <a:xfrm>
+          <a:off x="0" y="0"/>
+          <a:ext cx="0" cy="0"/>
+          <a:chOff x="0" y="0"/>
+          <a:chExt cx="0" cy="0"/>
+        </a:xfrm>
+      </p:grpSpPr>
+      <p:sp>
+        <p:nvSpPr>
+          <p:cNvPr id="2" name="标题 1"/>
+          <p:cNvSpPr>
+            <a:spLocks noGrp="1"/>
+          </p:cNvSpPr>
+          <p:nvPr>
+            <p:ph type="title"/>
+          </p:nvPr>
+        </p:nvSpPr>
+        <p:spPr/>
+        <p:txBody>
+          <a:bodyPr/>
+          <a:lstStyle/>
+          <a:p>
+            <a:r>
+              <a:rPr kumimoji="1" lang="en-US" altLang="zh-CN" dirty="0" err="1" smtClean="0"/>
+              <a:t>EMMessage</a:t>
+            </a:r>
+            <a:r>
+              <a:rPr kumimoji="1" lang="en-US" altLang="zh-CN" dirty="0" smtClean="0"/>
+              <a:t> &amp; </a:t>
+            </a:r>
+            <a:r>
+              <a:rPr kumimoji="1" lang="en-US" altLang="zh-CN" dirty="0" err="1" smtClean="0"/>
+              <a:t>EMMessageBody</a:t>
+            </a:r>
+            <a:endParaRPr kumimoji="1" lang="zh-CN" altLang="en-US" dirty="0"/>
+          </a:p>
+        </p:txBody>
+      </p:sp>
+      <p:sp>
+        <p:nvSpPr>
+          <p:cNvPr id="3" name="内容占位符 2"/>
+          <p:cNvSpPr>
+            <a:spLocks noGrp="1"/>
+          </p:cNvSpPr>
+          <p:nvPr>
+            <p:ph idx="1"/>
+          </p:nvPr>
+        </p:nvSpPr>
+        <p:spPr/>
+        <p:txBody>
+          <a:bodyPr>
+            <a:normAutofit fontScale="77500" lnSpcReduction="20000"/>
+          </a:bodyPr>
+          <a:lstStyle/>
+          <a:p>
+            <a:r>
+              <a:rPr kumimoji="1" lang="zh-CN" altLang="en-US" dirty="0" smtClean="0"/>
+              <a:t>消息实体类</a:t>
+            </a:r>
+            <a:endParaRPr kumimoji="1" lang="en-US" altLang="zh-CN" dirty="0" smtClean="0"/>
+          </a:p>
+          <a:p>
+            <a:endParaRPr kumimoji="1" lang="en-US" altLang="zh-CN" dirty="0" smtClean="0"/>
+          </a:p>
+          <a:p>
+            <a:r>
+              <a:rPr kumimoji="1" lang="en-US" altLang="zh-CN" dirty="0" smtClean="0"/>
+              <a:t>From</a:t>
+            </a:r>
+            <a:r>
+              <a:rPr kumimoji="1" lang="zh-CN" altLang="en-US" dirty="0" smtClean="0"/>
+              <a:t> 字段</a:t>
+            </a:r>
+            <a:endParaRPr kumimoji="1" lang="en-US" altLang="zh-CN" dirty="0" smtClean="0"/>
+          </a:p>
+          <a:p>
+            <a:endParaRPr kumimoji="1" lang="en-US" altLang="zh-CN" dirty="0"/>
+          </a:p>
+          <a:p>
+            <a:r>
+              <a:rPr kumimoji="1" lang="en-US" altLang="zh-CN" dirty="0" smtClean="0"/>
+              <a:t>To</a:t>
+            </a:r>
+            <a:r>
+              <a:rPr kumimoji="1" lang="zh-CN" altLang="en-US" dirty="0" smtClean="0"/>
+              <a:t> 字段</a:t>
+            </a:r>
+            <a:endParaRPr kumimoji="1" lang="en-US" altLang="zh-CN" dirty="0" smtClean="0"/>
+          </a:p>
+          <a:p>
+            <a:endParaRPr kumimoji="1" lang="en-US" altLang="zh-CN" dirty="0"/>
+          </a:p>
+          <a:p>
+            <a:r>
+              <a:rPr kumimoji="1" lang="zh-CN" altLang="en-US" dirty="0" smtClean="0"/>
+              <a:t>消息的状态</a:t>
+            </a:r>
+            <a:endParaRPr kumimoji="1" lang="en-US" altLang="zh-CN" dirty="0" smtClean="0"/>
+          </a:p>
+          <a:p>
+            <a:endParaRPr kumimoji="1" lang="en-US" altLang="zh-CN" dirty="0"/>
+          </a:p>
+          <a:p>
+            <a:r>
+              <a:rPr kumimoji="1" lang="en-US" altLang="zh-CN" dirty="0" smtClean="0"/>
+              <a:t>Direct</a:t>
+            </a:r>
+            <a:r>
+              <a:rPr kumimoji="1" lang="zh-CN" altLang="en-US" dirty="0" smtClean="0"/>
+              <a:t> 方向</a:t>
+            </a:r>
+            <a:endParaRPr kumimoji="1" lang="en-US" altLang="zh-CN" dirty="0" smtClean="0"/>
+          </a:p>
+          <a:p>
+            <a:endParaRPr kumimoji="1" lang="en-US" altLang="zh-CN" dirty="0"/>
+          </a:p>
+          <a:p>
+            <a:r>
+              <a:rPr kumimoji="1" lang="zh-CN" altLang="en-US" dirty="0" smtClean="0"/>
+              <a:t>消息发送的状态回调</a:t>
+            </a:r>
+            <a:endParaRPr kumimoji="1" lang="zh-CN" altLang="en-US" dirty="0"/>
+          </a:p>
+        </p:txBody>
+      </p:sp>
+    </p:spTree>
+    <p:extLst>
+      <p:ext uri="{BB962C8B-B14F-4D97-AF65-F5344CB8AC3E}">
+        <p14:creationId xmlns:p14="http://schemas.microsoft.com/office/powerpoint/2010/main" val="909388250"/>
+      </p:ext>
+    </p:extLst>
+  </p:cSld>
+  <p:clrMapOvr>
+    <a:masterClrMapping/>
+  </p:clrMapOvr>
+  <p:timing>
+    <p:tnLst>
+      <p:par>
+        <p:cTn xmlns:p14="http://schemas.microsoft.com/office/powerpoint/2010/main" id="1" dur="indefinite" restart="never" nodeType="tmRoot"/>
+      </p:par>
+    </p:tnLst>
+  </p:timing>
+</p:sld>
+</file>
+
+<file path=ppt/slides/slide15.xml><?xml version="1.0" encoding="utf-8"?>
+<p:sld xmlns:a="http://schemas.openxmlformats.org/drawingml/2006/main" xmlns:r="http://schemas.openxmlformats.org/officeDocument/2006/relationships" xmlns:p="http://schemas.openxmlformats.org/presentationml/2006/main">
+  <p:cSld>
+    <p:spTree>
+      <p:nvGrpSpPr>
+        <p:cNvPr id="1" name=""/>
+        <p:cNvGrpSpPr/>
+        <p:nvPr/>
+      </p:nvGrpSpPr>
+      <p:grpSpPr>
+        <a:xfrm>
+          <a:off x="0" y="0"/>
+          <a:ext cx="0" cy="0"/>
+          <a:chOff x="0" y="0"/>
+          <a:chExt cx="0" cy="0"/>
+        </a:xfrm>
+      </p:grpSpPr>
+      <p:sp>
+        <p:nvSpPr>
+          <p:cNvPr id="2" name="标题 1"/>
+          <p:cNvSpPr>
+            <a:spLocks noGrp="1"/>
+          </p:cNvSpPr>
+          <p:nvPr>
+            <p:ph type="title"/>
+          </p:nvPr>
+        </p:nvSpPr>
+        <p:spPr/>
+        <p:txBody>
+          <a:bodyPr/>
+          <a:lstStyle/>
+          <a:p>
+            <a:r>
+              <a:rPr kumimoji="1" lang="zh-CN" altLang="en-US" dirty="0" smtClean="0"/>
+              <a:t>创建消息体</a:t>
+            </a:r>
+            <a:endParaRPr kumimoji="1" lang="zh-CN" altLang="en-US" dirty="0"/>
+          </a:p>
+        </p:txBody>
+      </p:sp>
+      <p:sp>
+        <p:nvSpPr>
+          <p:cNvPr id="3" name="内容占位符 2"/>
+          <p:cNvSpPr>
+            <a:spLocks noGrp="1"/>
+          </p:cNvSpPr>
+          <p:nvPr>
+            <p:ph idx="1"/>
+          </p:nvPr>
+        </p:nvSpPr>
+        <p:spPr/>
+        <p:txBody>
+          <a:bodyPr/>
+          <a:lstStyle/>
+          <a:p>
+            <a:r>
+              <a:rPr kumimoji="1" lang="en-US" altLang="zh-CN" dirty="0" err="1" smtClean="0"/>
+              <a:t>EMMessage.createXXXMessage</a:t>
+            </a:r>
+            <a:endParaRPr kumimoji="1" lang="en-US" altLang="zh-CN" dirty="0" smtClean="0"/>
+          </a:p>
+          <a:p>
+            <a:endParaRPr kumimoji="1" lang="en-US" altLang="zh-CN" dirty="0"/>
+          </a:p>
+          <a:p>
+            <a:r>
+              <a:rPr kumimoji="1" lang="zh-CN" altLang="en-US" dirty="0" smtClean="0"/>
+              <a:t>设置消息类型</a:t>
+            </a:r>
+            <a:endParaRPr kumimoji="1" lang="en-US" altLang="zh-CN" dirty="0" smtClean="0"/>
+          </a:p>
+          <a:p>
+            <a:endParaRPr kumimoji="1" lang="en-US" altLang="zh-CN" dirty="0"/>
+          </a:p>
+          <a:p>
+            <a:r>
+              <a:rPr kumimoji="1" lang="zh-CN" altLang="en-US" dirty="0" smtClean="0"/>
+              <a:t>设置消息收方</a:t>
+            </a:r>
+            <a:endParaRPr kumimoji="1" lang="zh-CN" altLang="en-US" dirty="0"/>
+          </a:p>
+        </p:txBody>
+      </p:sp>
+    </p:spTree>
+    <p:extLst>
+      <p:ext uri="{BB962C8B-B14F-4D97-AF65-F5344CB8AC3E}">
+        <p14:creationId xmlns:p14="http://schemas.microsoft.com/office/powerpoint/2010/main" val="1085797065"/>
+      </p:ext>
+    </p:extLst>
+  </p:cSld>
+  <p:clrMapOvr>
+    <a:masterClrMapping/>
+  </p:clrMapOvr>
+</p:sld>
+</file>
+
+<file path=ppt/slides/slide16.xml><?xml version="1.0" encoding="utf-8"?>
+<p:sld xmlns:a="http://schemas.openxmlformats.org/drawingml/2006/main" xmlns:r="http://schemas.openxmlformats.org/officeDocument/2006/relationships" xmlns:p="http://schemas.openxmlformats.org/presentationml/2006/main">
+  <p:cSld>
+    <p:spTree>
+      <p:nvGrpSpPr>
+        <p:cNvPr id="1" name=""/>
+        <p:cNvGrpSpPr/>
+        <p:nvPr/>
+      </p:nvGrpSpPr>
+      <p:grpSpPr>
+        <a:xfrm>
+          <a:off x="0" y="0"/>
+          <a:ext cx="0" cy="0"/>
+          <a:chOff x="0" y="0"/>
+          <a:chExt cx="0" cy="0"/>
+        </a:xfrm>
+      </p:grpSpPr>
+      <p:sp>
+        <p:nvSpPr>
+          <p:cNvPr id="2" name="标题 1"/>
+          <p:cNvSpPr>
+            <a:spLocks noGrp="1"/>
+          </p:cNvSpPr>
+          <p:nvPr>
+            <p:ph type="title"/>
+          </p:nvPr>
+        </p:nvSpPr>
+        <p:spPr/>
+        <p:txBody>
+          <a:bodyPr/>
+          <a:lstStyle/>
+          <a:p>
+            <a:r>
+              <a:rPr kumimoji="1" lang="en-US" altLang="zh-CN" dirty="0" err="1" smtClean="0"/>
+              <a:t>EMConversation</a:t>
+            </a:r>
+            <a:endParaRPr kumimoji="1" lang="zh-CN" altLang="en-US" dirty="0"/>
+          </a:p>
+        </p:txBody>
+      </p:sp>
+      <p:sp>
+        <p:nvSpPr>
+          <p:cNvPr id="3" name="内容占位符 2"/>
+          <p:cNvSpPr>
+            <a:spLocks noGrp="1"/>
+          </p:cNvSpPr>
+          <p:nvPr>
+            <p:ph idx="1"/>
+          </p:nvPr>
+        </p:nvSpPr>
+        <p:spPr/>
+        <p:txBody>
+          <a:bodyPr>
+            <a:normAutofit fontScale="92500" lnSpcReduction="20000"/>
+          </a:bodyPr>
+          <a:lstStyle/>
+          <a:p>
+            <a:r>
+              <a:rPr kumimoji="1" lang="zh-CN" altLang="en-US" dirty="0" smtClean="0"/>
+              <a:t>会话实体类</a:t>
+            </a:r>
+            <a:endParaRPr kumimoji="1" lang="en-US" altLang="zh-CN" dirty="0" smtClean="0"/>
+          </a:p>
+          <a:p>
+            <a:endParaRPr kumimoji="1" lang="en-US" altLang="zh-CN" dirty="0"/>
+          </a:p>
+          <a:p>
+            <a:r>
+              <a:rPr kumimoji="1" lang="en-US" altLang="zh-CN" dirty="0" smtClean="0"/>
+              <a:t>Conversation</a:t>
+            </a:r>
+            <a:r>
+              <a:rPr kumimoji="1" lang="zh-CN" altLang="en-US" dirty="0" smtClean="0"/>
+              <a:t> </a:t>
+            </a:r>
+            <a:r>
+              <a:rPr kumimoji="1" lang="en-US" altLang="zh-CN" dirty="0" smtClean="0"/>
+              <a:t>ID</a:t>
+            </a:r>
+            <a:endParaRPr kumimoji="1" lang="en-US" altLang="zh-CN" dirty="0"/>
+          </a:p>
+          <a:p>
+            <a:pPr lvl="1"/>
+            <a:r>
+              <a:rPr kumimoji="1" lang="zh-CN" altLang="en-US" dirty="0" smtClean="0"/>
+              <a:t>聊天对方</a:t>
+            </a:r>
+            <a:endParaRPr kumimoji="1" lang="en-US" altLang="zh-CN" dirty="0" smtClean="0"/>
+          </a:p>
+          <a:p>
+            <a:pPr lvl="1"/>
+            <a:r>
+              <a:rPr kumimoji="1" lang="zh-CN" altLang="en-US" dirty="0" smtClean="0"/>
+              <a:t>或群，聊天室</a:t>
+            </a:r>
+            <a:endParaRPr kumimoji="1" lang="en-US" altLang="zh-CN" dirty="0" smtClean="0"/>
+          </a:p>
+          <a:p>
+            <a:pPr lvl="1"/>
+            <a:endParaRPr kumimoji="1" lang="en-US" altLang="zh-CN" dirty="0"/>
+          </a:p>
+          <a:p>
+            <a:r>
+              <a:rPr kumimoji="1" lang="zh-CN" altLang="en-US" dirty="0" smtClean="0"/>
+              <a:t>获取相应的会话里的消息</a:t>
+            </a:r>
+            <a:endParaRPr kumimoji="1" lang="en-US" altLang="zh-CN" dirty="0" smtClean="0"/>
+          </a:p>
+          <a:p>
+            <a:pPr lvl="1"/>
+            <a:r>
+              <a:rPr kumimoji="1" lang="en-US" altLang="zh-CN" dirty="0" err="1" smtClean="0"/>
+              <a:t>loadMoreMsgFromDB</a:t>
+            </a:r>
+            <a:endParaRPr kumimoji="1" lang="en-US" altLang="zh-CN" dirty="0" smtClean="0"/>
+          </a:p>
+          <a:p>
+            <a:pPr lvl="1"/>
+            <a:endParaRPr kumimoji="1" lang="en-US" altLang="zh-CN" dirty="0"/>
+          </a:p>
+          <a:p>
+            <a:pPr lvl="1"/>
+            <a:r>
+              <a:rPr kumimoji="1" lang="en-US" altLang="zh-CN" dirty="0" err="1"/>
+              <a:t>getAllMessages</a:t>
+            </a:r>
+            <a:endParaRPr kumimoji="1" lang="en-US" altLang="zh-CN" dirty="0"/>
+          </a:p>
+          <a:p>
+            <a:pPr lvl="1"/>
+            <a:endParaRPr kumimoji="1" lang="zh-CN" altLang="en-US" dirty="0"/>
+          </a:p>
+        </p:txBody>
+      </p:sp>
+    </p:spTree>
+    <p:extLst>
+      <p:ext uri="{BB962C8B-B14F-4D97-AF65-F5344CB8AC3E}">
+        <p14:creationId xmlns:p14="http://schemas.microsoft.com/office/powerpoint/2010/main" val="3658463388"/>
+      </p:ext>
+    </p:extLst>
+  </p:cSld>
+  <p:clrMapOvr>
+    <a:masterClrMapping/>
+  </p:clrMapOvr>
+  <p:timing>
+    <p:tnLst>
+      <p:par>
+        <p:cTn xmlns:p14="http://schemas.microsoft.com/office/powerpoint/2010/main" id="1" dur="indefinite" restart="never" nodeType="tmRoot"/>
+      </p:par>
+    </p:tnLst>
+  </p:timing>
+</p:sld>
+</file>
+
+<file path=ppt/slides/slide17.xml><?xml version="1.0" encoding="utf-8"?>
+<p:sld xmlns:a="http://schemas.openxmlformats.org/drawingml/2006/main" xmlns:r="http://schemas.openxmlformats.org/officeDocument/2006/relationships" xmlns:p="http://schemas.openxmlformats.org/presentationml/2006/main">
+  <p:cSld>
+    <p:spTree>
+      <p:nvGrpSpPr>
+        <p:cNvPr id="1" name=""/>
+        <p:cNvGrpSpPr/>
+        <p:nvPr/>
+      </p:nvGrpSpPr>
+      <p:grpSpPr>
+        <a:xfrm>
+          <a:off x="0" y="0"/>
+          <a:ext cx="0" cy="0"/>
+          <a:chOff x="0" y="0"/>
+          <a:chExt cx="0" cy="0"/>
+        </a:xfrm>
+      </p:grpSpPr>
+      <p:sp>
+        <p:nvSpPr>
+          <p:cNvPr id="2" name="标题 1"/>
+          <p:cNvSpPr>
+            <a:spLocks noGrp="1"/>
+          </p:cNvSpPr>
+          <p:nvPr>
+            <p:ph type="title"/>
+          </p:nvPr>
+        </p:nvSpPr>
+        <p:spPr/>
+        <p:txBody>
+          <a:bodyPr/>
+          <a:lstStyle/>
+          <a:p>
+            <a:r>
+              <a:rPr kumimoji="1" lang="en-US" altLang="zh-CN" dirty="0" err="1" smtClean="0"/>
+              <a:t>EMContact</a:t>
+            </a:r>
+            <a:endParaRPr kumimoji="1" lang="zh-CN" altLang="en-US" dirty="0"/>
+          </a:p>
+        </p:txBody>
+      </p:sp>
+      <p:sp>
+        <p:nvSpPr>
+          <p:cNvPr id="3" name="内容占位符 2"/>
+          <p:cNvSpPr>
+            <a:spLocks noGrp="1"/>
+          </p:cNvSpPr>
+          <p:nvPr>
+            <p:ph idx="1"/>
+          </p:nvPr>
+        </p:nvSpPr>
+        <p:spPr/>
+        <p:txBody>
+          <a:bodyPr/>
+          <a:lstStyle/>
+          <a:p>
+            <a:r>
+              <a:rPr kumimoji="1" lang="en-US" altLang="en-US" dirty="0" smtClean="0"/>
+              <a:t>环信联系人实体类</a:t>
+            </a:r>
+          </a:p>
+          <a:p>
+            <a:endParaRPr kumimoji="1" lang="en-US" altLang="zh-CN" dirty="0"/>
+          </a:p>
+          <a:p>
+            <a:r>
+              <a:rPr kumimoji="1" lang="zh-CN" altLang="en-US" dirty="0" smtClean="0"/>
+              <a:t>存储环信</a:t>
+            </a:r>
+            <a:r>
+              <a:rPr kumimoji="1" lang="en-US" altLang="zh-CN" dirty="0" smtClean="0"/>
+              <a:t>ID</a:t>
+            </a:r>
+          </a:p>
+          <a:p>
+            <a:pPr lvl="1"/>
+            <a:r>
+              <a:rPr kumimoji="1" lang="en-US" altLang="zh-CN" dirty="0" err="1" smtClean="0"/>
+              <a:t>getUsername</a:t>
+            </a:r>
+            <a:r>
+              <a:rPr kumimoji="1" lang="en-US" altLang="zh-CN" dirty="0" smtClean="0"/>
+              <a:t>()</a:t>
+            </a:r>
+            <a:endParaRPr kumimoji="1" lang="zh-CN" altLang="en-US" dirty="0"/>
+          </a:p>
+        </p:txBody>
+      </p:sp>
+    </p:spTree>
+    <p:extLst>
+      <p:ext uri="{BB962C8B-B14F-4D97-AF65-F5344CB8AC3E}">
+        <p14:creationId xmlns:p14="http://schemas.microsoft.com/office/powerpoint/2010/main" val="3929959437"/>
+      </p:ext>
+    </p:extLst>
+  </p:cSld>
+  <p:clrMapOvr>
+    <a:masterClrMapping/>
+  </p:clrMapOvr>
+  <p:timing>
+    <p:tnLst>
+      <p:par>
+        <p:cTn xmlns:p14="http://schemas.microsoft.com/office/powerpoint/2010/main" id="1" dur="indefinite" restart="never" nodeType="tmRoot"/>
+      </p:par>
+    </p:tnLst>
+  </p:timing>
+</p:sld>
+</file>
+
+<file path=ppt/slides/slide18.xml><?xml version="1.0" encoding="utf-8"?>
+<p:sld xmlns:a="http://schemas.openxmlformats.org/drawingml/2006/main" xmlns:r="http://schemas.openxmlformats.org/officeDocument/2006/relationships" xmlns:p="http://schemas.openxmlformats.org/presentationml/2006/main">
+  <p:cSld>
+    <p:spTree>
+      <p:nvGrpSpPr>
+        <p:cNvPr id="1" name=""/>
+        <p:cNvGrpSpPr/>
+        <p:nvPr/>
+      </p:nvGrpSpPr>
+      <p:grpSpPr>
+        <a:xfrm>
+          <a:off x="0" y="0"/>
+          <a:ext cx="0" cy="0"/>
+          <a:chOff x="0" y="0"/>
+          <a:chExt cx="0" cy="0"/>
+        </a:xfrm>
+      </p:grpSpPr>
+      <p:sp>
+        <p:nvSpPr>
+          <p:cNvPr id="2" name="标题 1"/>
+          <p:cNvSpPr>
+            <a:spLocks noGrp="1"/>
+          </p:cNvSpPr>
+          <p:nvPr>
+            <p:ph type="title"/>
+          </p:nvPr>
+        </p:nvSpPr>
+        <p:spPr/>
+        <p:txBody>
+          <a:bodyPr/>
+          <a:lstStyle/>
+          <a:p>
+            <a:r>
+              <a:rPr kumimoji="1" lang="en-US" altLang="zh-CN" dirty="0" err="1" smtClean="0"/>
+              <a:t>EMGroup</a:t>
+            </a:r>
+            <a:endParaRPr kumimoji="1" lang="zh-CN" altLang="en-US" dirty="0"/>
+          </a:p>
+        </p:txBody>
+      </p:sp>
+      <p:sp>
+        <p:nvSpPr>
+          <p:cNvPr id="3" name="内容占位符 2"/>
+          <p:cNvSpPr>
+            <a:spLocks noGrp="1"/>
+          </p:cNvSpPr>
+          <p:nvPr>
+            <p:ph idx="1"/>
+          </p:nvPr>
+        </p:nvSpPr>
+        <p:spPr/>
+        <p:txBody>
+          <a:bodyPr/>
+          <a:lstStyle/>
+          <a:p>
+            <a:r>
+              <a:rPr kumimoji="1" lang="zh-CN" altLang="en-US" dirty="0" smtClean="0"/>
+              <a:t>群实体类</a:t>
+            </a:r>
+            <a:endParaRPr kumimoji="1" lang="en-US" altLang="zh-CN" dirty="0" smtClean="0"/>
+          </a:p>
+          <a:p>
+            <a:endParaRPr kumimoji="1" lang="en-US" altLang="zh-CN" dirty="0"/>
+          </a:p>
+          <a:p>
+            <a:r>
+              <a:rPr kumimoji="1" lang="zh-CN" altLang="en-US" dirty="0" smtClean="0"/>
+              <a:t>群</a:t>
+            </a:r>
+            <a:r>
+              <a:rPr kumimoji="1" lang="en-US" altLang="zh-CN" dirty="0" smtClean="0"/>
+              <a:t>ID</a:t>
+            </a:r>
+          </a:p>
+          <a:p>
+            <a:pPr lvl="1"/>
+            <a:r>
+              <a:rPr kumimoji="1" lang="en-US" altLang="zh-CN" dirty="0" err="1" smtClean="0"/>
+              <a:t>getGroupId</a:t>
+            </a:r>
+            <a:r>
+              <a:rPr kumimoji="1" lang="en-US" altLang="zh-CN" dirty="0" smtClean="0"/>
+              <a:t>()</a:t>
+            </a:r>
+            <a:endParaRPr kumimoji="1" lang="zh-CN" altLang="en-US" dirty="0"/>
+          </a:p>
+        </p:txBody>
+      </p:sp>
+    </p:spTree>
+    <p:extLst>
+      <p:ext uri="{BB962C8B-B14F-4D97-AF65-F5344CB8AC3E}">
+        <p14:creationId xmlns:p14="http://schemas.microsoft.com/office/powerpoint/2010/main" val="1787396203"/>
+      </p:ext>
+    </p:extLst>
+  </p:cSld>
+  <p:clrMapOvr>
+    <a:masterClrMapping/>
+  </p:clrMapOvr>
+  <p:timing>
+    <p:tnLst>
+      <p:par>
+        <p:cTn xmlns:p14="http://schemas.microsoft.com/office/powerpoint/2010/main" id="1" dur="indefinite" restart="never" nodeType="tmRoot"/>
+      </p:par>
+    </p:tnLst>
+  </p:timing>
+</p:sld>
+</file>
+
+<file path=ppt/slides/slide19.xml><?xml version="1.0" encoding="utf-8"?>
+<p:sld xmlns:a="http://schemas.openxmlformats.org/drawingml/2006/main" xmlns:r="http://schemas.openxmlformats.org/officeDocument/2006/relationships" xmlns:p="http://schemas.openxmlformats.org/presentationml/2006/main">
+  <p:cSld>
+    <p:spTree>
+      <p:nvGrpSpPr>
+        <p:cNvPr id="1" name=""/>
+        <p:cNvGrpSpPr/>
+        <p:nvPr/>
+      </p:nvGrpSpPr>
+      <p:grpSpPr>
+        <a:xfrm>
+          <a:off x="0" y="0"/>
+          <a:ext cx="0" cy="0"/>
+          <a:chOff x="0" y="0"/>
+          <a:chExt cx="0" cy="0"/>
+        </a:xfrm>
+      </p:grpSpPr>
+      <p:sp>
+        <p:nvSpPr>
+          <p:cNvPr id="2" name="标题 1"/>
+          <p:cNvSpPr>
+            <a:spLocks noGrp="1"/>
+          </p:cNvSpPr>
+          <p:nvPr>
+            <p:ph type="title"/>
+          </p:nvPr>
+        </p:nvSpPr>
+        <p:spPr>
+          <a:xfrm>
+            <a:off x="457200" y="3068218"/>
+            <a:ext cx="8229600" cy="1143000"/>
+          </a:xfrm>
+        </p:spPr>
+        <p:txBody>
+          <a:bodyPr/>
+          <a:lstStyle/>
+          <a:p>
+            <a:r>
+              <a:rPr kumimoji="1" lang="zh-CN" altLang="en-US" dirty="0" smtClean="0"/>
+              <a:t>集成场景</a:t>
+            </a:r>
+            <a:endParaRPr kumimoji="1" lang="zh-CN" altLang="en-US" dirty="0"/>
+          </a:p>
+        </p:txBody>
+      </p:sp>
+    </p:spTree>
+    <p:extLst>
+      <p:ext uri="{BB962C8B-B14F-4D97-AF65-F5344CB8AC3E}">
+        <p14:creationId xmlns:p14="http://schemas.microsoft.com/office/powerpoint/2010/main" val="1061235756"/>
+      </p:ext>
+    </p:extLst>
+  </p:cSld>
+  <p:clrMapOvr>
+    <a:masterClrMapping/>
+  </p:clrMapOvr>
+</p:sld>
+</file>
+
+<file path=ppt/slides/slide2.xml><?xml version="1.0" encoding="utf-8"?>
+<p:sld xmlns:a="http://schemas.openxmlformats.org/drawingml/2006/main" xmlns:r="http://schemas.openxmlformats.org/officeDocument/2006/relationships" xmlns:p="http://schemas.openxmlformats.org/presentationml/2006/main">
+  <p:cSld>
+    <p:spTree>
+      <p:nvGrpSpPr>
+        <p:cNvPr id="1" name=""/>
+        <p:cNvGrpSpPr/>
+        <p:nvPr/>
+      </p:nvGrpSpPr>
+      <p:grpSpPr>
+        <a:xfrm>
+          <a:off x="0" y="0"/>
+          <a:ext cx="0" cy="0"/>
+          <a:chOff x="0" y="0"/>
+          <a:chExt cx="0" cy="0"/>
+        </a:xfrm>
+      </p:grpSpPr>
+      <p:sp>
+        <p:nvSpPr>
+          <p:cNvPr id="2" name="标题 1"/>
+          <p:cNvSpPr>
+            <a:spLocks noGrp="1"/>
+          </p:cNvSpPr>
+          <p:nvPr>
+            <p:ph type="title"/>
+          </p:nvPr>
+        </p:nvSpPr>
+        <p:spPr/>
+        <p:txBody>
+          <a:bodyPr/>
+          <a:lstStyle/>
+          <a:p>
+            <a:r>
+              <a:rPr kumimoji="1" lang="zh-CN" altLang="en-US" dirty="0" smtClean="0"/>
+              <a:t>本讲目标</a:t>
+            </a:r>
+            <a:endParaRPr kumimoji="1" lang="zh-CN" altLang="en-US" dirty="0"/>
+          </a:p>
+        </p:txBody>
+      </p:sp>
+      <p:sp>
+        <p:nvSpPr>
+          <p:cNvPr id="3" name="内容占位符 2"/>
+          <p:cNvSpPr>
+            <a:spLocks noGrp="1"/>
+          </p:cNvSpPr>
+          <p:nvPr>
+            <p:ph idx="1"/>
+          </p:nvPr>
+        </p:nvSpPr>
+        <p:spPr/>
+        <p:txBody>
+          <a:bodyPr>
+            <a:normAutofit fontScale="92500" lnSpcReduction="20000"/>
+          </a:bodyPr>
+          <a:lstStyle/>
+          <a:p>
+            <a:r>
+              <a:rPr lang="zh-CN" altLang="en-US" dirty="0"/>
+              <a:t>掌握</a:t>
+            </a:r>
+            <a:r>
+              <a:rPr lang="en-US" altLang="zh-CN" dirty="0"/>
+              <a:t>IM</a:t>
+            </a:r>
+            <a:r>
+              <a:rPr lang="zh-CN" altLang="en-US" dirty="0"/>
+              <a:t>基本概念</a:t>
+            </a:r>
+          </a:p>
+          <a:p>
+            <a:endParaRPr lang="en-US" altLang="zh-CN" dirty="0" smtClean="0"/>
+          </a:p>
+          <a:p>
+            <a:r>
+              <a:rPr lang="zh-CN" altLang="en-US" dirty="0" smtClean="0"/>
+              <a:t>理解环</a:t>
+            </a:r>
+            <a:r>
+              <a:rPr lang="zh-CN" altLang="en-US" dirty="0"/>
+              <a:t>信</a:t>
+            </a:r>
+            <a:r>
+              <a:rPr lang="en-US" altLang="zh-CN" dirty="0"/>
+              <a:t>SDK</a:t>
+            </a:r>
+            <a:r>
+              <a:rPr lang="zh-CN" altLang="en-US" dirty="0"/>
+              <a:t>结构</a:t>
+            </a:r>
+          </a:p>
+          <a:p>
+            <a:endParaRPr lang="en-US" altLang="zh-CN" dirty="0" smtClean="0"/>
+          </a:p>
+          <a:p>
+            <a:r>
+              <a:rPr lang="zh-CN" altLang="en-US" dirty="0" smtClean="0"/>
+              <a:t>掌握环</a:t>
+            </a:r>
+            <a:r>
+              <a:rPr lang="zh-CN" altLang="en-US" dirty="0"/>
+              <a:t>信重要功能类</a:t>
+            </a:r>
+          </a:p>
+          <a:p>
+            <a:endParaRPr lang="en-US" altLang="zh-CN" dirty="0" smtClean="0"/>
+          </a:p>
+          <a:p>
+            <a:r>
+              <a:rPr lang="zh-CN" altLang="en-US" dirty="0" smtClean="0"/>
+              <a:t>掌握如何导入</a:t>
+            </a:r>
+            <a:r>
+              <a:rPr lang="en-US" altLang="zh-CN" dirty="0"/>
+              <a:t>IM SDK</a:t>
+            </a:r>
+          </a:p>
+          <a:p>
+            <a:endParaRPr lang="en-US" altLang="zh-CN" dirty="0" smtClean="0"/>
+          </a:p>
+          <a:p>
+            <a:r>
+              <a:rPr lang="zh-CN" altLang="en-US" dirty="0" smtClean="0"/>
+              <a:t>掌握主要集成场景</a:t>
+            </a:r>
+            <a:endParaRPr kumimoji="1" lang="zh-CN" altLang="en-US" dirty="0"/>
+          </a:p>
+        </p:txBody>
+      </p:sp>
+    </p:spTree>
+    <p:extLst>
+      <p:ext uri="{BB962C8B-B14F-4D97-AF65-F5344CB8AC3E}">
+        <p14:creationId xmlns:p14="http://schemas.microsoft.com/office/powerpoint/2010/main" val="3568700887"/>
+      </p:ext>
+    </p:extLst>
+  </p:cSld>
+  <p:clrMapOvr>
+    <a:masterClrMapping/>
+  </p:clrMapOvr>
+  <p:timing>
+    <p:tnLst>
+      <p:par>
+        <p:cTn xmlns:p14="http://schemas.microsoft.com/office/powerpoint/2010/main" id="1" dur="indefinite" restart="never" nodeType="tmRoot"/>
+      </p:par>
+    </p:tnLst>
+  </p:timing>
+</p:sld>
+</file>
+
+<file path=ppt/slides/slide20.xml><?xml version="1.0" encoding="utf-8"?>
+<p:sld xmlns:a="http://schemas.openxmlformats.org/drawingml/2006/main" xmlns:r="http://schemas.openxmlformats.org/officeDocument/2006/relationships" xmlns:p="http://schemas.openxmlformats.org/presentationml/2006/main">
+  <p:cSld>
+    <p:spTree>
+      <p:nvGrpSpPr>
+        <p:cNvPr id="1" name=""/>
+        <p:cNvGrpSpPr/>
+        <p:nvPr/>
+      </p:nvGrpSpPr>
+      <p:grpSpPr>
+        <a:xfrm>
+          <a:off x="0" y="0"/>
+          <a:ext cx="0" cy="0"/>
+          <a:chOff x="0" y="0"/>
+          <a:chExt cx="0" cy="0"/>
+        </a:xfrm>
+      </p:grpSpPr>
+      <p:sp>
+        <p:nvSpPr>
+          <p:cNvPr id="2" name="标题 1"/>
+          <p:cNvSpPr>
+            <a:spLocks noGrp="1"/>
+          </p:cNvSpPr>
+          <p:nvPr>
+            <p:ph type="title"/>
+          </p:nvPr>
+        </p:nvSpPr>
+        <p:spPr/>
+        <p:txBody>
+          <a:bodyPr/>
+          <a:lstStyle/>
+          <a:p>
+            <a:r>
+              <a:rPr kumimoji="1" lang="zh-CN" altLang="en-US" dirty="0" smtClean="0"/>
+              <a:t>初始化流程</a:t>
+            </a:r>
+            <a:endParaRPr kumimoji="1" lang="zh-CN" altLang="en-US" dirty="0"/>
+          </a:p>
+        </p:txBody>
+      </p:sp>
+      <p:sp>
+        <p:nvSpPr>
+          <p:cNvPr id="3" name="内容占位符 2"/>
+          <p:cNvSpPr>
+            <a:spLocks noGrp="1"/>
+          </p:cNvSpPr>
+          <p:nvPr>
+            <p:ph idx="1"/>
+          </p:nvPr>
+        </p:nvSpPr>
+        <p:spPr/>
+        <p:txBody>
+          <a:bodyPr/>
+          <a:lstStyle/>
+          <a:p>
+            <a:r>
+              <a:rPr kumimoji="1" lang="en-US" altLang="en-US" dirty="0" smtClean="0"/>
+              <a:t>加判断，防自踢</a:t>
+            </a:r>
+          </a:p>
+          <a:p>
+            <a:endParaRPr kumimoji="1" lang="en-US" altLang="zh-CN" dirty="0"/>
+          </a:p>
+          <a:p>
+            <a:r>
+              <a:rPr kumimoji="1" lang="zh-CN" altLang="en-US" dirty="0" smtClean="0"/>
+              <a:t>初始化</a:t>
+            </a:r>
+            <a:r>
+              <a:rPr kumimoji="1" lang="en-US" altLang="zh-CN" dirty="0" smtClean="0"/>
+              <a:t>SDK</a:t>
+            </a:r>
+          </a:p>
+          <a:p>
+            <a:endParaRPr kumimoji="1" lang="en-US" altLang="zh-CN" dirty="0"/>
+          </a:p>
+          <a:p>
+            <a:r>
+              <a:rPr kumimoji="1" lang="zh-CN" altLang="en-US" dirty="0" smtClean="0"/>
+              <a:t>监听全局事件</a:t>
+            </a:r>
+            <a:endParaRPr kumimoji="1" lang="zh-CN" altLang="en-US" dirty="0"/>
+          </a:p>
+        </p:txBody>
+      </p:sp>
+    </p:spTree>
+    <p:extLst>
+      <p:ext uri="{BB962C8B-B14F-4D97-AF65-F5344CB8AC3E}">
+        <p14:creationId xmlns:p14="http://schemas.microsoft.com/office/powerpoint/2010/main" val="1861541102"/>
+      </p:ext>
+    </p:extLst>
+  </p:cSld>
+  <p:clrMapOvr>
+    <a:masterClrMapping/>
+  </p:clrMapOvr>
+  <p:timing>
+    <p:tnLst>
+      <p:par>
+        <p:cTn xmlns:p14="http://schemas.microsoft.com/office/powerpoint/2010/main" id="1" dur="indefinite" restart="never" nodeType="tmRoot"/>
+      </p:par>
+    </p:tnLst>
+  </p:timing>
+</p:sld>
+</file>
+
+<file path=ppt/slides/slide21.xml><?xml version="1.0" encoding="utf-8"?>
+<p:sld xmlns:a="http://schemas.openxmlformats.org/drawingml/2006/main" xmlns:r="http://schemas.openxmlformats.org/officeDocument/2006/relationships" xmlns:p="http://schemas.openxmlformats.org/presentationml/2006/main">
+  <p:cSld>
+    <p:spTree>
+      <p:nvGrpSpPr>
+        <p:cNvPr id="1" name=""/>
+        <p:cNvGrpSpPr/>
+        <p:nvPr/>
+      </p:nvGrpSpPr>
+      <p:grpSpPr>
+        <a:xfrm>
+          <a:off x="0" y="0"/>
+          <a:ext cx="0" cy="0"/>
+          <a:chOff x="0" y="0"/>
+          <a:chExt cx="0" cy="0"/>
+        </a:xfrm>
+      </p:grpSpPr>
+      <p:sp>
+        <p:nvSpPr>
+          <p:cNvPr id="2" name="标题 1"/>
+          <p:cNvSpPr>
+            <a:spLocks noGrp="1"/>
+          </p:cNvSpPr>
+          <p:nvPr>
+            <p:ph type="title"/>
+          </p:nvPr>
+        </p:nvSpPr>
+        <p:spPr/>
+        <p:txBody>
+          <a:bodyPr/>
+          <a:lstStyle/>
+          <a:p>
+            <a:r>
+              <a:rPr kumimoji="1" lang="zh-CN" altLang="en-US" dirty="0"/>
+              <a:t>初始化流</a:t>
+            </a:r>
+            <a:r>
+              <a:rPr kumimoji="1" lang="zh-CN" altLang="en-US" dirty="0" smtClean="0"/>
+              <a:t>程</a:t>
+            </a:r>
+            <a:r>
+              <a:rPr kumimoji="1" lang="zh-CN" altLang="en-US" dirty="0" smtClean="0"/>
+              <a:t> </a:t>
+            </a:r>
+            <a:r>
+              <a:rPr kumimoji="1" lang="en-US" altLang="zh-CN" dirty="0" smtClean="0"/>
+              <a:t>Demo</a:t>
+            </a:r>
+            <a:endParaRPr kumimoji="1" lang="zh-CN" altLang="en-US" dirty="0"/>
+          </a:p>
+        </p:txBody>
+      </p:sp>
+      <p:sp>
+        <p:nvSpPr>
+          <p:cNvPr id="3" name="内容占位符 2"/>
+          <p:cNvSpPr>
+            <a:spLocks noGrp="1"/>
+          </p:cNvSpPr>
+          <p:nvPr>
+            <p:ph idx="1"/>
+          </p:nvPr>
+        </p:nvSpPr>
+        <p:spPr/>
+        <p:txBody>
+          <a:bodyPr/>
+          <a:lstStyle/>
+          <a:p>
+            <a:r>
+              <a:rPr kumimoji="1" lang="en-US" altLang="zh-CN" dirty="0" smtClean="0"/>
+              <a:t>10</a:t>
+            </a:r>
+            <a:r>
+              <a:rPr kumimoji="1" lang="zh-CN" altLang="en-US" dirty="0" smtClean="0"/>
+              <a:t> </a:t>
+            </a:r>
+            <a:r>
+              <a:rPr kumimoji="1" lang="en-US" altLang="zh-CN" dirty="0" err="1" smtClean="0"/>
+              <a:t>mins</a:t>
+            </a:r>
+            <a:endParaRPr kumimoji="1" lang="zh-CN" altLang="en-US" dirty="0"/>
+          </a:p>
+        </p:txBody>
+      </p:sp>
+    </p:spTree>
+    <p:extLst>
+      <p:ext uri="{BB962C8B-B14F-4D97-AF65-F5344CB8AC3E}">
+        <p14:creationId xmlns:p14="http://schemas.microsoft.com/office/powerpoint/2010/main" val="2274639992"/>
+      </p:ext>
+    </p:extLst>
+  </p:cSld>
+  <p:clrMapOvr>
+    <a:masterClrMapping/>
+  </p:clrMapOvr>
+</p:sld>
+</file>
+
+<file path=ppt/slides/slide22.xml><?xml version="1.0" encoding="utf-8"?>
+<p:sld xmlns:a="http://schemas.openxmlformats.org/drawingml/2006/main" xmlns:r="http://schemas.openxmlformats.org/officeDocument/2006/relationships" xmlns:p="http://schemas.openxmlformats.org/presentationml/2006/main">
+  <p:cSld>
+    <p:spTree>
+      <p:nvGrpSpPr>
+        <p:cNvPr id="1" name=""/>
+        <p:cNvGrpSpPr/>
+        <p:nvPr/>
+      </p:nvGrpSpPr>
+      <p:grpSpPr>
+        <a:xfrm>
+          <a:off x="0" y="0"/>
+          <a:ext cx="0" cy="0"/>
+          <a:chOff x="0" y="0"/>
+          <a:chExt cx="0" cy="0"/>
+        </a:xfrm>
+      </p:grpSpPr>
+      <p:sp>
+        <p:nvSpPr>
+          <p:cNvPr id="2" name="标题 1"/>
+          <p:cNvSpPr>
+            <a:spLocks noGrp="1"/>
+          </p:cNvSpPr>
+          <p:nvPr>
+            <p:ph type="title"/>
+          </p:nvPr>
+        </p:nvSpPr>
+        <p:spPr/>
+        <p:txBody>
+          <a:bodyPr/>
+          <a:lstStyle/>
+          <a:p>
+            <a:r>
+              <a:rPr kumimoji="1" lang="zh-CN" altLang="en-US" dirty="0" smtClean="0"/>
+              <a:t>登录流程</a:t>
+            </a:r>
+            <a:endParaRPr kumimoji="1" lang="zh-CN" altLang="en-US" dirty="0"/>
+          </a:p>
+        </p:txBody>
+      </p:sp>
+      <p:sp>
+        <p:nvSpPr>
+          <p:cNvPr id="3" name="内容占位符 2"/>
+          <p:cNvSpPr>
+            <a:spLocks noGrp="1"/>
+          </p:cNvSpPr>
+          <p:nvPr>
+            <p:ph idx="1"/>
+          </p:nvPr>
+        </p:nvSpPr>
+        <p:spPr/>
+        <p:txBody>
+          <a:bodyPr>
+            <a:normAutofit fontScale="85000" lnSpcReduction="20000"/>
+          </a:bodyPr>
+          <a:lstStyle/>
+          <a:p>
+            <a:r>
+              <a:rPr kumimoji="1" lang="zh-CN" altLang="en-US" dirty="0" smtClean="0"/>
+              <a:t>调用登录</a:t>
+            </a:r>
+            <a:endParaRPr kumimoji="1" lang="en-US" altLang="zh-CN" dirty="0" smtClean="0"/>
+          </a:p>
+          <a:p>
+            <a:r>
+              <a:rPr kumimoji="1" lang="zh-CN" altLang="en-US" dirty="0" smtClean="0"/>
+              <a:t>等待登录结果</a:t>
+            </a:r>
+            <a:endParaRPr kumimoji="1" lang="en-US" altLang="zh-CN" dirty="0" smtClean="0"/>
+          </a:p>
+          <a:p>
+            <a:r>
+              <a:rPr kumimoji="1" lang="zh-CN" altLang="en-US" dirty="0" smtClean="0"/>
+              <a:t>登录成功</a:t>
+            </a:r>
+            <a:endParaRPr kumimoji="1" lang="en-US" altLang="zh-CN" dirty="0" smtClean="0"/>
+          </a:p>
+          <a:p>
+            <a:pPr lvl="1"/>
+            <a:r>
+              <a:rPr kumimoji="1" lang="zh-CN" altLang="en-US" dirty="0" smtClean="0"/>
+              <a:t>取联</a:t>
+            </a:r>
+            <a:r>
+              <a:rPr kumimoji="1" lang="zh-CN" altLang="en-US" dirty="0" smtClean="0"/>
+              <a:t>系人</a:t>
+            </a:r>
+            <a:endParaRPr kumimoji="1" lang="en-US" altLang="zh-CN" dirty="0" smtClean="0"/>
+          </a:p>
+          <a:p>
+            <a:pPr lvl="1"/>
+            <a:r>
+              <a:rPr kumimoji="1" lang="zh-CN" altLang="en-US" dirty="0" smtClean="0"/>
+              <a:t>存联系人到本地</a:t>
+            </a:r>
+            <a:endParaRPr kumimoji="1" lang="en-US" altLang="zh-CN" dirty="0" smtClean="0"/>
+          </a:p>
+          <a:p>
+            <a:pPr lvl="1"/>
+            <a:r>
+              <a:rPr kumimoji="1" lang="zh-CN" altLang="en-US" dirty="0" smtClean="0"/>
+              <a:t>取群组</a:t>
+            </a:r>
+            <a:endParaRPr kumimoji="1" lang="en-US" altLang="zh-CN" dirty="0" smtClean="0"/>
+          </a:p>
+          <a:p>
+            <a:pPr lvl="1"/>
+            <a:r>
+              <a:rPr kumimoji="1" lang="zh-CN" altLang="en-US" dirty="0" smtClean="0"/>
+              <a:t>加载会话</a:t>
+            </a:r>
+            <a:endParaRPr kumimoji="1" lang="en-US" altLang="zh-CN" dirty="0" smtClean="0"/>
+          </a:p>
+          <a:p>
+            <a:pPr lvl="1"/>
+            <a:r>
+              <a:rPr kumimoji="1" lang="zh-CN" altLang="en-US" dirty="0" smtClean="0"/>
+              <a:t>加载群组</a:t>
+            </a:r>
+            <a:endParaRPr kumimoji="1" lang="en-US" altLang="zh-CN" dirty="0" smtClean="0"/>
+          </a:p>
+          <a:p>
+            <a:pPr lvl="1"/>
+            <a:r>
+              <a:rPr kumimoji="1" lang="zh-CN" altLang="en-US" dirty="0" smtClean="0"/>
+              <a:t>进入主页面</a:t>
+            </a:r>
+            <a:endParaRPr kumimoji="1" lang="en-US" altLang="zh-CN" dirty="0" smtClean="0"/>
+          </a:p>
+          <a:p>
+            <a:r>
+              <a:rPr kumimoji="1" lang="zh-CN" altLang="en-US" dirty="0" smtClean="0"/>
+              <a:t>登录失败</a:t>
+            </a:r>
+            <a:endParaRPr kumimoji="1" lang="en-US" altLang="zh-CN" dirty="0" smtClean="0"/>
+          </a:p>
+          <a:p>
+            <a:pPr lvl="1"/>
+            <a:r>
+              <a:rPr kumimoji="1" lang="zh-CN" altLang="en-US" dirty="0" smtClean="0"/>
+              <a:t>弹出登录失败会话窗口 </a:t>
+            </a:r>
+            <a:r>
+              <a:rPr kumimoji="1" lang="en-US" altLang="zh-CN" dirty="0" smtClean="0"/>
+              <a:t>-&gt;toast</a:t>
+            </a:r>
+            <a:r>
+              <a:rPr kumimoji="1" lang="zh-CN" altLang="en-US" dirty="0" smtClean="0"/>
+              <a:t> </a:t>
+            </a:r>
+            <a:r>
+              <a:rPr kumimoji="1" lang="en-US" altLang="zh-CN" dirty="0" smtClean="0"/>
+              <a:t>error</a:t>
+            </a:r>
+            <a:r>
+              <a:rPr kumimoji="1" lang="zh-CN" altLang="en-US" dirty="0" smtClean="0"/>
+              <a:t> 即可</a:t>
+            </a:r>
+            <a:endParaRPr kumimoji="1" lang="zh-CN" altLang="en-US" dirty="0"/>
+          </a:p>
+        </p:txBody>
+      </p:sp>
+    </p:spTree>
+    <p:extLst>
+      <p:ext uri="{BB962C8B-B14F-4D97-AF65-F5344CB8AC3E}">
+        <p14:creationId xmlns:p14="http://schemas.microsoft.com/office/powerpoint/2010/main" val="4138443587"/>
+      </p:ext>
+    </p:extLst>
+  </p:cSld>
+  <p:clrMapOvr>
+    <a:masterClrMapping/>
+  </p:clrMapOvr>
+  <p:timing>
+    <p:tnLst>
+      <p:par>
+        <p:cTn xmlns:p14="http://schemas.microsoft.com/office/powerpoint/2010/main" id="1" dur="indefinite" restart="never" nodeType="tmRoot"/>
+      </p:par>
+    </p:tnLst>
+  </p:timing>
+</p:sld>
+</file>
+
+<file path=ppt/slides/slide23.xml><?xml version="1.0" encoding="utf-8"?>
+<p:sld xmlns:a="http://schemas.openxmlformats.org/drawingml/2006/main" xmlns:r="http://schemas.openxmlformats.org/officeDocument/2006/relationships" xmlns:p="http://schemas.openxmlformats.org/presentationml/2006/main">
+  <p:cSld>
+    <p:spTree>
+      <p:nvGrpSpPr>
+        <p:cNvPr id="1" name=""/>
+        <p:cNvGrpSpPr/>
+        <p:nvPr/>
+      </p:nvGrpSpPr>
+      <p:grpSpPr>
+        <a:xfrm>
+          <a:off x="0" y="0"/>
+          <a:ext cx="0" cy="0"/>
+          <a:chOff x="0" y="0"/>
+          <a:chExt cx="0" cy="0"/>
+        </a:xfrm>
+      </p:grpSpPr>
+      <p:sp>
+        <p:nvSpPr>
+          <p:cNvPr id="2" name="标题 1"/>
+          <p:cNvSpPr>
+            <a:spLocks noGrp="1"/>
+          </p:cNvSpPr>
+          <p:nvPr>
+            <p:ph type="title"/>
+          </p:nvPr>
+        </p:nvSpPr>
+        <p:spPr/>
+        <p:txBody>
+          <a:bodyPr/>
+          <a:lstStyle/>
+          <a:p>
+            <a:r>
+              <a:rPr kumimoji="1" lang="zh-CN" altLang="en-US" dirty="0" smtClean="0"/>
+              <a:t>登录</a:t>
+            </a:r>
+            <a:r>
+              <a:rPr kumimoji="1" lang="en-US" altLang="zh-CN" dirty="0" smtClean="0"/>
+              <a:t> Demo</a:t>
+            </a:r>
+            <a:endParaRPr kumimoji="1" lang="zh-CN" altLang="en-US" dirty="0"/>
+          </a:p>
+        </p:txBody>
+      </p:sp>
+      <p:sp>
+        <p:nvSpPr>
+          <p:cNvPr id="3" name="内容占位符 2"/>
+          <p:cNvSpPr>
+            <a:spLocks noGrp="1"/>
+          </p:cNvSpPr>
+          <p:nvPr>
+            <p:ph idx="1"/>
+          </p:nvPr>
+        </p:nvSpPr>
+        <p:spPr/>
+        <p:txBody>
+          <a:bodyPr/>
+          <a:lstStyle/>
+          <a:p>
+            <a:endParaRPr kumimoji="1" lang="zh-CN" altLang="en-US" dirty="0"/>
+          </a:p>
+        </p:txBody>
+      </p:sp>
+    </p:spTree>
+    <p:extLst>
+      <p:ext uri="{BB962C8B-B14F-4D97-AF65-F5344CB8AC3E}">
+        <p14:creationId xmlns:p14="http://schemas.microsoft.com/office/powerpoint/2010/main" val="2442943992"/>
+      </p:ext>
+    </p:extLst>
+  </p:cSld>
+  <p:clrMapOvr>
+    <a:masterClrMapping/>
+  </p:clrMapOvr>
+</p:sld>
+</file>
+
+<file path=ppt/slides/slide24.xml><?xml version="1.0" encoding="utf-8"?>
+<p:sld xmlns:a="http://schemas.openxmlformats.org/drawingml/2006/main" xmlns:r="http://schemas.openxmlformats.org/officeDocument/2006/relationships" xmlns:p="http://schemas.openxmlformats.org/presentationml/2006/main">
+  <p:cSld>
+    <p:spTree>
+      <p:nvGrpSpPr>
+        <p:cNvPr id="1" name=""/>
+        <p:cNvGrpSpPr/>
+        <p:nvPr/>
+      </p:nvGrpSpPr>
+      <p:grpSpPr>
+        <a:xfrm>
+          <a:off x="0" y="0"/>
+          <a:ext cx="0" cy="0"/>
+          <a:chOff x="0" y="0"/>
+          <a:chExt cx="0" cy="0"/>
+        </a:xfrm>
+      </p:grpSpPr>
+      <p:sp>
+        <p:nvSpPr>
+          <p:cNvPr id="2" name="标题 1"/>
+          <p:cNvSpPr>
+            <a:spLocks noGrp="1"/>
+          </p:cNvSpPr>
+          <p:nvPr>
+            <p:ph type="title"/>
+          </p:nvPr>
+        </p:nvSpPr>
+        <p:spPr/>
+        <p:txBody>
+          <a:bodyPr/>
+          <a:lstStyle/>
+          <a:p>
+            <a:r>
+              <a:rPr kumimoji="1" lang="zh-CN" altLang="en-US" dirty="0" smtClean="0"/>
+              <a:t>应用启动流程</a:t>
+            </a:r>
+            <a:endParaRPr kumimoji="1" lang="zh-CN" altLang="en-US" dirty="0"/>
+          </a:p>
+        </p:txBody>
+      </p:sp>
+      <p:sp>
+        <p:nvSpPr>
+          <p:cNvPr id="3" name="内容占位符 2"/>
+          <p:cNvSpPr>
+            <a:spLocks noGrp="1"/>
+          </p:cNvSpPr>
+          <p:nvPr>
+            <p:ph idx="1"/>
+          </p:nvPr>
+        </p:nvSpPr>
+        <p:spPr/>
+        <p:txBody>
+          <a:bodyPr/>
+          <a:lstStyle/>
+          <a:p>
+            <a:r>
+              <a:rPr kumimoji="1" lang="zh-CN" altLang="en-US" dirty="0" smtClean="0"/>
+              <a:t>进入开屏页面</a:t>
+            </a:r>
+            <a:endParaRPr kumimoji="1" lang="en-US" altLang="zh-CN" dirty="0" smtClean="0"/>
+          </a:p>
+          <a:p>
+            <a:r>
+              <a:rPr kumimoji="1" lang="zh-CN" altLang="en-US" dirty="0" smtClean="0"/>
+              <a:t>判断是否登录过</a:t>
+            </a:r>
+            <a:endParaRPr kumimoji="1" lang="en-US" altLang="zh-CN" dirty="0" smtClean="0"/>
+          </a:p>
+          <a:p>
+            <a:r>
+              <a:rPr kumimoji="1" lang="zh-CN" altLang="en-US" dirty="0" smtClean="0"/>
+              <a:t>如果登录过</a:t>
+            </a:r>
+            <a:r>
+              <a:rPr kumimoji="1" lang="en-US" altLang="zh-CN" dirty="0" smtClean="0"/>
+              <a:t>-》</a:t>
+            </a:r>
+            <a:r>
+              <a:rPr kumimoji="1" lang="zh-CN" altLang="en-US" dirty="0" smtClean="0"/>
+              <a:t>直接进入主界面</a:t>
+            </a:r>
+            <a:endParaRPr kumimoji="1" lang="en-US" altLang="zh-CN" dirty="0" smtClean="0"/>
+          </a:p>
+          <a:p>
+            <a:pPr lvl="1"/>
+            <a:r>
+              <a:rPr kumimoji="1" lang="zh-CN" altLang="en-US" dirty="0" smtClean="0"/>
+              <a:t>加载本地会话</a:t>
+            </a:r>
+            <a:endParaRPr kumimoji="1" lang="en-US" altLang="zh-CN" dirty="0" smtClean="0"/>
+          </a:p>
+          <a:p>
+            <a:pPr lvl="1"/>
+            <a:r>
+              <a:rPr kumimoji="1" lang="zh-CN" altLang="en-US" dirty="0" smtClean="0"/>
+              <a:t>加载本地群</a:t>
+            </a:r>
+            <a:endParaRPr kumimoji="1" lang="en-US" altLang="zh-CN" dirty="0" smtClean="0"/>
+          </a:p>
+          <a:p>
+            <a:r>
+              <a:rPr kumimoji="1" lang="zh-CN" altLang="en-US" dirty="0" smtClean="0"/>
+              <a:t>如果没登录过 </a:t>
+            </a:r>
+            <a:r>
+              <a:rPr kumimoji="1" lang="en-US" altLang="zh-CN" dirty="0" smtClean="0"/>
+              <a:t>-》</a:t>
+            </a:r>
+            <a:r>
+              <a:rPr kumimoji="1" lang="zh-CN" altLang="en-US" dirty="0" smtClean="0"/>
+              <a:t>接入未登录界面</a:t>
+            </a:r>
+            <a:endParaRPr kumimoji="1" lang="en-US" altLang="zh-CN" dirty="0" smtClean="0"/>
+          </a:p>
+          <a:p>
+            <a:pPr lvl="1"/>
+            <a:r>
+              <a:rPr kumimoji="1" lang="zh-CN" altLang="en-US" dirty="0" smtClean="0"/>
+              <a:t>进入登录流程</a:t>
+            </a:r>
+            <a:endParaRPr kumimoji="1" lang="zh-CN" altLang="en-US" dirty="0"/>
+          </a:p>
+        </p:txBody>
+      </p:sp>
+    </p:spTree>
+    <p:extLst>
+      <p:ext uri="{BB962C8B-B14F-4D97-AF65-F5344CB8AC3E}">
+        <p14:creationId xmlns:p14="http://schemas.microsoft.com/office/powerpoint/2010/main" val="2763439093"/>
+      </p:ext>
+    </p:extLst>
+  </p:cSld>
+  <p:clrMapOvr>
+    <a:masterClrMapping/>
+  </p:clrMapOvr>
+  <p:timing>
+    <p:tnLst>
+      <p:par>
+        <p:cTn xmlns:p14="http://schemas.microsoft.com/office/powerpoint/2010/main" id="1" dur="indefinite" restart="never" nodeType="tmRoot"/>
+      </p:par>
+    </p:tnLst>
+  </p:timing>
+</p:sld>
+</file>
+
+<file path=ppt/slides/slide25.xml><?xml version="1.0" encoding="utf-8"?>
+<p:sld xmlns:a="http://schemas.openxmlformats.org/drawingml/2006/main" xmlns:r="http://schemas.openxmlformats.org/officeDocument/2006/relationships" xmlns:p="http://schemas.openxmlformats.org/presentationml/2006/main">
+  <p:cSld>
+    <p:spTree>
+      <p:nvGrpSpPr>
+        <p:cNvPr id="1" name=""/>
+        <p:cNvGrpSpPr/>
+        <p:nvPr/>
+      </p:nvGrpSpPr>
+      <p:grpSpPr>
+        <a:xfrm>
+          <a:off x="0" y="0"/>
+          <a:ext cx="0" cy="0"/>
+          <a:chOff x="0" y="0"/>
+          <a:chExt cx="0" cy="0"/>
+        </a:xfrm>
+      </p:grpSpPr>
+      <p:sp>
+        <p:nvSpPr>
+          <p:cNvPr id="2" name="标题 1"/>
+          <p:cNvSpPr>
+            <a:spLocks noGrp="1"/>
+          </p:cNvSpPr>
+          <p:nvPr>
+            <p:ph type="title"/>
+          </p:nvPr>
+        </p:nvSpPr>
+        <p:spPr/>
+        <p:txBody>
+          <a:bodyPr/>
+          <a:lstStyle/>
+          <a:p>
+            <a:r>
+              <a:rPr kumimoji="1" lang="zh-CN" altLang="en-US" dirty="0" smtClean="0"/>
+              <a:t>添加联系人</a:t>
+            </a:r>
+            <a:endParaRPr kumimoji="1" lang="zh-CN" altLang="en-US" dirty="0"/>
+          </a:p>
+        </p:txBody>
+      </p:sp>
+      <p:sp>
+        <p:nvSpPr>
+          <p:cNvPr id="3" name="内容占位符 2"/>
+          <p:cNvSpPr>
+            <a:spLocks noGrp="1"/>
+          </p:cNvSpPr>
+          <p:nvPr>
+            <p:ph idx="1"/>
+          </p:nvPr>
+        </p:nvSpPr>
+        <p:spPr/>
+        <p:txBody>
+          <a:bodyPr/>
+          <a:lstStyle/>
+          <a:p>
+            <a:r>
+              <a:rPr kumimoji="1" lang="en-US" altLang="zh-CN" dirty="0" err="1" smtClean="0"/>
+              <a:t>EMContactManager</a:t>
+            </a:r>
+            <a:r>
+              <a:rPr kumimoji="1" lang="zh-CN" altLang="en-US" dirty="0" smtClean="0"/>
+              <a:t>:</a:t>
+            </a:r>
+            <a:r>
+              <a:rPr kumimoji="1" lang="en-US" altLang="zh-CN" dirty="0" smtClean="0"/>
+              <a:t>:</a:t>
+            </a:r>
+            <a:r>
+              <a:rPr kumimoji="1" lang="en-US" altLang="zh-CN" dirty="0" err="1" smtClean="0"/>
+              <a:t>addContact</a:t>
+            </a:r>
+            <a:r>
+              <a:rPr kumimoji="1" lang="en-US" altLang="zh-CN" dirty="0" smtClean="0"/>
+              <a:t>(</a:t>
+            </a:r>
+            <a:r>
+              <a:rPr kumimoji="1" lang="en-US" altLang="zh-CN" dirty="0" err="1" smtClean="0"/>
+              <a:t>name,reason</a:t>
+            </a:r>
+            <a:r>
+              <a:rPr kumimoji="1" lang="en-US" altLang="zh-CN" dirty="0" smtClean="0"/>
+              <a:t>)</a:t>
+            </a:r>
+          </a:p>
+          <a:p>
+            <a:endParaRPr kumimoji="1" lang="en-US" altLang="zh-CN" dirty="0"/>
+          </a:p>
+          <a:p>
+            <a:r>
+              <a:rPr kumimoji="1" lang="zh-CN" altLang="en-US" dirty="0" smtClean="0"/>
+              <a:t>监听对方接受事件</a:t>
+            </a:r>
+            <a:endParaRPr kumimoji="1" lang="en-US" altLang="zh-CN" dirty="0" smtClean="0"/>
+          </a:p>
+          <a:p>
+            <a:endParaRPr kumimoji="1" lang="en-US" altLang="zh-CN" dirty="0"/>
+          </a:p>
+          <a:p>
+            <a:r>
+              <a:rPr kumimoji="1" lang="zh-CN" altLang="en-US" dirty="0" smtClean="0"/>
+              <a:t>把联系人加到缓存和数据库</a:t>
+            </a:r>
+            <a:endParaRPr kumimoji="1" lang="zh-CN" altLang="en-US" dirty="0"/>
+          </a:p>
+        </p:txBody>
+      </p:sp>
+    </p:spTree>
+    <p:extLst>
+      <p:ext uri="{BB962C8B-B14F-4D97-AF65-F5344CB8AC3E}">
+        <p14:creationId xmlns:p14="http://schemas.microsoft.com/office/powerpoint/2010/main" val="556588356"/>
+      </p:ext>
+    </p:extLst>
+  </p:cSld>
+  <p:clrMapOvr>
+    <a:masterClrMapping/>
+  </p:clrMapOvr>
+</p:sld>
+</file>
+
+<file path=ppt/slides/slide26.xml><?xml version="1.0" encoding="utf-8"?>
+<p:sld xmlns:a="http://schemas.openxmlformats.org/drawingml/2006/main" xmlns:r="http://schemas.openxmlformats.org/officeDocument/2006/relationships" xmlns:p="http://schemas.openxmlformats.org/presentationml/2006/main">
+  <p:cSld>
+    <p:spTree>
+      <p:nvGrpSpPr>
+        <p:cNvPr id="1" name=""/>
+        <p:cNvGrpSpPr/>
+        <p:nvPr/>
+      </p:nvGrpSpPr>
+      <p:grpSpPr>
+        <a:xfrm>
+          <a:off x="0" y="0"/>
+          <a:ext cx="0" cy="0"/>
+          <a:chOff x="0" y="0"/>
+          <a:chExt cx="0" cy="0"/>
+        </a:xfrm>
+      </p:grpSpPr>
+      <p:sp>
+        <p:nvSpPr>
+          <p:cNvPr id="2" name="标题 1"/>
+          <p:cNvSpPr>
+            <a:spLocks noGrp="1"/>
+          </p:cNvSpPr>
+          <p:nvPr>
+            <p:ph type="title"/>
+          </p:nvPr>
+        </p:nvSpPr>
+        <p:spPr/>
+        <p:txBody>
+          <a:bodyPr/>
+          <a:lstStyle/>
+          <a:p>
+            <a:r>
+              <a:rPr kumimoji="1" lang="zh-CN" altLang="en-US" dirty="0" smtClean="0"/>
+              <a:t>添加联系人</a:t>
+            </a:r>
+            <a:r>
+              <a:rPr kumimoji="1" lang="en-US" altLang="zh-CN" dirty="0" smtClean="0"/>
+              <a:t>Demo</a:t>
+            </a:r>
+            <a:endParaRPr kumimoji="1" lang="zh-CN" altLang="en-US" dirty="0"/>
+          </a:p>
+        </p:txBody>
+      </p:sp>
+      <p:sp>
+        <p:nvSpPr>
+          <p:cNvPr id="3" name="内容占位符 2"/>
+          <p:cNvSpPr>
+            <a:spLocks noGrp="1"/>
+          </p:cNvSpPr>
+          <p:nvPr>
+            <p:ph idx="1"/>
+          </p:nvPr>
+        </p:nvSpPr>
+        <p:spPr/>
+        <p:txBody>
+          <a:bodyPr/>
+          <a:lstStyle/>
+          <a:p>
+            <a:endParaRPr kumimoji="1" lang="zh-CN" altLang="en-US" dirty="0"/>
+          </a:p>
+        </p:txBody>
+      </p:sp>
+    </p:spTree>
+    <p:extLst>
+      <p:ext uri="{BB962C8B-B14F-4D97-AF65-F5344CB8AC3E}">
+        <p14:creationId xmlns:p14="http://schemas.microsoft.com/office/powerpoint/2010/main" val="2985831294"/>
+      </p:ext>
+    </p:extLst>
+  </p:cSld>
+  <p:clrMapOvr>
+    <a:masterClrMapping/>
+  </p:clrMapOvr>
+</p:sld>
+</file>
+
+<file path=ppt/slides/slide27.xml><?xml version="1.0" encoding="utf-8"?>
+<p:sld xmlns:a="http://schemas.openxmlformats.org/drawingml/2006/main" xmlns:r="http://schemas.openxmlformats.org/officeDocument/2006/relationships" xmlns:p="http://schemas.openxmlformats.org/presentationml/2006/main">
+  <p:cSld>
+    <p:spTree>
+      <p:nvGrpSpPr>
+        <p:cNvPr id="1" name=""/>
+        <p:cNvGrpSpPr/>
+        <p:nvPr/>
+      </p:nvGrpSpPr>
+      <p:grpSpPr>
+        <a:xfrm>
+          <a:off x="0" y="0"/>
+          <a:ext cx="0" cy="0"/>
+          <a:chOff x="0" y="0"/>
+          <a:chExt cx="0" cy="0"/>
+        </a:xfrm>
+      </p:grpSpPr>
+      <p:sp>
+        <p:nvSpPr>
+          <p:cNvPr id="2" name="标题 1"/>
+          <p:cNvSpPr>
+            <a:spLocks noGrp="1"/>
+          </p:cNvSpPr>
+          <p:nvPr>
+            <p:ph type="title"/>
+          </p:nvPr>
+        </p:nvSpPr>
+        <p:spPr/>
+        <p:txBody>
+          <a:bodyPr/>
+          <a:lstStyle/>
+          <a:p>
+            <a:r>
+              <a:rPr kumimoji="1" lang="en-US" altLang="en-US" dirty="0" smtClean="0"/>
+              <a:t>监听</a:t>
+            </a:r>
+            <a:r>
+              <a:rPr kumimoji="1" lang="zh-CN" altLang="en-US" dirty="0" smtClean="0"/>
+              <a:t>联系人事件</a:t>
+            </a:r>
+            <a:endParaRPr kumimoji="1" lang="zh-CN" altLang="en-US" dirty="0"/>
+          </a:p>
+        </p:txBody>
+      </p:sp>
+      <p:sp>
+        <p:nvSpPr>
+          <p:cNvPr id="3" name="内容占位符 2"/>
+          <p:cNvSpPr>
+            <a:spLocks noGrp="1"/>
+          </p:cNvSpPr>
+          <p:nvPr>
+            <p:ph idx="1"/>
+          </p:nvPr>
+        </p:nvSpPr>
+        <p:spPr/>
+        <p:txBody>
+          <a:bodyPr/>
+          <a:lstStyle/>
+          <a:p>
+            <a:endParaRPr kumimoji="1" lang="zh-CN" altLang="en-US" dirty="0"/>
+          </a:p>
+        </p:txBody>
+      </p:sp>
+    </p:spTree>
+    <p:extLst>
+      <p:ext uri="{BB962C8B-B14F-4D97-AF65-F5344CB8AC3E}">
+        <p14:creationId xmlns:p14="http://schemas.microsoft.com/office/powerpoint/2010/main" val="374258346"/>
+      </p:ext>
+    </p:extLst>
+  </p:cSld>
+  <p:clrMapOvr>
+    <a:masterClrMapping/>
+  </p:clrMapOvr>
+</p:sld>
+</file>
+
+<file path=ppt/slides/slide28.xml><?xml version="1.0" encoding="utf-8"?>
+<p:sld xmlns:a="http://schemas.openxmlformats.org/drawingml/2006/main" xmlns:r="http://schemas.openxmlformats.org/officeDocument/2006/relationships" xmlns:p="http://schemas.openxmlformats.org/presentationml/2006/main">
+  <p:cSld>
+    <p:spTree>
+      <p:nvGrpSpPr>
+        <p:cNvPr id="1" name=""/>
+        <p:cNvGrpSpPr/>
+        <p:nvPr/>
+      </p:nvGrpSpPr>
+      <p:grpSpPr>
+        <a:xfrm>
+          <a:off x="0" y="0"/>
+          <a:ext cx="0" cy="0"/>
+          <a:chOff x="0" y="0"/>
+          <a:chExt cx="0" cy="0"/>
+        </a:xfrm>
+      </p:grpSpPr>
+      <p:sp>
+        <p:nvSpPr>
+          <p:cNvPr id="2" name="标题 1"/>
+          <p:cNvSpPr>
+            <a:spLocks noGrp="1"/>
+          </p:cNvSpPr>
+          <p:nvPr>
+            <p:ph type="title"/>
+          </p:nvPr>
+        </p:nvSpPr>
+        <p:spPr/>
+        <p:txBody>
+          <a:bodyPr/>
+          <a:lstStyle/>
+          <a:p>
+            <a:r>
+              <a:rPr kumimoji="1" lang="zh-CN" altLang="en-US" dirty="0" smtClean="0"/>
+              <a:t>发送</a:t>
+            </a:r>
+            <a:r>
+              <a:rPr kumimoji="1" lang="zh-CN" altLang="en-US" dirty="0" smtClean="0"/>
+              <a:t>消息</a:t>
+            </a:r>
+            <a:r>
+              <a:rPr kumimoji="1" lang="zh-CN" altLang="en-US" dirty="0" smtClean="0"/>
+              <a:t>流程</a:t>
+            </a:r>
+            <a:endParaRPr kumimoji="1" lang="zh-CN" altLang="en-US" dirty="0"/>
+          </a:p>
+        </p:txBody>
+      </p:sp>
+      <p:sp>
+        <p:nvSpPr>
+          <p:cNvPr id="3" name="内容占位符 2"/>
+          <p:cNvSpPr>
+            <a:spLocks noGrp="1"/>
+          </p:cNvSpPr>
+          <p:nvPr>
+            <p:ph idx="1"/>
+          </p:nvPr>
+        </p:nvSpPr>
+        <p:spPr/>
+        <p:txBody>
+          <a:bodyPr>
+            <a:normAutofit/>
+          </a:bodyPr>
+          <a:lstStyle/>
+          <a:p>
+            <a:r>
+              <a:rPr kumimoji="1" lang="en-US" altLang="zh-CN" dirty="0" err="1" smtClean="0"/>
+              <a:t>EMMessage.createXXXMessage</a:t>
+            </a:r>
+            <a:r>
+              <a:rPr kumimoji="1" lang="en-US" altLang="zh-CN" dirty="0" smtClean="0"/>
+              <a:t>()</a:t>
+            </a:r>
+            <a:r>
+              <a:rPr kumimoji="1" lang="zh-CN" altLang="en-US" dirty="0" smtClean="0"/>
+              <a:t> 创建消息体</a:t>
+            </a:r>
+            <a:endParaRPr kumimoji="1" lang="en-US" altLang="zh-CN" dirty="0" smtClean="0"/>
+          </a:p>
+          <a:p>
+            <a:endParaRPr kumimoji="1" lang="en-US" altLang="zh-CN" dirty="0" smtClean="0"/>
+          </a:p>
+          <a:p>
+            <a:r>
+              <a:rPr kumimoji="1" lang="zh-CN" altLang="en-US" dirty="0" smtClean="0"/>
+              <a:t>设置发送</a:t>
+            </a:r>
+            <a:r>
+              <a:rPr kumimoji="1" lang="en-US" altLang="zh-CN" dirty="0" smtClean="0"/>
+              <a:t>callback</a:t>
+            </a:r>
+            <a:r>
+              <a:rPr kumimoji="1" lang="zh-CN" altLang="en-US" dirty="0" smtClean="0"/>
+              <a:t>，以获取发送的状态，然后更新页面</a:t>
+            </a:r>
+            <a:endParaRPr kumimoji="1" lang="en-US" altLang="zh-CN" dirty="0"/>
+          </a:p>
+          <a:p>
+            <a:endParaRPr kumimoji="1" lang="en-US" altLang="zh-CN" dirty="0" smtClean="0"/>
+          </a:p>
+          <a:p>
+            <a:r>
+              <a:rPr kumimoji="1" lang="en-US" altLang="zh-CN" dirty="0" err="1"/>
+              <a:t>EMClient.getInstance</a:t>
+            </a:r>
+            <a:r>
+              <a:rPr kumimoji="1" lang="en-US" altLang="zh-CN" dirty="0"/>
+              <a:t>().</a:t>
+            </a:r>
+            <a:r>
+              <a:rPr kumimoji="1" lang="en-US" altLang="zh-CN" dirty="0" err="1"/>
+              <a:t>chatManager</a:t>
+            </a:r>
+            <a:r>
+              <a:rPr kumimoji="1" lang="en-US" altLang="zh-CN" dirty="0"/>
+              <a:t>().</a:t>
+            </a:r>
+            <a:r>
+              <a:rPr kumimoji="1" lang="en-US" altLang="zh-CN" dirty="0" err="1"/>
+              <a:t>sendMessage</a:t>
+            </a:r>
+            <a:r>
+              <a:rPr kumimoji="1" lang="en-US" altLang="zh-CN" dirty="0"/>
+              <a:t>(</a:t>
+            </a:r>
+            <a:r>
+              <a:rPr kumimoji="1" lang="en-US" altLang="zh-CN" dirty="0" err="1"/>
+              <a:t>msg</a:t>
+            </a:r>
+            <a:r>
+              <a:rPr kumimoji="1" lang="en-US" altLang="zh-CN" dirty="0"/>
+              <a:t>)</a:t>
+            </a:r>
+          </a:p>
+          <a:p>
+            <a:endParaRPr kumimoji="1" lang="zh-CN" altLang="en-US" dirty="0"/>
+          </a:p>
+        </p:txBody>
+      </p:sp>
+    </p:spTree>
+    <p:extLst>
+      <p:ext uri="{BB962C8B-B14F-4D97-AF65-F5344CB8AC3E}">
+        <p14:creationId xmlns:p14="http://schemas.microsoft.com/office/powerpoint/2010/main" val="2700658824"/>
+      </p:ext>
+    </p:extLst>
+  </p:cSld>
+  <p:clrMapOvr>
+    <a:masterClrMapping/>
+  </p:clrMapOvr>
+  <p:timing>
+    <p:tnLst>
+      <p:par>
+        <p:cTn xmlns:p14="http://schemas.microsoft.com/office/powerpoint/2010/main" id="1" dur="indefinite" restart="never" nodeType="tmRoot"/>
+      </p:par>
+    </p:tnLst>
+  </p:timing>
+</p:sld>
+</file>
+
+<file path=ppt/slides/slide29.xml><?xml version="1.0" encoding="utf-8"?>
+<p:sld xmlns:a="http://schemas.openxmlformats.org/drawingml/2006/main" xmlns:r="http://schemas.openxmlformats.org/officeDocument/2006/relationships" xmlns:p="http://schemas.openxmlformats.org/presentationml/2006/main">
+  <p:cSld>
+    <p:spTree>
+      <p:nvGrpSpPr>
+        <p:cNvPr id="1" name=""/>
+        <p:cNvGrpSpPr/>
+        <p:nvPr/>
+      </p:nvGrpSpPr>
+      <p:grpSpPr>
+        <a:xfrm>
+          <a:off x="0" y="0"/>
+          <a:ext cx="0" cy="0"/>
+          <a:chOff x="0" y="0"/>
+          <a:chExt cx="0" cy="0"/>
+        </a:xfrm>
+      </p:grpSpPr>
+      <p:sp>
+        <p:nvSpPr>
+          <p:cNvPr id="2" name="标题 1"/>
+          <p:cNvSpPr>
+            <a:spLocks noGrp="1"/>
+          </p:cNvSpPr>
+          <p:nvPr>
+            <p:ph type="title"/>
+          </p:nvPr>
+        </p:nvSpPr>
+        <p:spPr/>
+        <p:txBody>
+          <a:bodyPr/>
+          <a:lstStyle/>
+          <a:p>
+            <a:r>
+              <a:rPr kumimoji="1" lang="zh-CN" altLang="en-US" dirty="0" smtClean="0"/>
+              <a:t>发送消息</a:t>
+            </a:r>
+            <a:r>
+              <a:rPr kumimoji="1" lang="en-US" altLang="zh-CN" dirty="0" smtClean="0"/>
+              <a:t> Demo</a:t>
+            </a:r>
+            <a:endParaRPr kumimoji="1" lang="zh-CN" altLang="en-US" dirty="0"/>
+          </a:p>
+        </p:txBody>
+      </p:sp>
+      <p:sp>
+        <p:nvSpPr>
+          <p:cNvPr id="3" name="内容占位符 2"/>
+          <p:cNvSpPr>
+            <a:spLocks noGrp="1"/>
+          </p:cNvSpPr>
+          <p:nvPr>
+            <p:ph idx="1"/>
+          </p:nvPr>
+        </p:nvSpPr>
+        <p:spPr/>
+        <p:txBody>
+          <a:bodyPr/>
+          <a:lstStyle/>
+          <a:p>
+            <a:endParaRPr kumimoji="1" lang="zh-CN" altLang="en-US"/>
+          </a:p>
+        </p:txBody>
+      </p:sp>
+    </p:spTree>
+    <p:extLst>
+      <p:ext uri="{BB962C8B-B14F-4D97-AF65-F5344CB8AC3E}">
+        <p14:creationId xmlns:p14="http://schemas.microsoft.com/office/powerpoint/2010/main" val="1551448302"/>
+      </p:ext>
+    </p:extLst>
+  </p:cSld>
+  <p:clrMapOvr>
+    <a:masterClrMapping/>
+  </p:clrMapOvr>
+</p:sld>
+</file>
+
+<file path=ppt/slides/slide3.xml><?xml version="1.0" encoding="utf-8"?>
+<p:sld xmlns:a="http://schemas.openxmlformats.org/drawingml/2006/main" xmlns:r="http://schemas.openxmlformats.org/officeDocument/2006/relationships" xmlns:p="http://schemas.openxmlformats.org/presentationml/2006/main">
+  <p:cSld>
+    <p:spTree>
+      <p:nvGrpSpPr>
+        <p:cNvPr id="1" name=""/>
+        <p:cNvGrpSpPr/>
+        <p:nvPr/>
+      </p:nvGrpSpPr>
+      <p:grpSpPr>
+        <a:xfrm>
+          <a:off x="0" y="0"/>
+          <a:ext cx="0" cy="0"/>
+          <a:chOff x="0" y="0"/>
+          <a:chExt cx="0" cy="0"/>
+        </a:xfrm>
+      </p:grpSpPr>
+      <p:sp>
+        <p:nvSpPr>
+          <p:cNvPr id="2" name="标题 1"/>
+          <p:cNvSpPr>
+            <a:spLocks noGrp="1"/>
+          </p:cNvSpPr>
+          <p:nvPr>
+            <p:ph type="title"/>
+          </p:nvPr>
+        </p:nvSpPr>
+        <p:spPr/>
+        <p:txBody>
+          <a:bodyPr/>
+          <a:lstStyle/>
+          <a:p>
+            <a:r>
+              <a:rPr kumimoji="1" lang="zh-CN" altLang="en-US" dirty="0" smtClean="0"/>
+              <a:t>课程最后任务</a:t>
+            </a:r>
+            <a:endParaRPr kumimoji="1" lang="zh-CN" altLang="en-US" dirty="0"/>
+          </a:p>
+        </p:txBody>
+      </p:sp>
+      <p:sp>
+        <p:nvSpPr>
+          <p:cNvPr id="3" name="内容占位符 2"/>
+          <p:cNvSpPr>
+            <a:spLocks noGrp="1"/>
+          </p:cNvSpPr>
+          <p:nvPr>
+            <p:ph idx="1"/>
+          </p:nvPr>
+        </p:nvSpPr>
+        <p:spPr/>
+        <p:txBody>
+          <a:bodyPr>
+            <a:normAutofit fontScale="62500" lnSpcReduction="20000"/>
+          </a:bodyPr>
+          <a:lstStyle/>
+          <a:p>
+            <a:r>
+              <a:rPr lang="en-US" altLang="zh-TW" b="1" dirty="0"/>
+              <a:t>IM Demo APP </a:t>
+            </a:r>
+            <a:r>
+              <a:rPr lang="zh-TW" altLang="en-US" b="1" dirty="0"/>
+              <a:t>实现</a:t>
+            </a:r>
+          </a:p>
+          <a:p>
+            <a:endParaRPr lang="en-US" altLang="zh-TW" dirty="0" smtClean="0"/>
+          </a:p>
+          <a:p>
+            <a:r>
+              <a:rPr lang="zh-TW" altLang="en-US" dirty="0" smtClean="0"/>
+              <a:t>每个人按需求实现一个简单</a:t>
+            </a:r>
+            <a:r>
+              <a:rPr lang="zh-TW" altLang="en-US" dirty="0"/>
+              <a:t>的聊天</a:t>
+            </a:r>
+            <a:r>
+              <a:rPr lang="en-US" altLang="zh-TW" dirty="0"/>
+              <a:t>APP</a:t>
+            </a:r>
+          </a:p>
+          <a:p>
+            <a:r>
+              <a:rPr lang="zh-CN" altLang="en-US" dirty="0"/>
+              <a:t>开屏页面</a:t>
+            </a:r>
+          </a:p>
+          <a:p>
+            <a:r>
+              <a:rPr lang="zh-CN" altLang="en-US" dirty="0"/>
+              <a:t>注册登录页面</a:t>
+            </a:r>
+          </a:p>
+          <a:p>
+            <a:r>
+              <a:rPr lang="zh-CN" altLang="en-US" dirty="0"/>
+              <a:t>主页面包含三个子页面</a:t>
+            </a:r>
+            <a:r>
+              <a:rPr lang="en-US" altLang="zh-CN" dirty="0"/>
+              <a:t>(</a:t>
+            </a:r>
+            <a:r>
+              <a:rPr lang="zh-CN" altLang="en-US" dirty="0"/>
+              <a:t>三个 </a:t>
+            </a:r>
+            <a:r>
+              <a:rPr lang="en-US" altLang="zh-CN" dirty="0"/>
+              <a:t>Fragment)</a:t>
+            </a:r>
+          </a:p>
+          <a:p>
+            <a:pPr lvl="1"/>
+            <a:r>
+              <a:rPr lang="zh-CN" altLang="en-US" dirty="0">
+                <a:hlinkClick r:id="rId2"/>
+              </a:rPr>
+              <a:t>会话列表页面</a:t>
+            </a:r>
+          </a:p>
+          <a:p>
+            <a:pPr lvl="1"/>
+            <a:r>
+              <a:rPr lang="zh-CN" altLang="en-US" dirty="0">
+                <a:hlinkClick r:id="rId3"/>
+              </a:rPr>
+              <a:t>联系人页面</a:t>
+            </a:r>
+          </a:p>
+          <a:p>
+            <a:pPr lvl="1"/>
+            <a:r>
+              <a:rPr lang="zh-CN" altLang="en-US" dirty="0"/>
+              <a:t>设置页面</a:t>
+            </a:r>
+          </a:p>
+          <a:p>
+            <a:r>
+              <a:rPr lang="zh-CN" altLang="en-US" dirty="0">
+                <a:hlinkClick r:id="rId4"/>
+              </a:rPr>
+              <a:t>会话页面</a:t>
+            </a:r>
+          </a:p>
+          <a:p>
+            <a:r>
+              <a:rPr lang="zh-CN" altLang="en-US" dirty="0"/>
+              <a:t>收到消息更新会话列表页面</a:t>
+            </a:r>
+          </a:p>
+          <a:p>
+            <a:r>
+              <a:rPr lang="zh-CN" altLang="en-US" dirty="0"/>
+              <a:t>点击联系人进入会话页面</a:t>
+            </a:r>
+          </a:p>
+          <a:p>
+            <a:r>
+              <a:rPr lang="zh-CN" altLang="en-US" dirty="0"/>
+              <a:t>可以发送文字，图片，和视频消息</a:t>
+            </a:r>
+          </a:p>
+          <a:p>
+            <a:r>
+              <a:rPr lang="zh-CN" altLang="en-US" dirty="0"/>
+              <a:t>每个人必须按要求创建一个分支，提交代码到此分支，老师会检查</a:t>
+            </a:r>
+            <a:endParaRPr kumimoji="1" lang="zh-CN" altLang="en-US" dirty="0"/>
+          </a:p>
+        </p:txBody>
+      </p:sp>
+    </p:spTree>
+    <p:extLst>
+      <p:ext uri="{BB962C8B-B14F-4D97-AF65-F5344CB8AC3E}">
+        <p14:creationId xmlns:p14="http://schemas.microsoft.com/office/powerpoint/2010/main" val="3298931268"/>
+      </p:ext>
+    </p:extLst>
+  </p:cSld>
+  <p:clrMapOvr>
+    <a:masterClrMapping/>
+  </p:clrMapOvr>
+  <p:timing>
+    <p:tnLst>
+      <p:par>
+        <p:cTn xmlns:p14="http://schemas.microsoft.com/office/powerpoint/2010/main" id="1" dur="indefinite" restart="never" nodeType="tmRoot"/>
+      </p:par>
+    </p:tnLst>
+  </p:timing>
+</p:sld>
+</file>
+
+<file path=ppt/slides/slide30.xml><?xml version="1.0" encoding="utf-8"?>
+<p:sld xmlns:a="http://schemas.openxmlformats.org/drawingml/2006/main" xmlns:r="http://schemas.openxmlformats.org/officeDocument/2006/relationships" xmlns:p="http://schemas.openxmlformats.org/presentationml/2006/main">
+  <p:cSld>
+    <p:spTree>
+      <p:nvGrpSpPr>
+        <p:cNvPr id="1" name=""/>
+        <p:cNvGrpSpPr/>
+        <p:nvPr/>
+      </p:nvGrpSpPr>
+      <p:grpSpPr>
+        <a:xfrm>
+          <a:off x="0" y="0"/>
+          <a:ext cx="0" cy="0"/>
+          <a:chOff x="0" y="0"/>
+          <a:chExt cx="0" cy="0"/>
+        </a:xfrm>
+      </p:grpSpPr>
+      <p:sp>
+        <p:nvSpPr>
+          <p:cNvPr id="2" name="标题 1"/>
+          <p:cNvSpPr>
+            <a:spLocks noGrp="1"/>
+          </p:cNvSpPr>
+          <p:nvPr>
+            <p:ph type="title"/>
+          </p:nvPr>
+        </p:nvSpPr>
+        <p:spPr/>
+        <p:txBody>
+          <a:bodyPr/>
+          <a:lstStyle/>
+          <a:p>
+            <a:r>
+              <a:rPr kumimoji="1" lang="zh-CN" altLang="en-US" dirty="0" smtClean="0"/>
+              <a:t>接收</a:t>
+            </a:r>
+            <a:r>
+              <a:rPr kumimoji="1" lang="zh-CN" altLang="en-US" dirty="0" smtClean="0"/>
+              <a:t>消息</a:t>
+            </a:r>
+            <a:r>
+              <a:rPr kumimoji="1" lang="zh-CN" altLang="en-US" dirty="0" smtClean="0"/>
+              <a:t>流程</a:t>
+            </a:r>
+            <a:endParaRPr kumimoji="1" lang="zh-CN" altLang="en-US" dirty="0"/>
+          </a:p>
+        </p:txBody>
+      </p:sp>
+      <p:sp>
+        <p:nvSpPr>
+          <p:cNvPr id="3" name="内容占位符 2"/>
+          <p:cNvSpPr>
+            <a:spLocks noGrp="1"/>
+          </p:cNvSpPr>
+          <p:nvPr>
+            <p:ph idx="1"/>
+          </p:nvPr>
+        </p:nvSpPr>
+        <p:spPr/>
+        <p:txBody>
+          <a:bodyPr/>
+          <a:lstStyle/>
+          <a:p>
+            <a:r>
+              <a:rPr kumimoji="1" lang="zh-CN" altLang="en-US" dirty="0" smtClean="0"/>
+              <a:t>监听</a:t>
+            </a:r>
+            <a:r>
+              <a:rPr kumimoji="1" lang="en-US" altLang="zh-CN" dirty="0" smtClean="0"/>
+              <a:t> </a:t>
+            </a:r>
+            <a:r>
+              <a:rPr lang="en-US" altLang="zh-CN" b="1" dirty="0" err="1" smtClean="0"/>
+              <a:t>EMMessageListener</a:t>
+            </a:r>
+            <a:endParaRPr lang="en-US" altLang="zh-CN" b="1" dirty="0" smtClean="0"/>
+          </a:p>
+          <a:p>
+            <a:endParaRPr kumimoji="1" lang="en-US" altLang="zh-CN" b="1" dirty="0"/>
+          </a:p>
+          <a:p>
+            <a:r>
+              <a:rPr kumimoji="1" lang="zh-CN" altLang="en-US" b="1" dirty="0" smtClean="0"/>
+              <a:t>刷新会话列表</a:t>
+            </a:r>
+            <a:endParaRPr kumimoji="1" lang="en-US" altLang="zh-CN" b="1" dirty="0" smtClean="0"/>
+          </a:p>
+          <a:p>
+            <a:endParaRPr kumimoji="1" lang="en-US" altLang="zh-CN" b="1" dirty="0"/>
+          </a:p>
+          <a:p>
+            <a:r>
+              <a:rPr kumimoji="1" lang="zh-CN" altLang="en-US" b="1" dirty="0" smtClean="0"/>
+              <a:t>刷新会话页面</a:t>
+            </a:r>
             <a:endParaRPr kumimoji="1" lang="zh-CN" altLang="en-US" dirty="0"/>
           </a:p>
         </p:txBody>
@@ -3508,7 +8560,144 @@
 </p:sld>
 </file>
 
-<file path=ppt/slides/slide14.xml><?xml version="1.0" encoding="utf-8"?>
+<file path=ppt/slides/slide31.xml><?xml version="1.0" encoding="utf-8"?>
+<p:sld xmlns:a="http://schemas.openxmlformats.org/drawingml/2006/main" xmlns:r="http://schemas.openxmlformats.org/officeDocument/2006/relationships" xmlns:p="http://schemas.openxmlformats.org/presentationml/2006/main">
+  <p:cSld>
+    <p:spTree>
+      <p:nvGrpSpPr>
+        <p:cNvPr id="1" name=""/>
+        <p:cNvGrpSpPr/>
+        <p:nvPr/>
+      </p:nvGrpSpPr>
+      <p:grpSpPr>
+        <a:xfrm>
+          <a:off x="0" y="0"/>
+          <a:ext cx="0" cy="0"/>
+          <a:chOff x="0" y="0"/>
+          <a:chExt cx="0" cy="0"/>
+        </a:xfrm>
+      </p:grpSpPr>
+      <p:sp>
+        <p:nvSpPr>
+          <p:cNvPr id="2" name="标题 1"/>
+          <p:cNvSpPr>
+            <a:spLocks noGrp="1"/>
+          </p:cNvSpPr>
+          <p:nvPr>
+            <p:ph type="title"/>
+          </p:nvPr>
+        </p:nvSpPr>
+        <p:spPr/>
+        <p:txBody>
+          <a:bodyPr/>
+          <a:lstStyle/>
+          <a:p>
+            <a:r>
+              <a:rPr kumimoji="1" lang="zh-CN" altLang="en-US" dirty="0" smtClean="0"/>
+              <a:t>接收消息</a:t>
+            </a:r>
+            <a:r>
+              <a:rPr kumimoji="1" lang="en-US" altLang="zh-CN" dirty="0" smtClean="0"/>
+              <a:t> Demo</a:t>
+            </a:r>
+            <a:endParaRPr kumimoji="1" lang="zh-CN" altLang="en-US" dirty="0"/>
+          </a:p>
+        </p:txBody>
+      </p:sp>
+      <p:sp>
+        <p:nvSpPr>
+          <p:cNvPr id="3" name="内容占位符 2"/>
+          <p:cNvSpPr>
+            <a:spLocks noGrp="1"/>
+          </p:cNvSpPr>
+          <p:nvPr>
+            <p:ph idx="1"/>
+          </p:nvPr>
+        </p:nvSpPr>
+        <p:spPr/>
+        <p:txBody>
+          <a:bodyPr/>
+          <a:lstStyle/>
+          <a:p>
+            <a:endParaRPr kumimoji="1" lang="zh-CN" altLang="en-US" dirty="0"/>
+          </a:p>
+        </p:txBody>
+      </p:sp>
+    </p:spTree>
+    <p:extLst>
+      <p:ext uri="{BB962C8B-B14F-4D97-AF65-F5344CB8AC3E}">
+        <p14:creationId xmlns:p14="http://schemas.microsoft.com/office/powerpoint/2010/main" val="2331200377"/>
+      </p:ext>
+    </p:extLst>
+  </p:cSld>
+  <p:clrMapOvr>
+    <a:masterClrMapping/>
+  </p:clrMapOvr>
+</p:sld>
+</file>
+
+<file path=ppt/slides/slide32.xml><?xml version="1.0" encoding="utf-8"?>
+<p:sld xmlns:a="http://schemas.openxmlformats.org/drawingml/2006/main" xmlns:r="http://schemas.openxmlformats.org/officeDocument/2006/relationships" xmlns:p="http://schemas.openxmlformats.org/presentationml/2006/main">
+  <p:cSld>
+    <p:spTree>
+      <p:nvGrpSpPr>
+        <p:cNvPr id="1" name=""/>
+        <p:cNvGrpSpPr/>
+        <p:nvPr/>
+      </p:nvGrpSpPr>
+      <p:grpSpPr>
+        <a:xfrm>
+          <a:off x="0" y="0"/>
+          <a:ext cx="0" cy="0"/>
+          <a:chOff x="0" y="0"/>
+          <a:chExt cx="0" cy="0"/>
+        </a:xfrm>
+      </p:grpSpPr>
+      <p:sp>
+        <p:nvSpPr>
+          <p:cNvPr id="2" name="标题 1"/>
+          <p:cNvSpPr>
+            <a:spLocks noGrp="1"/>
+          </p:cNvSpPr>
+          <p:nvPr>
+            <p:ph type="title"/>
+          </p:nvPr>
+        </p:nvSpPr>
+        <p:spPr>
+          <a:xfrm>
+            <a:off x="457200" y="2989263"/>
+            <a:ext cx="8229600" cy="1143000"/>
+          </a:xfrm>
+        </p:spPr>
+        <p:txBody>
+          <a:bodyPr/>
+          <a:lstStyle/>
+          <a:p>
+            <a:r>
+              <a:rPr kumimoji="1" lang="en-US" altLang="zh-CN" dirty="0"/>
+              <a:t>IM Demo APP</a:t>
+            </a:r>
+            <a:r>
+              <a:rPr kumimoji="1" lang="zh-CN" altLang="en-US" dirty="0"/>
+              <a:t> 构建</a:t>
+            </a:r>
+          </a:p>
+        </p:txBody>
+      </p:sp>
+    </p:spTree>
+    <p:extLst>
+      <p:ext uri="{BB962C8B-B14F-4D97-AF65-F5344CB8AC3E}">
+        <p14:creationId xmlns:p14="http://schemas.microsoft.com/office/powerpoint/2010/main" val="1530275363"/>
+      </p:ext>
+    </p:extLst>
+  </p:cSld>
+  <p:clrMapOvr>
+    <a:masterClrMapping/>
+  </p:clrMapOvr>
+</p:sld>
+</file>
+
+<file path=ppt/slides/slide33.xml><?xml version="1.0" encoding="utf-8"?>
 <p:sld xmlns:a="http://schemas.openxmlformats.org/drawingml/2006/main" xmlns:r="http://schemas.openxmlformats.org/officeDocument/2006/relationships" xmlns:p="http://schemas.openxmlformats.org/presentationml/2006/main">
   <p:cSld>
     <p:spTree>
@@ -3592,7 +8781,113 @@
 </p:sld>
 </file>
 
-<file path=ppt/slides/slide15.xml><?xml version="1.0" encoding="utf-8"?>
+<file path=ppt/slides/slide34.xml><?xml version="1.0" encoding="utf-8"?>
+<p:sld xmlns:a="http://schemas.openxmlformats.org/drawingml/2006/main" xmlns:r="http://schemas.openxmlformats.org/officeDocument/2006/relationships" xmlns:p="http://schemas.openxmlformats.org/presentationml/2006/main">
+  <p:cSld>
+    <p:spTree>
+      <p:nvGrpSpPr>
+        <p:cNvPr id="1" name=""/>
+        <p:cNvGrpSpPr/>
+        <p:nvPr/>
+      </p:nvGrpSpPr>
+      <p:grpSpPr>
+        <a:xfrm>
+          <a:off x="0" y="0"/>
+          <a:ext cx="0" cy="0"/>
+          <a:chOff x="0" y="0"/>
+          <a:chExt cx="0" cy="0"/>
+        </a:xfrm>
+      </p:grpSpPr>
+      <p:sp>
+        <p:nvSpPr>
+          <p:cNvPr id="2" name="标题 1"/>
+          <p:cNvSpPr>
+            <a:spLocks noGrp="1"/>
+          </p:cNvSpPr>
+          <p:nvPr>
+            <p:ph type="title"/>
+          </p:nvPr>
+        </p:nvSpPr>
+        <p:spPr/>
+        <p:txBody>
+          <a:bodyPr/>
+          <a:lstStyle/>
+          <a:p>
+            <a:r>
+              <a:rPr kumimoji="1" lang="en-US" altLang="en-US" dirty="0" smtClean="0"/>
+              <a:t>联系人</a:t>
+            </a:r>
+            <a:r>
+              <a:rPr kumimoji="1" lang="zh-CN" altLang="en-US" dirty="0" smtClean="0"/>
+              <a:t>列表构建流程</a:t>
+            </a:r>
+            <a:endParaRPr kumimoji="1" lang="zh-CN" altLang="en-US" dirty="0"/>
+          </a:p>
+        </p:txBody>
+      </p:sp>
+      <p:sp>
+        <p:nvSpPr>
+          <p:cNvPr id="3" name="内容占位符 2"/>
+          <p:cNvSpPr>
+            <a:spLocks noGrp="1"/>
+          </p:cNvSpPr>
+          <p:nvPr>
+            <p:ph idx="1"/>
+          </p:nvPr>
+        </p:nvSpPr>
+        <p:spPr/>
+        <p:txBody>
+          <a:bodyPr/>
+          <a:lstStyle/>
+          <a:p>
+            <a:r>
+              <a:rPr kumimoji="1" lang="zh-CN" altLang="en-US" dirty="0" smtClean="0"/>
+              <a:t>获取联系人</a:t>
+            </a:r>
+            <a:endParaRPr kumimoji="1" lang="en-US" altLang="zh-CN" dirty="0" smtClean="0"/>
+          </a:p>
+          <a:p>
+            <a:pPr lvl="1"/>
+            <a:r>
+              <a:rPr kumimoji="1" lang="en-US" altLang="zh-CN" dirty="0" err="1" smtClean="0"/>
+              <a:t>EMContactManager</a:t>
+            </a:r>
+            <a:r>
+              <a:rPr kumimoji="1" lang="en-US" altLang="zh-CN" dirty="0"/>
+              <a:t>. </a:t>
+            </a:r>
+            <a:r>
+              <a:rPr kumimoji="1" lang="en-US" altLang="zh-CN" dirty="0" err="1" smtClean="0"/>
+              <a:t>getAllContactsFromServer</a:t>
+            </a:r>
+            <a:r>
+              <a:rPr kumimoji="1" lang="en-US" altLang="zh-CN" dirty="0" smtClean="0"/>
+              <a:t>()</a:t>
+            </a:r>
+          </a:p>
+          <a:p>
+            <a:pPr lvl="1"/>
+            <a:endParaRPr kumimoji="1" lang="en-US" altLang="zh-CN" dirty="0"/>
+          </a:p>
+          <a:p>
+            <a:endParaRPr kumimoji="1" lang="zh-CN" altLang="en-US" dirty="0"/>
+          </a:p>
+        </p:txBody>
+      </p:sp>
+    </p:spTree>
+    <p:extLst>
+      <p:ext uri="{BB962C8B-B14F-4D97-AF65-F5344CB8AC3E}">
+        <p14:creationId xmlns:p14="http://schemas.microsoft.com/office/powerpoint/2010/main" val="2794046610"/>
+      </p:ext>
+    </p:extLst>
+  </p:cSld>
+  <p:clrMapOvr>
+    <a:masterClrMapping/>
+  </p:clrMapOvr>
+</p:sld>
+</file>
+
+<file path=ppt/slides/slide35.xml><?xml version="1.0" encoding="utf-8"?>
 <p:sld xmlns:a="http://schemas.openxmlformats.org/drawingml/2006/main" xmlns:r="http://schemas.openxmlformats.org/officeDocument/2006/relationships" xmlns:p="http://schemas.openxmlformats.org/presentationml/2006/main">
   <p:cSld>
     <p:spTree>
@@ -3676,7 +8971,191 @@
 </p:sld>
 </file>
 
-<file path=ppt/slides/slide16.xml><?xml version="1.0" encoding="utf-8"?>
+<file path=ppt/slides/slide36.xml><?xml version="1.0" encoding="utf-8"?>
+<p:sld xmlns:a="http://schemas.openxmlformats.org/drawingml/2006/main" xmlns:r="http://schemas.openxmlformats.org/officeDocument/2006/relationships" xmlns:p="http://schemas.openxmlformats.org/presentationml/2006/main">
+  <p:cSld>
+    <p:spTree>
+      <p:nvGrpSpPr>
+        <p:cNvPr id="1" name=""/>
+        <p:cNvGrpSpPr/>
+        <p:nvPr/>
+      </p:nvGrpSpPr>
+      <p:grpSpPr>
+        <a:xfrm>
+          <a:off x="0" y="0"/>
+          <a:ext cx="0" cy="0"/>
+          <a:chOff x="0" y="0"/>
+          <a:chExt cx="0" cy="0"/>
+        </a:xfrm>
+      </p:grpSpPr>
+      <p:sp>
+        <p:nvSpPr>
+          <p:cNvPr id="2" name="标题 1"/>
+          <p:cNvSpPr>
+            <a:spLocks noGrp="1"/>
+          </p:cNvSpPr>
+          <p:nvPr>
+            <p:ph type="title"/>
+          </p:nvPr>
+        </p:nvSpPr>
+        <p:spPr/>
+        <p:txBody>
+          <a:bodyPr/>
+          <a:lstStyle/>
+          <a:p>
+            <a:r>
+              <a:rPr kumimoji="1" lang="zh-CN" altLang="en-US" dirty="0" smtClean="0"/>
+              <a:t>会话列表构建流程</a:t>
+            </a:r>
+            <a:r>
+              <a:rPr kumimoji="1" lang="en-US" altLang="zh-CN" dirty="0" smtClean="0"/>
+              <a:t>(tips)</a:t>
+            </a:r>
+            <a:endParaRPr kumimoji="1" lang="zh-CN" altLang="en-US" dirty="0"/>
+          </a:p>
+        </p:txBody>
+      </p:sp>
+      <p:sp>
+        <p:nvSpPr>
+          <p:cNvPr id="3" name="内容占位符 2"/>
+          <p:cNvSpPr>
+            <a:spLocks noGrp="1"/>
+          </p:cNvSpPr>
+          <p:nvPr>
+            <p:ph idx="1"/>
+          </p:nvPr>
+        </p:nvSpPr>
+        <p:spPr/>
+        <p:txBody>
+          <a:bodyPr>
+            <a:normAutofit fontScale="85000" lnSpcReduction="20000"/>
+          </a:bodyPr>
+          <a:lstStyle/>
+          <a:p>
+            <a:r>
+              <a:rPr kumimoji="1" lang="en-US" altLang="zh-CN" dirty="0" err="1" smtClean="0"/>
+              <a:t>getAllConversations</a:t>
+            </a:r>
+            <a:endParaRPr kumimoji="1" lang="en-US" altLang="zh-CN" dirty="0" smtClean="0"/>
+          </a:p>
+          <a:p>
+            <a:pPr lvl="1"/>
+            <a:r>
+              <a:rPr kumimoji="1" lang="en-US" altLang="zh-CN" dirty="0" smtClean="0"/>
+              <a:t>Copy</a:t>
+            </a:r>
+            <a:r>
+              <a:rPr kumimoji="1" lang="zh-CN" altLang="en-US" dirty="0"/>
+              <a:t> </a:t>
+            </a:r>
+            <a:r>
+              <a:rPr kumimoji="1" lang="en-US" altLang="zh-CN" dirty="0" smtClean="0"/>
+              <a:t>conversations</a:t>
+            </a:r>
+            <a:endParaRPr kumimoji="1" lang="en-US" altLang="zh-CN" dirty="0" smtClean="0"/>
+          </a:p>
+          <a:p>
+            <a:pPr lvl="1"/>
+            <a:endParaRPr kumimoji="1" lang="en-US" altLang="zh-CN" dirty="0"/>
+          </a:p>
+          <a:p>
+            <a:r>
+              <a:rPr kumimoji="1" lang="zh-CN" altLang="en-US" dirty="0" smtClean="0"/>
+              <a:t>根据最后的消息时间进行会话列表的排序</a:t>
+            </a:r>
+            <a:endParaRPr kumimoji="1" lang="en-US" altLang="zh-CN" dirty="0" smtClean="0"/>
+          </a:p>
+          <a:p>
+            <a:pPr lvl="1"/>
+            <a:r>
+              <a:rPr kumimoji="1" lang="en-US" altLang="zh-CN" dirty="0" err="1" smtClean="0"/>
+              <a:t>conversation.getLastMessage</a:t>
+            </a:r>
+            <a:r>
+              <a:rPr kumimoji="1" lang="en-US" altLang="zh-CN" dirty="0"/>
+              <a:t>().</a:t>
+            </a:r>
+            <a:r>
+              <a:rPr kumimoji="1" lang="en-US" altLang="zh-CN" dirty="0" err="1"/>
+              <a:t>getMsgTime</a:t>
+            </a:r>
+            <a:r>
+              <a:rPr kumimoji="1" lang="en-US" altLang="zh-CN" dirty="0"/>
+              <a:t>(</a:t>
+            </a:r>
+            <a:r>
+              <a:rPr kumimoji="1" lang="en-US" altLang="zh-CN" dirty="0" smtClean="0"/>
+              <a:t>)</a:t>
+            </a:r>
+          </a:p>
+          <a:p>
+            <a:pPr lvl="1"/>
+            <a:endParaRPr kumimoji="1" lang="en-US" altLang="zh-CN" dirty="0"/>
+          </a:p>
+          <a:p>
+            <a:r>
+              <a:rPr kumimoji="1" lang="zh-CN" altLang="en-US" dirty="0" smtClean="0"/>
+              <a:t>根据会话类型进行</a:t>
+            </a:r>
+            <a:r>
+              <a:rPr kumimoji="1" lang="en-US" altLang="zh-CN" dirty="0" smtClean="0"/>
+              <a:t>UI</a:t>
+            </a:r>
+            <a:r>
+              <a:rPr kumimoji="1" lang="zh-CN" altLang="en-US" dirty="0" smtClean="0"/>
+              <a:t>显示</a:t>
+            </a:r>
+            <a:endParaRPr kumimoji="1" lang="en-US" altLang="zh-CN" dirty="0" smtClean="0"/>
+          </a:p>
+          <a:p>
+            <a:pPr lvl="1"/>
+            <a:r>
+              <a:rPr kumimoji="1" lang="en-US" altLang="zh-CN" dirty="0" err="1" smtClean="0"/>
+              <a:t>getType</a:t>
+            </a:r>
+            <a:r>
+              <a:rPr kumimoji="1" lang="en-US" altLang="zh-CN" dirty="0" smtClean="0"/>
+              <a:t>()</a:t>
+            </a:r>
+          </a:p>
+          <a:p>
+            <a:pPr lvl="1"/>
+            <a:endParaRPr kumimoji="1" lang="en-US" altLang="zh-CN" dirty="0" smtClean="0"/>
+          </a:p>
+          <a:p>
+            <a:r>
+              <a:rPr kumimoji="1" lang="zh-CN" altLang="en-US" dirty="0" smtClean="0"/>
+              <a:t>显示未读消息</a:t>
+            </a:r>
+            <a:endParaRPr kumimoji="1" lang="en-US" altLang="zh-CN" dirty="0" smtClean="0"/>
+          </a:p>
+          <a:p>
+            <a:pPr lvl="1"/>
+            <a:r>
+              <a:rPr kumimoji="1" lang="en-US" altLang="zh-CN" dirty="0" err="1"/>
+              <a:t>getUnreadMsgCount</a:t>
+            </a:r>
+            <a:endParaRPr kumimoji="1" lang="en-US" altLang="zh-CN" dirty="0"/>
+          </a:p>
+          <a:p>
+            <a:endParaRPr kumimoji="1" lang="zh-CN" altLang="en-US" dirty="0"/>
+          </a:p>
+        </p:txBody>
+      </p:sp>
+    </p:spTree>
+    <p:extLst>
+      <p:ext uri="{BB962C8B-B14F-4D97-AF65-F5344CB8AC3E}">
+        <p14:creationId xmlns:p14="http://schemas.microsoft.com/office/powerpoint/2010/main" val="3526615937"/>
+      </p:ext>
+    </p:extLst>
+  </p:cSld>
+  <p:clrMapOvr>
+    <a:masterClrMapping/>
+  </p:clrMapOvr>
+</p:sld>
+</file>
+
+<file path=ppt/slides/slide37.xml><?xml version="1.0" encoding="utf-8"?>
 <p:sld xmlns:a="http://schemas.openxmlformats.org/drawingml/2006/main" xmlns:r="http://schemas.openxmlformats.org/officeDocument/2006/relationships" xmlns:p="http://schemas.openxmlformats.org/presentationml/2006/main">
   <p:cSld>
     <p:spTree>
@@ -3760,7 +9239,7 @@
 </p:sld>
 </file>
 
-<file path=ppt/slides/slide2.xml><?xml version="1.0" encoding="utf-8"?>
+<file path=ppt/slides/slide38.xml><?xml version="1.0" encoding="utf-8"?>
 <p:sld xmlns:a="http://schemas.openxmlformats.org/drawingml/2006/main" xmlns:r="http://schemas.openxmlformats.org/officeDocument/2006/relationships" xmlns:p="http://schemas.openxmlformats.org/presentationml/2006/main">
   <p:cSld>
     <p:spTree>
@@ -3793,12 +9272,12 @@
           <a:lstStyle/>
           <a:p>
             <a:r>
-              <a:rPr kumimoji="1" lang="en-US" altLang="zh-CN" dirty="0" smtClean="0"/>
-              <a:t>IM </a:t>
-            </a:r>
-            <a:r>
-              <a:rPr kumimoji="1" lang="zh-CN" altLang="en-US" dirty="0" smtClean="0"/>
-              <a:t>基本知识</a:t>
+              <a:rPr kumimoji="1" lang="zh-CN" altLang="en-US" dirty="0" smtClean="0"/>
+              <a:t>聊天页面构建流程</a:t>
+            </a:r>
+            <a:r>
+              <a:rPr kumimoji="1" lang="en-US" altLang="zh-CN" dirty="0" smtClean="0"/>
+              <a:t>(tips)</a:t>
             </a:r>
             <a:endParaRPr kumimoji="1" lang="zh-CN" altLang="en-US" dirty="0"/>
           </a:p>
@@ -3816,71 +9295,118 @@
         </p:nvSpPr>
         <p:spPr/>
         <p:txBody>
-          <a:bodyPr/>
-          <a:lstStyle/>
-          <a:p>
-            <a:r>
-              <a:rPr kumimoji="1" lang="en-US" altLang="zh-CN" dirty="0" smtClean="0"/>
-              <a:t>IM</a:t>
-            </a:r>
-            <a:r>
-              <a:rPr kumimoji="1" lang="zh-CN" altLang="en-US" dirty="0" smtClean="0"/>
-              <a:t> </a:t>
-            </a:r>
-            <a:r>
-              <a:rPr kumimoji="1" lang="en-US" altLang="zh-CN" dirty="0" smtClean="0"/>
-              <a:t>SDK</a:t>
-            </a:r>
-            <a:r>
-              <a:rPr kumimoji="1" lang="zh-CN" altLang="en-US" dirty="0" smtClean="0"/>
-              <a:t> 基本要素</a:t>
-            </a:r>
+          <a:bodyPr>
+            <a:normAutofit fontScale="70000" lnSpcReduction="20000"/>
+          </a:bodyPr>
+          <a:lstStyle/>
+          <a:p>
+            <a:r>
+              <a:rPr kumimoji="1" lang="zh-CN" altLang="en-US" dirty="0" smtClean="0"/>
+              <a:t>定制发送和接收</a:t>
+            </a:r>
+            <a:r>
+              <a:rPr kumimoji="1" lang="en-US" altLang="zh-CN" dirty="0" smtClean="0"/>
+              <a:t>layout</a:t>
+            </a:r>
+          </a:p>
+          <a:p>
+            <a:endParaRPr kumimoji="1" lang="en-US" altLang="zh-CN" dirty="0"/>
+          </a:p>
+          <a:p>
+            <a:r>
+              <a:rPr kumimoji="1" lang="zh-CN" altLang="en-US" dirty="0" smtClean="0"/>
+              <a:t>自定义</a:t>
+            </a:r>
+            <a:r>
+              <a:rPr kumimoji="1" lang="en-US" altLang="zh-CN" dirty="0" smtClean="0"/>
+              <a:t>adapter</a:t>
+            </a:r>
+          </a:p>
+          <a:p>
+            <a:pPr lvl="1"/>
+            <a:r>
+              <a:rPr kumimoji="1" lang="zh-CN" altLang="en-US" dirty="0" smtClean="0"/>
+              <a:t>会话</a:t>
+            </a:r>
+            <a:r>
+              <a:rPr kumimoji="1" lang="en-US" altLang="zh-CN" dirty="0" smtClean="0"/>
+              <a:t>ID</a:t>
+            </a:r>
+            <a:endParaRPr kumimoji="1" lang="en-US" altLang="zh-CN" dirty="0"/>
+          </a:p>
+          <a:p>
+            <a:pPr lvl="1"/>
             <a:endParaRPr kumimoji="1" lang="en-US" altLang="zh-CN" dirty="0" smtClean="0"/>
           </a:p>
           <a:p>
+            <a:r>
+              <a:rPr kumimoji="1" lang="zh-CN" altLang="en-US" dirty="0" smtClean="0"/>
+              <a:t>发送消息</a:t>
+            </a:r>
+            <a:endParaRPr kumimoji="1" lang="en-US" altLang="zh-CN" dirty="0" smtClean="0"/>
+          </a:p>
+          <a:p>
+            <a:pPr lvl="1"/>
+            <a:r>
+              <a:rPr kumimoji="1" lang="en-US" altLang="zh-CN" dirty="0" err="1" smtClean="0"/>
+              <a:t>EMMessage.createXXXMessage</a:t>
+            </a:r>
+            <a:r>
+              <a:rPr kumimoji="1" lang="en-US" altLang="zh-CN" dirty="0" smtClean="0"/>
+              <a:t>()</a:t>
+            </a:r>
+          </a:p>
+          <a:p>
+            <a:pPr lvl="1"/>
+            <a:r>
+              <a:rPr kumimoji="1" lang="en-US" altLang="zh-CN" dirty="0" err="1" smtClean="0"/>
+              <a:t>EMChatManager.sendMessage</a:t>
+            </a:r>
+            <a:r>
+              <a:rPr kumimoji="1" lang="en-US" altLang="zh-CN" dirty="0" smtClean="0"/>
+              <a:t>();</a:t>
+            </a:r>
+          </a:p>
+          <a:p>
+            <a:pPr lvl="1"/>
+            <a:r>
+              <a:rPr kumimoji="1" lang="en-US" altLang="zh-CN" dirty="0" err="1" smtClean="0"/>
+              <a:t>notifyDataChanged</a:t>
+            </a:r>
+            <a:endParaRPr kumimoji="1" lang="en-US" altLang="zh-CN" dirty="0" smtClean="0"/>
+          </a:p>
+          <a:p>
+            <a:pPr lvl="1"/>
+            <a:endParaRPr kumimoji="1" lang="en-US" altLang="zh-CN" dirty="0" smtClean="0"/>
+          </a:p>
+          <a:p>
+            <a:r>
+              <a:rPr kumimoji="1" lang="zh-CN" altLang="en-US" dirty="0" smtClean="0"/>
+              <a:t>监听消息接收</a:t>
+            </a:r>
+            <a:endParaRPr kumimoji="1" lang="en-US" altLang="zh-CN" dirty="0" smtClean="0"/>
+          </a:p>
+          <a:p>
+            <a:pPr lvl="1"/>
+            <a:r>
+              <a:rPr kumimoji="1" lang="en-US" altLang="zh-CN" dirty="0" err="1" smtClean="0"/>
+              <a:t>EMMessageListener</a:t>
+            </a:r>
+            <a:endParaRPr kumimoji="1" lang="en-US" altLang="zh-CN" dirty="0" smtClean="0"/>
+          </a:p>
+          <a:p>
+            <a:pPr lvl="1"/>
+            <a:r>
+              <a:rPr kumimoji="1" lang="zh-CN" altLang="en-US" dirty="0" smtClean="0"/>
+              <a:t>刷新界面</a:t>
+            </a:r>
+            <a:endParaRPr kumimoji="1" lang="en-US" altLang="zh-CN" dirty="0" smtClean="0"/>
+          </a:p>
+          <a:p>
+            <a:pPr lvl="1"/>
             <a:endParaRPr kumimoji="1" lang="en-US" altLang="zh-CN" dirty="0"/>
           </a:p>
           <a:p>
-            <a:r>
-              <a:rPr kumimoji="1" lang="zh-CN" altLang="en-US" dirty="0" smtClean="0"/>
-              <a:t>参考 </a:t>
-            </a:r>
-            <a:r>
-              <a:rPr kumimoji="1" lang="en-US" altLang="zh-CN" dirty="0" smtClean="0"/>
-              <a:t>Inside</a:t>
-            </a:r>
-            <a:r>
-              <a:rPr kumimoji="1" lang="zh-CN" altLang="en-US" dirty="0" smtClean="0"/>
-              <a:t> </a:t>
-            </a:r>
-            <a:r>
-              <a:rPr kumimoji="1" lang="en-US" altLang="zh-CN" dirty="0" smtClean="0"/>
-              <a:t>IM</a:t>
-            </a:r>
-            <a:r>
-              <a:rPr kumimoji="1" lang="zh-CN" altLang="en-US" dirty="0" smtClean="0"/>
-              <a:t> </a:t>
-            </a:r>
-            <a:r>
-              <a:rPr kumimoji="1" lang="en-US" altLang="zh-CN" dirty="0" smtClean="0"/>
-              <a:t>SDK</a:t>
-            </a:r>
-            <a:r>
-              <a:rPr kumimoji="1" lang="zh-CN" altLang="en-US" dirty="0" smtClean="0"/>
-              <a:t> </a:t>
-            </a:r>
-            <a:r>
-              <a:rPr kumimoji="1" lang="en-US" altLang="zh-CN" dirty="0" smtClean="0"/>
-              <a:t>-</a:t>
-            </a:r>
-            <a:r>
-              <a:rPr kumimoji="1" lang="zh-CN" altLang="en-US" dirty="0" smtClean="0"/>
-              <a:t> </a:t>
-            </a:r>
-            <a:r>
-              <a:rPr kumimoji="1" lang="en-US" altLang="zh-CN" dirty="0" smtClean="0"/>
-              <a:t>youni</a:t>
-            </a:r>
             <a:endParaRPr kumimoji="1" lang="zh-CN" altLang="en-US" dirty="0"/>
           </a:p>
         </p:txBody>
@@ -3888,7 +9414,7 @@
     </p:spTree>
     <p:extLst>
       <p:ext uri="{BB962C8B-B14F-4D97-AF65-F5344CB8AC3E}">
-        <p14:creationId xmlns:p14="http://schemas.microsoft.com/office/powerpoint/2010/main" val="8951330"/>
+        <p14:creationId xmlns:p14="http://schemas.microsoft.com/office/powerpoint/2010/main" val="3821008538"/>
       </p:ext>
     </p:extLst>
   </p:cSld>
@@ -3898,7 +9424,7 @@
 </p:sld>
 </file>
 
-<file path=ppt/slides/slide3.xml><?xml version="1.0" encoding="utf-8"?>
+<file path=ppt/slides/slide39.xml><?xml version="1.0" encoding="utf-8"?>
 <p:sld xmlns:a="http://schemas.openxmlformats.org/drawingml/2006/main" xmlns:r="http://schemas.openxmlformats.org/officeDocument/2006/relationships" xmlns:p="http://schemas.openxmlformats.org/presentationml/2006/main">
   <p:cSld>
     <p:spTree>
@@ -3932,7 +9458,11 @@
           <a:p>
             <a:r>
               <a:rPr kumimoji="1" lang="zh-CN" altLang="en-US" dirty="0" smtClean="0"/>
-              <a:t>集成前准备</a:t>
+              <a:t>构建会话页面</a:t>
+            </a:r>
+            <a:r>
+              <a:rPr kumimoji="1" lang="en-US" altLang="zh-CN" dirty="0" smtClean="0"/>
+              <a:t>(adapter)</a:t>
             </a:r>
             <a:endParaRPr kumimoji="1" lang="zh-CN" altLang="en-US" dirty="0"/>
           </a:p>
@@ -3954,53 +9484,114 @@
           <a:lstStyle/>
           <a:p>
             <a:r>
-              <a:rPr kumimoji="1" lang="zh-CN" altLang="en-US" dirty="0"/>
-              <a:t>下载环信</a:t>
-            </a:r>
-            <a:r>
-              <a:rPr kumimoji="1" lang="en-US" altLang="zh-CN" dirty="0"/>
-              <a:t>IM SDK</a:t>
-            </a:r>
-            <a:endParaRPr kumimoji="1" lang="en-US" altLang="zh-CN" dirty="0" smtClean="0">
-              <a:hlinkClick r:id="rId2"/>
-            </a:endParaRPr>
+              <a:rPr kumimoji="1" lang="zh-CN" altLang="en-US" dirty="0" smtClean="0"/>
+              <a:t>根据传入的</a:t>
+            </a:r>
+            <a:r>
+              <a:rPr kumimoji="1" lang="en-US" altLang="zh-CN" dirty="0" smtClean="0"/>
+              <a:t>adapter</a:t>
+            </a:r>
+            <a:r>
+              <a:rPr kumimoji="1" lang="zh-CN" altLang="en-US" dirty="0" smtClean="0"/>
+              <a:t>获取所有的会话消息</a:t>
+            </a:r>
+            <a:endParaRPr kumimoji="1" lang="en-US" altLang="zh-CN" dirty="0" smtClean="0"/>
           </a:p>
           <a:p>
             <a:pPr lvl="1"/>
             <a:r>
-              <a:rPr kumimoji="1" lang="en-US" altLang="zh-CN" dirty="0" smtClean="0">
-                <a:hlinkClick r:id="rId2"/>
-              </a:rPr>
-              <a:t>http</a:t>
-            </a:r>
-            <a:r>
-              <a:rPr kumimoji="1" lang="en-US" altLang="zh-CN" dirty="0">
-                <a:hlinkClick r:id="rId2"/>
-              </a:rPr>
-              <a:t>://www.easemob.com/download/</a:t>
-            </a:r>
-            <a:r>
-              <a:rPr kumimoji="1" lang="en-US" altLang="zh-CN" dirty="0" smtClean="0">
-                <a:hlinkClick r:id="rId2"/>
-              </a:rPr>
-              <a:t>im</a:t>
+              <a:rPr kumimoji="1" lang="en-US" altLang="zh-CN" dirty="0" err="1" smtClean="0"/>
+              <a:t>EMConversation.getAllMessages</a:t>
+            </a:r>
+            <a:r>
+              <a:rPr kumimoji="1" lang="en-US" altLang="zh-CN" dirty="0" smtClean="0"/>
+              <a:t>()</a:t>
+            </a:r>
+          </a:p>
+          <a:p>
+            <a:pPr lvl="1"/>
+            <a:r>
+              <a:rPr kumimoji="1" lang="en-US" altLang="zh-CN" dirty="0" smtClean="0"/>
+              <a:t>Copy</a:t>
+            </a:r>
+            <a:r>
+              <a:rPr kumimoji="1" lang="zh-CN" altLang="en-US" dirty="0" smtClean="0"/>
+              <a:t> </a:t>
+            </a:r>
+            <a:r>
+              <a:rPr kumimoji="1" lang="en-US" altLang="zh-CN" dirty="0" smtClean="0"/>
+              <a:t>all</a:t>
+            </a:r>
+            <a:r>
+              <a:rPr kumimoji="1" lang="zh-CN" altLang="en-US" dirty="0" smtClean="0"/>
+              <a:t> </a:t>
+            </a:r>
+            <a:r>
+              <a:rPr kumimoji="1" lang="en-US" altLang="zh-CN" dirty="0" smtClean="0"/>
+              <a:t>messages</a:t>
+            </a:r>
+          </a:p>
+          <a:p>
+            <a:pPr lvl="1"/>
+            <a:endParaRPr kumimoji="1" lang="en-US" altLang="zh-CN" dirty="0"/>
+          </a:p>
+          <a:p>
+            <a:r>
+              <a:rPr kumimoji="1" lang="zh-CN" altLang="en-US" dirty="0" smtClean="0"/>
+              <a:t>根据</a:t>
+            </a:r>
+            <a:r>
+              <a:rPr kumimoji="1" lang="en-US" altLang="zh-CN" dirty="0" smtClean="0"/>
+              <a:t>Message</a:t>
+            </a:r>
+            <a:r>
+              <a:rPr kumimoji="1" lang="zh-CN" altLang="zh-CN" dirty="0" smtClean="0"/>
+              <a:t>.</a:t>
+            </a:r>
+            <a:r>
+              <a:rPr kumimoji="1" lang="en-US" altLang="zh-CN" dirty="0" smtClean="0"/>
+              <a:t>direct()</a:t>
+            </a:r>
+            <a:r>
+              <a:rPr kumimoji="1" lang="zh-CN" altLang="en-US" dirty="0" smtClean="0"/>
+              <a:t>判断收发消息</a:t>
             </a:r>
             <a:endParaRPr kumimoji="1" lang="en-US" altLang="zh-CN" dirty="0" smtClean="0"/>
           </a:p>
           <a:p>
-            <a:endParaRPr kumimoji="1" lang="en-US" altLang="zh-CN" dirty="0"/>
-          </a:p>
-          <a:p>
-            <a:r>
-              <a:rPr kumimoji="1" lang="zh-CN" altLang="en-US" dirty="0" smtClean="0"/>
-              <a:t>注册应用</a:t>
+            <a:pPr lvl="1"/>
+            <a:r>
+              <a:rPr kumimoji="1" lang="zh-CN" altLang="en-US" dirty="0" smtClean="0"/>
+              <a:t>发方代表自己 </a:t>
+            </a:r>
+            <a:r>
+              <a:rPr kumimoji="1" lang="en-US" altLang="zh-CN" dirty="0" smtClean="0"/>
+              <a:t>-》</a:t>
+            </a:r>
+            <a:r>
+              <a:rPr kumimoji="1" lang="zh-CN" altLang="en-US" dirty="0" smtClean="0"/>
+              <a:t>头像</a:t>
             </a:r>
             <a:endParaRPr kumimoji="1" lang="en-US" altLang="zh-CN" dirty="0" smtClean="0"/>
           </a:p>
           <a:p>
-            <a:endParaRPr kumimoji="1" lang="en-US" altLang="zh-CN" dirty="0"/>
-          </a:p>
-          <a:p>
+            <a:pPr lvl="1"/>
+            <a:r>
+              <a:rPr kumimoji="1" lang="zh-CN" altLang="en-US" dirty="0" smtClean="0"/>
+              <a:t>收方代表对方 </a:t>
+            </a:r>
+            <a:r>
+              <a:rPr kumimoji="1" lang="en-US" altLang="zh-CN" dirty="0" smtClean="0"/>
+              <a:t>-》</a:t>
+            </a:r>
+            <a:r>
+              <a:rPr kumimoji="1" lang="zh-CN" altLang="en-US" dirty="0" smtClean="0"/>
+              <a:t>对方头像</a:t>
+            </a:r>
+            <a:endParaRPr kumimoji="1" lang="en-US" altLang="zh-CN" dirty="0" smtClean="0"/>
+          </a:p>
+          <a:p>
+            <a:pPr lvl="1"/>
             <a:endParaRPr kumimoji="1" lang="zh-CN" altLang="en-US" dirty="0"/>
           </a:p>
         </p:txBody>
@@ -4008,7 +9599,7 @@
     </p:spTree>
     <p:extLst>
       <p:ext uri="{BB962C8B-B14F-4D97-AF65-F5344CB8AC3E}">
-        <p14:creationId xmlns:p14="http://schemas.microsoft.com/office/powerpoint/2010/main" val="76897744"/>
+        <p14:creationId xmlns:p14="http://schemas.microsoft.com/office/powerpoint/2010/main" val="372565126"/>
       </p:ext>
     </p:extLst>
   </p:cSld>
@@ -4051,12 +9642,8 @@
           <a:lstStyle/>
           <a:p>
             <a:r>
-              <a:rPr kumimoji="1" lang="en-US" altLang="zh-CN" dirty="0" smtClean="0"/>
-              <a:t>SDK </a:t>
-            </a:r>
-            <a:r>
-              <a:rPr kumimoji="1" lang="en-US" altLang="zh-CN" dirty="0" err="1" smtClean="0"/>
-              <a:t>Init</a:t>
+              <a:rPr kumimoji="1" lang="zh-CN" altLang="en-US" dirty="0" smtClean="0"/>
+              <a:t>集成前准备</a:t>
             </a:r>
             <a:endParaRPr kumimoji="1" lang="zh-CN" altLang="en-US" dirty="0"/>
           </a:p>
@@ -4072,49 +9659,177 @@
             <p:ph idx="1"/>
           </p:nvPr>
         </p:nvSpPr>
-        <p:spPr/>
-        <p:txBody>
-          <a:bodyPr/>
-          <a:lstStyle/>
-          <a:p>
-            <a:r>
-              <a:rPr kumimoji="1" lang="en-US" altLang="zh-CN" dirty="0" smtClean="0"/>
-              <a:t>Application::</a:t>
-            </a:r>
-            <a:r>
-              <a:rPr kumimoji="1" lang="en-US" altLang="zh-CN" dirty="0" err="1" smtClean="0"/>
-              <a:t>onCreate</a:t>
-            </a:r>
-            <a:r>
-              <a:rPr kumimoji="1" lang="en-US" altLang="zh-CN" dirty="0" smtClean="0"/>
-              <a:t>()</a:t>
-            </a:r>
+        <p:spPr>
+          <a:ln>
+            <a:solidFill>
+              <a:schemeClr val="bg2"/>
+            </a:solidFill>
+          </a:ln>
+        </p:spPr>
+        <p:txBody>
+          <a:bodyPr>
+            <a:normAutofit fontScale="70000" lnSpcReduction="20000"/>
+          </a:bodyPr>
+          <a:lstStyle/>
+          <a:p>
+            <a:r>
+              <a:rPr kumimoji="1" lang="zh-CN" altLang="en-US" dirty="0"/>
+              <a:t>下载环信</a:t>
+            </a:r>
+            <a:r>
+              <a:rPr kumimoji="1" lang="en-US" altLang="zh-CN" dirty="0"/>
+              <a:t>IM SDK</a:t>
+            </a:r>
+            <a:endParaRPr kumimoji="1" lang="en-US" altLang="zh-CN" dirty="0" smtClean="0">
+              <a:hlinkClick r:id="rId2"/>
+            </a:endParaRPr>
           </a:p>
           <a:p>
             <a:pPr lvl="1"/>
             <a:r>
-              <a:rPr kumimoji="1" lang="en-US" altLang="zh-CN" dirty="0" err="1" smtClean="0"/>
-              <a:t>EMClient.getInstance</a:t>
-            </a:r>
-            <a:r>
-              <a:rPr kumimoji="1" lang="en-US" altLang="zh-CN" dirty="0" smtClean="0"/>
-              <a:t>().</a:t>
-            </a:r>
-            <a:r>
-              <a:rPr kumimoji="1" lang="en-US" altLang="zh-CN" dirty="0" err="1" smtClean="0"/>
-              <a:t>init</a:t>
-            </a:r>
-            <a:r>
-              <a:rPr kumimoji="1" lang="en-US" altLang="zh-CN" dirty="0" smtClean="0"/>
-              <a:t>()</a:t>
-            </a:r>
+              <a:rPr kumimoji="1" lang="en-US" altLang="zh-CN" dirty="0" smtClean="0">
+                <a:hlinkClick r:id="rId2"/>
+              </a:rPr>
+              <a:t>http</a:t>
+            </a:r>
+            <a:r>
+              <a:rPr kumimoji="1" lang="en-US" altLang="zh-CN" dirty="0">
+                <a:hlinkClick r:id="rId2"/>
+              </a:rPr>
+              <a:t>://www.easemob.com/download/</a:t>
+            </a:r>
+            <a:r>
+              <a:rPr kumimoji="1" lang="en-US" altLang="zh-CN" dirty="0" smtClean="0">
+                <a:hlinkClick r:id="rId2"/>
+              </a:rPr>
+              <a:t>im</a:t>
+            </a:r>
+            <a:endParaRPr kumimoji="1" lang="en-US" altLang="zh-CN" dirty="0" smtClean="0"/>
+          </a:p>
+          <a:p>
+            <a:endParaRPr kumimoji="1" lang="en-US" altLang="zh-CN" dirty="0" smtClean="0"/>
+          </a:p>
+          <a:p>
+            <a:r>
+              <a:rPr kumimoji="1" lang="en-US" altLang="zh-CN" dirty="0" err="1" smtClean="0"/>
+              <a:t>Git</a:t>
+            </a:r>
+            <a:endParaRPr kumimoji="1" lang="en-US" altLang="zh-CN" dirty="0" smtClean="0"/>
+          </a:p>
+          <a:p>
+            <a:endParaRPr kumimoji="1" lang="en-US" altLang="zh-CN" dirty="0" smtClean="0"/>
+          </a:p>
+          <a:p>
+            <a:r>
+              <a:rPr kumimoji="1" lang="en-US" altLang="zh-CN" dirty="0" err="1" smtClean="0"/>
+              <a:t>Github</a:t>
+            </a:r>
+            <a:r>
+              <a:rPr kumimoji="1" lang="zh-CN" altLang="en-US" dirty="0" smtClean="0"/>
+              <a:t> 账号注册，公钥上传</a:t>
+            </a:r>
+            <a:endParaRPr kumimoji="1" lang="en-US" altLang="zh-CN" dirty="0" smtClean="0"/>
+          </a:p>
+          <a:p>
+            <a:endParaRPr kumimoji="1" lang="en-US" altLang="zh-CN" dirty="0"/>
+          </a:p>
+          <a:p>
+            <a:r>
+              <a:rPr kumimoji="1" lang="en-US" altLang="zh-CN" dirty="0" smtClean="0"/>
+              <a:t>Android</a:t>
+            </a:r>
+            <a:r>
+              <a:rPr kumimoji="1" lang="zh-CN" altLang="en-US" dirty="0" smtClean="0"/>
+              <a:t> </a:t>
+            </a:r>
+            <a:r>
+              <a:rPr kumimoji="1" lang="en-US" altLang="zh-CN" dirty="0" smtClean="0"/>
+              <a:t>ADT</a:t>
+            </a:r>
+            <a:r>
+              <a:rPr kumimoji="1" lang="zh-CN" altLang="en-US" dirty="0" smtClean="0"/>
+              <a:t> </a:t>
+            </a:r>
+            <a:r>
+              <a:rPr kumimoji="1" lang="en-US" altLang="zh-CN" dirty="0" smtClean="0"/>
+              <a:t>+</a:t>
+            </a:r>
+            <a:r>
+              <a:rPr kumimoji="1" lang="zh-CN" altLang="en-US" dirty="0" smtClean="0"/>
+              <a:t> </a:t>
+            </a:r>
+            <a:r>
+              <a:rPr kumimoji="1" lang="en-US" altLang="zh-CN" dirty="0" smtClean="0"/>
+              <a:t>eclipse</a:t>
+            </a:r>
+            <a:endParaRPr kumimoji="1" lang="en-US" altLang="zh-CN" dirty="0" smtClean="0"/>
+          </a:p>
+          <a:p>
+            <a:endParaRPr kumimoji="1" lang="en-US" altLang="zh-CN" dirty="0"/>
+          </a:p>
+          <a:p>
+            <a:r>
+              <a:rPr kumimoji="1" lang="zh-CN" altLang="en-US" dirty="0" smtClean="0"/>
+              <a:t>注册应用</a:t>
+            </a:r>
+            <a:endParaRPr kumimoji="1" lang="en-US" altLang="zh-CN" dirty="0" smtClean="0"/>
+          </a:p>
+          <a:p>
+            <a:endParaRPr kumimoji="1" lang="en-US" altLang="zh-CN" dirty="0"/>
+          </a:p>
+          <a:p>
+            <a:r>
+              <a:rPr kumimoji="1" lang="zh-CN" altLang="en-US" dirty="0" smtClean="0"/>
+              <a:t>我们的工作空间：</a:t>
+            </a:r>
+            <a:endParaRPr kumimoji="1" lang="en-US" altLang="zh-CN" dirty="0" smtClean="0"/>
+          </a:p>
+          <a:p>
+            <a:pPr lvl="1"/>
+            <a:r>
+              <a:rPr kumimoji="1" lang="zh-CN" altLang="en-US" dirty="0" smtClean="0"/>
+              <a:t> </a:t>
+            </a:r>
+            <a:r>
+              <a:rPr kumimoji="1" lang="en-US" altLang="zh-CN" dirty="0">
+                <a:solidFill>
+                  <a:schemeClr val="tx2"/>
+                </a:solidFill>
+                <a:hlinkClick r:id="rId3"/>
+              </a:rPr>
+              <a:t>https://github.com/atsiliconvalley/</a:t>
+            </a:r>
+            <a:r>
+              <a:rPr kumimoji="1" lang="en-US" altLang="zh-CN" dirty="0" smtClean="0">
+                <a:solidFill>
+                  <a:schemeClr val="tx2"/>
+                </a:solidFill>
+                <a:hlinkClick r:id="rId3"/>
+              </a:rPr>
+              <a:t>easemobintegration</a:t>
+            </a:r>
+            <a:endParaRPr kumimoji="1" lang="en-US" altLang="zh-CN" dirty="0" smtClean="0">
+              <a:solidFill>
+                <a:schemeClr val="tx2"/>
+              </a:solidFill>
+            </a:endParaRPr>
+          </a:p>
+          <a:p>
+            <a:pPr lvl="1"/>
+            <a:endParaRPr kumimoji="1" lang="en-US" altLang="zh-CN" dirty="0" smtClean="0"/>
+          </a:p>
+          <a:p>
+            <a:endParaRPr kumimoji="1" lang="en-US" altLang="zh-CN" dirty="0"/>
+          </a:p>
+          <a:p>
+            <a:endParaRPr kumimoji="1" lang="zh-CN" altLang="en-US" dirty="0"/>
           </a:p>
         </p:txBody>
       </p:sp>
     </p:spTree>
     <p:extLst>
       <p:ext uri="{BB962C8B-B14F-4D97-AF65-F5344CB8AC3E}">
-        <p14:creationId xmlns:p14="http://schemas.microsoft.com/office/powerpoint/2010/main" val="3440006285"/>
+        <p14:creationId xmlns:p14="http://schemas.microsoft.com/office/powerpoint/2010/main" val="2724013674"/>
       </p:ext>
     </p:extLst>
   </p:cSld>
@@ -4128,6 +9843,120 @@
       </p:par>
     </p:tnLst>
   </p:timing>
+</p:sld>
+</file>
+
+<file path=ppt/slides/slide40.xml><?xml version="1.0" encoding="utf-8"?>
+<p:sld xmlns:a="http://schemas.openxmlformats.org/drawingml/2006/main" xmlns:r="http://schemas.openxmlformats.org/officeDocument/2006/relationships" xmlns:p="http://schemas.openxmlformats.org/presentationml/2006/main">
+  <p:cSld>
+    <p:spTree>
+      <p:nvGrpSpPr>
+        <p:cNvPr id="1" name=""/>
+        <p:cNvGrpSpPr/>
+        <p:nvPr/>
+      </p:nvGrpSpPr>
+      <p:grpSpPr>
+        <a:xfrm>
+          <a:off x="0" y="0"/>
+          <a:ext cx="0" cy="0"/>
+          <a:chOff x="0" y="0"/>
+          <a:chExt cx="0" cy="0"/>
+        </a:xfrm>
+      </p:grpSpPr>
+      <p:sp>
+        <p:nvSpPr>
+          <p:cNvPr id="2" name="标题 1"/>
+          <p:cNvSpPr>
+            <a:spLocks noGrp="1"/>
+          </p:cNvSpPr>
+          <p:nvPr>
+            <p:ph type="title"/>
+          </p:nvPr>
+        </p:nvSpPr>
+        <p:spPr/>
+        <p:txBody>
+          <a:bodyPr/>
+          <a:lstStyle/>
+          <a:p>
+            <a:r>
+              <a:rPr kumimoji="1" lang="zh-CN" altLang="en-US" dirty="0"/>
+              <a:t>构建会话页面</a:t>
+            </a:r>
+            <a:r>
+              <a:rPr kumimoji="1" lang="en-US" altLang="zh-CN" dirty="0"/>
+              <a:t>(adapter)</a:t>
+            </a:r>
+            <a:endParaRPr kumimoji="1" lang="zh-CN" altLang="en-US" dirty="0"/>
+          </a:p>
+        </p:txBody>
+      </p:sp>
+      <p:sp>
+        <p:nvSpPr>
+          <p:cNvPr id="3" name="内容占位符 2"/>
+          <p:cNvSpPr>
+            <a:spLocks noGrp="1"/>
+          </p:cNvSpPr>
+          <p:nvPr>
+            <p:ph idx="1"/>
+          </p:nvPr>
+        </p:nvSpPr>
+        <p:spPr/>
+        <p:txBody>
+          <a:bodyPr/>
+          <a:lstStyle/>
+          <a:p>
+            <a:r>
+              <a:rPr kumimoji="1" lang="en-US" altLang="zh-CN" dirty="0" err="1" smtClean="0"/>
+              <a:t>Message.setSendStatausCallback</a:t>
+            </a:r>
+            <a:endParaRPr kumimoji="1" lang="en-US" altLang="zh-CN" dirty="0" smtClean="0"/>
+          </a:p>
+          <a:p>
+            <a:pPr lvl="1"/>
+            <a:r>
+              <a:rPr kumimoji="1" lang="zh-CN" altLang="en-US" dirty="0" smtClean="0"/>
+              <a:t>监听发送状态，更新页面</a:t>
+            </a:r>
+            <a:endParaRPr kumimoji="1" lang="en-US" altLang="zh-CN" dirty="0" smtClean="0"/>
+          </a:p>
+          <a:p>
+            <a:pPr lvl="1"/>
+            <a:endParaRPr kumimoji="1" lang="en-US" altLang="zh-CN" dirty="0"/>
+          </a:p>
+          <a:p>
+            <a:r>
+              <a:rPr kumimoji="1" lang="en-US" altLang="zh-CN" dirty="0" err="1" smtClean="0"/>
+              <a:t>message.setMessageStatusCallback</a:t>
+            </a:r>
+            <a:endParaRPr kumimoji="1" lang="en-US" altLang="zh-CN" dirty="0" smtClean="0"/>
+          </a:p>
+          <a:p>
+            <a:pPr lvl="1"/>
+            <a:r>
+              <a:rPr kumimoji="1" lang="zh-CN" altLang="en-US" dirty="0" smtClean="0"/>
+              <a:t>监听收到的消息下载状态</a:t>
+            </a:r>
+            <a:endParaRPr kumimoji="1" lang="en-US" altLang="zh-CN" dirty="0" smtClean="0"/>
+          </a:p>
+          <a:p>
+            <a:pPr lvl="1"/>
+            <a:endParaRPr kumimoji="1" lang="en-US" altLang="zh-CN" dirty="0"/>
+          </a:p>
+          <a:p>
+            <a:endParaRPr kumimoji="1" lang="zh-CN" altLang="en-US" dirty="0"/>
+          </a:p>
+        </p:txBody>
+      </p:sp>
+    </p:spTree>
+    <p:extLst>
+      <p:ext uri="{BB962C8B-B14F-4D97-AF65-F5344CB8AC3E}">
+        <p14:creationId xmlns:p14="http://schemas.microsoft.com/office/powerpoint/2010/main" val="2391807585"/>
+      </p:ext>
+    </p:extLst>
+  </p:cSld>
+  <p:clrMapOvr>
+    <a:masterClrMapping/>
+  </p:clrMapOvr>
 </p:sld>
 </file>
 
@@ -4164,8 +9993,12 @@
           <a:lstStyle/>
           <a:p>
             <a:r>
-              <a:rPr kumimoji="1" lang="zh-CN" altLang="en-US" dirty="0" smtClean="0"/>
-              <a:t>初始化流程</a:t>
+              <a:rPr kumimoji="1" lang="en-US" altLang="zh-CN" dirty="0" smtClean="0"/>
+              <a:t>IM </a:t>
+            </a:r>
+            <a:r>
+              <a:rPr kumimoji="1" lang="zh-CN" altLang="en-US" dirty="0" smtClean="0"/>
+              <a:t>基本知识</a:t>
             </a:r>
             <a:endParaRPr kumimoji="1" lang="zh-CN" altLang="en-US" dirty="0"/>
           </a:p>
@@ -4186,6 +10019,68 @@
           <a:bodyPr/>
           <a:lstStyle/>
           <a:p>
+            <a:r>
+              <a:rPr kumimoji="1" lang="en-US" altLang="zh-CN" dirty="0" smtClean="0"/>
+              <a:t>IM</a:t>
+            </a:r>
+            <a:r>
+              <a:rPr kumimoji="1" lang="zh-CN" altLang="en-US" dirty="0" smtClean="0"/>
+              <a:t> </a:t>
+            </a:r>
+            <a:r>
+              <a:rPr kumimoji="1" lang="en-US" altLang="zh-CN" dirty="0" smtClean="0"/>
+              <a:t>SDK</a:t>
+            </a:r>
+            <a:r>
+              <a:rPr kumimoji="1" lang="zh-CN" altLang="en-US" dirty="0" smtClean="0"/>
+              <a:t> 基本要素</a:t>
+            </a:r>
+            <a:endParaRPr kumimoji="1" lang="en-US" altLang="zh-CN" dirty="0" smtClean="0"/>
+          </a:p>
+          <a:p>
+            <a:endParaRPr kumimoji="1" lang="en-US" altLang="zh-CN" dirty="0"/>
+          </a:p>
+          <a:p>
+            <a:r>
+              <a:rPr kumimoji="1" lang="zh-CN" altLang="en-US" dirty="0" smtClean="0"/>
+              <a:t>参考 </a:t>
+            </a:r>
+            <a:r>
+              <a:rPr kumimoji="1" lang="en-US" altLang="zh-CN" dirty="0" smtClean="0"/>
+              <a:t>Inside</a:t>
+            </a:r>
+            <a:r>
+              <a:rPr kumimoji="1" lang="zh-CN" altLang="en-US" dirty="0" smtClean="0"/>
+              <a:t> </a:t>
+            </a:r>
+            <a:r>
+              <a:rPr kumimoji="1" lang="en-US" altLang="zh-CN" dirty="0" smtClean="0"/>
+              <a:t>IM</a:t>
+            </a:r>
+            <a:r>
+              <a:rPr kumimoji="1" lang="zh-CN" altLang="en-US" dirty="0" smtClean="0"/>
+              <a:t> </a:t>
+            </a:r>
+            <a:r>
+              <a:rPr kumimoji="1" lang="en-US" altLang="zh-CN" dirty="0" smtClean="0"/>
+              <a:t>SDK</a:t>
+            </a:r>
+            <a:r>
+              <a:rPr kumimoji="1" lang="zh-CN" altLang="en-US" dirty="0" smtClean="0"/>
+              <a:t> </a:t>
+            </a:r>
+            <a:r>
+              <a:rPr kumimoji="1" lang="en-US" altLang="zh-CN" dirty="0" smtClean="0"/>
+              <a:t>-</a:t>
+            </a:r>
+            <a:r>
+              <a:rPr kumimoji="1" lang="zh-CN" altLang="en-US" dirty="0" smtClean="0"/>
+              <a:t> </a:t>
+            </a:r>
+            <a:r>
+              <a:rPr kumimoji="1" lang="en-US" altLang="zh-CN" dirty="0" smtClean="0"/>
+              <a:t>youni</a:t>
+            </a:r>
             <a:endParaRPr kumimoji="1" lang="zh-CN" altLang="en-US" dirty="0"/>
           </a:p>
         </p:txBody>
@@ -4193,13 +10088,20 @@
     </p:spTree>
     <p:extLst>
       <p:ext uri="{BB962C8B-B14F-4D97-AF65-F5344CB8AC3E}">
-        <p14:creationId xmlns:p14="http://schemas.microsoft.com/office/powerpoint/2010/main" val="1861541102"/>
+        <p14:creationId xmlns:p14="http://schemas.microsoft.com/office/powerpoint/2010/main" val="8951330"/>
       </p:ext>
     </p:extLst>
   </p:cSld>
   <p:clrMapOvr>
     <a:masterClrMapping/>
   </p:clrMapOvr>
+  <p:timing>
+    <p:tnLst>
+      <p:par>
+        <p:cTn xmlns:p14="http://schemas.microsoft.com/office/powerpoint/2010/main" id="1" dur="indefinite" restart="never" nodeType="tmRoot"/>
+      </p:par>
+    </p:tnLst>
+  </p:timing>
 </p:sld>
 </file>
 
@@ -4230,91 +10132,19 @@
             <p:ph type="title"/>
           </p:nvPr>
         </p:nvSpPr>
-        <p:spPr/>
-        <p:txBody>
-          <a:bodyPr/>
-          <a:lstStyle/>
-          <a:p>
-            <a:r>
-              <a:rPr kumimoji="1" lang="en-US" altLang="zh-CN" dirty="0" smtClean="0"/>
-              <a:t>Login &amp; Register</a:t>
-            </a:r>
-            <a:endParaRPr kumimoji="1" lang="zh-CN" altLang="en-US" dirty="0"/>
-          </a:p>
-        </p:txBody>
-      </p:sp>
-      <p:sp>
-        <p:nvSpPr>
-          <p:cNvPr id="3" name="内容占位符 2"/>
-          <p:cNvSpPr>
-            <a:spLocks noGrp="1"/>
-          </p:cNvSpPr>
-          <p:nvPr>
-            <p:ph idx="1"/>
-          </p:nvPr>
-        </p:nvSpPr>
-        <p:spPr/>
-        <p:txBody>
-          <a:bodyPr/>
-          <a:lstStyle/>
-          <a:p>
-            <a:r>
-              <a:rPr kumimoji="1" lang="en-US" altLang="zh-CN" dirty="0" smtClean="0"/>
-              <a:t>Register</a:t>
-            </a:r>
-          </a:p>
-          <a:p>
-            <a:endParaRPr kumimoji="1" lang="en-US" altLang="zh-CN" dirty="0"/>
-          </a:p>
-          <a:p>
-            <a:r>
-              <a:rPr kumimoji="1" lang="en-US" altLang="zh-CN" dirty="0" smtClean="0"/>
-              <a:t>Login</a:t>
-            </a:r>
-          </a:p>
-          <a:p>
-            <a:pPr lvl="1"/>
-            <a:r>
-              <a:rPr kumimoji="1" lang="zh-CN" altLang="en-US" dirty="0" smtClean="0"/>
-              <a:t>自动登录</a:t>
-            </a:r>
-            <a:r>
-              <a:rPr kumimoji="1" lang="en-US" altLang="zh-CN" dirty="0" smtClean="0"/>
-              <a:t> Auto login</a:t>
-            </a:r>
-          </a:p>
-          <a:p>
-            <a:pPr lvl="2"/>
-            <a:r>
-              <a:rPr kumimoji="1" lang="zh-CN" altLang="en-US" dirty="0" smtClean="0"/>
-              <a:t>取本地会话</a:t>
-            </a:r>
-            <a:endParaRPr kumimoji="1" lang="en-US" altLang="zh-CN" dirty="0" smtClean="0"/>
-          </a:p>
-          <a:p>
-            <a:pPr lvl="1"/>
-            <a:r>
-              <a:rPr kumimoji="1" lang="zh-CN" altLang="en-US" dirty="0" smtClean="0"/>
-              <a:t>手动登录 </a:t>
-            </a:r>
-            <a:r>
-              <a:rPr kumimoji="1" lang="en-US" altLang="zh-CN" dirty="0" smtClean="0"/>
-              <a:t>Manual login</a:t>
-            </a:r>
-          </a:p>
-          <a:p>
-            <a:pPr lvl="2"/>
-            <a:r>
-              <a:rPr kumimoji="1" lang="zh-CN" altLang="en-US" dirty="0" smtClean="0"/>
-              <a:t>取本地会话</a:t>
-            </a:r>
-            <a:endParaRPr kumimoji="1" lang="en-US" altLang="zh-CN" dirty="0" smtClean="0"/>
-          </a:p>
-          <a:p>
-            <a:pPr lvl="2"/>
-            <a:r>
-              <a:rPr kumimoji="1" lang="zh-CN" altLang="en-US" dirty="0" smtClean="0"/>
-              <a:t>取联系人</a:t>
+        <p:spPr>
+          <a:xfrm>
+            <a:off x="457200" y="2969820"/>
+            <a:ext cx="8229600" cy="1143000"/>
+          </a:xfrm>
+        </p:spPr>
+        <p:txBody>
+          <a:bodyPr/>
+          <a:lstStyle/>
+          <a:p>
+            <a:r>
+              <a:rPr kumimoji="1" lang="zh-CN" altLang="en-US" dirty="0" smtClean="0"/>
+              <a:t>核心类</a:t>
             </a:r>
             <a:endParaRPr kumimoji="1" lang="zh-CN" altLang="en-US" dirty="0"/>
           </a:p>
@@ -4323,7 +10153,7 @@
     </p:spTree>
     <p:extLst>
       <p:ext uri="{BB962C8B-B14F-4D97-AF65-F5344CB8AC3E}">
-        <p14:creationId xmlns:p14="http://schemas.microsoft.com/office/powerpoint/2010/main" val="14068978"/>
+        <p14:creationId xmlns:p14="http://schemas.microsoft.com/office/powerpoint/2010/main" val="856571295"/>
       </p:ext>
     </p:extLst>
   </p:cSld>
@@ -4373,8 +10203,8 @@
           <a:lstStyle/>
           <a:p>
             <a:r>
-              <a:rPr kumimoji="1" lang="zh-CN" altLang="en-US" dirty="0" smtClean="0"/>
-              <a:t>登录流程</a:t>
+              <a:rPr kumimoji="1" lang="en-US" altLang="zh-CN" dirty="0" err="1" smtClean="0"/>
+              <a:t>EMClient</a:t>
             </a:r>
             <a:endParaRPr kumimoji="1" lang="zh-CN" altLang="en-US" dirty="0"/>
           </a:p>
@@ -4392,99 +10222,58 @@
         </p:nvSpPr>
         <p:spPr/>
         <p:txBody>
-          <a:bodyPr>
-            <a:normAutofit fontScale="92500" lnSpcReduction="20000"/>
-          </a:bodyPr>
-          <a:lstStyle/>
-          <a:p>
-            <a:r>
-              <a:rPr kumimoji="1" lang="zh-CN" altLang="en-US" dirty="0" smtClean="0"/>
-              <a:t>调用登录</a:t>
+          <a:bodyPr/>
+          <a:lstStyle/>
+          <a:p>
+            <a:r>
+              <a:rPr kumimoji="1" lang="en-US" altLang="zh-CN" dirty="0" smtClean="0"/>
+              <a:t>SDK</a:t>
+            </a:r>
+            <a:r>
+              <a:rPr kumimoji="1" lang="en-US" altLang="zh-CN" dirty="0" smtClean="0"/>
+              <a:t> </a:t>
+            </a:r>
+            <a:r>
+              <a:rPr kumimoji="1" lang="zh-CN" altLang="en-US" dirty="0" smtClean="0"/>
+              <a:t>入口类</a:t>
             </a:r>
             <a:endParaRPr kumimoji="1" lang="en-US" altLang="zh-CN" dirty="0" smtClean="0"/>
           </a:p>
           <a:p>
-            <a:r>
-              <a:rPr kumimoji="1" lang="zh-CN" altLang="en-US" dirty="0" smtClean="0"/>
-              <a:t>等待登录结果</a:t>
+            <a:endParaRPr kumimoji="1" lang="en-US" altLang="zh-CN" dirty="0"/>
+          </a:p>
+          <a:p>
+            <a:r>
+              <a:rPr kumimoji="1" lang="zh-CN" altLang="en-US" dirty="0" smtClean="0"/>
+              <a:t>通过此类可得到其他业务核心类</a:t>
             </a:r>
             <a:endParaRPr kumimoji="1" lang="en-US" altLang="zh-CN" dirty="0" smtClean="0"/>
           </a:p>
           <a:p>
-            <a:r>
-              <a:rPr kumimoji="1" lang="zh-CN" altLang="en-US" dirty="0" smtClean="0"/>
-              <a:t>登录成功</a:t>
-            </a:r>
             <a:endParaRPr kumimoji="1" lang="en-US" altLang="zh-CN" dirty="0" smtClean="0"/>
           </a:p>
           <a:p>
-            <a:pPr lvl="1"/>
-            <a:r>
-              <a:rPr kumimoji="1" lang="zh-CN" altLang="en-US" dirty="0" smtClean="0"/>
-              <a:t>取联系人</a:t>
+            <a:r>
+              <a:rPr kumimoji="1" lang="zh-CN" altLang="en-US" dirty="0" smtClean="0"/>
+              <a:t>初始化接口</a:t>
             </a:r>
             <a:endParaRPr kumimoji="1" lang="en-US" altLang="zh-CN" dirty="0" smtClean="0"/>
           </a:p>
           <a:p>
-            <a:pPr lvl="1"/>
-            <a:r>
-              <a:rPr kumimoji="1" lang="zh-CN" altLang="en-US" dirty="0" smtClean="0"/>
-              <a:t>取群组</a:t>
-            </a:r>
-            <a:endParaRPr kumimoji="1" lang="en-US" altLang="zh-CN" dirty="0" smtClean="0"/>
-          </a:p>
-          <a:p>
-            <a:pPr lvl="1"/>
-            <a:r>
-              <a:rPr kumimoji="1" lang="zh-CN" altLang="en-US" dirty="0" smtClean="0"/>
-              <a:t>加载会话</a:t>
-            </a:r>
-            <a:endParaRPr kumimoji="1" lang="en-US" altLang="zh-CN" dirty="0" smtClean="0"/>
-          </a:p>
-          <a:p>
-            <a:pPr lvl="1"/>
-            <a:r>
-              <a:rPr kumimoji="1" lang="zh-CN" altLang="en-US" dirty="0" smtClean="0"/>
-              <a:t>加载群组</a:t>
-            </a:r>
-            <a:endParaRPr kumimoji="1" lang="en-US" altLang="zh-CN" dirty="0" smtClean="0"/>
-          </a:p>
-          <a:p>
-            <a:pPr lvl="1"/>
-            <a:r>
-              <a:rPr kumimoji="1" lang="zh-CN" altLang="en-US" dirty="0" smtClean="0"/>
-              <a:t>进入主页面</a:t>
-            </a:r>
-            <a:endParaRPr kumimoji="1" lang="en-US" altLang="zh-CN" dirty="0" smtClean="0"/>
-          </a:p>
-          <a:p>
-            <a:r>
-              <a:rPr kumimoji="1" lang="zh-CN" altLang="en-US" dirty="0" smtClean="0"/>
-              <a:t>登录失败</a:t>
-            </a:r>
-            <a:endParaRPr kumimoji="1" lang="en-US" altLang="zh-CN" dirty="0" smtClean="0"/>
-          </a:p>
-          <a:p>
-            <a:pPr lvl="1"/>
-            <a:r>
-              <a:rPr kumimoji="1" lang="zh-CN" altLang="en-US" dirty="0" smtClean="0"/>
-              <a:t>弹出登录失败会话窗口 </a:t>
-            </a:r>
-            <a:r>
-              <a:rPr kumimoji="1" lang="en-US" altLang="zh-CN" dirty="0" smtClean="0"/>
-              <a:t>-&gt;toast</a:t>
-            </a:r>
-            <a:r>
-              <a:rPr kumimoji="1" lang="zh-CN" altLang="en-US" dirty="0" smtClean="0"/>
-              <a:t> </a:t>
-            </a:r>
-            <a:r>
-              <a:rPr kumimoji="1" lang="en-US" altLang="zh-CN" dirty="0" smtClean="0"/>
-              <a:t>error</a:t>
-            </a:r>
-            <a:r>
-              <a:rPr kumimoji="1" lang="zh-CN" altLang="en-US" dirty="0" smtClean="0"/>
-              <a:t> 即可</a:t>
+            <a:endParaRPr kumimoji="1" lang="en-US" altLang="zh-CN" dirty="0"/>
+          </a:p>
+          <a:p>
+            <a:r>
+              <a:rPr kumimoji="1" lang="zh-CN" altLang="en-US" dirty="0" smtClean="0"/>
+              <a:t>注册</a:t>
+            </a:r>
+            <a:r>
+              <a:rPr kumimoji="1" lang="en-US" altLang="zh-CN" dirty="0" smtClean="0"/>
+              <a:t>/</a:t>
+            </a:r>
+            <a:r>
+              <a:rPr kumimoji="1" lang="zh-CN" altLang="en-US" dirty="0" smtClean="0"/>
+              <a:t>登录接口</a:t>
             </a:r>
             <a:endParaRPr kumimoji="1" lang="zh-CN" altLang="en-US" dirty="0"/>
           </a:p>
@@ -4493,13 +10282,20 @@
     </p:spTree>
     <p:extLst>
       <p:ext uri="{BB962C8B-B14F-4D97-AF65-F5344CB8AC3E}">
-        <p14:creationId xmlns:p14="http://schemas.microsoft.com/office/powerpoint/2010/main" val="4138443587"/>
+        <p14:creationId xmlns:p14="http://schemas.microsoft.com/office/powerpoint/2010/main" val="2320119921"/>
       </p:ext>
     </p:extLst>
   </p:cSld>
   <p:clrMapOvr>
     <a:masterClrMapping/>
   </p:clrMapOvr>
+  <p:timing>
+    <p:tnLst>
+      <p:par>
+        <p:cTn xmlns:p14="http://schemas.microsoft.com/office/powerpoint/2010/main" id="1" dur="indefinite" restart="never" nodeType="tmRoot"/>
+      </p:par>
+    </p:tnLst>
+  </p:timing>
 </p:sld>
 </file>
 
@@ -4537,38 +10333,130 @@
           <a:p>
             <a:r>
               <a:rPr kumimoji="1" lang="zh-CN" altLang="en-US" dirty="0" smtClean="0"/>
+              <a:t>登录 </a:t>
+            </a:r>
+            <a:r>
+              <a:rPr kumimoji="1" lang="en-US" altLang="zh-CN" dirty="0" smtClean="0"/>
+              <a:t>&amp; </a:t>
+            </a:r>
+            <a:r>
+              <a:rPr kumimoji="1" lang="zh-CN" altLang="en-US" dirty="0" smtClean="0"/>
+              <a:t>注册</a:t>
+            </a:r>
+            <a:endParaRPr kumimoji="1" lang="zh-CN" altLang="en-US" dirty="0"/>
+          </a:p>
+        </p:txBody>
+      </p:sp>
+      <p:sp>
+        <p:nvSpPr>
+          <p:cNvPr id="3" name="内容占位符 2"/>
+          <p:cNvSpPr>
+            <a:spLocks noGrp="1"/>
+          </p:cNvSpPr>
+          <p:nvPr>
+            <p:ph idx="1"/>
+          </p:nvPr>
+        </p:nvSpPr>
+        <p:spPr/>
+        <p:txBody>
+          <a:bodyPr>
+            <a:normAutofit fontScale="85000" lnSpcReduction="20000"/>
+          </a:bodyPr>
+          <a:lstStyle/>
+          <a:p>
+            <a:r>
+              <a:rPr kumimoji="1" lang="zh-CN" altLang="en-US" dirty="0" smtClean="0"/>
+              <a:t>注册</a:t>
+            </a:r>
+            <a:endParaRPr kumimoji="1" lang="en-US" altLang="zh-CN" dirty="0" smtClean="0"/>
+          </a:p>
+          <a:p>
+            <a:pPr lvl="1"/>
+            <a:r>
+              <a:rPr kumimoji="1" lang="zh-CN" altLang="en-US" dirty="0" smtClean="0"/>
+              <a:t>开放注册</a:t>
+            </a:r>
+            <a:endParaRPr kumimoji="1" lang="en-US" altLang="zh-CN" dirty="0" smtClean="0"/>
+          </a:p>
+          <a:p>
+            <a:pPr lvl="1"/>
+            <a:r>
+              <a:rPr kumimoji="1" lang="zh-CN" altLang="en-US" dirty="0" smtClean="0"/>
+              <a:t>授权注册</a:t>
+            </a:r>
+            <a:endParaRPr kumimoji="1" lang="en-US" altLang="zh-CN" dirty="0" smtClean="0"/>
+          </a:p>
+          <a:p>
+            <a:pPr lvl="1"/>
+            <a:endParaRPr kumimoji="1" lang="en-US" altLang="zh-CN" dirty="0"/>
+          </a:p>
+          <a:p>
+            <a:r>
+              <a:rPr kumimoji="1" lang="zh-CN" altLang="en-US" dirty="0" smtClean="0"/>
               <a:t>登录</a:t>
             </a:r>
-            <a:r>
-              <a:rPr kumimoji="1" lang="en-US" altLang="zh-CN" dirty="0" smtClean="0"/>
-              <a:t>API</a:t>
-            </a:r>
-            <a:endParaRPr kumimoji="1" lang="zh-CN" altLang="en-US" dirty="0"/>
-          </a:p>
-        </p:txBody>
-      </p:sp>
-      <p:sp>
-        <p:nvSpPr>
-          <p:cNvPr id="3" name="内容占位符 2"/>
-          <p:cNvSpPr>
-            <a:spLocks noGrp="1"/>
-          </p:cNvSpPr>
-          <p:nvPr>
-            <p:ph idx="1"/>
-          </p:nvPr>
-        </p:nvSpPr>
-        <p:spPr/>
-        <p:txBody>
-          <a:bodyPr/>
-          <a:lstStyle/>
-          <a:p>
-            <a:r>
-              <a:rPr kumimoji="1" lang="en-US" altLang="zh-CN" dirty="0" err="1" smtClean="0"/>
-              <a:t>EMClient.login</a:t>
-            </a:r>
-            <a:endParaRPr kumimoji="1" lang="en-US" altLang="zh-CN" smtClean="0"/>
-          </a:p>
-          <a:p>
+            <a:endParaRPr kumimoji="1" lang="en-US" altLang="zh-CN" dirty="0" smtClean="0"/>
+          </a:p>
+          <a:p>
+            <a:pPr lvl="1"/>
+            <a:r>
+              <a:rPr kumimoji="1" lang="zh-CN" altLang="en-US" dirty="0" smtClean="0"/>
+              <a:t>自动登录</a:t>
+            </a:r>
+            <a:r>
+              <a:rPr kumimoji="1" lang="en-US" altLang="zh-CN" dirty="0" smtClean="0"/>
+              <a:t> Auto login</a:t>
+            </a:r>
+          </a:p>
+          <a:p>
+            <a:pPr lvl="2"/>
+            <a:r>
+              <a:rPr kumimoji="1" lang="zh-CN" altLang="en-US" dirty="0" smtClean="0"/>
+              <a:t>取本地会话</a:t>
+            </a:r>
+            <a:endParaRPr kumimoji="1" lang="en-US" altLang="zh-CN" dirty="0" smtClean="0"/>
+          </a:p>
+          <a:p>
+            <a:pPr lvl="2"/>
+            <a:endParaRPr kumimoji="1" lang="en-US" altLang="zh-CN" dirty="0" smtClean="0"/>
+          </a:p>
+          <a:p>
+            <a:pPr lvl="1"/>
+            <a:r>
+              <a:rPr kumimoji="1" lang="zh-CN" altLang="en-US" dirty="0" smtClean="0"/>
+              <a:t>手动登录 </a:t>
+            </a:r>
+            <a:r>
+              <a:rPr kumimoji="1" lang="en-US" altLang="zh-CN" dirty="0" smtClean="0"/>
+              <a:t>Manual login</a:t>
+            </a:r>
+          </a:p>
+          <a:p>
+            <a:pPr lvl="2"/>
+            <a:r>
+              <a:rPr kumimoji="1" lang="zh-CN" altLang="en-US" dirty="0" smtClean="0"/>
+              <a:t>取本地会话</a:t>
+            </a:r>
+            <a:endParaRPr kumimoji="1" lang="en-US" altLang="zh-CN" dirty="0" smtClean="0"/>
+          </a:p>
+          <a:p>
+            <a:pPr lvl="2"/>
+            <a:r>
+              <a:rPr kumimoji="1" lang="zh-CN" altLang="en-US" dirty="0" smtClean="0"/>
+              <a:t>取联</a:t>
+            </a:r>
+            <a:r>
+              <a:rPr kumimoji="1" lang="zh-CN" altLang="en-US" dirty="0" smtClean="0"/>
+              <a:t>系人</a:t>
+            </a:r>
+            <a:endParaRPr kumimoji="1" lang="en-US" altLang="zh-CN" dirty="0" smtClean="0"/>
+          </a:p>
+          <a:p>
+            <a:pPr lvl="2"/>
+            <a:r>
+              <a:rPr kumimoji="1" lang="zh-CN" altLang="en-US" dirty="0" smtClean="0"/>
+              <a:t>取群组</a:t>
+            </a:r>
             <a:endParaRPr kumimoji="1" lang="zh-CN" altLang="en-US" dirty="0"/>
           </a:p>
         </p:txBody>
@@ -4576,13 +10464,20 @@
     </p:spTree>
     <p:extLst>
       <p:ext uri="{BB962C8B-B14F-4D97-AF65-F5344CB8AC3E}">
-        <p14:creationId xmlns:p14="http://schemas.microsoft.com/office/powerpoint/2010/main" val="1614912064"/>
+        <p14:creationId xmlns:p14="http://schemas.microsoft.com/office/powerpoint/2010/main" val="1021520368"/>
       </p:ext>
     </p:extLst>
   </p:cSld>
   <p:clrMapOvr>
     <a:masterClrMapping/>
   </p:clrMapOvr>
+  <p:timing>
+    <p:tnLst>
+      <p:par>
+        <p:cTn xmlns:p14="http://schemas.microsoft.com/office/powerpoint/2010/main" id="1" dur="indefinite" restart="never" nodeType="tmRoot"/>
+      </p:par>
+    </p:tnLst>
+  </p:timing>
 </p:sld>
 </file>
 
@@ -4619,8 +10514,8 @@
           <a:lstStyle/>
           <a:p>
             <a:r>
-              <a:rPr kumimoji="1" lang="zh-CN" altLang="en-US" dirty="0" smtClean="0"/>
-              <a:t>应用启动流程</a:t>
+              <a:rPr kumimoji="1" lang="en-US" altLang="zh-CN" dirty="0" err="1" smtClean="0"/>
+              <a:t>EMChatManager</a:t>
             </a:r>
             <a:endParaRPr kumimoji="1" lang="zh-CN" altLang="en-US" dirty="0"/>
           </a:p>
@@ -4643,68 +10538,37 @@
           <a:p>
             <a:r>
               <a:rPr kumimoji="1" lang="zh-CN" altLang="en-US" dirty="0" smtClean="0"/>
-              <a:t>进入开屏页面</a:t>
+              <a:t>消息收发</a:t>
             </a:r>
             <a:endParaRPr kumimoji="1" lang="en-US" altLang="zh-CN" dirty="0" smtClean="0"/>
           </a:p>
           <a:p>
-            <a:r>
-              <a:rPr kumimoji="1" lang="zh-CN" altLang="en-US" dirty="0" smtClean="0"/>
-              <a:t>判断是否登录过</a:t>
+            <a:endParaRPr kumimoji="1" lang="en-US" altLang="zh-CN" dirty="0"/>
+          </a:p>
+          <a:p>
+            <a:r>
+              <a:rPr kumimoji="1" lang="zh-CN" altLang="en-US" dirty="0" smtClean="0"/>
+              <a:t>会话管理</a:t>
             </a:r>
             <a:endParaRPr kumimoji="1" lang="en-US" altLang="zh-CN" dirty="0" smtClean="0"/>
           </a:p>
           <a:p>
-            <a:r>
-              <a:rPr kumimoji="1" lang="zh-CN" altLang="en-US" dirty="0" smtClean="0"/>
-              <a:t>如果登录过</a:t>
-            </a:r>
-            <a:r>
-              <a:rPr kumimoji="1" lang="en-US" altLang="zh-CN" dirty="0" smtClean="0"/>
-              <a:t>-》</a:t>
-            </a:r>
-            <a:r>
-              <a:rPr kumimoji="1" lang="zh-CN" altLang="en-US" dirty="0" smtClean="0"/>
-              <a:t>直接进入主界面</a:t>
+            <a:endParaRPr kumimoji="1" lang="en-US" altLang="zh-CN" dirty="0"/>
+          </a:p>
+          <a:p>
+            <a:r>
+              <a:rPr kumimoji="1" lang="zh-CN" altLang="en-US" dirty="0" smtClean="0"/>
+              <a:t>消息下载</a:t>
             </a:r>
             <a:endParaRPr kumimoji="1" lang="en-US" altLang="zh-CN" dirty="0" smtClean="0"/>
           </a:p>
           <a:p>
-            <a:pPr lvl="1"/>
-            <a:r>
-              <a:rPr kumimoji="1" lang="zh-CN" altLang="en-US" dirty="0" smtClean="0"/>
-              <a:t>加载本地会话</a:t>
-            </a:r>
-            <a:endParaRPr kumimoji="1" lang="en-US" altLang="zh-CN" dirty="0" smtClean="0"/>
-          </a:p>
-          <a:p>
-            <a:pPr lvl="1"/>
-            <a:r>
-              <a:rPr kumimoji="1" lang="zh-CN" altLang="en-US" dirty="0" smtClean="0"/>
-              <a:t>加载本地群</a:t>
-            </a:r>
-            <a:endParaRPr kumimoji="1" lang="en-US" altLang="zh-CN" dirty="0" smtClean="0"/>
-          </a:p>
-          <a:p>
-            <a:r>
-              <a:rPr kumimoji="1" lang="zh-CN" altLang="en-US" dirty="0" smtClean="0"/>
-              <a:t>如果没登录过 </a:t>
-            </a:r>
-            <a:r>
-              <a:rPr kumimoji="1" lang="en-US" altLang="zh-CN" dirty="0" smtClean="0"/>
-              <a:t>-》</a:t>
-            </a:r>
-            <a:r>
-              <a:rPr kumimoji="1" lang="zh-CN" altLang="en-US" dirty="0" smtClean="0"/>
-              <a:t>接入未登录界面</a:t>
-            </a:r>
-            <a:endParaRPr kumimoji="1" lang="en-US" altLang="zh-CN" dirty="0" smtClean="0"/>
-          </a:p>
-          <a:p>
-            <a:pPr lvl="1"/>
-            <a:r>
-              <a:rPr kumimoji="1" lang="zh-CN" altLang="en-US" dirty="0" smtClean="0"/>
-              <a:t>进入登录流程</a:t>
+            <a:endParaRPr kumimoji="1" lang="en-US" altLang="zh-CN" dirty="0"/>
+          </a:p>
+          <a:p>
+            <a:r>
+              <a:rPr kumimoji="1" lang="zh-CN" altLang="en-US" dirty="0" smtClean="0"/>
+              <a:t>消息监听</a:t>
             </a:r>
             <a:endParaRPr kumimoji="1" lang="zh-CN" altLang="en-US" dirty="0"/>
           </a:p>
@@ -4713,13 +10577,20 @@
     </p:spTree>
     <p:extLst>
       <p:ext uri="{BB962C8B-B14F-4D97-AF65-F5344CB8AC3E}">
-        <p14:creationId xmlns:p14="http://schemas.microsoft.com/office/powerpoint/2010/main" val="2763439093"/>
+        <p14:creationId xmlns:p14="http://schemas.microsoft.com/office/powerpoint/2010/main" val="1879357437"/>
       </p:ext>
     </p:extLst>
   </p:cSld>
   <p:clrMapOvr>
     <a:masterClrMapping/>
   </p:clrMapOvr>
+  <p:timing>
+    <p:tnLst>
+      <p:par>
+        <p:cTn xmlns:p14="http://schemas.microsoft.com/office/powerpoint/2010/main" id="1" dur="indefinite" restart="never" nodeType="tmRoot"/>
+      </p:par>
+    </p:tnLst>
+  </p:timing>
 </p:sld>
 </file>
 
@@ -5041,4 +10912,324 @@
   </a:objectDefaults>
   <a:extraClrSchemeLst/>
 </a:theme>
+</file>
+
+<file path=ppt/theme/theme2.xml><?xml version="1.0" encoding="utf-8"?>
+<a:theme xmlns:a="http://schemas.openxmlformats.org/drawingml/2006/main" name="Office 主题">
+  <a:themeElements>
+    <a:clrScheme name="办公室">
+      <a:dk1>
+        <a:sysClr val="windowText" lastClr="000000"/>
+      </a:dk1>
+      <a:lt1>
+        <a:sysClr val="window" lastClr="FFFFFF"/>
+      </a:lt1>
+      <a:dk2>
+        <a:srgbClr val="1F497D"/>
+      </a:dk2>
+      <a:lt2>
+        <a:srgbClr val="EEECE1"/>
+      </a:lt2>
+      <a:accent1>
+        <a:srgbClr val="4F81BD"/>
+      </a:accent1>
+      <a:accent2>
+        <a:srgbClr val="C0504D"/>
+      </a:accent2>
+      <a:accent3>
+        <a:srgbClr val="9BBB59"/>
+      </a:accent3>
+      <a:accent4>
+        <a:srgbClr val="8064A2"/>
+      </a:accent4>
+      <a:accent5>
+        <a:srgbClr val="4BACC6"/>
+      </a:accent5>
+      <a:accent6>
+        <a:srgbClr val="F79646"/>
+      </a:accent6>
+      <a:hlink>
+        <a:srgbClr val="0000FF"/>
+      </a:hlink>
+      <a:folHlink>
+        <a:srgbClr val="800080"/>
+      </a:folHlink>
+    </a:clrScheme>
+    <a:fontScheme name="办公室">
+      <a:majorFont>
+        <a:latin typeface="Calibri"/>
+        <a:ea typeface=""/>
+        <a:cs typeface=""/>
+        <a:font script="Jpan" typeface="ＭＳ Ｐゴシック"/>
+        <a:font script="Hang" typeface="맑은 고딕"/>
+        <a:font script="Hans" typeface="宋体"/>
+        <a:font script="Hant" typeface="新細明體"/>
+        <a:font script="Arab" typeface="Times New Roman"/>
+        <a:font script="Hebr" typeface="Times New Roman"/>
+        <a:font script="Thai" typeface="Angsana New"/>
+        <a:font script="Ethi" typeface="Nyala"/>
+        <a:font script="Beng" typeface="Vrinda"/>
+        <a:font script="Gujr" typeface="Shruti"/>
+        <a:font script="Khmr" typeface="MoolBoran"/>
+        <a:font script="Knda" typeface="Tunga"/>
+        <a:font script="Guru" typeface="Raavi"/>
+        <a:font script="Cans" typeface="Euphemia"/>
+        <a:font script="Cher" typeface="Plantagenet Cherokee"/>
+        <a:font script="Yiii" typeface="Microsoft Yi Baiti"/>
+        <a:font script="Tibt" typeface="Microsoft Himalaya"/>
+        <a:font script="Thaa" typeface="MV Boli"/>
+        <a:font script="Deva" typeface="Mangal"/>
+        <a:font script="Telu" typeface="Gautami"/>
+        <a:font script="Taml" typeface="Latha"/>
+        <a:font script="Syrc" typeface="Estrangelo Edessa"/>
+        <a:font script="Orya" typeface="Kalinga"/>
+        <a:font script="Mlym" typeface="Kartika"/>
+        <a:font script="Laoo" typeface="DokChampa"/>
+        <a:font script="Sinh" typeface="Iskoola Pota"/>
+        <a:font script="Mong" typeface="Mongolian Baiti"/>
+        <a:font script="Viet" typeface="Times New Roman"/>
+        <a:font script="Uigh" typeface="Microsoft Uighur"/>
+        <a:font script="Geor" typeface="Sylfaen"/>
+      </a:majorFont>
+      <a:minorFont>
+        <a:latin typeface="Calibri"/>
+        <a:ea typeface=""/>
+        <a:cs typeface=""/>
+        <a:font script="Jpan" typeface="ＭＳ Ｐゴシック"/>
+        <a:font script="Hang" typeface="맑은 고딕"/>
+        <a:font script="Hans" typeface="宋体"/>
+        <a:font script="Hant" typeface="新細明體"/>
+        <a:font script="Arab" typeface="Arial"/>
+        <a:font script="Hebr" typeface="Arial"/>
+        <a:font script="Thai" typeface="Cordia New"/>
+        <a:font script="Ethi" typeface="Nyala"/>
+        <a:font script="Beng" typeface="Vrinda"/>
+        <a:font script="Gujr" typeface="Shruti"/>
+        <a:font script="Khmr" typeface="DaunPenh"/>
+        <a:font script="Knda" typeface="Tunga"/>
+        <a:font script="Guru" typeface="Raavi"/>
+        <a:font script="Cans" typeface="Euphemia"/>
+        <a:font script="Cher" typeface="Plantagenet Cherokee"/>
+        <a:font script="Yiii" typeface="Microsoft Yi Baiti"/>
+        <a:font script="Tibt" typeface="Microsoft Himalaya"/>
+        <a:font script="Thaa" typeface="MV Boli"/>
+        <a:font script="Deva" typeface="Mangal"/>
+        <a:font script="Telu" typeface="Gautami"/>
+        <a:font script="Taml" typeface="Latha"/>
+        <a:font script="Syrc" typeface="Estrangelo Edessa"/>
+        <a:font script="Orya" typeface="Kalinga"/>
+        <a:font script="Mlym" typeface="Kartika"/>
+        <a:font script="Laoo" typeface="DokChampa"/>
+        <a:font script="Sinh" typeface="Iskoola Pota"/>
+        <a:font script="Mong" typeface="Mongolian Baiti"/>
+        <a:font script="Viet" typeface="Arial"/>
+        <a:font script="Uigh" typeface="Microsoft Uighur"/>
+        <a:font script="Geor" typeface="Sylfaen"/>
+      </a:minorFont>
+    </a:fontScheme>
+    <a:fmtScheme name="办公室">
+      <a:fillStyleLst>
+        <a:solidFill>
+          <a:schemeClr val="phClr"/>
+        </a:solidFill>
+        <a:gradFill rotWithShape="1">
+          <a:gsLst>
+            <a:gs pos="0">
+              <a:schemeClr val="phClr">
+                <a:tint val="50000"/>
+                <a:satMod val="300000"/>
+              </a:schemeClr>
+            </a:gs>
+            <a:gs pos="35000">
+              <a:schemeClr val="phClr">
+                <a:tint val="37000"/>
+                <a:satMod val="300000"/>
+              </a:schemeClr>
+            </a:gs>
+            <a:gs pos="100000">
+              <a:schemeClr val="phClr">
+                <a:tint val="15000"/>
+                <a:satMod val="350000"/>
+              </a:schemeClr>
+            </a:gs>
+          </a:gsLst>
+          <a:lin ang="16200000" scaled="1"/>
+        </a:gradFill>
+        <a:gradFill rotWithShape="1">
+          <a:gsLst>
+            <a:gs pos="0">
+              <a:schemeClr val="phClr">
+                <a:tint val="100000"/>
+                <a:shade val="100000"/>
+                <a:satMod val="130000"/>
+              </a:schemeClr>
+            </a:gs>
+            <a:gs pos="100000">
+              <a:schemeClr val="phClr">
+                <a:tint val="50000"/>
+                <a:shade val="100000"/>
+                <a:satMod val="350000"/>
+              </a:schemeClr>
+            </a:gs>
+          </a:gsLst>
+          <a:lin ang="16200000" scaled="0"/>
+        </a:gradFill>
+      </a:fillStyleLst>
+      <a:lnStyleLst>
+        <a:ln w="9525" cap="flat" cmpd="sng" algn="ctr">
+          <a:solidFill>
+            <a:schemeClr val="phClr">
+              <a:shade val="95000"/>
+              <a:satMod val="105000"/>
+            </a:schemeClr>
+          </a:solidFill>
+          <a:prstDash val="solid"/>
+        </a:ln>
+        <a:ln w="25400" cap="flat" cmpd="sng" algn="ctr">
+          <a:solidFill>
+            <a:schemeClr val="phClr"/>
+          </a:solidFill>
+          <a:prstDash val="solid"/>
+        </a:ln>
+        <a:ln w="38100" cap="flat" cmpd="sng" algn="ctr">
+          <a:solidFill>
+            <a:schemeClr val="phClr"/>
+          </a:solidFill>
+          <a:prstDash val="solid"/>
+        </a:ln>
+      </a:lnStyleLst>
+      <a:effectStyleLst>
+        <a:effectStyle>
+          <a:effectLst>
+            <a:outerShdw blurRad="40000" dist="20000" dir="5400000" rotWithShape="0">
+              <a:srgbClr val="000000">
+                <a:alpha val="38000"/>
+              </a:srgbClr>
+            </a:outerShdw>
+          </a:effectLst>
+        </a:effectStyle>
+        <a:effectStyle>
+          <a:effectLst>
+            <a:outerShdw blurRad="40000" dist="23000" dir="5400000" rotWithShape="0">
+              <a:srgbClr val="000000">
+                <a:alpha val="35000"/>
+              </a:srgbClr>
+            </a:outerShdw>
+          </a:effectLst>
+        </a:effectStyle>
+        <a:effectStyle>
+          <a:effectLst>
+            <a:outerShdw blurRad="40000" dist="23000" dir="5400000" rotWithShape="0">
+              <a:srgbClr val="000000">
+                <a:alpha val="35000"/>
+              </a:srgbClr>
+            </a:outerShdw>
+          </a:effectLst>
+          <a:scene3d>
+            <a:camera prst="orthographicFront">
+              <a:rot lat="0" lon="0" rev="0"/>
+            </a:camera>
+            <a:lightRig rig="threePt" dir="t">
+              <a:rot lat="0" lon="0" rev="1200000"/>
+            </a:lightRig>
+          </a:scene3d>
+          <a:sp3d>
+            <a:bevelT w="63500" h="25400"/>
+          </a:sp3d>
+        </a:effectStyle>
+      </a:effectStyleLst>
+      <a:bgFillStyleLst>
+        <a:solidFill>
+          <a:schemeClr val="phClr"/>
+        </a:solidFill>
+        <a:gradFill rotWithShape="1">
+          <a:gsLst>
+            <a:gs pos="0">
+              <a:schemeClr val="phClr">
+                <a:tint val="40000"/>
+                <a:satMod val="350000"/>
+              </a:schemeClr>
+            </a:gs>
+            <a:gs pos="40000">
+              <a:schemeClr val="phClr">
+                <a:tint val="45000"/>
+                <a:shade val="99000"/>
+                <a:satMod val="350000"/>
+              </a:schemeClr>
+            </a:gs>
+            <a:gs pos="100000">
+              <a:schemeClr val="phClr">
+                <a:shade val="20000"/>
+                <a:satMod val="255000"/>
+              </a:schemeClr>
+            </a:gs>
+          </a:gsLst>
+          <a:path path="circle">
+            <a:fillToRect l="50000" t="-80000" r="50000" b="180000"/>
+          </a:path>
+        </a:gradFill>
+        <a:gradFill rotWithShape="1">
+          <a:gsLst>
+            <a:gs pos="0">
+              <a:schemeClr val="phClr">
+                <a:tint val="80000"/>
+                <a:satMod val="300000"/>
+              </a:schemeClr>
+            </a:gs>
+            <a:gs pos="100000">
+              <a:schemeClr val="phClr">
+                <a:shade val="30000"/>
+                <a:satMod val="200000"/>
+              </a:schemeClr>
+            </a:gs>
+          </a:gsLst>
+          <a:path path="circle">
+            <a:fillToRect l="50000" t="50000" r="50000" b="50000"/>
+          </a:path>
+        </a:gradFill>
+      </a:bgFillStyleLst>
+    </a:fmtScheme>
+  </a:themeElements>
+  <a:objectDefaults>
+    <a:spDef>
+      <a:spPr/>
+      <a:bodyPr/>
+      <a:lstStyle/>
+      <a:style>
+        <a:lnRef idx="1">
+          <a:schemeClr val="accent1"/>
+        </a:lnRef>
+        <a:fillRef idx="3">
+          <a:schemeClr val="accent1"/>
+        </a:fillRef>
+        <a:effectRef idx="2">
+          <a:schemeClr val="accent1"/>
+        </a:effectRef>
+        <a:fontRef idx="minor">
+          <a:schemeClr val="lt1"/>
+        </a:fontRef>
+      </a:style>
+    </a:spDef>
+    <a:lnDef>
+      <a:spPr/>
+      <a:bodyPr/>
+      <a:lstStyle/>
+      <a:style>
+        <a:lnRef idx="2">
+          <a:schemeClr val="accent1"/>
+        </a:lnRef>
+        <a:fillRef idx="0">
+          <a:schemeClr val="accent1"/>
+        </a:fillRef>
+        <a:effectRef idx="1">
+          <a:schemeClr val="accent1"/>
+        </a:effectRef>
+        <a:fontRef idx="minor">
+          <a:schemeClr val="tx1"/>
+        </a:fontRef>
+      </a:style>
+    </a:lnDef>
+  </a:objectDefaults>
+  <a:extraClrSchemeLst/>
+</a:theme>
 </file>
--- a/easemob_sdk_integration.pptx
+++ b/easemob_sdk_integration.pptx
@@ -5,49 +5,57 @@
     <p:sldMasterId id="2147483648" r:id="rId1"/>
   </p:sldMasterIdLst>
   <p:notesMasterIdLst>
-    <p:notesMasterId r:id="rId42"/>
+    <p:notesMasterId r:id="rId26"/>
   </p:notesMasterIdLst>
   <p:sldIdLst>
-    <p:sldId id="256" r:id="rId2"/>
-    <p:sldId id="274" r:id="rId3"/>
-    <p:sldId id="284" r:id="rId4"/>
+    <p:sldId id="256" r:id="rId3"/>
+    <p:sldId id="274" r:id="rId4"/>
     <p:sldId id="299" r:id="rId5"/>
-    <p:sldId id="266" r:id="rId6"/>
-    <p:sldId id="273" r:id="rId7"/>
-    <p:sldId id="272" r:id="rId8"/>
-    <p:sldId id="302" r:id="rId9"/>
-    <p:sldId id="275" r:id="rId10"/>
-    <p:sldId id="276" r:id="rId11"/>
-    <p:sldId id="277" r:id="rId12"/>
-    <p:sldId id="278" r:id="rId13"/>
-    <p:sldId id="279" r:id="rId14"/>
-    <p:sldId id="280" r:id="rId15"/>
-    <p:sldId id="291" r:id="rId16"/>
-    <p:sldId id="281" r:id="rId17"/>
-    <p:sldId id="282" r:id="rId18"/>
-    <p:sldId id="283" r:id="rId19"/>
-    <p:sldId id="300" r:id="rId20"/>
-    <p:sldId id="268" r:id="rId21"/>
-    <p:sldId id="301" r:id="rId22"/>
-    <p:sldId id="269" r:id="rId23"/>
-    <p:sldId id="297" r:id="rId24"/>
-    <p:sldId id="267" r:id="rId25"/>
-    <p:sldId id="303" r:id="rId26"/>
-    <p:sldId id="304" r:id="rId27"/>
-    <p:sldId id="305" r:id="rId28"/>
-    <p:sldId id="258" r:id="rId29"/>
-    <p:sldId id="295" r:id="rId30"/>
-    <p:sldId id="260" r:id="rId31"/>
-    <p:sldId id="294" r:id="rId32"/>
-    <p:sldId id="293" r:id="rId33"/>
-    <p:sldId id="263" r:id="rId34"/>
-    <p:sldId id="285" r:id="rId35"/>
-    <p:sldId id="264" r:id="rId36"/>
-    <p:sldId id="286" r:id="rId37"/>
-    <p:sldId id="265" r:id="rId38"/>
-    <p:sldId id="287" r:id="rId39"/>
-    <p:sldId id="288" r:id="rId40"/>
-    <p:sldId id="289" r:id="rId41"/>
+    <p:sldId id="336" r:id="rId6"/>
+    <p:sldId id="266" r:id="rId7"/>
+    <p:sldId id="338" r:id="rId8"/>
+    <p:sldId id="339" r:id="rId9"/>
+    <p:sldId id="340" r:id="rId10"/>
+    <p:sldId id="342" r:id="rId11"/>
+    <p:sldId id="341" r:id="rId12"/>
+    <p:sldId id="343" r:id="rId13"/>
+    <p:sldId id="344" r:id="rId14"/>
+    <p:sldId id="346" r:id="rId15"/>
+    <p:sldId id="345" r:id="rId16"/>
+    <p:sldId id="272" r:id="rId17"/>
+    <p:sldId id="302" r:id="rId18"/>
+    <p:sldId id="275" r:id="rId19"/>
+    <p:sldId id="276" r:id="rId20"/>
+    <p:sldId id="277" r:id="rId21"/>
+    <p:sldId id="278" r:id="rId22"/>
+    <p:sldId id="279" r:id="rId23"/>
+    <p:sldId id="280" r:id="rId24"/>
+    <p:sldId id="291" r:id="rId25"/>
+    <p:sldId id="281" r:id="rId27"/>
+    <p:sldId id="282" r:id="rId28"/>
+    <p:sldId id="283" r:id="rId29"/>
+    <p:sldId id="300" r:id="rId30"/>
+    <p:sldId id="268" r:id="rId31"/>
+    <p:sldId id="301" r:id="rId32"/>
+    <p:sldId id="269" r:id="rId33"/>
+    <p:sldId id="297" r:id="rId34"/>
+    <p:sldId id="267" r:id="rId35"/>
+    <p:sldId id="303" r:id="rId36"/>
+    <p:sldId id="304" r:id="rId37"/>
+    <p:sldId id="305" r:id="rId38"/>
+    <p:sldId id="258" r:id="rId39"/>
+    <p:sldId id="295" r:id="rId40"/>
+    <p:sldId id="260" r:id="rId41"/>
+    <p:sldId id="294" r:id="rId42"/>
+    <p:sldId id="293" r:id="rId43"/>
+    <p:sldId id="263" r:id="rId44"/>
+    <p:sldId id="285" r:id="rId45"/>
+    <p:sldId id="264" r:id="rId46"/>
+    <p:sldId id="286" r:id="rId47"/>
+    <p:sldId id="265" r:id="rId48"/>
+    <p:sldId id="287" r:id="rId49"/>
+    <p:sldId id="288" r:id="rId50"/>
+    <p:sldId id="289" r:id="rId51"/>
   </p:sldIdLst>
   <p:sldSz cx="9144000" cy="6858000" type="screen4x3"/>
   <p:notesSz cx="6858000" cy="9144000"/>
@@ -231,7 +239,6 @@
           <a:p>
             <a:fld id="{FEA5BCD8-7195-5A44-A468-0D30EA0A6CEC}" type="datetimeFigureOut">
               <a:rPr kumimoji="1" lang="zh-CN" altLang="en-US" smtClean="0"/>
-              <a:t>16/5/13</a:t>
             </a:fld>
             <a:endParaRPr kumimoji="1" lang="zh-CN" altLang="en-US"/>
           </a:p>
@@ -298,6 +305,7 @@
               <a:rPr kumimoji="1" lang="zh-CN" altLang="en-US" smtClean="0"/>
               <a:t>单击此处编辑母版文本样式</a:t>
             </a:r>
+            <a:endParaRPr kumimoji="1" lang="zh-CN" altLang="en-US" smtClean="0"/>
           </a:p>
           <a:p>
             <a:pPr lvl="1"/>
@@ -305,6 +313,7 @@
               <a:rPr kumimoji="1" lang="zh-CN" altLang="en-US" smtClean="0"/>
               <a:t>二级</a:t>
             </a:r>
+            <a:endParaRPr kumimoji="1" lang="zh-CN" altLang="en-US" smtClean="0"/>
           </a:p>
           <a:p>
             <a:pPr lvl="2"/>
@@ -312,6 +321,7 @@
               <a:rPr kumimoji="1" lang="zh-CN" altLang="en-US" smtClean="0"/>
               <a:t>三级</a:t>
             </a:r>
+            <a:endParaRPr kumimoji="1" lang="zh-CN" altLang="en-US" smtClean="0"/>
           </a:p>
           <a:p>
             <a:pPr lvl="3"/>
@@ -319,6 +329,7 @@
               <a:rPr kumimoji="1" lang="zh-CN" altLang="en-US" smtClean="0"/>
               <a:t>四级</a:t>
             </a:r>
+            <a:endParaRPr kumimoji="1" lang="zh-CN" altLang="en-US" smtClean="0"/>
           </a:p>
           <a:p>
             <a:pPr lvl="4"/>
@@ -390,18 +401,12 @@
           <a:p>
             <a:fld id="{7F23289A-29F9-AB45-8ADB-162B1E17C738}" type="slidenum">
               <a:rPr kumimoji="1" lang="zh-CN" altLang="en-US" smtClean="0"/>
-              <a:t>‹#›</a:t>
             </a:fld>
             <a:endParaRPr kumimoji="1" lang="zh-CN" altLang="en-US"/>
           </a:p>
         </p:txBody>
       </p:sp>
     </p:spTree>
-    <p:extLst>
-      <p:ext uri="{BB962C8B-B14F-4D97-AF65-F5344CB8AC3E}">
-        <p14:creationId xmlns:p14="http://schemas.microsoft.com/office/powerpoint/2010/main" val="3952074799"/>
-      </p:ext>
-    </p:extLst>
   </p:cSld>
   <p:clrMap bg1="lt1" tx1="dk1" bg2="lt2" tx2="dk2" accent1="accent1" accent2="accent2" accent3="accent3" accent4="accent4" accent5="accent5" accent6="accent6" hlink="hlink" folHlink="folHlink"/>
   <p:notesStyle>
@@ -571,6 +576,7 @@
               <a:rPr kumimoji="1" lang="en-US" altLang="zh-CN" dirty="0" smtClean="0"/>
               <a:t>);</a:t>
             </a:r>
+            <a:endParaRPr kumimoji="1" lang="en-US" altLang="zh-CN" dirty="0" smtClean="0"/>
           </a:p>
           <a:p>
             <a:r>
@@ -593,6 +599,7 @@
               <a:rPr kumimoji="1" lang="zh-CN" altLang="en-US" dirty="0" smtClean="0"/>
               <a:t>默认是单聊</a:t>
             </a:r>
+            <a:endParaRPr kumimoji="1" lang="zh-CN" altLang="en-US" dirty="0" smtClean="0"/>
           </a:p>
           <a:p>
             <a:r>
@@ -611,6 +618,7 @@
               <a:rPr kumimoji="1" lang="en-US" altLang="zh-CN" dirty="0" smtClean="0"/>
               <a:t> == CHATTYPE_GROUP) {</a:t>
             </a:r>
+            <a:endParaRPr kumimoji="1" lang="en-US" altLang="zh-CN" dirty="0" smtClean="0"/>
           </a:p>
           <a:p>
             <a:r>
@@ -633,6 +641,7 @@
               <a:rPr kumimoji="1" lang="en-US" altLang="zh-CN" dirty="0" smtClean="0"/>
               <a:t>);</a:t>
             </a:r>
+            <a:endParaRPr kumimoji="1" lang="en-US" altLang="zh-CN" dirty="0" smtClean="0"/>
           </a:p>
           <a:p>
             <a:r>
@@ -647,6 +656,7 @@
               <a:rPr kumimoji="1" lang="en-US" altLang="zh-CN" dirty="0" smtClean="0"/>
               <a:t> == CHATTYPE_CHATROOM) {</a:t>
             </a:r>
+            <a:endParaRPr kumimoji="1" lang="en-US" altLang="zh-CN" dirty="0" smtClean="0"/>
           </a:p>
           <a:p>
             <a:r>
@@ -669,12 +679,14 @@
               <a:rPr kumimoji="1" lang="en-US" altLang="zh-CN" dirty="0" smtClean="0"/>
               <a:t>);</a:t>
             </a:r>
+            <a:endParaRPr kumimoji="1" lang="en-US" altLang="zh-CN" dirty="0" smtClean="0"/>
           </a:p>
           <a:p>
             <a:r>
               <a:rPr kumimoji="1" lang="en-US" altLang="zh-CN" dirty="0" smtClean="0"/>
               <a:t>            }</a:t>
             </a:r>
+            <a:endParaRPr kumimoji="1" lang="en-US" altLang="zh-CN" dirty="0" smtClean="0"/>
           </a:p>
           <a:p>
             <a:r>
@@ -689,6 +701,7 @@
               <a:rPr kumimoji="1" lang="en-US" altLang="zh-CN" dirty="0" smtClean="0"/>
               <a:t>) {</a:t>
             </a:r>
+            <a:endParaRPr kumimoji="1" lang="en-US" altLang="zh-CN" dirty="0" smtClean="0"/>
           </a:p>
           <a:p>
             <a:r>
@@ -711,12 +724,14 @@
               <a:rPr kumimoji="1" lang="en-US" altLang="zh-CN" dirty="0" smtClean="0"/>
               <a:t>", true);</a:t>
             </a:r>
+            <a:endParaRPr kumimoji="1" lang="en-US" altLang="zh-CN" dirty="0" smtClean="0"/>
           </a:p>
           <a:p>
             <a:r>
               <a:rPr kumimoji="1" lang="en-US" altLang="zh-CN" dirty="0" smtClean="0"/>
               <a:t>            }</a:t>
             </a:r>
+            <a:endParaRPr kumimoji="1" lang="en-US" altLang="zh-CN" dirty="0" smtClean="0"/>
           </a:p>
           <a:p>
             <a:r>
@@ -747,6 +762,7 @@
               <a:rPr kumimoji="1" lang="en-US" altLang="zh-CN" dirty="0" smtClean="0"/>
               <a:t>(content);</a:t>
             </a:r>
+            <a:endParaRPr kumimoji="1" lang="en-US" altLang="zh-CN" dirty="0" smtClean="0"/>
           </a:p>
           <a:p>
             <a:r>
@@ -761,6 +777,7 @@
               <a:rPr kumimoji="1" lang="en-US" altLang="zh-CN" dirty="0" smtClean="0"/>
               <a:t>body</a:t>
             </a:r>
+            <a:endParaRPr kumimoji="1" lang="en-US" altLang="zh-CN" dirty="0" smtClean="0"/>
           </a:p>
           <a:p>
             <a:r>
@@ -783,6 +800,7 @@
               <a:rPr kumimoji="1" lang="en-US" altLang="zh-CN" dirty="0" smtClean="0"/>
               <a:t>);</a:t>
             </a:r>
+            <a:endParaRPr kumimoji="1" lang="en-US" altLang="zh-CN" dirty="0" smtClean="0"/>
           </a:p>
           <a:p>
             <a:r>
@@ -836,12 +854,14 @@
               <a:rPr kumimoji="1" lang="en-US" altLang="zh-CN" dirty="0" smtClean="0"/>
               <a:t>);</a:t>
             </a:r>
+            <a:endParaRPr kumimoji="1" lang="en-US" altLang="zh-CN" dirty="0" smtClean="0"/>
           </a:p>
           <a:p>
             <a:r>
               <a:rPr kumimoji="1" lang="en-US" altLang="zh-CN" dirty="0" smtClean="0"/>
               <a:t>            </a:t>
             </a:r>
+            <a:endParaRPr kumimoji="1" lang="en-US" altLang="zh-CN" dirty="0" smtClean="0"/>
           </a:p>
           <a:p>
             <a:r>
@@ -852,6 +872,7 @@
               <a:rPr kumimoji="1" lang="zh-CN" altLang="en-US" dirty="0" smtClean="0"/>
               <a:t>发送消息</a:t>
             </a:r>
+            <a:endParaRPr kumimoji="1" lang="zh-CN" altLang="en-US" dirty="0" smtClean="0"/>
           </a:p>
           <a:p>
             <a:r>
@@ -903,18 +924,12 @@
           <a:p>
             <a:fld id="{7F23289A-29F9-AB45-8ADB-162B1E17C738}" type="slidenum">
               <a:rPr kumimoji="1" lang="zh-CN" altLang="en-US" smtClean="0"/>
-              <a:t>15</a:t>
             </a:fld>
             <a:endParaRPr kumimoji="1" lang="zh-CN" altLang="en-US"/>
           </a:p>
         </p:txBody>
       </p:sp>
     </p:spTree>
-    <p:extLst>
-      <p:ext uri="{BB962C8B-B14F-4D97-AF65-F5344CB8AC3E}">
-        <p14:creationId xmlns:p14="http://schemas.microsoft.com/office/powerpoint/2010/main" val="1211108687"/>
-      </p:ext>
-    </p:extLst>
   </p:cSld>
   <p:clrMapOvr>
     <a:masterClrMapping/>
@@ -1027,6 +1042,7 @@
               <a:rPr kumimoji="1" lang="en-US" altLang="zh-CN" dirty="0" smtClean="0"/>
               <a:t>);</a:t>
             </a:r>
+            <a:endParaRPr kumimoji="1" lang="en-US" altLang="zh-CN" dirty="0" smtClean="0"/>
           </a:p>
           <a:p>
             <a:pPr marL="171450" indent="-171450">
@@ -1058,18 +1074,12 @@
           <a:p>
             <a:fld id="{7F23289A-29F9-AB45-8ADB-162B1E17C738}" type="slidenum">
               <a:rPr kumimoji="1" lang="zh-CN" altLang="en-US" smtClean="0"/>
-              <a:t>16</a:t>
             </a:fld>
             <a:endParaRPr kumimoji="1" lang="zh-CN" altLang="en-US"/>
           </a:p>
         </p:txBody>
       </p:sp>
     </p:spTree>
-    <p:extLst>
-      <p:ext uri="{BB962C8B-B14F-4D97-AF65-F5344CB8AC3E}">
-        <p14:creationId xmlns:p14="http://schemas.microsoft.com/office/powerpoint/2010/main" val="726066223"/>
-      </p:ext>
-    </p:extLst>
   </p:cSld>
   <p:clrMapOvr>
     <a:masterClrMapping/>
@@ -1142,18 +1152,12 @@
           <a:p>
             <a:fld id="{7F23289A-29F9-AB45-8ADB-162B1E17C738}" type="slidenum">
               <a:rPr kumimoji="1" lang="zh-CN" altLang="en-US" smtClean="0"/>
-              <a:t>28</a:t>
             </a:fld>
             <a:endParaRPr kumimoji="1" lang="zh-CN" altLang="en-US"/>
           </a:p>
         </p:txBody>
       </p:sp>
     </p:spTree>
-    <p:extLst>
-      <p:ext uri="{BB962C8B-B14F-4D97-AF65-F5344CB8AC3E}">
-        <p14:creationId xmlns:p14="http://schemas.microsoft.com/office/powerpoint/2010/main" val="2912068373"/>
-      </p:ext>
-    </p:extLst>
   </p:cSld>
   <p:clrMapOvr>
     <a:masterClrMapping/>
@@ -1229,6 +1233,7 @@
               <a:rPr kumimoji="1" lang="en-US" altLang="zh-CN" dirty="0" smtClean="0"/>
               <a:t>);</a:t>
             </a:r>
+            <a:endParaRPr kumimoji="1" lang="en-US" altLang="zh-CN" dirty="0" smtClean="0"/>
           </a:p>
           <a:p>
             <a:r>
@@ -1251,6 +1256,7 @@
               <a:rPr kumimoji="1" lang="zh-CN" altLang="en-US" dirty="0" smtClean="0"/>
               <a:t>默认是单聊</a:t>
             </a:r>
+            <a:endParaRPr kumimoji="1" lang="zh-CN" altLang="en-US" dirty="0" smtClean="0"/>
           </a:p>
           <a:p>
             <a:r>
@@ -1269,6 +1275,7 @@
               <a:rPr kumimoji="1" lang="en-US" altLang="zh-CN" dirty="0" smtClean="0"/>
               <a:t> == CHATTYPE_GROUP) {</a:t>
             </a:r>
+            <a:endParaRPr kumimoji="1" lang="en-US" altLang="zh-CN" dirty="0" smtClean="0"/>
           </a:p>
           <a:p>
             <a:r>
@@ -1291,6 +1298,7 @@
               <a:rPr kumimoji="1" lang="en-US" altLang="zh-CN" dirty="0" smtClean="0"/>
               <a:t>);</a:t>
             </a:r>
+            <a:endParaRPr kumimoji="1" lang="en-US" altLang="zh-CN" dirty="0" smtClean="0"/>
           </a:p>
           <a:p>
             <a:r>
@@ -1305,6 +1313,7 @@
               <a:rPr kumimoji="1" lang="en-US" altLang="zh-CN" dirty="0" smtClean="0"/>
               <a:t> == CHATTYPE_CHATROOM) {</a:t>
             </a:r>
+            <a:endParaRPr kumimoji="1" lang="en-US" altLang="zh-CN" dirty="0" smtClean="0"/>
           </a:p>
           <a:p>
             <a:r>
@@ -1327,12 +1336,14 @@
               <a:rPr kumimoji="1" lang="en-US" altLang="zh-CN" dirty="0" smtClean="0"/>
               <a:t>);</a:t>
             </a:r>
+            <a:endParaRPr kumimoji="1" lang="en-US" altLang="zh-CN" dirty="0" smtClean="0"/>
           </a:p>
           <a:p>
             <a:r>
               <a:rPr kumimoji="1" lang="en-US" altLang="zh-CN" dirty="0" smtClean="0"/>
               <a:t>            }</a:t>
             </a:r>
+            <a:endParaRPr kumimoji="1" lang="en-US" altLang="zh-CN" dirty="0" smtClean="0"/>
           </a:p>
           <a:p>
             <a:endParaRPr kumimoji="1" lang="en-US" altLang="zh-CN" dirty="0" smtClean="0"/>
@@ -1366,6 +1377,7 @@
               <a:rPr kumimoji="1" lang="en-US" altLang="zh-CN" dirty="0" smtClean="0"/>
               <a:t>(content);</a:t>
             </a:r>
+            <a:endParaRPr kumimoji="1" lang="en-US" altLang="zh-CN" dirty="0" smtClean="0"/>
           </a:p>
           <a:p>
             <a:r>
@@ -1380,6 +1392,7 @@
               <a:rPr kumimoji="1" lang="en-US" altLang="zh-CN" dirty="0" smtClean="0"/>
               <a:t>body</a:t>
             </a:r>
+            <a:endParaRPr kumimoji="1" lang="en-US" altLang="zh-CN" dirty="0" smtClean="0"/>
           </a:p>
           <a:p>
             <a:r>
@@ -1402,6 +1415,7 @@
               <a:rPr kumimoji="1" lang="en-US" altLang="zh-CN" dirty="0" smtClean="0"/>
               <a:t>);</a:t>
             </a:r>
+            <a:endParaRPr kumimoji="1" lang="en-US" altLang="zh-CN" dirty="0" smtClean="0"/>
           </a:p>
           <a:p>
             <a:r>
@@ -1455,12 +1469,14 @@
               <a:rPr kumimoji="1" lang="en-US" altLang="zh-CN" dirty="0" smtClean="0"/>
               <a:t>);</a:t>
             </a:r>
+            <a:endParaRPr kumimoji="1" lang="en-US" altLang="zh-CN" dirty="0" smtClean="0"/>
           </a:p>
           <a:p>
             <a:r>
               <a:rPr kumimoji="1" lang="en-US" altLang="zh-CN" dirty="0" smtClean="0"/>
               <a:t>            </a:t>
             </a:r>
+            <a:endParaRPr kumimoji="1" lang="en-US" altLang="zh-CN" dirty="0" smtClean="0"/>
           </a:p>
           <a:p>
             <a:r>
@@ -1471,6 +1487,7 @@
               <a:rPr kumimoji="1" lang="zh-CN" altLang="en-US" dirty="0" smtClean="0"/>
               <a:t>发送消息</a:t>
             </a:r>
+            <a:endParaRPr kumimoji="1" lang="zh-CN" altLang="en-US" dirty="0" smtClean="0"/>
           </a:p>
           <a:p>
             <a:r>
@@ -1501,6 +1518,7 @@
               <a:rPr kumimoji="1" lang="en-US" altLang="zh-CN" dirty="0" smtClean="0"/>
               <a:t>(message);</a:t>
             </a:r>
+            <a:endParaRPr kumimoji="1" lang="en-US" altLang="zh-CN" dirty="0" smtClean="0"/>
           </a:p>
           <a:p>
             <a:r>
@@ -1530,6 +1548,7 @@
               <a:rPr kumimoji="1" lang="en-US" altLang="zh-CN" dirty="0" smtClean="0"/>
               <a:t>();</a:t>
             </a:r>
+            <a:endParaRPr kumimoji="1" lang="en-US" altLang="zh-CN" dirty="0" smtClean="0"/>
           </a:p>
           <a:p>
             <a:r>
@@ -1544,6 +1563,7 @@
               <a:rPr kumimoji="1" lang="en-US" altLang="zh-CN" dirty="0" smtClean="0"/>
               <a:t>("");</a:t>
             </a:r>
+            <a:endParaRPr kumimoji="1" lang="en-US" altLang="zh-CN" dirty="0" smtClean="0"/>
           </a:p>
           <a:p>
             <a:endParaRPr kumimoji="1" lang="en-US" altLang="zh-CN" dirty="0" smtClean="0"/>
@@ -1582,18 +1602,12 @@
           <a:p>
             <a:fld id="{7F23289A-29F9-AB45-8ADB-162B1E17C738}" type="slidenum">
               <a:rPr kumimoji="1" lang="zh-CN" altLang="en-US" smtClean="0"/>
-              <a:t>29</a:t>
             </a:fld>
             <a:endParaRPr kumimoji="1" lang="zh-CN" altLang="en-US"/>
           </a:p>
         </p:txBody>
       </p:sp>
     </p:spTree>
-    <p:extLst>
-      <p:ext uri="{BB962C8B-B14F-4D97-AF65-F5344CB8AC3E}">
-        <p14:creationId xmlns:p14="http://schemas.microsoft.com/office/powerpoint/2010/main" val="556810800"/>
-      </p:ext>
-    </p:extLst>
   </p:cSld>
   <p:clrMapOvr>
     <a:masterClrMapping/>
@@ -1669,6 +1683,7 @@
               <a:rPr kumimoji="1" lang="en-US" altLang="zh-CN" dirty="0" smtClean="0"/>
               <a:t>() {</a:t>
             </a:r>
+            <a:endParaRPr kumimoji="1" lang="en-US" altLang="zh-CN" dirty="0" smtClean="0"/>
           </a:p>
           <a:p>
             <a:endParaRPr kumimoji="1" lang="en-US" altLang="zh-CN" dirty="0" smtClean="0"/>
@@ -1678,6 +1693,7 @@
               <a:rPr kumimoji="1" lang="en-US" altLang="zh-CN" dirty="0" smtClean="0"/>
               <a:t>        @Override</a:t>
             </a:r>
+            <a:endParaRPr kumimoji="1" lang="en-US" altLang="zh-CN" dirty="0" smtClean="0"/>
           </a:p>
           <a:p>
             <a:r>
@@ -1700,6 +1716,7 @@
               <a:rPr kumimoji="1" lang="en-US" altLang="zh-CN" dirty="0" smtClean="0"/>
               <a:t>&gt; messages) {</a:t>
             </a:r>
+            <a:endParaRPr kumimoji="1" lang="en-US" altLang="zh-CN" dirty="0" smtClean="0"/>
           </a:p>
           <a:p>
             <a:endParaRPr kumimoji="1" lang="en-US" altLang="zh-CN" dirty="0" smtClean="0"/>
@@ -1717,12 +1734,14 @@
               <a:rPr kumimoji="1" lang="en-US" altLang="zh-CN" dirty="0" smtClean="0"/>
               <a:t> message : messages) {</a:t>
             </a:r>
+            <a:endParaRPr kumimoji="1" lang="en-US" altLang="zh-CN" dirty="0" smtClean="0"/>
           </a:p>
           <a:p>
             <a:r>
               <a:rPr kumimoji="1" lang="en-US" altLang="zh-CN" dirty="0" smtClean="0"/>
               <a:t>                String username = null;</a:t>
             </a:r>
+            <a:endParaRPr kumimoji="1" lang="en-US" altLang="zh-CN" dirty="0" smtClean="0"/>
           </a:p>
           <a:p>
             <a:r>
@@ -1733,6 +1752,7 @@
               <a:rPr kumimoji="1" lang="zh-CN" altLang="en-US" dirty="0" smtClean="0"/>
               <a:t>群组消息</a:t>
             </a:r>
+            <a:endParaRPr kumimoji="1" lang="zh-CN" altLang="en-US" dirty="0" smtClean="0"/>
           </a:p>
           <a:p>
             <a:r>
@@ -1775,6 +1795,7 @@
               <a:rPr kumimoji="1" lang="en-US" altLang="zh-CN" dirty="0" smtClean="0"/>
               <a:t>) {</a:t>
             </a:r>
+            <a:endParaRPr kumimoji="1" lang="en-US" altLang="zh-CN" dirty="0" smtClean="0"/>
           </a:p>
           <a:p>
             <a:r>
@@ -1789,12 +1810,14 @@
               <a:rPr kumimoji="1" lang="en-US" altLang="zh-CN" dirty="0" smtClean="0"/>
               <a:t>();</a:t>
             </a:r>
+            <a:endParaRPr kumimoji="1" lang="en-US" altLang="zh-CN" dirty="0" smtClean="0"/>
           </a:p>
           <a:p>
             <a:r>
               <a:rPr kumimoji="1" lang="en-US" altLang="zh-CN" dirty="0" smtClean="0"/>
               <a:t>                } else {</a:t>
             </a:r>
+            <a:endParaRPr kumimoji="1" lang="en-US" altLang="zh-CN" dirty="0" smtClean="0"/>
           </a:p>
           <a:p>
             <a:r>
@@ -1805,6 +1828,7 @@
               <a:rPr kumimoji="1" lang="zh-CN" altLang="en-US" dirty="0" smtClean="0"/>
               <a:t>单聊消息</a:t>
             </a:r>
+            <a:endParaRPr kumimoji="1" lang="zh-CN" altLang="en-US" dirty="0" smtClean="0"/>
           </a:p>
           <a:p>
             <a:r>
@@ -1823,12 +1847,14 @@
               <a:rPr kumimoji="1" lang="en-US" altLang="zh-CN" dirty="0" smtClean="0"/>
               <a:t>();</a:t>
             </a:r>
+            <a:endParaRPr kumimoji="1" lang="en-US" altLang="zh-CN" dirty="0" smtClean="0"/>
           </a:p>
           <a:p>
             <a:r>
               <a:rPr kumimoji="1" lang="en-US" altLang="zh-CN" dirty="0" smtClean="0"/>
               <a:t>                }</a:t>
             </a:r>
+            <a:endParaRPr kumimoji="1" lang="en-US" altLang="zh-CN" dirty="0" smtClean="0"/>
           </a:p>
           <a:p>
             <a:endParaRPr kumimoji="1" lang="en-US" altLang="zh-CN" dirty="0" smtClean="0"/>
@@ -1842,6 +1868,7 @@
               <a:rPr kumimoji="1" lang="zh-CN" altLang="en-US" dirty="0" smtClean="0"/>
               <a:t>如果是当前会话的消息，刷新聊天页面</a:t>
             </a:r>
+            <a:endParaRPr kumimoji="1" lang="zh-CN" altLang="en-US" dirty="0" smtClean="0"/>
           </a:p>
           <a:p>
             <a:r>
@@ -1868,6 +1895,7 @@
               <a:rPr kumimoji="1" lang="en-US" altLang="zh-CN" dirty="0" smtClean="0"/>
               <a:t>())) {</a:t>
             </a:r>
+            <a:endParaRPr kumimoji="1" lang="en-US" altLang="zh-CN" dirty="0" smtClean="0"/>
           </a:p>
           <a:p>
             <a:r>
@@ -1882,6 +1910,7 @@
               <a:rPr kumimoji="1" lang="en-US" altLang="zh-CN" dirty="0" smtClean="0"/>
               <a:t>();</a:t>
             </a:r>
+            <a:endParaRPr kumimoji="1" lang="en-US" altLang="zh-CN" dirty="0" smtClean="0"/>
           </a:p>
           <a:p>
             <a:r>
@@ -1892,6 +1921,7 @@
               <a:rPr kumimoji="1" lang="zh-CN" altLang="en-US" dirty="0" smtClean="0"/>
               <a:t>声音和震动提示有新消息</a:t>
             </a:r>
+            <a:endParaRPr kumimoji="1" lang="zh-CN" altLang="en-US" dirty="0" smtClean="0"/>
           </a:p>
           <a:p>
             <a:r>
@@ -1922,12 +1952,14 @@
               <a:rPr kumimoji="1" lang="en-US" altLang="zh-CN" dirty="0" smtClean="0"/>
               <a:t>(message);</a:t>
             </a:r>
+            <a:endParaRPr kumimoji="1" lang="en-US" altLang="zh-CN" dirty="0" smtClean="0"/>
           </a:p>
           <a:p>
             <a:r>
               <a:rPr kumimoji="1" lang="en-US" altLang="zh-CN" dirty="0" smtClean="0"/>
               <a:t>                } else {</a:t>
             </a:r>
+            <a:endParaRPr kumimoji="1" lang="en-US" altLang="zh-CN" dirty="0" smtClean="0"/>
           </a:p>
           <a:p>
             <a:r>
@@ -1946,6 +1978,7 @@
               <a:rPr kumimoji="1" lang="zh-CN" altLang="en-US" dirty="0" smtClean="0"/>
               <a:t>的消息</a:t>
             </a:r>
+            <a:endParaRPr kumimoji="1" lang="zh-CN" altLang="en-US" dirty="0" smtClean="0"/>
           </a:p>
           <a:p>
             <a:r>
@@ -1976,24 +2009,28 @@
               <a:rPr kumimoji="1" lang="en-US" altLang="zh-CN" dirty="0" smtClean="0"/>
               <a:t>(message);</a:t>
             </a:r>
+            <a:endParaRPr kumimoji="1" lang="en-US" altLang="zh-CN" dirty="0" smtClean="0"/>
           </a:p>
           <a:p>
             <a:r>
               <a:rPr kumimoji="1" lang="en-US" altLang="zh-CN" dirty="0" smtClean="0"/>
               <a:t>                }</a:t>
             </a:r>
+            <a:endParaRPr kumimoji="1" lang="en-US" altLang="zh-CN" dirty="0" smtClean="0"/>
           </a:p>
           <a:p>
             <a:r>
               <a:rPr kumimoji="1" lang="en-US" altLang="zh-CN" dirty="0" smtClean="0"/>
               <a:t>            }</a:t>
             </a:r>
+            <a:endParaRPr kumimoji="1" lang="en-US" altLang="zh-CN" dirty="0" smtClean="0"/>
           </a:p>
           <a:p>
             <a:r>
               <a:rPr kumimoji="1" lang="en-US" altLang="zh-CN" dirty="0" smtClean="0"/>
               <a:t>        }</a:t>
             </a:r>
+            <a:endParaRPr kumimoji="1" lang="en-US" altLang="zh-CN" dirty="0" smtClean="0"/>
           </a:p>
           <a:p>
             <a:endParaRPr kumimoji="1" lang="en-US" altLang="zh-CN" dirty="0" smtClean="0"/>
@@ -2003,6 +2040,7 @@
               <a:rPr kumimoji="1" lang="en-US" altLang="zh-CN" dirty="0" smtClean="0"/>
               <a:t>        @Override</a:t>
             </a:r>
+            <a:endParaRPr kumimoji="1" lang="en-US" altLang="zh-CN" dirty="0" smtClean="0"/>
           </a:p>
           <a:p>
             <a:r>
@@ -2025,6 +2063,7 @@
               <a:rPr kumimoji="1" lang="en-US" altLang="zh-CN" dirty="0" smtClean="0"/>
               <a:t>&gt; messages) {</a:t>
             </a:r>
+            <a:endParaRPr kumimoji="1" lang="en-US" altLang="zh-CN" dirty="0" smtClean="0"/>
           </a:p>
           <a:p>
             <a:endParaRPr kumimoji="1" lang="en-US" altLang="zh-CN" dirty="0" smtClean="0"/>
@@ -2034,6 +2073,7 @@
               <a:rPr kumimoji="1" lang="en-US" altLang="zh-CN" dirty="0" smtClean="0"/>
               <a:t>        }</a:t>
             </a:r>
+            <a:endParaRPr kumimoji="1" lang="en-US" altLang="zh-CN" dirty="0" smtClean="0"/>
           </a:p>
           <a:p>
             <a:endParaRPr kumimoji="1" lang="en-US" altLang="zh-CN" dirty="0" smtClean="0"/>
@@ -2043,6 +2083,7 @@
               <a:rPr kumimoji="1" lang="en-US" altLang="zh-CN" dirty="0" smtClean="0"/>
               <a:t>        @Override</a:t>
             </a:r>
+            <a:endParaRPr kumimoji="1" lang="en-US" altLang="zh-CN" dirty="0" smtClean="0"/>
           </a:p>
           <a:p>
             <a:r>
@@ -2065,6 +2106,7 @@
               <a:rPr kumimoji="1" lang="en-US" altLang="zh-CN" dirty="0" smtClean="0"/>
               <a:t>&gt; messages) {</a:t>
             </a:r>
+            <a:endParaRPr kumimoji="1" lang="en-US" altLang="zh-CN" dirty="0" smtClean="0"/>
           </a:p>
           <a:p>
             <a:r>
@@ -2079,12 +2121,14 @@
               <a:rPr kumimoji="1" lang="en-US" altLang="zh-CN" dirty="0" smtClean="0"/>
               <a:t>();</a:t>
             </a:r>
+            <a:endParaRPr kumimoji="1" lang="en-US" altLang="zh-CN" dirty="0" smtClean="0"/>
           </a:p>
           <a:p>
             <a:r>
               <a:rPr kumimoji="1" lang="en-US" altLang="zh-CN" dirty="0" smtClean="0"/>
               <a:t>        }</a:t>
             </a:r>
+            <a:endParaRPr kumimoji="1" lang="en-US" altLang="zh-CN" dirty="0" smtClean="0"/>
           </a:p>
           <a:p>
             <a:endParaRPr kumimoji="1" lang="en-US" altLang="zh-CN" dirty="0" smtClean="0"/>
@@ -2094,6 +2138,7 @@
               <a:rPr kumimoji="1" lang="en-US" altLang="zh-CN" dirty="0" smtClean="0"/>
               <a:t>        @Override</a:t>
             </a:r>
+            <a:endParaRPr kumimoji="1" lang="en-US" altLang="zh-CN" dirty="0" smtClean="0"/>
           </a:p>
           <a:p>
             <a:r>
@@ -2116,6 +2161,7 @@
               <a:rPr kumimoji="1" lang="en-US" altLang="zh-CN" dirty="0" smtClean="0"/>
               <a:t>&gt; message) {</a:t>
             </a:r>
+            <a:endParaRPr kumimoji="1" lang="en-US" altLang="zh-CN" dirty="0" smtClean="0"/>
           </a:p>
           <a:p>
             <a:r>
@@ -2130,12 +2176,14 @@
               <a:rPr kumimoji="1" lang="en-US" altLang="zh-CN" dirty="0" smtClean="0"/>
               <a:t>();</a:t>
             </a:r>
+            <a:endParaRPr kumimoji="1" lang="en-US" altLang="zh-CN" dirty="0" smtClean="0"/>
           </a:p>
           <a:p>
             <a:r>
               <a:rPr kumimoji="1" lang="en-US" altLang="zh-CN" dirty="0" smtClean="0"/>
               <a:t>        }</a:t>
             </a:r>
+            <a:endParaRPr kumimoji="1" lang="en-US" altLang="zh-CN" dirty="0" smtClean="0"/>
           </a:p>
           <a:p>
             <a:endParaRPr kumimoji="1" lang="en-US" altLang="zh-CN" dirty="0" smtClean="0"/>
@@ -2145,6 +2193,7 @@
               <a:rPr kumimoji="1" lang="en-US" altLang="zh-CN" dirty="0" smtClean="0"/>
               <a:t>        @Override</a:t>
             </a:r>
+            <a:endParaRPr kumimoji="1" lang="en-US" altLang="zh-CN" dirty="0" smtClean="0"/>
           </a:p>
           <a:p>
             <a:r>
@@ -2167,6 +2216,7 @@
               <a:rPr kumimoji="1" lang="en-US" altLang="zh-CN" dirty="0" smtClean="0"/>
               <a:t> message, Object change) {</a:t>
             </a:r>
+            <a:endParaRPr kumimoji="1" lang="en-US" altLang="zh-CN" dirty="0" smtClean="0"/>
           </a:p>
           <a:p>
             <a:r>
@@ -2181,12 +2231,14 @@
               <a:rPr kumimoji="1" lang="en-US" altLang="zh-CN" dirty="0" smtClean="0"/>
               <a:t>();</a:t>
             </a:r>
+            <a:endParaRPr kumimoji="1" lang="en-US" altLang="zh-CN" dirty="0" smtClean="0"/>
           </a:p>
           <a:p>
             <a:r>
               <a:rPr kumimoji="1" lang="en-US" altLang="zh-CN" dirty="0" smtClean="0"/>
               <a:t>        }</a:t>
             </a:r>
+            <a:endParaRPr kumimoji="1" lang="en-US" altLang="zh-CN" dirty="0" smtClean="0"/>
           </a:p>
           <a:p>
             <a:r>
@@ -2217,18 +2269,12 @@
           <a:p>
             <a:fld id="{7F23289A-29F9-AB45-8ADB-162B1E17C738}" type="slidenum">
               <a:rPr kumimoji="1" lang="zh-CN" altLang="en-US" smtClean="0"/>
-              <a:t>30</a:t>
             </a:fld>
             <a:endParaRPr kumimoji="1" lang="zh-CN" altLang="en-US"/>
           </a:p>
         </p:txBody>
       </p:sp>
     </p:spTree>
-    <p:extLst>
-      <p:ext uri="{BB962C8B-B14F-4D97-AF65-F5344CB8AC3E}">
-        <p14:creationId xmlns:p14="http://schemas.microsoft.com/office/powerpoint/2010/main" val="50736518"/>
-      </p:ext>
-    </p:extLst>
   </p:cSld>
   <p:clrMapOvr>
     <a:masterClrMapping/>
@@ -2304,6 +2350,7 @@
               <a:rPr kumimoji="1" lang="en-US" altLang="zh-CN" dirty="0" smtClean="0"/>
               <a:t>() {</a:t>
             </a:r>
+            <a:endParaRPr kumimoji="1" lang="en-US" altLang="zh-CN" dirty="0" smtClean="0"/>
           </a:p>
           <a:p>
             <a:endParaRPr kumimoji="1" lang="en-US" altLang="zh-CN" dirty="0" smtClean="0"/>
@@ -2313,6 +2360,7 @@
               <a:rPr kumimoji="1" lang="en-US" altLang="zh-CN" dirty="0" smtClean="0"/>
               <a:t>        @Override</a:t>
             </a:r>
+            <a:endParaRPr kumimoji="1" lang="en-US" altLang="zh-CN" dirty="0" smtClean="0"/>
           </a:p>
           <a:p>
             <a:r>
@@ -2335,6 +2383,7 @@
               <a:rPr kumimoji="1" lang="en-US" altLang="zh-CN" dirty="0" smtClean="0"/>
               <a:t>&gt; messages) {</a:t>
             </a:r>
+            <a:endParaRPr kumimoji="1" lang="en-US" altLang="zh-CN" dirty="0" smtClean="0"/>
           </a:p>
           <a:p>
             <a:endParaRPr kumimoji="1" lang="en-US" altLang="zh-CN" dirty="0" smtClean="0"/>
@@ -2352,12 +2401,14 @@
               <a:rPr kumimoji="1" lang="en-US" altLang="zh-CN" dirty="0" smtClean="0"/>
               <a:t> message : messages) {</a:t>
             </a:r>
+            <a:endParaRPr kumimoji="1" lang="en-US" altLang="zh-CN" dirty="0" smtClean="0"/>
           </a:p>
           <a:p>
             <a:r>
               <a:rPr kumimoji="1" lang="en-US" altLang="zh-CN" dirty="0" smtClean="0"/>
               <a:t>                String username = null;</a:t>
             </a:r>
+            <a:endParaRPr kumimoji="1" lang="en-US" altLang="zh-CN" dirty="0" smtClean="0"/>
           </a:p>
           <a:p>
             <a:r>
@@ -2368,6 +2419,7 @@
               <a:rPr kumimoji="1" lang="zh-CN" altLang="en-US" dirty="0" smtClean="0"/>
               <a:t>群组消息</a:t>
             </a:r>
+            <a:endParaRPr kumimoji="1" lang="zh-CN" altLang="en-US" dirty="0" smtClean="0"/>
           </a:p>
           <a:p>
             <a:r>
@@ -2410,6 +2462,7 @@
               <a:rPr kumimoji="1" lang="en-US" altLang="zh-CN" dirty="0" smtClean="0"/>
               <a:t>) {</a:t>
             </a:r>
+            <a:endParaRPr kumimoji="1" lang="en-US" altLang="zh-CN" dirty="0" smtClean="0"/>
           </a:p>
           <a:p>
             <a:r>
@@ -2424,12 +2477,14 @@
               <a:rPr kumimoji="1" lang="en-US" altLang="zh-CN" dirty="0" smtClean="0"/>
               <a:t>();</a:t>
             </a:r>
+            <a:endParaRPr kumimoji="1" lang="en-US" altLang="zh-CN" dirty="0" smtClean="0"/>
           </a:p>
           <a:p>
             <a:r>
               <a:rPr kumimoji="1" lang="en-US" altLang="zh-CN" dirty="0" smtClean="0"/>
               <a:t>                } else {</a:t>
             </a:r>
+            <a:endParaRPr kumimoji="1" lang="en-US" altLang="zh-CN" dirty="0" smtClean="0"/>
           </a:p>
           <a:p>
             <a:r>
@@ -2440,6 +2495,7 @@
               <a:rPr kumimoji="1" lang="zh-CN" altLang="en-US" dirty="0" smtClean="0"/>
               <a:t>单聊消息</a:t>
             </a:r>
+            <a:endParaRPr kumimoji="1" lang="zh-CN" altLang="en-US" dirty="0" smtClean="0"/>
           </a:p>
           <a:p>
             <a:r>
@@ -2458,12 +2514,14 @@
               <a:rPr kumimoji="1" lang="en-US" altLang="zh-CN" dirty="0" smtClean="0"/>
               <a:t>();</a:t>
             </a:r>
+            <a:endParaRPr kumimoji="1" lang="en-US" altLang="zh-CN" dirty="0" smtClean="0"/>
           </a:p>
           <a:p>
             <a:r>
               <a:rPr kumimoji="1" lang="en-US" altLang="zh-CN" dirty="0" smtClean="0"/>
               <a:t>                }</a:t>
             </a:r>
+            <a:endParaRPr kumimoji="1" lang="en-US" altLang="zh-CN" dirty="0" smtClean="0"/>
           </a:p>
           <a:p>
             <a:endParaRPr kumimoji="1" lang="en-US" altLang="zh-CN" dirty="0" smtClean="0"/>
@@ -2477,6 +2535,7 @@
               <a:rPr kumimoji="1" lang="zh-CN" altLang="en-US" dirty="0" smtClean="0"/>
               <a:t>如果是当前会话的消息，刷新聊天页面</a:t>
             </a:r>
+            <a:endParaRPr kumimoji="1" lang="zh-CN" altLang="en-US" dirty="0" smtClean="0"/>
           </a:p>
           <a:p>
             <a:r>
@@ -2503,6 +2562,7 @@
               <a:rPr kumimoji="1" lang="en-US" altLang="zh-CN" dirty="0" smtClean="0"/>
               <a:t>())) {</a:t>
             </a:r>
+            <a:endParaRPr kumimoji="1" lang="en-US" altLang="zh-CN" dirty="0" smtClean="0"/>
           </a:p>
           <a:p>
             <a:r>
@@ -2517,6 +2577,7 @@
               <a:rPr kumimoji="1" lang="en-US" altLang="zh-CN" dirty="0" smtClean="0"/>
               <a:t>();</a:t>
             </a:r>
+            <a:endParaRPr kumimoji="1" lang="en-US" altLang="zh-CN" dirty="0" smtClean="0"/>
           </a:p>
           <a:p>
             <a:r>
@@ -2527,6 +2588,7 @@
               <a:rPr kumimoji="1" lang="zh-CN" altLang="en-US" dirty="0" smtClean="0"/>
               <a:t>声音和震动提示有新消息</a:t>
             </a:r>
+            <a:endParaRPr kumimoji="1" lang="zh-CN" altLang="en-US" dirty="0" smtClean="0"/>
           </a:p>
           <a:p>
             <a:r>
@@ -2557,12 +2619,14 @@
               <a:rPr kumimoji="1" lang="en-US" altLang="zh-CN" dirty="0" smtClean="0"/>
               <a:t>(message);</a:t>
             </a:r>
+            <a:endParaRPr kumimoji="1" lang="en-US" altLang="zh-CN" dirty="0" smtClean="0"/>
           </a:p>
           <a:p>
             <a:r>
               <a:rPr kumimoji="1" lang="en-US" altLang="zh-CN" dirty="0" smtClean="0"/>
               <a:t>                } else {</a:t>
             </a:r>
+            <a:endParaRPr kumimoji="1" lang="en-US" altLang="zh-CN" dirty="0" smtClean="0"/>
           </a:p>
           <a:p>
             <a:r>
@@ -2581,6 +2645,7 @@
               <a:rPr kumimoji="1" lang="zh-CN" altLang="en-US" dirty="0" smtClean="0"/>
               <a:t>的消息</a:t>
             </a:r>
+            <a:endParaRPr kumimoji="1" lang="zh-CN" altLang="en-US" dirty="0" smtClean="0"/>
           </a:p>
           <a:p>
             <a:r>
@@ -2611,24 +2676,28 @@
               <a:rPr kumimoji="1" lang="en-US" altLang="zh-CN" dirty="0" smtClean="0"/>
               <a:t>(message);</a:t>
             </a:r>
+            <a:endParaRPr kumimoji="1" lang="en-US" altLang="zh-CN" dirty="0" smtClean="0"/>
           </a:p>
           <a:p>
             <a:r>
               <a:rPr kumimoji="1" lang="en-US" altLang="zh-CN" dirty="0" smtClean="0"/>
               <a:t>                }</a:t>
             </a:r>
+            <a:endParaRPr kumimoji="1" lang="en-US" altLang="zh-CN" dirty="0" smtClean="0"/>
           </a:p>
           <a:p>
             <a:r>
               <a:rPr kumimoji="1" lang="en-US" altLang="zh-CN" dirty="0" smtClean="0"/>
               <a:t>            }</a:t>
             </a:r>
+            <a:endParaRPr kumimoji="1" lang="en-US" altLang="zh-CN" dirty="0" smtClean="0"/>
           </a:p>
           <a:p>
             <a:r>
               <a:rPr kumimoji="1" lang="en-US" altLang="zh-CN" dirty="0" smtClean="0"/>
               <a:t>        }</a:t>
             </a:r>
+            <a:endParaRPr kumimoji="1" lang="en-US" altLang="zh-CN" dirty="0" smtClean="0"/>
           </a:p>
           <a:p>
             <a:endParaRPr kumimoji="1" lang="en-US" altLang="zh-CN" dirty="0" smtClean="0"/>
@@ -2638,6 +2707,7 @@
               <a:rPr kumimoji="1" lang="en-US" altLang="zh-CN" dirty="0" smtClean="0"/>
               <a:t>        @Override</a:t>
             </a:r>
+            <a:endParaRPr kumimoji="1" lang="en-US" altLang="zh-CN" dirty="0" smtClean="0"/>
           </a:p>
           <a:p>
             <a:r>
@@ -2660,6 +2730,7 @@
               <a:rPr kumimoji="1" lang="en-US" altLang="zh-CN" dirty="0" smtClean="0"/>
               <a:t>&gt; messages) {</a:t>
             </a:r>
+            <a:endParaRPr kumimoji="1" lang="en-US" altLang="zh-CN" dirty="0" smtClean="0"/>
           </a:p>
           <a:p>
             <a:endParaRPr kumimoji="1" lang="en-US" altLang="zh-CN" dirty="0" smtClean="0"/>
@@ -2669,6 +2740,7 @@
               <a:rPr kumimoji="1" lang="en-US" altLang="zh-CN" dirty="0" smtClean="0"/>
               <a:t>        }</a:t>
             </a:r>
+            <a:endParaRPr kumimoji="1" lang="en-US" altLang="zh-CN" dirty="0" smtClean="0"/>
           </a:p>
           <a:p>
             <a:endParaRPr kumimoji="1" lang="en-US" altLang="zh-CN" dirty="0" smtClean="0"/>
@@ -2678,6 +2750,7 @@
               <a:rPr kumimoji="1" lang="en-US" altLang="zh-CN" dirty="0" smtClean="0"/>
               <a:t>        @Override</a:t>
             </a:r>
+            <a:endParaRPr kumimoji="1" lang="en-US" altLang="zh-CN" dirty="0" smtClean="0"/>
           </a:p>
           <a:p>
             <a:r>
@@ -2700,6 +2773,7 @@
               <a:rPr kumimoji="1" lang="en-US" altLang="zh-CN" dirty="0" smtClean="0"/>
               <a:t>&gt; messages) {</a:t>
             </a:r>
+            <a:endParaRPr kumimoji="1" lang="en-US" altLang="zh-CN" dirty="0" smtClean="0"/>
           </a:p>
           <a:p>
             <a:r>
@@ -2714,12 +2788,14 @@
               <a:rPr kumimoji="1" lang="en-US" altLang="zh-CN" dirty="0" smtClean="0"/>
               <a:t>();</a:t>
             </a:r>
+            <a:endParaRPr kumimoji="1" lang="en-US" altLang="zh-CN" dirty="0" smtClean="0"/>
           </a:p>
           <a:p>
             <a:r>
               <a:rPr kumimoji="1" lang="en-US" altLang="zh-CN" dirty="0" smtClean="0"/>
               <a:t>        }</a:t>
             </a:r>
+            <a:endParaRPr kumimoji="1" lang="en-US" altLang="zh-CN" dirty="0" smtClean="0"/>
           </a:p>
           <a:p>
             <a:endParaRPr kumimoji="1" lang="en-US" altLang="zh-CN" dirty="0" smtClean="0"/>
@@ -2729,6 +2805,7 @@
               <a:rPr kumimoji="1" lang="en-US" altLang="zh-CN" dirty="0" smtClean="0"/>
               <a:t>        @Override</a:t>
             </a:r>
+            <a:endParaRPr kumimoji="1" lang="en-US" altLang="zh-CN" dirty="0" smtClean="0"/>
           </a:p>
           <a:p>
             <a:r>
@@ -2751,6 +2828,7 @@
               <a:rPr kumimoji="1" lang="en-US" altLang="zh-CN" dirty="0" smtClean="0"/>
               <a:t>&gt; message) {</a:t>
             </a:r>
+            <a:endParaRPr kumimoji="1" lang="en-US" altLang="zh-CN" dirty="0" smtClean="0"/>
           </a:p>
           <a:p>
             <a:r>
@@ -2765,12 +2843,14 @@
               <a:rPr kumimoji="1" lang="en-US" altLang="zh-CN" dirty="0" smtClean="0"/>
               <a:t>();</a:t>
             </a:r>
+            <a:endParaRPr kumimoji="1" lang="en-US" altLang="zh-CN" dirty="0" smtClean="0"/>
           </a:p>
           <a:p>
             <a:r>
               <a:rPr kumimoji="1" lang="en-US" altLang="zh-CN" dirty="0" smtClean="0"/>
               <a:t>        }</a:t>
             </a:r>
+            <a:endParaRPr kumimoji="1" lang="en-US" altLang="zh-CN" dirty="0" smtClean="0"/>
           </a:p>
           <a:p>
             <a:endParaRPr kumimoji="1" lang="en-US" altLang="zh-CN" dirty="0" smtClean="0"/>
@@ -2780,6 +2860,7 @@
               <a:rPr kumimoji="1" lang="en-US" altLang="zh-CN" dirty="0" smtClean="0"/>
               <a:t>        @Override</a:t>
             </a:r>
+            <a:endParaRPr kumimoji="1" lang="en-US" altLang="zh-CN" dirty="0" smtClean="0"/>
           </a:p>
           <a:p>
             <a:r>
@@ -2802,6 +2883,7 @@
               <a:rPr kumimoji="1" lang="en-US" altLang="zh-CN" dirty="0" smtClean="0"/>
               <a:t> message, Object change) {</a:t>
             </a:r>
+            <a:endParaRPr kumimoji="1" lang="en-US" altLang="zh-CN" dirty="0" smtClean="0"/>
           </a:p>
           <a:p>
             <a:r>
@@ -2816,12 +2898,14 @@
               <a:rPr kumimoji="1" lang="en-US" altLang="zh-CN" dirty="0" smtClean="0"/>
               <a:t>();</a:t>
             </a:r>
+            <a:endParaRPr kumimoji="1" lang="en-US" altLang="zh-CN" dirty="0" smtClean="0"/>
           </a:p>
           <a:p>
             <a:r>
               <a:rPr kumimoji="1" lang="en-US" altLang="zh-CN" dirty="0" smtClean="0"/>
               <a:t>        }</a:t>
             </a:r>
+            <a:endParaRPr kumimoji="1" lang="en-US" altLang="zh-CN" dirty="0" smtClean="0"/>
           </a:p>
           <a:p>
             <a:r>
@@ -2849,18 +2933,12 @@
           <a:p>
             <a:fld id="{7F23289A-29F9-AB45-8ADB-162B1E17C738}" type="slidenum">
               <a:rPr kumimoji="1" lang="zh-CN" altLang="en-US" smtClean="0"/>
-              <a:t>31</a:t>
             </a:fld>
             <a:endParaRPr kumimoji="1" lang="zh-CN" altLang="en-US"/>
           </a:p>
         </p:txBody>
       </p:sp>
     </p:spTree>
-    <p:extLst>
-      <p:ext uri="{BB962C8B-B14F-4D97-AF65-F5344CB8AC3E}">
-        <p14:creationId xmlns:p14="http://schemas.microsoft.com/office/powerpoint/2010/main" val="1394995509"/>
-      </p:ext>
-    </p:extLst>
   </p:cSld>
   <p:clrMapOvr>
     <a:masterClrMapping/>
@@ -3049,7 +3127,6 @@
           <a:p>
             <a:fld id="{0FDBC1D3-98A0-1C40-80EF-9E683E079B39}" type="datetimeFigureOut">
               <a:rPr kumimoji="1" lang="zh-CN" altLang="en-US" smtClean="0"/>
-              <a:t>16/5/12</a:t>
             </a:fld>
             <a:endParaRPr kumimoji="1" lang="zh-CN" altLang="en-US"/>
           </a:p>
@@ -3091,18 +3168,12 @@
           <a:p>
             <a:fld id="{E26633BD-91A5-E24D-909E-95F295509A03}" type="slidenum">
               <a:rPr kumimoji="1" lang="zh-CN" altLang="en-US" smtClean="0"/>
-              <a:t>‹#›</a:t>
             </a:fld>
             <a:endParaRPr kumimoji="1" lang="zh-CN" altLang="en-US"/>
           </a:p>
         </p:txBody>
       </p:sp>
     </p:spTree>
-    <p:extLst>
-      <p:ext uri="{BB962C8B-B14F-4D97-AF65-F5344CB8AC3E}">
-        <p14:creationId xmlns:p14="http://schemas.microsoft.com/office/powerpoint/2010/main" val="3245542302"/>
-      </p:ext>
-    </p:extLst>
   </p:cSld>
   <p:clrMapOvr>
     <a:masterClrMapping/>
@@ -3170,6 +3241,7 @@
               <a:rPr kumimoji="1" lang="zh-CN" altLang="en-US" smtClean="0"/>
               <a:t>单击此处编辑母版文本样式</a:t>
             </a:r>
+            <a:endParaRPr kumimoji="1" lang="zh-CN" altLang="en-US" smtClean="0"/>
           </a:p>
           <a:p>
             <a:pPr lvl="1"/>
@@ -3177,6 +3249,7 @@
               <a:rPr kumimoji="1" lang="zh-CN" altLang="en-US" smtClean="0"/>
               <a:t>二级</a:t>
             </a:r>
+            <a:endParaRPr kumimoji="1" lang="zh-CN" altLang="en-US" smtClean="0"/>
           </a:p>
           <a:p>
             <a:pPr lvl="2"/>
@@ -3184,6 +3257,7 @@
               <a:rPr kumimoji="1" lang="zh-CN" altLang="en-US" smtClean="0"/>
               <a:t>三级</a:t>
             </a:r>
+            <a:endParaRPr kumimoji="1" lang="zh-CN" altLang="en-US" smtClean="0"/>
           </a:p>
           <a:p>
             <a:pPr lvl="3"/>
@@ -3191,6 +3265,7 @@
               <a:rPr kumimoji="1" lang="zh-CN" altLang="en-US" smtClean="0"/>
               <a:t>四级</a:t>
             </a:r>
+            <a:endParaRPr kumimoji="1" lang="zh-CN" altLang="en-US" smtClean="0"/>
           </a:p>
           <a:p>
             <a:pPr lvl="4"/>
@@ -3219,7 +3294,6 @@
           <a:p>
             <a:fld id="{0FDBC1D3-98A0-1C40-80EF-9E683E079B39}" type="datetimeFigureOut">
               <a:rPr kumimoji="1" lang="zh-CN" altLang="en-US" smtClean="0"/>
-              <a:t>16/5/12</a:t>
             </a:fld>
             <a:endParaRPr kumimoji="1" lang="zh-CN" altLang="en-US"/>
           </a:p>
@@ -3261,18 +3335,12 @@
           <a:p>
             <a:fld id="{E26633BD-91A5-E24D-909E-95F295509A03}" type="slidenum">
               <a:rPr kumimoji="1" lang="zh-CN" altLang="en-US" smtClean="0"/>
-              <a:t>‹#›</a:t>
             </a:fld>
             <a:endParaRPr kumimoji="1" lang="zh-CN" altLang="en-US"/>
           </a:p>
         </p:txBody>
       </p:sp>
     </p:spTree>
-    <p:extLst>
-      <p:ext uri="{BB962C8B-B14F-4D97-AF65-F5344CB8AC3E}">
-        <p14:creationId xmlns:p14="http://schemas.microsoft.com/office/powerpoint/2010/main" val="1270652288"/>
-      </p:ext>
-    </p:extLst>
   </p:cSld>
   <p:clrMapOvr>
     <a:masterClrMapping/>
@@ -3350,6 +3418,7 @@
               <a:rPr kumimoji="1" lang="zh-CN" altLang="en-US" smtClean="0"/>
               <a:t>单击此处编辑母版文本样式</a:t>
             </a:r>
+            <a:endParaRPr kumimoji="1" lang="zh-CN" altLang="en-US" smtClean="0"/>
           </a:p>
           <a:p>
             <a:pPr lvl="1"/>
@@ -3357,6 +3426,7 @@
               <a:rPr kumimoji="1" lang="zh-CN" altLang="en-US" smtClean="0"/>
               <a:t>二级</a:t>
             </a:r>
+            <a:endParaRPr kumimoji="1" lang="zh-CN" altLang="en-US" smtClean="0"/>
           </a:p>
           <a:p>
             <a:pPr lvl="2"/>
@@ -3364,6 +3434,7 @@
               <a:rPr kumimoji="1" lang="zh-CN" altLang="en-US" smtClean="0"/>
               <a:t>三级</a:t>
             </a:r>
+            <a:endParaRPr kumimoji="1" lang="zh-CN" altLang="en-US" smtClean="0"/>
           </a:p>
           <a:p>
             <a:pPr lvl="3"/>
@@ -3371,6 +3442,7 @@
               <a:rPr kumimoji="1" lang="zh-CN" altLang="en-US" smtClean="0"/>
               <a:t>四级</a:t>
             </a:r>
+            <a:endParaRPr kumimoji="1" lang="zh-CN" altLang="en-US" smtClean="0"/>
           </a:p>
           <a:p>
             <a:pPr lvl="4"/>
@@ -3399,7 +3471,6 @@
           <a:p>
             <a:fld id="{0FDBC1D3-98A0-1C40-80EF-9E683E079B39}" type="datetimeFigureOut">
               <a:rPr kumimoji="1" lang="zh-CN" altLang="en-US" smtClean="0"/>
-              <a:t>16/5/12</a:t>
             </a:fld>
             <a:endParaRPr kumimoji="1" lang="zh-CN" altLang="en-US"/>
           </a:p>
@@ -3441,18 +3512,12 @@
           <a:p>
             <a:fld id="{E26633BD-91A5-E24D-909E-95F295509A03}" type="slidenum">
               <a:rPr kumimoji="1" lang="zh-CN" altLang="en-US" smtClean="0"/>
-              <a:t>‹#›</a:t>
             </a:fld>
             <a:endParaRPr kumimoji="1" lang="zh-CN" altLang="en-US"/>
           </a:p>
         </p:txBody>
       </p:sp>
     </p:spTree>
-    <p:extLst>
-      <p:ext uri="{BB962C8B-B14F-4D97-AF65-F5344CB8AC3E}">
-        <p14:creationId xmlns:p14="http://schemas.microsoft.com/office/powerpoint/2010/main" val="2097009474"/>
-      </p:ext>
-    </p:extLst>
   </p:cSld>
   <p:clrMapOvr>
     <a:masterClrMapping/>
@@ -3520,6 +3585,7 @@
               <a:rPr kumimoji="1" lang="zh-CN" altLang="en-US" smtClean="0"/>
               <a:t>单击此处编辑母版文本样式</a:t>
             </a:r>
+            <a:endParaRPr kumimoji="1" lang="zh-CN" altLang="en-US" smtClean="0"/>
           </a:p>
           <a:p>
             <a:pPr lvl="1"/>
@@ -3527,6 +3593,7 @@
               <a:rPr kumimoji="1" lang="zh-CN" altLang="en-US" smtClean="0"/>
               <a:t>二级</a:t>
             </a:r>
+            <a:endParaRPr kumimoji="1" lang="zh-CN" altLang="en-US" smtClean="0"/>
           </a:p>
           <a:p>
             <a:pPr lvl="2"/>
@@ -3534,6 +3601,7 @@
               <a:rPr kumimoji="1" lang="zh-CN" altLang="en-US" smtClean="0"/>
               <a:t>三级</a:t>
             </a:r>
+            <a:endParaRPr kumimoji="1" lang="zh-CN" altLang="en-US" smtClean="0"/>
           </a:p>
           <a:p>
             <a:pPr lvl="3"/>
@@ -3541,6 +3609,7 @@
               <a:rPr kumimoji="1" lang="zh-CN" altLang="en-US" smtClean="0"/>
               <a:t>四级</a:t>
             </a:r>
+            <a:endParaRPr kumimoji="1" lang="zh-CN" altLang="en-US" smtClean="0"/>
           </a:p>
           <a:p>
             <a:pPr lvl="4"/>
@@ -3569,7 +3638,6 @@
           <a:p>
             <a:fld id="{0FDBC1D3-98A0-1C40-80EF-9E683E079B39}" type="datetimeFigureOut">
               <a:rPr kumimoji="1" lang="zh-CN" altLang="en-US" smtClean="0"/>
-              <a:t>16/5/12</a:t>
             </a:fld>
             <a:endParaRPr kumimoji="1" lang="zh-CN" altLang="en-US"/>
           </a:p>
@@ -3611,18 +3679,12 @@
           <a:p>
             <a:fld id="{E26633BD-91A5-E24D-909E-95F295509A03}" type="slidenum">
               <a:rPr kumimoji="1" lang="zh-CN" altLang="en-US" smtClean="0"/>
-              <a:t>‹#›</a:t>
             </a:fld>
             <a:endParaRPr kumimoji="1" lang="zh-CN" altLang="en-US"/>
           </a:p>
         </p:txBody>
       </p:sp>
     </p:spTree>
-    <p:extLst>
-      <p:ext uri="{BB962C8B-B14F-4D97-AF65-F5344CB8AC3E}">
-        <p14:creationId xmlns:p14="http://schemas.microsoft.com/office/powerpoint/2010/main" val="1388031537"/>
-      </p:ext>
-    </p:extLst>
   </p:cSld>
   <p:clrMapOvr>
     <a:masterClrMapping/>
@@ -3795,6 +3857,7 @@
               <a:rPr kumimoji="1" lang="zh-CN" altLang="en-US" smtClean="0"/>
               <a:t>单击此处编辑母版文本样式</a:t>
             </a:r>
+            <a:endParaRPr kumimoji="1" lang="zh-CN" altLang="en-US" smtClean="0"/>
           </a:p>
         </p:txBody>
       </p:sp>
@@ -3815,7 +3878,6 @@
           <a:p>
             <a:fld id="{0FDBC1D3-98A0-1C40-80EF-9E683E079B39}" type="datetimeFigureOut">
               <a:rPr kumimoji="1" lang="zh-CN" altLang="en-US" smtClean="0"/>
-              <a:t>16/5/12</a:t>
             </a:fld>
             <a:endParaRPr kumimoji="1" lang="zh-CN" altLang="en-US"/>
           </a:p>
@@ -3857,18 +3919,12 @@
           <a:p>
             <a:fld id="{E26633BD-91A5-E24D-909E-95F295509A03}" type="slidenum">
               <a:rPr kumimoji="1" lang="zh-CN" altLang="en-US" smtClean="0"/>
-              <a:t>‹#›</a:t>
             </a:fld>
             <a:endParaRPr kumimoji="1" lang="zh-CN" altLang="en-US"/>
           </a:p>
         </p:txBody>
       </p:sp>
     </p:spTree>
-    <p:extLst>
-      <p:ext uri="{BB962C8B-B14F-4D97-AF65-F5344CB8AC3E}">
-        <p14:creationId xmlns:p14="http://schemas.microsoft.com/office/powerpoint/2010/main" val="2246552756"/>
-      </p:ext>
-    </p:extLst>
   </p:cSld>
   <p:clrMapOvr>
     <a:masterClrMapping/>
@@ -3969,6 +4025,7 @@
               <a:rPr kumimoji="1" lang="zh-CN" altLang="en-US" smtClean="0"/>
               <a:t>单击此处编辑母版文本样式</a:t>
             </a:r>
+            <a:endParaRPr kumimoji="1" lang="zh-CN" altLang="en-US" smtClean="0"/>
           </a:p>
           <a:p>
             <a:pPr lvl="1"/>
@@ -3976,6 +4033,7 @@
               <a:rPr kumimoji="1" lang="zh-CN" altLang="en-US" smtClean="0"/>
               <a:t>二级</a:t>
             </a:r>
+            <a:endParaRPr kumimoji="1" lang="zh-CN" altLang="en-US" smtClean="0"/>
           </a:p>
           <a:p>
             <a:pPr lvl="2"/>
@@ -3983,6 +4041,7 @@
               <a:rPr kumimoji="1" lang="zh-CN" altLang="en-US" smtClean="0"/>
               <a:t>三级</a:t>
             </a:r>
+            <a:endParaRPr kumimoji="1" lang="zh-CN" altLang="en-US" smtClean="0"/>
           </a:p>
           <a:p>
             <a:pPr lvl="3"/>
@@ -3990,6 +4049,7 @@
               <a:rPr kumimoji="1" lang="zh-CN" altLang="en-US" smtClean="0"/>
               <a:t>四级</a:t>
             </a:r>
+            <a:endParaRPr kumimoji="1" lang="zh-CN" altLang="en-US" smtClean="0"/>
           </a:p>
           <a:p>
             <a:pPr lvl="4"/>
@@ -4054,6 +4114,7 @@
               <a:rPr kumimoji="1" lang="zh-CN" altLang="en-US" smtClean="0"/>
               <a:t>单击此处编辑母版文本样式</a:t>
             </a:r>
+            <a:endParaRPr kumimoji="1" lang="zh-CN" altLang="en-US" smtClean="0"/>
           </a:p>
           <a:p>
             <a:pPr lvl="1"/>
@@ -4061,6 +4122,7 @@
               <a:rPr kumimoji="1" lang="zh-CN" altLang="en-US" smtClean="0"/>
               <a:t>二级</a:t>
             </a:r>
+            <a:endParaRPr kumimoji="1" lang="zh-CN" altLang="en-US" smtClean="0"/>
           </a:p>
           <a:p>
             <a:pPr lvl="2"/>
@@ -4068,6 +4130,7 @@
               <a:rPr kumimoji="1" lang="zh-CN" altLang="en-US" smtClean="0"/>
               <a:t>三级</a:t>
             </a:r>
+            <a:endParaRPr kumimoji="1" lang="zh-CN" altLang="en-US" smtClean="0"/>
           </a:p>
           <a:p>
             <a:pPr lvl="3"/>
@@ -4075,6 +4138,7 @@
               <a:rPr kumimoji="1" lang="zh-CN" altLang="en-US" smtClean="0"/>
               <a:t>四级</a:t>
             </a:r>
+            <a:endParaRPr kumimoji="1" lang="zh-CN" altLang="en-US" smtClean="0"/>
           </a:p>
           <a:p>
             <a:pPr lvl="4"/>
@@ -4103,7 +4167,6 @@
           <a:p>
             <a:fld id="{0FDBC1D3-98A0-1C40-80EF-9E683E079B39}" type="datetimeFigureOut">
               <a:rPr kumimoji="1" lang="zh-CN" altLang="en-US" smtClean="0"/>
-              <a:t>16/5/12</a:t>
             </a:fld>
             <a:endParaRPr kumimoji="1" lang="zh-CN" altLang="en-US"/>
           </a:p>
@@ -4145,18 +4208,12 @@
           <a:p>
             <a:fld id="{E26633BD-91A5-E24D-909E-95F295509A03}" type="slidenum">
               <a:rPr kumimoji="1" lang="zh-CN" altLang="en-US" smtClean="0"/>
-              <a:t>‹#›</a:t>
             </a:fld>
             <a:endParaRPr kumimoji="1" lang="zh-CN" altLang="en-US"/>
           </a:p>
         </p:txBody>
       </p:sp>
     </p:spTree>
-    <p:extLst>
-      <p:ext uri="{BB962C8B-B14F-4D97-AF65-F5344CB8AC3E}">
-        <p14:creationId xmlns:p14="http://schemas.microsoft.com/office/powerpoint/2010/main" val="2446059088"/>
-      </p:ext>
-    </p:extLst>
   </p:cSld>
   <p:clrMapOvr>
     <a:masterClrMapping/>
@@ -4270,6 +4327,7 @@
               <a:rPr kumimoji="1" lang="zh-CN" altLang="en-US" smtClean="0"/>
               <a:t>单击此处编辑母版文本样式</a:t>
             </a:r>
+            <a:endParaRPr kumimoji="1" lang="zh-CN" altLang="en-US" smtClean="0"/>
           </a:p>
         </p:txBody>
       </p:sp>
@@ -4326,6 +4384,7 @@
               <a:rPr kumimoji="1" lang="zh-CN" altLang="en-US" smtClean="0"/>
               <a:t>单击此处编辑母版文本样式</a:t>
             </a:r>
+            <a:endParaRPr kumimoji="1" lang="zh-CN" altLang="en-US" smtClean="0"/>
           </a:p>
           <a:p>
             <a:pPr lvl="1"/>
@@ -4333,6 +4392,7 @@
               <a:rPr kumimoji="1" lang="zh-CN" altLang="en-US" smtClean="0"/>
               <a:t>二级</a:t>
             </a:r>
+            <a:endParaRPr kumimoji="1" lang="zh-CN" altLang="en-US" smtClean="0"/>
           </a:p>
           <a:p>
             <a:pPr lvl="2"/>
@@ -4340,6 +4400,7 @@
               <a:rPr kumimoji="1" lang="zh-CN" altLang="en-US" smtClean="0"/>
               <a:t>三级</a:t>
             </a:r>
+            <a:endParaRPr kumimoji="1" lang="zh-CN" altLang="en-US" smtClean="0"/>
           </a:p>
           <a:p>
             <a:pPr lvl="3"/>
@@ -4347,6 +4408,7 @@
               <a:rPr kumimoji="1" lang="zh-CN" altLang="en-US" smtClean="0"/>
               <a:t>四级</a:t>
             </a:r>
+            <a:endParaRPr kumimoji="1" lang="zh-CN" altLang="en-US" smtClean="0"/>
           </a:p>
           <a:p>
             <a:pPr lvl="4"/>
@@ -4420,6 +4482,7 @@
               <a:rPr kumimoji="1" lang="zh-CN" altLang="en-US" smtClean="0"/>
               <a:t>单击此处编辑母版文本样式</a:t>
             </a:r>
+            <a:endParaRPr kumimoji="1" lang="zh-CN" altLang="en-US" smtClean="0"/>
           </a:p>
         </p:txBody>
       </p:sp>
@@ -4476,6 +4539,7 @@
               <a:rPr kumimoji="1" lang="zh-CN" altLang="en-US" smtClean="0"/>
               <a:t>单击此处编辑母版文本样式</a:t>
             </a:r>
+            <a:endParaRPr kumimoji="1" lang="zh-CN" altLang="en-US" smtClean="0"/>
           </a:p>
           <a:p>
             <a:pPr lvl="1"/>
@@ -4483,6 +4547,7 @@
               <a:rPr kumimoji="1" lang="zh-CN" altLang="en-US" smtClean="0"/>
               <a:t>二级</a:t>
             </a:r>
+            <a:endParaRPr kumimoji="1" lang="zh-CN" altLang="en-US" smtClean="0"/>
           </a:p>
           <a:p>
             <a:pPr lvl="2"/>
@@ -4490,6 +4555,7 @@
               <a:rPr kumimoji="1" lang="zh-CN" altLang="en-US" smtClean="0"/>
               <a:t>三级</a:t>
             </a:r>
+            <a:endParaRPr kumimoji="1" lang="zh-CN" altLang="en-US" smtClean="0"/>
           </a:p>
           <a:p>
             <a:pPr lvl="3"/>
@@ -4497,6 +4563,7 @@
               <a:rPr kumimoji="1" lang="zh-CN" altLang="en-US" smtClean="0"/>
               <a:t>四级</a:t>
             </a:r>
+            <a:endParaRPr kumimoji="1" lang="zh-CN" altLang="en-US" smtClean="0"/>
           </a:p>
           <a:p>
             <a:pPr lvl="4"/>
@@ -4525,7 +4592,6 @@
           <a:p>
             <a:fld id="{0FDBC1D3-98A0-1C40-80EF-9E683E079B39}" type="datetimeFigureOut">
               <a:rPr kumimoji="1" lang="zh-CN" altLang="en-US" smtClean="0"/>
-              <a:t>16/5/12</a:t>
             </a:fld>
             <a:endParaRPr kumimoji="1" lang="zh-CN" altLang="en-US"/>
           </a:p>
@@ -4567,18 +4633,12 @@
           <a:p>
             <a:fld id="{E26633BD-91A5-E24D-909E-95F295509A03}" type="slidenum">
               <a:rPr kumimoji="1" lang="zh-CN" altLang="en-US" smtClean="0"/>
-              <a:t>‹#›</a:t>
             </a:fld>
             <a:endParaRPr kumimoji="1" lang="zh-CN" altLang="en-US"/>
           </a:p>
         </p:txBody>
       </p:sp>
     </p:spTree>
-    <p:extLst>
-      <p:ext uri="{BB962C8B-B14F-4D97-AF65-F5344CB8AC3E}">
-        <p14:creationId xmlns:p14="http://schemas.microsoft.com/office/powerpoint/2010/main" val="2017623995"/>
-      </p:ext>
-    </p:extLst>
   </p:cSld>
   <p:clrMapOvr>
     <a:masterClrMapping/>
@@ -4643,7 +4703,6 @@
           <a:p>
             <a:fld id="{0FDBC1D3-98A0-1C40-80EF-9E683E079B39}" type="datetimeFigureOut">
               <a:rPr kumimoji="1" lang="zh-CN" altLang="en-US" smtClean="0"/>
-              <a:t>16/5/12</a:t>
             </a:fld>
             <a:endParaRPr kumimoji="1" lang="zh-CN" altLang="en-US"/>
           </a:p>
@@ -4685,18 +4744,12 @@
           <a:p>
             <a:fld id="{E26633BD-91A5-E24D-909E-95F295509A03}" type="slidenum">
               <a:rPr kumimoji="1" lang="zh-CN" altLang="en-US" smtClean="0"/>
-              <a:t>‹#›</a:t>
             </a:fld>
             <a:endParaRPr kumimoji="1" lang="zh-CN" altLang="en-US"/>
           </a:p>
         </p:txBody>
       </p:sp>
     </p:spTree>
-    <p:extLst>
-      <p:ext uri="{BB962C8B-B14F-4D97-AF65-F5344CB8AC3E}">
-        <p14:creationId xmlns:p14="http://schemas.microsoft.com/office/powerpoint/2010/main" val="3346412152"/>
-      </p:ext>
-    </p:extLst>
   </p:cSld>
   <p:clrMapOvr>
     <a:masterClrMapping/>
@@ -4738,7 +4791,6 @@
           <a:p>
             <a:fld id="{0FDBC1D3-98A0-1C40-80EF-9E683E079B39}" type="datetimeFigureOut">
               <a:rPr kumimoji="1" lang="zh-CN" altLang="en-US" smtClean="0"/>
-              <a:t>16/5/12</a:t>
             </a:fld>
             <a:endParaRPr kumimoji="1" lang="zh-CN" altLang="en-US"/>
           </a:p>
@@ -4780,18 +4832,12 @@
           <a:p>
             <a:fld id="{E26633BD-91A5-E24D-909E-95F295509A03}" type="slidenum">
               <a:rPr kumimoji="1" lang="zh-CN" altLang="en-US" smtClean="0"/>
-              <a:t>‹#›</a:t>
             </a:fld>
             <a:endParaRPr kumimoji="1" lang="zh-CN" altLang="en-US"/>
           </a:p>
         </p:txBody>
       </p:sp>
     </p:spTree>
-    <p:extLst>
-      <p:ext uri="{BB962C8B-B14F-4D97-AF65-F5344CB8AC3E}">
-        <p14:creationId xmlns:p14="http://schemas.microsoft.com/office/powerpoint/2010/main" val="3974325936"/>
-      </p:ext>
-    </p:extLst>
   </p:cSld>
   <p:clrMapOvr>
     <a:masterClrMapping/>
@@ -4901,6 +4947,7 @@
               <a:rPr kumimoji="1" lang="zh-CN" altLang="en-US" smtClean="0"/>
               <a:t>单击此处编辑母版文本样式</a:t>
             </a:r>
+            <a:endParaRPr kumimoji="1" lang="zh-CN" altLang="en-US" smtClean="0"/>
           </a:p>
           <a:p>
             <a:pPr lvl="1"/>
@@ -4908,6 +4955,7 @@
               <a:rPr kumimoji="1" lang="zh-CN" altLang="en-US" smtClean="0"/>
               <a:t>二级</a:t>
             </a:r>
+            <a:endParaRPr kumimoji="1" lang="zh-CN" altLang="en-US" smtClean="0"/>
           </a:p>
           <a:p>
             <a:pPr lvl="2"/>
@@ -4915,6 +4963,7 @@
               <a:rPr kumimoji="1" lang="zh-CN" altLang="en-US" smtClean="0"/>
               <a:t>三级</a:t>
             </a:r>
+            <a:endParaRPr kumimoji="1" lang="zh-CN" altLang="en-US" smtClean="0"/>
           </a:p>
           <a:p>
             <a:pPr lvl="3"/>
@@ -4922,6 +4971,7 @@
               <a:rPr kumimoji="1" lang="zh-CN" altLang="en-US" smtClean="0"/>
               <a:t>四级</a:t>
             </a:r>
+            <a:endParaRPr kumimoji="1" lang="zh-CN" altLang="en-US" smtClean="0"/>
           </a:p>
           <a:p>
             <a:pPr lvl="4"/>
@@ -4995,6 +5045,7 @@
               <a:rPr kumimoji="1" lang="zh-CN" altLang="en-US" smtClean="0"/>
               <a:t>单击此处编辑母版文本样式</a:t>
             </a:r>
+            <a:endParaRPr kumimoji="1" lang="zh-CN" altLang="en-US" smtClean="0"/>
           </a:p>
         </p:txBody>
       </p:sp>
@@ -5015,7 +5066,6 @@
           <a:p>
             <a:fld id="{0FDBC1D3-98A0-1C40-80EF-9E683E079B39}" type="datetimeFigureOut">
               <a:rPr kumimoji="1" lang="zh-CN" altLang="en-US" smtClean="0"/>
-              <a:t>16/5/12</a:t>
             </a:fld>
             <a:endParaRPr kumimoji="1" lang="zh-CN" altLang="en-US"/>
           </a:p>
@@ -5057,18 +5107,12 @@
           <a:p>
             <a:fld id="{E26633BD-91A5-E24D-909E-95F295509A03}" type="slidenum">
               <a:rPr kumimoji="1" lang="zh-CN" altLang="en-US" smtClean="0"/>
-              <a:t>‹#›</a:t>
             </a:fld>
             <a:endParaRPr kumimoji="1" lang="zh-CN" altLang="en-US"/>
           </a:p>
         </p:txBody>
       </p:sp>
     </p:spTree>
-    <p:extLst>
-      <p:ext uri="{BB962C8B-B14F-4D97-AF65-F5344CB8AC3E}">
-        <p14:creationId xmlns:p14="http://schemas.microsoft.com/office/powerpoint/2010/main" val="3645970956"/>
-      </p:ext>
-    </p:extLst>
   </p:cSld>
   <p:clrMapOvr>
     <a:masterClrMapping/>
@@ -5248,6 +5292,7 @@
               <a:rPr kumimoji="1" lang="zh-CN" altLang="en-US" smtClean="0"/>
               <a:t>单击此处编辑母版文本样式</a:t>
             </a:r>
+            <a:endParaRPr kumimoji="1" lang="zh-CN" altLang="en-US" smtClean="0"/>
           </a:p>
         </p:txBody>
       </p:sp>
@@ -5268,7 +5313,6 @@
           <a:p>
             <a:fld id="{0FDBC1D3-98A0-1C40-80EF-9E683E079B39}" type="datetimeFigureOut">
               <a:rPr kumimoji="1" lang="zh-CN" altLang="en-US" smtClean="0"/>
-              <a:t>16/5/12</a:t>
             </a:fld>
             <a:endParaRPr kumimoji="1" lang="zh-CN" altLang="en-US"/>
           </a:p>
@@ -5310,18 +5354,12 @@
           <a:p>
             <a:fld id="{E26633BD-91A5-E24D-909E-95F295509A03}" type="slidenum">
               <a:rPr kumimoji="1" lang="zh-CN" altLang="en-US" smtClean="0"/>
-              <a:t>‹#›</a:t>
             </a:fld>
             <a:endParaRPr kumimoji="1" lang="zh-CN" altLang="en-US"/>
           </a:p>
         </p:txBody>
       </p:sp>
     </p:spTree>
-    <p:extLst>
-      <p:ext uri="{BB962C8B-B14F-4D97-AF65-F5344CB8AC3E}">
-        <p14:creationId xmlns:p14="http://schemas.microsoft.com/office/powerpoint/2010/main" val="3151461191"/>
-      </p:ext>
-    </p:extLst>
   </p:cSld>
   <p:clrMapOvr>
     <a:masterClrMapping/>
@@ -5414,6 +5452,7 @@
               <a:rPr kumimoji="1" lang="zh-CN" altLang="en-US" smtClean="0"/>
               <a:t>单击此处编辑母版文本样式</a:t>
             </a:r>
+            <a:endParaRPr kumimoji="1" lang="zh-CN" altLang="en-US" smtClean="0"/>
           </a:p>
           <a:p>
             <a:pPr lvl="1"/>
@@ -5421,6 +5460,7 @@
               <a:rPr kumimoji="1" lang="zh-CN" altLang="en-US" smtClean="0"/>
               <a:t>二级</a:t>
             </a:r>
+            <a:endParaRPr kumimoji="1" lang="zh-CN" altLang="en-US" smtClean="0"/>
           </a:p>
           <a:p>
             <a:pPr lvl="2"/>
@@ -5428,6 +5468,7 @@
               <a:rPr kumimoji="1" lang="zh-CN" altLang="en-US" smtClean="0"/>
               <a:t>三级</a:t>
             </a:r>
+            <a:endParaRPr kumimoji="1" lang="zh-CN" altLang="en-US" smtClean="0"/>
           </a:p>
           <a:p>
             <a:pPr lvl="3"/>
@@ -5435,6 +5476,7 @@
               <a:rPr kumimoji="1" lang="zh-CN" altLang="en-US" smtClean="0"/>
               <a:t>四级</a:t>
             </a:r>
+            <a:endParaRPr kumimoji="1" lang="zh-CN" altLang="en-US" smtClean="0"/>
           </a:p>
           <a:p>
             <a:pPr lvl="4"/>
@@ -5481,7 +5523,6 @@
           <a:p>
             <a:fld id="{0FDBC1D3-98A0-1C40-80EF-9E683E079B39}" type="datetimeFigureOut">
               <a:rPr kumimoji="1" lang="zh-CN" altLang="en-US" smtClean="0"/>
-              <a:t>16/5/12</a:t>
             </a:fld>
             <a:endParaRPr kumimoji="1" lang="zh-CN" altLang="en-US"/>
           </a:p>
@@ -5559,18 +5600,12 @@
           <a:p>
             <a:fld id="{E26633BD-91A5-E24D-909E-95F295509A03}" type="slidenum">
               <a:rPr kumimoji="1" lang="zh-CN" altLang="en-US" smtClean="0"/>
-              <a:t>‹#›</a:t>
             </a:fld>
             <a:endParaRPr kumimoji="1" lang="zh-CN" altLang="en-US"/>
           </a:p>
         </p:txBody>
       </p:sp>
     </p:spTree>
-    <p:extLst>
-      <p:ext uri="{BB962C8B-B14F-4D97-AF65-F5344CB8AC3E}">
-        <p14:creationId xmlns:p14="http://schemas.microsoft.com/office/powerpoint/2010/main" val="3072424545"/>
-      </p:ext>
-    </p:extLst>
   </p:cSld>
   <p:clrMap bg1="dk1" tx1="lt1" bg2="dk2" tx2="lt2" accent1="accent1" accent2="accent2" accent3="accent3" accent4="accent4" accent5="accent5" accent6="accent6" hlink="hlink" folHlink="folHlink"/>
   <p:sldLayoutIdLst>
@@ -5911,11 +5946,6 @@
         </p:txBody>
       </p:sp>
     </p:spTree>
-    <p:extLst>
-      <p:ext uri="{BB962C8B-B14F-4D97-AF65-F5344CB8AC3E}">
-        <p14:creationId xmlns:p14="http://schemas.microsoft.com/office/powerpoint/2010/main" val="2520185620"/>
-      </p:ext>
-    </p:extLst>
   </p:cSld>
   <p:clrMapOvr>
     <a:masterClrMapping/>
@@ -5923,7 +5953,7 @@
   <p:timing>
     <p:tnLst>
       <p:par>
-        <p:cTn xmlns:p14="http://schemas.microsoft.com/office/powerpoint/2010/main" id="1" dur="indefinite" restart="never" nodeType="tmRoot"/>
+        <p:cTn id="1" dur="indefinite" restart="never" nodeType="tmRoot"/>
       </p:par>
     </p:tnLst>
   </p:timing>
@@ -5939,14 +5969,7 @@
         <p:cNvGrpSpPr/>
         <p:nvPr/>
       </p:nvGrpSpPr>
-      <p:grpSpPr>
-        <a:xfrm>
-          <a:off x="0" y="0"/>
-          <a:ext cx="0" cy="0"/>
-          <a:chOff x="0" y="0"/>
-          <a:chExt cx="0" cy="0"/>
-        </a:xfrm>
-      </p:grpSpPr>
+      <p:grpSpPr/>
       <p:sp>
         <p:nvSpPr>
           <p:cNvPr id="2" name="标题 1"/>
@@ -5960,13 +5983,16 @@
         <p:spPr/>
         <p:txBody>
           <a:bodyPr/>
-          <a:lstStyle/>
-          <a:p>
-            <a:r>
-              <a:rPr kumimoji="1" lang="en-US" altLang="zh-CN" dirty="0" err="1" smtClean="0"/>
-              <a:t>EMContactManager</a:t>
-            </a:r>
-            <a:endParaRPr kumimoji="1" lang="zh-CN" altLang="en-US" dirty="0"/>
+          <a:p>
+            <a:r>
+              <a:rPr lang="zh-CN" altLang="en-US"/>
+              <a:t>开屏</a:t>
+            </a:r>
+            <a:r>
+              <a:rPr lang="zh-CN" altLang="en-US"/>
+              <a:t>页面</a:t>
+            </a:r>
+            <a:endParaRPr lang="zh-CN" altLang="en-US"/>
           </a:p>
         </p:txBody>
       </p:sp>
@@ -5983,63 +6009,16 @@
         <p:spPr/>
         <p:txBody>
           <a:bodyPr/>
-          <a:lstStyle/>
-          <a:p>
-            <a:r>
-              <a:rPr kumimoji="1" lang="zh-CN" altLang="en-US" dirty="0" smtClean="0"/>
-              <a:t>联系人管理</a:t>
-            </a:r>
-            <a:endParaRPr kumimoji="1" lang="en-US" altLang="zh-CN" dirty="0" smtClean="0"/>
-          </a:p>
-          <a:p>
-            <a:endParaRPr kumimoji="1" lang="en-US" altLang="zh-CN" dirty="0"/>
-          </a:p>
-          <a:p>
-            <a:r>
-              <a:rPr kumimoji="1" lang="zh-CN" altLang="en-US" dirty="0" smtClean="0"/>
-              <a:t>增删联系人</a:t>
-            </a:r>
-            <a:endParaRPr kumimoji="1" lang="en-US" altLang="zh-CN" dirty="0" smtClean="0"/>
-          </a:p>
-          <a:p>
-            <a:endParaRPr kumimoji="1" lang="en-US" altLang="zh-CN" dirty="0"/>
-          </a:p>
-          <a:p>
-            <a:r>
-              <a:rPr kumimoji="1" lang="zh-CN" altLang="en-US" dirty="0" smtClean="0"/>
-              <a:t>黑名单管理</a:t>
-            </a:r>
-            <a:endParaRPr kumimoji="1" lang="en-US" altLang="zh-CN" dirty="0" smtClean="0"/>
-          </a:p>
-          <a:p>
-            <a:endParaRPr kumimoji="1" lang="en-US" altLang="zh-CN" dirty="0"/>
-          </a:p>
-          <a:p>
-            <a:r>
-              <a:rPr kumimoji="1" lang="zh-CN" altLang="en-US" dirty="0" smtClean="0"/>
-              <a:t>联系人监听</a:t>
-            </a:r>
-            <a:endParaRPr kumimoji="1" lang="zh-CN" altLang="en-US" dirty="0"/>
+          <a:p>
+            <a:endParaRPr lang="en-US" altLang="zh-CN"/>
           </a:p>
         </p:txBody>
       </p:sp>
     </p:spTree>
-    <p:extLst>
-      <p:ext uri="{BB962C8B-B14F-4D97-AF65-F5344CB8AC3E}">
-        <p14:creationId xmlns:p14="http://schemas.microsoft.com/office/powerpoint/2010/main" val="472373910"/>
-      </p:ext>
-    </p:extLst>
   </p:cSld>
   <p:clrMapOvr>
     <a:masterClrMapping/>
   </p:clrMapOvr>
-  <p:timing>
-    <p:tnLst>
-      <p:par>
-        <p:cTn xmlns:p14="http://schemas.microsoft.com/office/powerpoint/2010/main" id="1" dur="indefinite" restart="never" nodeType="tmRoot"/>
-      </p:par>
-    </p:tnLst>
-  </p:timing>
 </p:sld>
 </file>
 
@@ -6052,14 +6031,7 @@
         <p:cNvGrpSpPr/>
         <p:nvPr/>
       </p:nvGrpSpPr>
-      <p:grpSpPr>
-        <a:xfrm>
-          <a:off x="0" y="0"/>
-          <a:ext cx="0" cy="0"/>
-          <a:chOff x="0" y="0"/>
-          <a:chExt cx="0" cy="0"/>
-        </a:xfrm>
-      </p:grpSpPr>
+      <p:grpSpPr/>
       <p:sp>
         <p:nvSpPr>
           <p:cNvPr id="2" name="标题 1"/>
@@ -6073,13 +6045,20 @@
         <p:spPr/>
         <p:txBody>
           <a:bodyPr/>
-          <a:lstStyle/>
-          <a:p>
-            <a:r>
-              <a:rPr kumimoji="1" lang="en-US" altLang="zh-CN" dirty="0" err="1" smtClean="0"/>
-              <a:t>EMGroupManager</a:t>
-            </a:r>
-            <a:endParaRPr kumimoji="1" lang="zh-CN" altLang="en-US" dirty="0"/>
+          <a:p>
+            <a:r>
+              <a:rPr lang="zh-CN" altLang="en-US"/>
+              <a:t>登录</a:t>
+            </a:r>
+            <a:r>
+              <a:rPr lang="en-US" altLang="zh-CN"/>
+              <a:t>&amp;</a:t>
+            </a:r>
+            <a:r>
+              <a:rPr lang="zh-CN" altLang="en-US"/>
+              <a:t>注册页面</a:t>
+            </a:r>
+            <a:endParaRPr lang="zh-CN" altLang="en-US"/>
           </a:p>
         </p:txBody>
       </p:sp>
@@ -6096,43 +6075,36 @@
         <p:spPr/>
         <p:txBody>
           <a:bodyPr/>
-          <a:lstStyle/>
-          <a:p>
-            <a:r>
-              <a:rPr kumimoji="1" lang="zh-CN" altLang="en-US" dirty="0" smtClean="0"/>
-              <a:t>群组管理</a:t>
-            </a:r>
-            <a:endParaRPr kumimoji="1" lang="en-US" altLang="zh-CN" dirty="0" smtClean="0"/>
-          </a:p>
-          <a:p>
-            <a:endParaRPr kumimoji="1" lang="en-US" altLang="zh-CN" dirty="0"/>
-          </a:p>
-          <a:p>
-            <a:r>
-              <a:rPr kumimoji="1" lang="zh-CN" altLang="en-US" dirty="0" smtClean="0"/>
-              <a:t>监听群事件</a:t>
-            </a:r>
-            <a:endParaRPr kumimoji="1" lang="en-US" altLang="zh-CN" dirty="0" smtClean="0"/>
+          <a:p>
+            <a:r>
+              <a:rPr lang="zh-CN" altLang="en-US"/>
+              <a:t>登录</a:t>
+            </a:r>
+            <a:endParaRPr lang="zh-CN" altLang="en-US"/>
+          </a:p>
+          <a:p>
+            <a:endParaRPr lang="zh-CN" altLang="en-US"/>
+          </a:p>
+          <a:p>
+            <a:r>
+              <a:rPr lang="zh-CN" altLang="en-US"/>
+              <a:t>注册</a:t>
+            </a:r>
+            <a:endParaRPr lang="zh-CN" altLang="en-US"/>
+          </a:p>
+          <a:p>
+            <a:endParaRPr lang="zh-CN" altLang="en-US"/>
+          </a:p>
+          <a:p>
+            <a:endParaRPr lang="zh-CN" altLang="en-US"/>
           </a:p>
         </p:txBody>
       </p:sp>
     </p:spTree>
-    <p:extLst>
-      <p:ext uri="{BB962C8B-B14F-4D97-AF65-F5344CB8AC3E}">
-        <p14:creationId xmlns:p14="http://schemas.microsoft.com/office/powerpoint/2010/main" val="2848050431"/>
-      </p:ext>
-    </p:extLst>
   </p:cSld>
   <p:clrMapOvr>
     <a:masterClrMapping/>
   </p:clrMapOvr>
-  <p:timing>
-    <p:tnLst>
-      <p:par>
-        <p:cTn xmlns:p14="http://schemas.microsoft.com/office/powerpoint/2010/main" id="1" dur="indefinite" restart="never" nodeType="tmRoot"/>
-      </p:par>
-    </p:tnLst>
-  </p:timing>
 </p:sld>
 </file>
 
@@ -6145,14 +6117,7 @@
         <p:cNvGrpSpPr/>
         <p:nvPr/>
       </p:nvGrpSpPr>
-      <p:grpSpPr>
-        <a:xfrm>
-          <a:off x="0" y="0"/>
-          <a:ext cx="0" cy="0"/>
-          <a:chOff x="0" y="0"/>
-          <a:chExt cx="0" cy="0"/>
-        </a:xfrm>
-      </p:grpSpPr>
+      <p:grpSpPr/>
       <p:sp>
         <p:nvSpPr>
           <p:cNvPr id="2" name="标题 1"/>
@@ -6166,13 +6131,12 @@
         <p:spPr/>
         <p:txBody>
           <a:bodyPr/>
-          <a:lstStyle/>
-          <a:p>
-            <a:r>
-              <a:rPr kumimoji="1" lang="en-US" altLang="zh-CN" dirty="0" err="1" smtClean="0"/>
-              <a:t>EMChatroomManager</a:t>
-            </a:r>
-            <a:endParaRPr kumimoji="1" lang="zh-CN" altLang="en-US" dirty="0"/>
+          <a:p>
+            <a:r>
+              <a:rPr lang="zh-CN" altLang="en-US"/>
+              <a:t>主页面搭建</a:t>
+            </a:r>
+            <a:endParaRPr lang="zh-CN" altLang="en-US"/>
           </a:p>
         </p:txBody>
       </p:sp>
@@ -6189,43 +6153,112 @@
         <p:spPr/>
         <p:txBody>
           <a:bodyPr/>
-          <a:lstStyle/>
-          <a:p>
-            <a:r>
-              <a:rPr kumimoji="1" lang="zh-CN" altLang="en-US" dirty="0" smtClean="0"/>
-              <a:t>聊天室管理</a:t>
-            </a:r>
-            <a:endParaRPr kumimoji="1" lang="en-US" altLang="zh-CN" dirty="0" smtClean="0"/>
-          </a:p>
-          <a:p>
-            <a:endParaRPr kumimoji="1" lang="en-US" altLang="zh-CN" dirty="0"/>
-          </a:p>
-          <a:p>
-            <a:r>
-              <a:rPr kumimoji="1" lang="zh-CN" altLang="en-US" dirty="0" smtClean="0"/>
-              <a:t>监听聊天室事件</a:t>
-            </a:r>
-            <a:endParaRPr kumimoji="1" lang="zh-CN" altLang="en-US" dirty="0"/>
+          <a:p>
+            <a:r>
+              <a:rPr lang="zh-CN" altLang="en-US"/>
+              <a:t>三个</a:t>
+            </a:r>
+            <a:r>
+              <a:rPr lang="en-US" altLang="zh-CN"/>
+              <a:t>Frgments</a:t>
+            </a:r>
+            <a:endParaRPr lang="en-US" altLang="zh-CN"/>
+          </a:p>
+          <a:p>
+            <a:pPr lvl="1"/>
+            <a:r>
+              <a:rPr lang="zh-CN" altLang="en-US"/>
+              <a:t>会话列表 </a:t>
+            </a:r>
+            <a:r>
+              <a:rPr lang="en-US" altLang="zh-CN"/>
+              <a:t>- </a:t>
+            </a:r>
+            <a:r>
+              <a:rPr lang="zh-CN" altLang="en-US"/>
+              <a:t>基于</a:t>
+            </a:r>
+            <a:r>
+              <a:rPr lang="en-US" altLang="zh-CN"/>
+              <a:t>EaseUI</a:t>
+            </a:r>
+            <a:endParaRPr lang="en-US" altLang="zh-CN"/>
+          </a:p>
+          <a:p>
+            <a:pPr lvl="1"/>
+            <a:r>
+              <a:rPr lang="zh-CN" altLang="en-US"/>
+              <a:t>联系人列表 </a:t>
+            </a:r>
+            <a:r>
+              <a:rPr lang="en-US" altLang="zh-CN"/>
+              <a:t>- </a:t>
+            </a:r>
+            <a:r>
+              <a:rPr lang="zh-CN" altLang="en-US">
+                <a:sym typeface="+mn-ea"/>
+              </a:rPr>
+              <a:t>基于</a:t>
+            </a:r>
+            <a:r>
+              <a:rPr lang="en-US" altLang="zh-CN">
+                <a:sym typeface="+mn-ea"/>
+              </a:rPr>
+              <a:t>EaseUI</a:t>
+            </a:r>
+            <a:endParaRPr lang="en-US" altLang="zh-CN"/>
+          </a:p>
+          <a:p>
+            <a:pPr lvl="1"/>
+            <a:r>
+              <a:rPr lang="zh-CN" altLang="en-US"/>
+              <a:t>设置页面</a:t>
+            </a:r>
+            <a:r>
+              <a:rPr lang="en-US" altLang="zh-CN"/>
+              <a:t>- </a:t>
+            </a:r>
+            <a:r>
+              <a:rPr lang="zh-CN" altLang="en-US"/>
+              <a:t>自己构建</a:t>
+            </a:r>
+            <a:endParaRPr lang="zh-CN" altLang="en-US"/>
+          </a:p>
+          <a:p>
+            <a:pPr lvl="0"/>
+            <a:endParaRPr lang="zh-CN" altLang="en-US"/>
+          </a:p>
+          <a:p>
+            <a:pPr lvl="0"/>
+            <a:r>
+              <a:rPr lang="zh-CN" altLang="en-US"/>
+              <a:t>获取联系人列表</a:t>
+            </a:r>
+            <a:endParaRPr lang="zh-CN" altLang="en-US"/>
+          </a:p>
+          <a:p>
+            <a:pPr lvl="0"/>
+            <a:endParaRPr lang="zh-CN" altLang="en-US"/>
+          </a:p>
+          <a:p>
+            <a:pPr lvl="0"/>
+            <a:r>
+              <a:rPr lang="zh-CN" altLang="en-US"/>
+              <a:t>搭建业务模型类 </a:t>
+            </a:r>
+            <a:r>
+              <a:rPr lang="en-US" altLang="zh-CN"/>
+              <a:t>- Model</a:t>
+            </a:r>
+            <a:endParaRPr lang="en-US" altLang="zh-CN"/>
           </a:p>
         </p:txBody>
       </p:sp>
     </p:spTree>
-    <p:extLst>
-      <p:ext uri="{BB962C8B-B14F-4D97-AF65-F5344CB8AC3E}">
-        <p14:creationId xmlns:p14="http://schemas.microsoft.com/office/powerpoint/2010/main" val="2292511235"/>
-      </p:ext>
-    </p:extLst>
   </p:cSld>
   <p:clrMapOvr>
     <a:masterClrMapping/>
   </p:clrMapOvr>
-  <p:timing>
-    <p:tnLst>
-      <p:par>
-        <p:cTn xmlns:p14="http://schemas.microsoft.com/office/powerpoint/2010/main" id="1" dur="indefinite" restart="never" nodeType="tmRoot"/>
-      </p:par>
-    </p:tnLst>
-  </p:timing>
 </p:sld>
 </file>
 
@@ -6238,14 +6271,7 @@
         <p:cNvGrpSpPr/>
         <p:nvPr/>
       </p:nvGrpSpPr>
-      <p:grpSpPr>
-        <a:xfrm>
-          <a:off x="0" y="0"/>
-          <a:ext cx="0" cy="0"/>
-          <a:chOff x="0" y="0"/>
-          <a:chExt cx="0" cy="0"/>
-        </a:xfrm>
-      </p:grpSpPr>
+      <p:grpSpPr/>
       <p:sp>
         <p:nvSpPr>
           <p:cNvPr id="2" name="标题 1"/>
@@ -6259,13 +6285,20 @@
         <p:spPr/>
         <p:txBody>
           <a:bodyPr/>
-          <a:lstStyle/>
-          <a:p>
-            <a:r>
-              <a:rPr kumimoji="1" lang="en-US" altLang="zh-CN" dirty="0" err="1" smtClean="0"/>
-              <a:t>EMCallManager</a:t>
-            </a:r>
-            <a:endParaRPr kumimoji="1" lang="zh-CN" altLang="en-US" dirty="0"/>
+          <a:p>
+            <a:r>
+              <a:rPr lang="zh-CN" altLang="en-US">
+                <a:sym typeface="+mn-ea"/>
+              </a:rPr>
+              <a:t>搭建业务模型类 </a:t>
+            </a:r>
+            <a:r>
+              <a:rPr lang="en-US" altLang="zh-CN">
+                <a:sym typeface="+mn-ea"/>
+              </a:rPr>
+              <a:t>- Model</a:t>
+            </a:r>
+            <a:endParaRPr lang="zh-CN" altLang="en-US"/>
           </a:p>
         </p:txBody>
       </p:sp>
@@ -6282,33 +6315,20 @@
         <p:spPr/>
         <p:txBody>
           <a:bodyPr/>
-          <a:lstStyle/>
-          <a:p>
-            <a:r>
-              <a:rPr kumimoji="1" lang="zh-CN" altLang="en-US" dirty="0" smtClean="0"/>
-              <a:t>实时音视频功能管理</a:t>
-            </a:r>
-            <a:endParaRPr kumimoji="1" lang="zh-CN" altLang="en-US" dirty="0"/>
+          <a:p>
+            <a:r>
+              <a:rPr lang="en-US" altLang="zh-CN"/>
+              <a:t>sigleton</a:t>
+            </a:r>
+            <a:endParaRPr lang="en-US" altLang="zh-CN"/>
           </a:p>
         </p:txBody>
       </p:sp>
     </p:spTree>
-    <p:extLst>
-      <p:ext uri="{BB962C8B-B14F-4D97-AF65-F5344CB8AC3E}">
-        <p14:creationId xmlns:p14="http://schemas.microsoft.com/office/powerpoint/2010/main" val="3477152827"/>
-      </p:ext>
-    </p:extLst>
   </p:cSld>
   <p:clrMapOvr>
     <a:masterClrMapping/>
   </p:clrMapOvr>
-  <p:timing>
-    <p:tnLst>
-      <p:par>
-        <p:cTn xmlns:p14="http://schemas.microsoft.com/office/powerpoint/2010/main" id="1" dur="indefinite" restart="never" nodeType="tmRoot"/>
-      </p:par>
-    </p:tnLst>
-  </p:timing>
 </p:sld>
 </file>
 
@@ -6321,14 +6341,7 @@
         <p:cNvGrpSpPr/>
         <p:nvPr/>
       </p:nvGrpSpPr>
-      <p:grpSpPr>
-        <a:xfrm>
-          <a:off x="0" y="0"/>
-          <a:ext cx="0" cy="0"/>
-          <a:chOff x="0" y="0"/>
-          <a:chExt cx="0" cy="0"/>
-        </a:xfrm>
-      </p:grpSpPr>
+      <p:grpSpPr/>
       <p:sp>
         <p:nvSpPr>
           <p:cNvPr id="2" name="标题 1"/>
@@ -6342,21 +6355,16 @@
         <p:spPr/>
         <p:txBody>
           <a:bodyPr/>
-          <a:lstStyle/>
-          <a:p>
-            <a:r>
-              <a:rPr kumimoji="1" lang="en-US" altLang="zh-CN" dirty="0" err="1" smtClean="0"/>
-              <a:t>EMMessage</a:t>
-            </a:r>
-            <a:r>
-              <a:rPr kumimoji="1" lang="en-US" altLang="zh-CN" dirty="0" smtClean="0"/>
-              <a:t> &amp; </a:t>
-            </a:r>
-            <a:r>
-              <a:rPr kumimoji="1" lang="en-US" altLang="zh-CN" dirty="0" err="1" smtClean="0"/>
-              <a:t>EMMessageBody</a:t>
-            </a:r>
-            <a:endParaRPr kumimoji="1" lang="zh-CN" altLang="en-US" dirty="0"/>
+          <a:p>
+            <a:r>
+              <a:rPr lang="zh-CN" altLang="en-US"/>
+              <a:t>联系人列表页面</a:t>
+            </a:r>
+            <a:r>
+              <a:rPr lang="zh-CN" altLang="en-US"/>
+              <a:t>构建</a:t>
+            </a:r>
+            <a:endParaRPr lang="zh-CN" altLang="en-US"/>
           </a:p>
         </p:txBody>
       </p:sp>
@@ -6372,98 +6380,31 @@
         </p:nvSpPr>
         <p:spPr/>
         <p:txBody>
-          <a:bodyPr>
-            <a:normAutofit fontScale="77500" lnSpcReduction="20000"/>
-          </a:bodyPr>
-          <a:lstStyle/>
-          <a:p>
-            <a:r>
-              <a:rPr kumimoji="1" lang="zh-CN" altLang="en-US" dirty="0" smtClean="0"/>
-              <a:t>消息实体类</a:t>
-            </a:r>
-            <a:endParaRPr kumimoji="1" lang="en-US" altLang="zh-CN" dirty="0" smtClean="0"/>
-          </a:p>
-          <a:p>
-            <a:endParaRPr kumimoji="1" lang="en-US" altLang="zh-CN" dirty="0" smtClean="0"/>
-          </a:p>
-          <a:p>
-            <a:r>
-              <a:rPr kumimoji="1" lang="en-US" altLang="zh-CN" dirty="0" smtClean="0"/>
-              <a:t>From</a:t>
-            </a:r>
-            <a:r>
-              <a:rPr kumimoji="1" lang="zh-CN" altLang="en-US" dirty="0" smtClean="0"/>
-              <a:t> 字段</a:t>
-            </a:r>
-            <a:endParaRPr kumimoji="1" lang="en-US" altLang="zh-CN" dirty="0" smtClean="0"/>
-          </a:p>
-          <a:p>
-            <a:endParaRPr kumimoji="1" lang="en-US" altLang="zh-CN" dirty="0"/>
-          </a:p>
-          <a:p>
-            <a:r>
-              <a:rPr kumimoji="1" lang="en-US" altLang="zh-CN" dirty="0" smtClean="0"/>
-              <a:t>To</a:t>
-            </a:r>
-            <a:r>
-              <a:rPr kumimoji="1" lang="zh-CN" altLang="en-US" dirty="0" smtClean="0"/>
-              <a:t> 字段</a:t>
-            </a:r>
-            <a:endParaRPr kumimoji="1" lang="en-US" altLang="zh-CN" dirty="0" smtClean="0"/>
-          </a:p>
-          <a:p>
-            <a:endParaRPr kumimoji="1" lang="en-US" altLang="zh-CN" dirty="0"/>
-          </a:p>
-          <a:p>
-            <a:r>
-              <a:rPr kumimoji="1" lang="zh-CN" altLang="en-US" dirty="0" smtClean="0"/>
-              <a:t>消息的状态</a:t>
-            </a:r>
-            <a:endParaRPr kumimoji="1" lang="en-US" altLang="zh-CN" dirty="0" smtClean="0"/>
-          </a:p>
-          <a:p>
-            <a:endParaRPr kumimoji="1" lang="en-US" altLang="zh-CN" dirty="0"/>
-          </a:p>
-          <a:p>
-            <a:r>
-              <a:rPr kumimoji="1" lang="en-US" altLang="zh-CN" dirty="0" smtClean="0"/>
-              <a:t>Direct</a:t>
-            </a:r>
-            <a:r>
-              <a:rPr kumimoji="1" lang="zh-CN" altLang="en-US" dirty="0" smtClean="0"/>
-              <a:t> 方向</a:t>
-            </a:r>
-            <a:endParaRPr kumimoji="1" lang="en-US" altLang="zh-CN" dirty="0" smtClean="0"/>
-          </a:p>
-          <a:p>
-            <a:endParaRPr kumimoji="1" lang="en-US" altLang="zh-CN" dirty="0"/>
-          </a:p>
-          <a:p>
-            <a:r>
-              <a:rPr kumimoji="1" lang="zh-CN" altLang="en-US" dirty="0" smtClean="0"/>
-              <a:t>消息发送的状态回调</a:t>
-            </a:r>
-            <a:endParaRPr kumimoji="1" lang="zh-CN" altLang="en-US" dirty="0"/>
+          <a:bodyPr/>
+          <a:p>
+            <a:r>
+              <a:rPr lang="zh-CN" altLang="en-US"/>
+              <a:t>需要获取联系人列表</a:t>
+            </a:r>
+            <a:endParaRPr lang="zh-CN" altLang="en-US"/>
+          </a:p>
+          <a:p>
+            <a:endParaRPr lang="zh-CN" altLang="en-US"/>
+          </a:p>
+          <a:p>
+            <a:r>
+              <a:rPr lang="zh-CN" altLang="en-US"/>
+              <a:t>等待联系人获取成功</a:t>
+            </a:r>
+            <a:endParaRPr lang="zh-CN" altLang="en-US"/>
           </a:p>
         </p:txBody>
       </p:sp>
     </p:spTree>
-    <p:extLst>
-      <p:ext uri="{BB962C8B-B14F-4D97-AF65-F5344CB8AC3E}">
-        <p14:creationId xmlns:p14="http://schemas.microsoft.com/office/powerpoint/2010/main" val="909388250"/>
-      </p:ext>
-    </p:extLst>
   </p:cSld>
   <p:clrMapOvr>
     <a:masterClrMapping/>
   </p:clrMapOvr>
-  <p:timing>
-    <p:tnLst>
-      <p:par>
-        <p:cTn xmlns:p14="http://schemas.microsoft.com/office/powerpoint/2010/main" id="1" dur="indefinite" restart="never" nodeType="tmRoot"/>
-      </p:par>
-    </p:tnLst>
-  </p:timing>
 </p:sld>
 </file>
 
@@ -6500,8 +6441,8 @@
           <a:lstStyle/>
           <a:p>
             <a:r>
-              <a:rPr kumimoji="1" lang="zh-CN" altLang="en-US" dirty="0" smtClean="0"/>
-              <a:t>创建消息体</a:t>
+              <a:rPr kumimoji="1" lang="en-US" altLang="zh-CN" dirty="0" err="1" smtClean="0"/>
+              <a:t>EMClient</a:t>
             </a:r>
             <a:endParaRPr kumimoji="1" lang="zh-CN" altLang="en-US" dirty="0"/>
           </a:p>
@@ -6523,8 +6464,12 @@
           <a:lstStyle/>
           <a:p>
             <a:r>
-              <a:rPr kumimoji="1" lang="en-US" altLang="zh-CN" dirty="0" err="1" smtClean="0"/>
-              <a:t>EMMessage.createXXXMessage</a:t>
+              <a:rPr kumimoji="1" lang="en-US" altLang="zh-CN" dirty="0" smtClean="0"/>
+              <a:t>SDK </a:t>
+            </a:r>
+            <a:r>
+              <a:rPr kumimoji="1" lang="zh-CN" altLang="en-US" dirty="0" smtClean="0"/>
+              <a:t>入口类</a:t>
             </a:r>
             <a:endParaRPr kumimoji="1" lang="en-US" altLang="zh-CN" dirty="0" smtClean="0"/>
           </a:p>
@@ -6534,7 +6479,17 @@
           <a:p>
             <a:r>
               <a:rPr kumimoji="1" lang="zh-CN" altLang="en-US" dirty="0" smtClean="0"/>
-              <a:t>设置消息类型</a:t>
+              <a:t>通过此类可得到其他业务核心类</a:t>
+            </a:r>
+            <a:endParaRPr kumimoji="1" lang="en-US" altLang="zh-CN" dirty="0" smtClean="0"/>
+          </a:p>
+          <a:p>
+            <a:endParaRPr kumimoji="1" lang="en-US" altLang="zh-CN" dirty="0" smtClean="0"/>
+          </a:p>
+          <a:p>
+            <a:r>
+              <a:rPr kumimoji="1" lang="zh-CN" altLang="en-US" dirty="0" smtClean="0"/>
+              <a:t>初始化接口</a:t>
             </a:r>
             <a:endParaRPr kumimoji="1" lang="en-US" altLang="zh-CN" dirty="0" smtClean="0"/>
           </a:p>
@@ -6544,22 +6499,32 @@
           <a:p>
             <a:r>
               <a:rPr kumimoji="1" lang="zh-CN" altLang="en-US" dirty="0" smtClean="0"/>
-              <a:t>设置消息收方</a:t>
+              <a:t>注册</a:t>
+            </a:r>
+            <a:r>
+              <a:rPr kumimoji="1" lang="en-US" altLang="zh-CN" dirty="0" smtClean="0"/>
+              <a:t>/</a:t>
+            </a:r>
+            <a:r>
+              <a:rPr kumimoji="1" lang="zh-CN" altLang="en-US" dirty="0" smtClean="0"/>
+              <a:t>登录接口</a:t>
             </a:r>
             <a:endParaRPr kumimoji="1" lang="zh-CN" altLang="en-US" dirty="0"/>
           </a:p>
         </p:txBody>
       </p:sp>
     </p:spTree>
-    <p:extLst>
-      <p:ext uri="{BB962C8B-B14F-4D97-AF65-F5344CB8AC3E}">
-        <p14:creationId xmlns:p14="http://schemas.microsoft.com/office/powerpoint/2010/main" val="1085797065"/>
-      </p:ext>
-    </p:extLst>
   </p:cSld>
   <p:clrMapOvr>
     <a:masterClrMapping/>
   </p:clrMapOvr>
+  <p:timing>
+    <p:tnLst>
+      <p:par>
+        <p:cTn id="1" dur="indefinite" restart="never" nodeType="tmRoot"/>
+      </p:par>
+    </p:tnLst>
+  </p:timing>
 </p:sld>
 </file>
 
@@ -6596,8 +6561,16 @@
           <a:lstStyle/>
           <a:p>
             <a:r>
-              <a:rPr kumimoji="1" lang="en-US" altLang="zh-CN" dirty="0" err="1" smtClean="0"/>
-              <a:t>EMConversation</a:t>
+              <a:rPr kumimoji="1" lang="zh-CN" altLang="en-US" dirty="0" smtClean="0"/>
+              <a:t>登录 </a:t>
+            </a:r>
+            <a:r>
+              <a:rPr kumimoji="1" lang="en-US" altLang="zh-CN" dirty="0" smtClean="0"/>
+              <a:t>&amp; </a:t>
+            </a:r>
+            <a:r>
+              <a:rPr kumimoji="1" lang="zh-CN" altLang="en-US" dirty="0" smtClean="0"/>
+              <a:t>注册</a:t>
             </a:r>
             <a:endParaRPr kumimoji="1" lang="zh-CN" altLang="en-US" dirty="0"/>
           </a:p>
@@ -6616,39 +6589,21 @@
         <p:spPr/>
         <p:txBody>
           <a:bodyPr>
-            <a:normAutofit fontScale="92500" lnSpcReduction="20000"/>
+            <a:normAutofit fontScale="85000" lnSpcReduction="20000"/>
           </a:bodyPr>
           <a:lstStyle/>
           <a:p>
             <a:r>
               <a:rPr kumimoji="1" lang="zh-CN" altLang="en-US" dirty="0" smtClean="0"/>
-              <a:t>会话实体类</a:t>
-            </a:r>
-            <a:endParaRPr kumimoji="1" lang="en-US" altLang="zh-CN" dirty="0" smtClean="0"/>
-          </a:p>
-          <a:p>
-            <a:endParaRPr kumimoji="1" lang="en-US" altLang="zh-CN" dirty="0"/>
-          </a:p>
-          <a:p>
-            <a:r>
-              <a:rPr kumimoji="1" lang="en-US" altLang="zh-CN" dirty="0" smtClean="0"/>
-              <a:t>Conversation</a:t>
-            </a:r>
-            <a:r>
-              <a:rPr kumimoji="1" lang="zh-CN" altLang="en-US" dirty="0" smtClean="0"/>
-              <a:t> </a:t>
-            </a:r>
-            <a:r>
-              <a:rPr kumimoji="1" lang="en-US" altLang="zh-CN" dirty="0" smtClean="0"/>
-              <a:t>ID</a:t>
-            </a:r>
-            <a:endParaRPr kumimoji="1" lang="en-US" altLang="zh-CN" dirty="0"/>
+              <a:t>注册</a:t>
+            </a:r>
+            <a:endParaRPr kumimoji="1" lang="en-US" altLang="zh-CN" dirty="0" smtClean="0"/>
           </a:p>
           <a:p>
             <a:pPr lvl="1"/>
             <a:r>
               <a:rPr kumimoji="1" lang="zh-CN" altLang="en-US" dirty="0" smtClean="0"/>
-              <a:t>聊天对方</a:t>
+              <a:t>开放注册</a:t>
             </a:r>
             <a:endParaRPr kumimoji="1" lang="en-US" altLang="zh-CN" dirty="0" smtClean="0"/>
           </a:p>
@@ -6656,7 +6611,7 @@
             <a:pPr lvl="1"/>
             <a:r>
               <a:rPr kumimoji="1" lang="zh-CN" altLang="en-US" dirty="0" smtClean="0"/>
-              <a:t>或群，聊天室</a:t>
+              <a:t>授权注册</a:t>
             </a:r>
             <a:endParaRPr kumimoji="1" lang="en-US" altLang="zh-CN" dirty="0" smtClean="0"/>
           </a:p>
@@ -6667,42 +6622,73 @@
           <a:p>
             <a:r>
               <a:rPr kumimoji="1" lang="zh-CN" altLang="en-US" dirty="0" smtClean="0"/>
-              <a:t>获取相应的会话里的消息</a:t>
+              <a:t>登录</a:t>
             </a:r>
             <a:endParaRPr kumimoji="1" lang="en-US" altLang="zh-CN" dirty="0" smtClean="0"/>
           </a:p>
           <a:p>
             <a:pPr lvl="1"/>
             <a:r>
-              <a:rPr kumimoji="1" lang="en-US" altLang="zh-CN" dirty="0" err="1" smtClean="0"/>
-              <a:t>loadMoreMsgFromDB</a:t>
-            </a:r>
+              <a:rPr kumimoji="1" lang="zh-CN" altLang="en-US" dirty="0" smtClean="0"/>
+              <a:t>自动登录</a:t>
+            </a:r>
+            <a:r>
+              <a:rPr kumimoji="1" lang="en-US" altLang="zh-CN" dirty="0" smtClean="0"/>
+              <a:t> Auto login</a:t>
+            </a:r>
+            <a:endParaRPr kumimoji="1" lang="en-US" altLang="zh-CN" dirty="0" smtClean="0"/>
+          </a:p>
+          <a:p>
+            <a:pPr lvl="2"/>
+            <a:r>
+              <a:rPr kumimoji="1" lang="zh-CN" altLang="en-US" dirty="0" smtClean="0"/>
+              <a:t>取本地会话</a:t>
+            </a:r>
+            <a:endParaRPr kumimoji="1" lang="en-US" altLang="zh-CN" dirty="0" smtClean="0"/>
+          </a:p>
+          <a:p>
+            <a:pPr lvl="2"/>
             <a:endParaRPr kumimoji="1" lang="en-US" altLang="zh-CN" dirty="0" smtClean="0"/>
           </a:p>
           <a:p>
             <a:pPr lvl="1"/>
-            <a:endParaRPr kumimoji="1" lang="en-US" altLang="zh-CN" dirty="0"/>
-          </a:p>
-          <a:p>
-            <a:pPr lvl="1"/>
-            <a:r>
-              <a:rPr kumimoji="1" lang="en-US" altLang="zh-CN" dirty="0" err="1"/>
-              <a:t>getAllMessages</a:t>
-            </a:r>
-            <a:endParaRPr kumimoji="1" lang="en-US" altLang="zh-CN" dirty="0"/>
-          </a:p>
-          <a:p>
-            <a:pPr lvl="1"/>
+            <a:r>
+              <a:rPr kumimoji="1" lang="zh-CN" altLang="en-US" dirty="0" smtClean="0"/>
+              <a:t>手动登录 </a:t>
+            </a:r>
+            <a:r>
+              <a:rPr kumimoji="1" lang="en-US" altLang="zh-CN" dirty="0" smtClean="0"/>
+              <a:t>Manual login</a:t>
+            </a:r>
+            <a:endParaRPr kumimoji="1" lang="en-US" altLang="zh-CN" dirty="0" smtClean="0"/>
+          </a:p>
+          <a:p>
+            <a:pPr lvl="2"/>
+            <a:r>
+              <a:rPr kumimoji="1" lang="zh-CN" altLang="en-US" dirty="0" smtClean="0"/>
+              <a:t>取本地会话</a:t>
+            </a:r>
+            <a:endParaRPr kumimoji="1" lang="en-US" altLang="zh-CN" dirty="0" smtClean="0"/>
+          </a:p>
+          <a:p>
+            <a:pPr lvl="2"/>
+            <a:r>
+              <a:rPr kumimoji="1" lang="zh-CN" altLang="en-US" dirty="0" smtClean="0"/>
+              <a:t>取联系人</a:t>
+            </a:r>
+            <a:endParaRPr kumimoji="1" lang="en-US" altLang="zh-CN" dirty="0" smtClean="0"/>
+          </a:p>
+          <a:p>
+            <a:pPr lvl="2"/>
+            <a:r>
+              <a:rPr kumimoji="1" lang="zh-CN" altLang="en-US" dirty="0" smtClean="0"/>
+              <a:t>取群组</a:t>
+            </a:r>
             <a:endParaRPr kumimoji="1" lang="zh-CN" altLang="en-US" dirty="0"/>
           </a:p>
         </p:txBody>
       </p:sp>
     </p:spTree>
-    <p:extLst>
-      <p:ext uri="{BB962C8B-B14F-4D97-AF65-F5344CB8AC3E}">
-        <p14:creationId xmlns:p14="http://schemas.microsoft.com/office/powerpoint/2010/main" val="3658463388"/>
-      </p:ext>
-    </p:extLst>
   </p:cSld>
   <p:clrMapOvr>
     <a:masterClrMapping/>
@@ -6710,7 +6696,7 @@
   <p:timing>
     <p:tnLst>
       <p:par>
-        <p:cTn xmlns:p14="http://schemas.microsoft.com/office/powerpoint/2010/main" id="1" dur="indefinite" restart="never" nodeType="tmRoot"/>
+        <p:cTn id="1" dur="indefinite" restart="never" nodeType="tmRoot"/>
       </p:par>
     </p:tnLst>
   </p:timing>
@@ -6751,7 +6737,7 @@
           <a:p>
             <a:r>
               <a:rPr kumimoji="1" lang="en-US" altLang="zh-CN" dirty="0" err="1" smtClean="0"/>
-              <a:t>EMContact</a:t>
+              <a:t>EMChatManager</a:t>
             </a:r>
             <a:endParaRPr kumimoji="1" lang="zh-CN" altLang="en-US" dirty="0"/>
           </a:p>
@@ -6773,9 +6759,10 @@
           <a:lstStyle/>
           <a:p>
             <a:r>
-              <a:rPr kumimoji="1" lang="en-US" altLang="en-US" dirty="0" smtClean="0"/>
-              <a:t>环信联系人实体类</a:t>
-            </a:r>
+              <a:rPr kumimoji="1" lang="zh-CN" altLang="en-US" dirty="0" smtClean="0"/>
+              <a:t>消息收发</a:t>
+            </a:r>
+            <a:endParaRPr kumimoji="1" lang="en-US" altLang="zh-CN" dirty="0" smtClean="0"/>
           </a:p>
           <a:p>
             <a:endParaRPr kumimoji="1" lang="en-US" altLang="zh-CN" dirty="0"/>
@@ -6783,33 +6770,33 @@
           <a:p>
             <a:r>
               <a:rPr kumimoji="1" lang="zh-CN" altLang="en-US" dirty="0" smtClean="0"/>
-              <a:t>存储环信</a:t>
-            </a:r>
-            <a:r>
-              <a:rPr kumimoji="1" lang="en-US" altLang="zh-CN" dirty="0" smtClean="0"/>
-              <a:t>ID</a:t>
-            </a:r>
-          </a:p>
-          <a:p>
-            <a:pPr lvl="1"/>
-            <a:r>
-              <a:rPr kumimoji="1" lang="en-US" altLang="zh-CN" dirty="0" err="1" smtClean="0"/>
-              <a:t>getUsername</a:t>
-            </a:r>
-            <a:r>
-              <a:rPr kumimoji="1" lang="en-US" altLang="zh-CN" dirty="0" smtClean="0"/>
-              <a:t>()</a:t>
+              <a:t>会话管理</a:t>
+            </a:r>
+            <a:endParaRPr kumimoji="1" lang="en-US" altLang="zh-CN" dirty="0" smtClean="0"/>
+          </a:p>
+          <a:p>
+            <a:endParaRPr kumimoji="1" lang="en-US" altLang="zh-CN" dirty="0"/>
+          </a:p>
+          <a:p>
+            <a:r>
+              <a:rPr kumimoji="1" lang="zh-CN" altLang="en-US" dirty="0" smtClean="0"/>
+              <a:t>消息下载</a:t>
+            </a:r>
+            <a:endParaRPr kumimoji="1" lang="en-US" altLang="zh-CN" dirty="0" smtClean="0"/>
+          </a:p>
+          <a:p>
+            <a:endParaRPr kumimoji="1" lang="en-US" altLang="zh-CN" dirty="0"/>
+          </a:p>
+          <a:p>
+            <a:r>
+              <a:rPr kumimoji="1" lang="zh-CN" altLang="en-US" dirty="0" smtClean="0"/>
+              <a:t>消息监听</a:t>
             </a:r>
             <a:endParaRPr kumimoji="1" lang="zh-CN" altLang="en-US" dirty="0"/>
           </a:p>
         </p:txBody>
       </p:sp>
     </p:spTree>
-    <p:extLst>
-      <p:ext uri="{BB962C8B-B14F-4D97-AF65-F5344CB8AC3E}">
-        <p14:creationId xmlns:p14="http://schemas.microsoft.com/office/powerpoint/2010/main" val="3929959437"/>
-      </p:ext>
-    </p:extLst>
   </p:cSld>
   <p:clrMapOvr>
     <a:masterClrMapping/>
@@ -6817,7 +6804,7 @@
   <p:timing>
     <p:tnLst>
       <p:par>
-        <p:cTn xmlns:p14="http://schemas.microsoft.com/office/powerpoint/2010/main" id="1" dur="indefinite" restart="never" nodeType="tmRoot"/>
+        <p:cTn id="1" dur="indefinite" restart="never" nodeType="tmRoot"/>
       </p:par>
     </p:tnLst>
   </p:timing>
@@ -6858,7 +6845,7 @@
           <a:p>
             <a:r>
               <a:rPr kumimoji="1" lang="en-US" altLang="zh-CN" dirty="0" err="1" smtClean="0"/>
-              <a:t>EMGroup</a:t>
+              <a:t>EMContactManager</a:t>
             </a:r>
             <a:endParaRPr kumimoji="1" lang="zh-CN" altLang="en-US" dirty="0"/>
           </a:p>
@@ -6881,7 +6868,7 @@
           <a:p>
             <a:r>
               <a:rPr kumimoji="1" lang="zh-CN" altLang="en-US" dirty="0" smtClean="0"/>
-              <a:t>群实体类</a:t>
+              <a:t>联系人管理</a:t>
             </a:r>
             <a:endParaRPr kumimoji="1" lang="en-US" altLang="zh-CN" dirty="0" smtClean="0"/>
           </a:p>
@@ -6891,33 +6878,33 @@
           <a:p>
             <a:r>
               <a:rPr kumimoji="1" lang="zh-CN" altLang="en-US" dirty="0" smtClean="0"/>
-              <a:t>群</a:t>
-            </a:r>
-            <a:r>
-              <a:rPr kumimoji="1" lang="en-US" altLang="zh-CN" dirty="0" smtClean="0"/>
-              <a:t>ID</a:t>
-            </a:r>
-          </a:p>
-          <a:p>
-            <a:pPr lvl="1"/>
-            <a:r>
-              <a:rPr kumimoji="1" lang="en-US" altLang="zh-CN" dirty="0" err="1" smtClean="0"/>
-              <a:t>getGroupId</a:t>
-            </a:r>
-            <a:r>
-              <a:rPr kumimoji="1" lang="en-US" altLang="zh-CN" dirty="0" smtClean="0"/>
-              <a:t>()</a:t>
+              <a:t>增删联系人</a:t>
+            </a:r>
+            <a:endParaRPr kumimoji="1" lang="en-US" altLang="zh-CN" dirty="0" smtClean="0"/>
+          </a:p>
+          <a:p>
+            <a:endParaRPr kumimoji="1" lang="en-US" altLang="zh-CN" dirty="0"/>
+          </a:p>
+          <a:p>
+            <a:r>
+              <a:rPr kumimoji="1" lang="zh-CN" altLang="en-US" dirty="0" smtClean="0"/>
+              <a:t>黑名单管理</a:t>
+            </a:r>
+            <a:endParaRPr kumimoji="1" lang="en-US" altLang="zh-CN" dirty="0" smtClean="0"/>
+          </a:p>
+          <a:p>
+            <a:endParaRPr kumimoji="1" lang="en-US" altLang="zh-CN" dirty="0"/>
+          </a:p>
+          <a:p>
+            <a:r>
+              <a:rPr kumimoji="1" lang="zh-CN" altLang="en-US" dirty="0" smtClean="0"/>
+              <a:t>联系人监听</a:t>
             </a:r>
             <a:endParaRPr kumimoji="1" lang="zh-CN" altLang="en-US" dirty="0"/>
           </a:p>
         </p:txBody>
       </p:sp>
     </p:spTree>
-    <p:extLst>
-      <p:ext uri="{BB962C8B-B14F-4D97-AF65-F5344CB8AC3E}">
-        <p14:creationId xmlns:p14="http://schemas.microsoft.com/office/powerpoint/2010/main" val="1787396203"/>
-      </p:ext>
-    </p:extLst>
   </p:cSld>
   <p:clrMapOvr>
     <a:masterClrMapping/>
@@ -6925,7 +6912,7 @@
   <p:timing>
     <p:tnLst>
       <p:par>
-        <p:cTn xmlns:p14="http://schemas.microsoft.com/office/powerpoint/2010/main" id="1" dur="indefinite" restart="never" nodeType="tmRoot"/>
+        <p:cTn id="1" dur="indefinite" restart="never" nodeType="tmRoot"/>
       </p:par>
     </p:tnLst>
   </p:timing>
@@ -6959,34 +6946,64 @@
             <p:ph type="title"/>
           </p:nvPr>
         </p:nvSpPr>
-        <p:spPr>
-          <a:xfrm>
-            <a:off x="457200" y="3068218"/>
-            <a:ext cx="8229600" cy="1143000"/>
-          </a:xfrm>
-        </p:spPr>
-        <p:txBody>
-          <a:bodyPr/>
-          <a:lstStyle/>
-          <a:p>
-            <a:r>
-              <a:rPr kumimoji="1" lang="zh-CN" altLang="en-US" dirty="0" smtClean="0"/>
-              <a:t>集成场景</a:t>
+        <p:spPr/>
+        <p:txBody>
+          <a:bodyPr/>
+          <a:lstStyle/>
+          <a:p>
+            <a:r>
+              <a:rPr kumimoji="1" lang="en-US" altLang="zh-CN" dirty="0" err="1" smtClean="0"/>
+              <a:t>EMGroupManager</a:t>
             </a:r>
             <a:endParaRPr kumimoji="1" lang="zh-CN" altLang="en-US" dirty="0"/>
           </a:p>
         </p:txBody>
       </p:sp>
+      <p:sp>
+        <p:nvSpPr>
+          <p:cNvPr id="3" name="内容占位符 2"/>
+          <p:cNvSpPr>
+            <a:spLocks noGrp="1"/>
+          </p:cNvSpPr>
+          <p:nvPr>
+            <p:ph idx="1"/>
+          </p:nvPr>
+        </p:nvSpPr>
+        <p:spPr/>
+        <p:txBody>
+          <a:bodyPr/>
+          <a:lstStyle/>
+          <a:p>
+            <a:r>
+              <a:rPr kumimoji="1" lang="zh-CN" altLang="en-US" dirty="0" smtClean="0"/>
+              <a:t>群组管理</a:t>
+            </a:r>
+            <a:endParaRPr kumimoji="1" lang="en-US" altLang="zh-CN" dirty="0" smtClean="0"/>
+          </a:p>
+          <a:p>
+            <a:endParaRPr kumimoji="1" lang="en-US" altLang="zh-CN" dirty="0"/>
+          </a:p>
+          <a:p>
+            <a:r>
+              <a:rPr kumimoji="1" lang="zh-CN" altLang="en-US" dirty="0" smtClean="0"/>
+              <a:t>监听群事件</a:t>
+            </a:r>
+            <a:endParaRPr kumimoji="1" lang="en-US" altLang="zh-CN" dirty="0" smtClean="0"/>
+          </a:p>
+        </p:txBody>
+      </p:sp>
     </p:spTree>
-    <p:extLst>
-      <p:ext uri="{BB962C8B-B14F-4D97-AF65-F5344CB8AC3E}">
-        <p14:creationId xmlns:p14="http://schemas.microsoft.com/office/powerpoint/2010/main" val="1061235756"/>
-      </p:ext>
-    </p:extLst>
   </p:cSld>
   <p:clrMapOvr>
     <a:masterClrMapping/>
   </p:clrMapOvr>
+  <p:timing>
+    <p:tnLst>
+      <p:par>
+        <p:cTn id="1" dur="indefinite" restart="never" nodeType="tmRoot"/>
+      </p:par>
+    </p:tnLst>
+  </p:timing>
 </p:sld>
 </file>
 
@@ -7043,88 +7060,59 @@
         <p:spPr/>
         <p:txBody>
           <a:bodyPr>
-            <a:normAutofit fontScale="92500" lnSpcReduction="20000"/>
+            <a:normAutofit/>
           </a:bodyPr>
           <a:lstStyle/>
           <a:p>
             <a:r>
               <a:rPr lang="zh-CN" altLang="en-US" dirty="0"/>
-              <a:t>掌握</a:t>
+              <a:t>如何搭建环境</a:t>
+            </a:r>
+            <a:endParaRPr lang="zh-CN" altLang="en-US" dirty="0"/>
+          </a:p>
+          <a:p>
+            <a:endParaRPr lang="en-US" altLang="zh-CN" dirty="0" smtClean="0"/>
+          </a:p>
+          <a:p>
+            <a:r>
+              <a:rPr lang="zh-CN" altLang="en-US" dirty="0" smtClean="0"/>
+              <a:t>掌握基本的</a:t>
+            </a:r>
+            <a:r>
+              <a:rPr lang="en-US" altLang="zh-CN" dirty="0" smtClean="0"/>
+              <a:t>IM</a:t>
+            </a:r>
+            <a:r>
+              <a:rPr lang="zh-CN" altLang="en-US" dirty="0" smtClean="0"/>
+              <a:t>集成技巧</a:t>
+            </a:r>
+            <a:endParaRPr lang="zh-CN" altLang="en-US" dirty="0" smtClean="0"/>
+          </a:p>
+          <a:p>
+            <a:endParaRPr lang="zh-CN" altLang="en-US" dirty="0" smtClean="0"/>
+          </a:p>
+          <a:p>
+            <a:r>
+              <a:rPr lang="zh-CN" altLang="en-US" dirty="0"/>
+              <a:t>如何利用</a:t>
             </a:r>
             <a:r>
               <a:rPr lang="en-US" altLang="zh-CN" dirty="0"/>
-              <a:t>IM</a:t>
+              <a:t>EaseUI</a:t>
             </a:r>
             <a:r>
               <a:rPr lang="zh-CN" altLang="en-US" dirty="0"/>
-              <a:t>基本概念</a:t>
-            </a:r>
-          </a:p>
-          <a:p>
-            <a:endParaRPr lang="en-US" altLang="zh-CN" dirty="0" smtClean="0"/>
-          </a:p>
-          <a:p>
-            <a:r>
-              <a:rPr lang="zh-CN" altLang="en-US" dirty="0" smtClean="0"/>
-              <a:t>理解环</a:t>
-            </a:r>
-            <a:r>
-              <a:rPr lang="zh-CN" altLang="en-US" dirty="0"/>
-              <a:t>信</a:t>
+              <a:t>实现简单的聊天</a:t>
             </a:r>
             <a:r>
               <a:rPr lang="en-US" altLang="zh-CN" dirty="0"/>
-              <a:t>SDK</a:t>
-            </a:r>
-            <a:r>
-              <a:rPr lang="zh-CN" altLang="en-US" dirty="0"/>
-              <a:t>结构</a:t>
-            </a:r>
-          </a:p>
-          <a:p>
-            <a:endParaRPr lang="en-US" altLang="zh-CN" dirty="0" smtClean="0"/>
-          </a:p>
-          <a:p>
-            <a:r>
-              <a:rPr lang="zh-CN" altLang="en-US" dirty="0" smtClean="0"/>
-              <a:t>掌握环</a:t>
-            </a:r>
-            <a:r>
-              <a:rPr lang="zh-CN" altLang="en-US" dirty="0"/>
-              <a:t>信重要功能类</a:t>
-            </a:r>
-          </a:p>
-          <a:p>
-            <a:endParaRPr lang="en-US" altLang="zh-CN" dirty="0" smtClean="0"/>
-          </a:p>
-          <a:p>
-            <a:r>
-              <a:rPr lang="zh-CN" altLang="en-US" dirty="0" smtClean="0"/>
-              <a:t>掌握如何导入</a:t>
-            </a:r>
-            <a:r>
-              <a:rPr lang="en-US" altLang="zh-CN" dirty="0"/>
-              <a:t>IM SDK</a:t>
-            </a:r>
-          </a:p>
-          <a:p>
-            <a:endParaRPr lang="en-US" altLang="zh-CN" dirty="0" smtClean="0"/>
-          </a:p>
-          <a:p>
-            <a:r>
-              <a:rPr lang="zh-CN" altLang="en-US" dirty="0" smtClean="0"/>
-              <a:t>掌握主要集成场景</a:t>
+              <a:t>APP</a:t>
             </a:r>
             <a:endParaRPr kumimoji="1" lang="zh-CN" altLang="en-US" dirty="0"/>
           </a:p>
         </p:txBody>
       </p:sp>
     </p:spTree>
-    <p:extLst>
-      <p:ext uri="{BB962C8B-B14F-4D97-AF65-F5344CB8AC3E}">
-        <p14:creationId xmlns:p14="http://schemas.microsoft.com/office/powerpoint/2010/main" val="3568700887"/>
-      </p:ext>
-    </p:extLst>
   </p:cSld>
   <p:clrMapOvr>
     <a:masterClrMapping/>
@@ -7132,7 +7120,7 @@
   <p:timing>
     <p:tnLst>
       <p:par>
-        <p:cTn xmlns:p14="http://schemas.microsoft.com/office/powerpoint/2010/main" id="1" dur="indefinite" restart="never" nodeType="tmRoot"/>
+        <p:cTn id="1" dur="indefinite" restart="never" nodeType="tmRoot"/>
       </p:par>
     </p:tnLst>
   </p:timing>
@@ -7172,8 +7160,8 @@
           <a:lstStyle/>
           <a:p>
             <a:r>
-              <a:rPr kumimoji="1" lang="zh-CN" altLang="en-US" dirty="0" smtClean="0"/>
-              <a:t>初始化流程</a:t>
+              <a:rPr kumimoji="1" lang="en-US" altLang="zh-CN" dirty="0" err="1" smtClean="0"/>
+              <a:t>EMChatroomManager</a:t>
             </a:r>
             <a:endParaRPr kumimoji="1" lang="zh-CN" altLang="en-US" dirty="0"/>
           </a:p>
@@ -7195,9 +7183,10 @@
           <a:lstStyle/>
           <a:p>
             <a:r>
-              <a:rPr kumimoji="1" lang="en-US" altLang="en-US" dirty="0" smtClean="0"/>
-              <a:t>加判断，防自踢</a:t>
-            </a:r>
+              <a:rPr kumimoji="1" lang="zh-CN" altLang="en-US" dirty="0" smtClean="0"/>
+              <a:t>聊天室管理</a:t>
+            </a:r>
+            <a:endParaRPr kumimoji="1" lang="en-US" altLang="zh-CN" dirty="0" smtClean="0"/>
           </a:p>
           <a:p>
             <a:endParaRPr kumimoji="1" lang="en-US" altLang="zh-CN" dirty="0"/>
@@ -7205,31 +7194,13 @@
           <a:p>
             <a:r>
               <a:rPr kumimoji="1" lang="zh-CN" altLang="en-US" dirty="0" smtClean="0"/>
-              <a:t>初始化</a:t>
-            </a:r>
-            <a:r>
-              <a:rPr kumimoji="1" lang="en-US" altLang="zh-CN" dirty="0" smtClean="0"/>
-              <a:t>SDK</a:t>
-            </a:r>
-          </a:p>
-          <a:p>
-            <a:endParaRPr kumimoji="1" lang="en-US" altLang="zh-CN" dirty="0"/>
-          </a:p>
-          <a:p>
-            <a:r>
-              <a:rPr kumimoji="1" lang="zh-CN" altLang="en-US" dirty="0" smtClean="0"/>
-              <a:t>监听全局事件</a:t>
+              <a:t>监听聊天室事件</a:t>
             </a:r>
             <a:endParaRPr kumimoji="1" lang="zh-CN" altLang="en-US" dirty="0"/>
           </a:p>
         </p:txBody>
       </p:sp>
     </p:spTree>
-    <p:extLst>
-      <p:ext uri="{BB962C8B-B14F-4D97-AF65-F5344CB8AC3E}">
-        <p14:creationId xmlns:p14="http://schemas.microsoft.com/office/powerpoint/2010/main" val="1861541102"/>
-      </p:ext>
-    </p:extLst>
   </p:cSld>
   <p:clrMapOvr>
     <a:masterClrMapping/>
@@ -7237,7 +7208,7 @@
   <p:timing>
     <p:tnLst>
       <p:par>
-        <p:cTn xmlns:p14="http://schemas.microsoft.com/office/powerpoint/2010/main" id="1" dur="indefinite" restart="never" nodeType="tmRoot"/>
+        <p:cTn id="1" dur="indefinite" restart="never" nodeType="tmRoot"/>
       </p:par>
     </p:tnLst>
   </p:timing>
@@ -7277,20 +7248,8 @@
           <a:lstStyle/>
           <a:p>
             <a:r>
-              <a:rPr kumimoji="1" lang="zh-CN" altLang="en-US" dirty="0"/>
-              <a:t>初始化流</a:t>
-            </a:r>
-            <a:r>
-              <a:rPr kumimoji="1" lang="zh-CN" altLang="en-US" dirty="0" smtClean="0"/>
-              <a:t>程</a:t>
-            </a:r>
-            <a:r>
-              <a:rPr kumimoji="1" lang="zh-CN" altLang="en-US" dirty="0" smtClean="0"/>
-              <a:t> </a:t>
-            </a:r>
-            <a:r>
-              <a:rPr kumimoji="1" lang="en-US" altLang="zh-CN" dirty="0" smtClean="0"/>
-              <a:t>Demo</a:t>
+              <a:rPr kumimoji="1" lang="en-US" altLang="zh-CN" dirty="0" err="1" smtClean="0"/>
+              <a:t>EMCallManager</a:t>
             </a:r>
             <a:endParaRPr kumimoji="1" lang="zh-CN" altLang="en-US" dirty="0"/>
           </a:p>
@@ -7312,31 +7271,25 @@
           <a:lstStyle/>
           <a:p>
             <a:r>
-              <a:rPr kumimoji="1" lang="en-US" altLang="zh-CN" dirty="0" smtClean="0"/>
-              <a:t>10</a:t>
-            </a:r>
-            <a:r>
-              <a:rPr kumimoji="1" lang="zh-CN" altLang="en-US" dirty="0" smtClean="0"/>
-              <a:t> </a:t>
-            </a:r>
-            <a:r>
-              <a:rPr kumimoji="1" lang="en-US" altLang="zh-CN" dirty="0" err="1" smtClean="0"/>
-              <a:t>mins</a:t>
+              <a:rPr kumimoji="1" lang="zh-CN" altLang="en-US" dirty="0" smtClean="0"/>
+              <a:t>实时音视频功能管理</a:t>
             </a:r>
             <a:endParaRPr kumimoji="1" lang="zh-CN" altLang="en-US" dirty="0"/>
           </a:p>
         </p:txBody>
       </p:sp>
     </p:spTree>
-    <p:extLst>
-      <p:ext uri="{BB962C8B-B14F-4D97-AF65-F5344CB8AC3E}">
-        <p14:creationId xmlns:p14="http://schemas.microsoft.com/office/powerpoint/2010/main" val="2274639992"/>
-      </p:ext>
-    </p:extLst>
   </p:cSld>
   <p:clrMapOvr>
     <a:masterClrMapping/>
   </p:clrMapOvr>
+  <p:timing>
+    <p:tnLst>
+      <p:par>
+        <p:cTn id="1" dur="indefinite" restart="never" nodeType="tmRoot"/>
+      </p:par>
+    </p:tnLst>
+  </p:timing>
 </p:sld>
 </file>
 
@@ -7373,8 +7326,16 @@
           <a:lstStyle/>
           <a:p>
             <a:r>
-              <a:rPr kumimoji="1" lang="zh-CN" altLang="en-US" dirty="0" smtClean="0"/>
-              <a:t>登录流程</a:t>
+              <a:rPr kumimoji="1" lang="en-US" altLang="zh-CN" dirty="0" err="1" smtClean="0"/>
+              <a:t>EMMessage</a:t>
+            </a:r>
+            <a:r>
+              <a:rPr kumimoji="1" lang="en-US" altLang="zh-CN" dirty="0" smtClean="0"/>
+              <a:t> &amp; </a:t>
+            </a:r>
+            <a:r>
+              <a:rPr kumimoji="1" lang="en-US" altLang="zh-CN" dirty="0" err="1" smtClean="0"/>
+              <a:t>EMMessageBody</a:t>
             </a:r>
             <a:endParaRPr kumimoji="1" lang="zh-CN" altLang="en-US" dirty="0"/>
           </a:p>
@@ -7393,121 +7354,81 @@
         <p:spPr/>
         <p:txBody>
           <a:bodyPr>
-            <a:normAutofit fontScale="85000" lnSpcReduction="20000"/>
+            <a:normAutofit fontScale="77500" lnSpcReduction="20000"/>
           </a:bodyPr>
           <a:lstStyle/>
           <a:p>
             <a:r>
               <a:rPr kumimoji="1" lang="zh-CN" altLang="en-US" dirty="0" smtClean="0"/>
-              <a:t>调用登录</a:t>
-            </a:r>
-            <a:endParaRPr kumimoji="1" lang="en-US" altLang="zh-CN" dirty="0" smtClean="0"/>
-          </a:p>
-          <a:p>
-            <a:r>
-              <a:rPr kumimoji="1" lang="zh-CN" altLang="en-US" dirty="0" smtClean="0"/>
-              <a:t>等待登录结果</a:t>
-            </a:r>
-            <a:endParaRPr kumimoji="1" lang="en-US" altLang="zh-CN" dirty="0" smtClean="0"/>
-          </a:p>
-          <a:p>
-            <a:r>
-              <a:rPr kumimoji="1" lang="zh-CN" altLang="en-US" dirty="0" smtClean="0"/>
-              <a:t>登录成功</a:t>
-            </a:r>
-            <a:endParaRPr kumimoji="1" lang="en-US" altLang="zh-CN" dirty="0" smtClean="0"/>
-          </a:p>
-          <a:p>
-            <a:pPr lvl="1"/>
-            <a:r>
-              <a:rPr kumimoji="1" lang="zh-CN" altLang="en-US" dirty="0" smtClean="0"/>
-              <a:t>取联</a:t>
-            </a:r>
-            <a:r>
-              <a:rPr kumimoji="1" lang="zh-CN" altLang="en-US" dirty="0" smtClean="0"/>
-              <a:t>系人</a:t>
-            </a:r>
-            <a:endParaRPr kumimoji="1" lang="en-US" altLang="zh-CN" dirty="0" smtClean="0"/>
-          </a:p>
-          <a:p>
-            <a:pPr lvl="1"/>
-            <a:r>
-              <a:rPr kumimoji="1" lang="zh-CN" altLang="en-US" dirty="0" smtClean="0"/>
-              <a:t>存联系人到本地</a:t>
-            </a:r>
-            <a:endParaRPr kumimoji="1" lang="en-US" altLang="zh-CN" dirty="0" smtClean="0"/>
-          </a:p>
-          <a:p>
-            <a:pPr lvl="1"/>
-            <a:r>
-              <a:rPr kumimoji="1" lang="zh-CN" altLang="en-US" dirty="0" smtClean="0"/>
-              <a:t>取群组</a:t>
-            </a:r>
-            <a:endParaRPr kumimoji="1" lang="en-US" altLang="zh-CN" dirty="0" smtClean="0"/>
-          </a:p>
-          <a:p>
-            <a:pPr lvl="1"/>
-            <a:r>
-              <a:rPr kumimoji="1" lang="zh-CN" altLang="en-US" dirty="0" smtClean="0"/>
-              <a:t>加载会话</a:t>
-            </a:r>
-            <a:endParaRPr kumimoji="1" lang="en-US" altLang="zh-CN" dirty="0" smtClean="0"/>
-          </a:p>
-          <a:p>
-            <a:pPr lvl="1"/>
-            <a:r>
-              <a:rPr kumimoji="1" lang="zh-CN" altLang="en-US" dirty="0" smtClean="0"/>
-              <a:t>加载群组</a:t>
-            </a:r>
-            <a:endParaRPr kumimoji="1" lang="en-US" altLang="zh-CN" dirty="0" smtClean="0"/>
-          </a:p>
-          <a:p>
-            <a:pPr lvl="1"/>
-            <a:r>
-              <a:rPr kumimoji="1" lang="zh-CN" altLang="en-US" dirty="0" smtClean="0"/>
-              <a:t>进入主页面</a:t>
-            </a:r>
-            <a:endParaRPr kumimoji="1" lang="en-US" altLang="zh-CN" dirty="0" smtClean="0"/>
-          </a:p>
-          <a:p>
-            <a:r>
-              <a:rPr kumimoji="1" lang="zh-CN" altLang="en-US" dirty="0" smtClean="0"/>
-              <a:t>登录失败</a:t>
-            </a:r>
-            <a:endParaRPr kumimoji="1" lang="en-US" altLang="zh-CN" dirty="0" smtClean="0"/>
-          </a:p>
-          <a:p>
-            <a:pPr lvl="1"/>
-            <a:r>
-              <a:rPr kumimoji="1" lang="zh-CN" altLang="en-US" dirty="0" smtClean="0"/>
-              <a:t>弹出登录失败会话窗口 </a:t>
-            </a:r>
-            <a:r>
-              <a:rPr kumimoji="1" lang="en-US" altLang="zh-CN" dirty="0" smtClean="0"/>
-              <a:t>-&gt;toast</a:t>
-            </a:r>
-            <a:r>
-              <a:rPr kumimoji="1" lang="zh-CN" altLang="en-US" dirty="0" smtClean="0"/>
-              <a:t> </a:t>
-            </a:r>
-            <a:r>
-              <a:rPr kumimoji="1" lang="en-US" altLang="zh-CN" dirty="0" smtClean="0"/>
-              <a:t>error</a:t>
-            </a:r>
-            <a:r>
-              <a:rPr kumimoji="1" lang="zh-CN" altLang="en-US" dirty="0" smtClean="0"/>
-              <a:t> 即可</a:t>
+              <a:t>消息实体类</a:t>
+            </a:r>
+            <a:endParaRPr kumimoji="1" lang="en-US" altLang="zh-CN" dirty="0" smtClean="0"/>
+          </a:p>
+          <a:p>
+            <a:endParaRPr kumimoji="1" lang="en-US" altLang="zh-CN" dirty="0" smtClean="0"/>
+          </a:p>
+          <a:p>
+            <a:r>
+              <a:rPr kumimoji="1" lang="en-US" altLang="zh-CN" dirty="0" smtClean="0"/>
+              <a:t>From</a:t>
+            </a:r>
+            <a:r>
+              <a:rPr kumimoji="1" lang="zh-CN" altLang="en-US" dirty="0" smtClean="0"/>
+              <a:t> 字段</a:t>
+            </a:r>
+            <a:endParaRPr kumimoji="1" lang="en-US" altLang="zh-CN" dirty="0" smtClean="0"/>
+          </a:p>
+          <a:p>
+            <a:endParaRPr kumimoji="1" lang="en-US" altLang="zh-CN" dirty="0"/>
+          </a:p>
+          <a:p>
+            <a:r>
+              <a:rPr kumimoji="1" lang="en-US" altLang="zh-CN" dirty="0" smtClean="0"/>
+              <a:t>To</a:t>
+            </a:r>
+            <a:r>
+              <a:rPr kumimoji="1" lang="zh-CN" altLang="en-US" dirty="0" smtClean="0"/>
+              <a:t> 字段</a:t>
+            </a:r>
+            <a:endParaRPr kumimoji="1" lang="en-US" altLang="zh-CN" dirty="0" smtClean="0"/>
+          </a:p>
+          <a:p>
+            <a:endParaRPr kumimoji="1" lang="en-US" altLang="zh-CN" dirty="0"/>
+          </a:p>
+          <a:p>
+            <a:r>
+              <a:rPr kumimoji="1" lang="zh-CN" altLang="en-US" dirty="0" smtClean="0"/>
+              <a:t>消息的状态</a:t>
+            </a:r>
+            <a:endParaRPr kumimoji="1" lang="en-US" altLang="zh-CN" dirty="0" smtClean="0"/>
+          </a:p>
+          <a:p>
+            <a:endParaRPr kumimoji="1" lang="en-US" altLang="zh-CN" dirty="0"/>
+          </a:p>
+          <a:p>
+            <a:r>
+              <a:rPr kumimoji="1" lang="en-US" altLang="zh-CN" dirty="0" smtClean="0"/>
+              <a:t>Direct</a:t>
+            </a:r>
+            <a:r>
+              <a:rPr kumimoji="1" lang="zh-CN" altLang="en-US" dirty="0" smtClean="0"/>
+              <a:t> 方向</a:t>
+            </a:r>
+            <a:endParaRPr kumimoji="1" lang="en-US" altLang="zh-CN" dirty="0" smtClean="0"/>
+          </a:p>
+          <a:p>
+            <a:endParaRPr kumimoji="1" lang="en-US" altLang="zh-CN" dirty="0"/>
+          </a:p>
+          <a:p>
+            <a:r>
+              <a:rPr kumimoji="1" lang="zh-CN" altLang="en-US" dirty="0" smtClean="0"/>
+              <a:t>消息发送的状态回调</a:t>
             </a:r>
             <a:endParaRPr kumimoji="1" lang="zh-CN" altLang="en-US" dirty="0"/>
           </a:p>
         </p:txBody>
       </p:sp>
     </p:spTree>
-    <p:extLst>
-      <p:ext uri="{BB962C8B-B14F-4D97-AF65-F5344CB8AC3E}">
-        <p14:creationId xmlns:p14="http://schemas.microsoft.com/office/powerpoint/2010/main" val="4138443587"/>
-      </p:ext>
-    </p:extLst>
   </p:cSld>
   <p:clrMapOvr>
     <a:masterClrMapping/>
@@ -7515,7 +7436,7 @@
   <p:timing>
     <p:tnLst>
       <p:par>
-        <p:cTn xmlns:p14="http://schemas.microsoft.com/office/powerpoint/2010/main" id="1" dur="indefinite" restart="never" nodeType="tmRoot"/>
+        <p:cTn id="1" dur="indefinite" restart="never" nodeType="tmRoot"/>
       </p:par>
     </p:tnLst>
   </p:timing>
@@ -7556,11 +7477,7 @@
           <a:p>
             <a:r>
               <a:rPr kumimoji="1" lang="zh-CN" altLang="en-US" dirty="0" smtClean="0"/>
-              <a:t>登录</a:t>
-            </a:r>
-            <a:r>
-              <a:rPr kumimoji="1" lang="en-US" altLang="zh-CN" dirty="0" smtClean="0"/>
-              <a:t> Demo</a:t>
+              <a:t>创建消息体</a:t>
             </a:r>
             <a:endParaRPr kumimoji="1" lang="zh-CN" altLang="en-US" dirty="0"/>
           </a:p>
@@ -7581,16 +7498,35 @@
           <a:bodyPr/>
           <a:lstStyle/>
           <a:p>
+            <a:r>
+              <a:rPr kumimoji="1" lang="en-US" altLang="zh-CN" dirty="0" err="1" smtClean="0"/>
+              <a:t>EMMessage.createXXXMessage</a:t>
+            </a:r>
+            <a:endParaRPr kumimoji="1" lang="en-US" altLang="zh-CN" dirty="0" smtClean="0"/>
+          </a:p>
+          <a:p>
+            <a:endParaRPr kumimoji="1" lang="en-US" altLang="zh-CN" dirty="0"/>
+          </a:p>
+          <a:p>
+            <a:r>
+              <a:rPr kumimoji="1" lang="zh-CN" altLang="en-US" dirty="0" smtClean="0"/>
+              <a:t>设置消息类型</a:t>
+            </a:r>
+            <a:endParaRPr kumimoji="1" lang="en-US" altLang="zh-CN" dirty="0" smtClean="0"/>
+          </a:p>
+          <a:p>
+            <a:endParaRPr kumimoji="1" lang="en-US" altLang="zh-CN" dirty="0"/>
+          </a:p>
+          <a:p>
+            <a:r>
+              <a:rPr kumimoji="1" lang="zh-CN" altLang="en-US" dirty="0" smtClean="0"/>
+              <a:t>设置消息收方</a:t>
+            </a:r>
             <a:endParaRPr kumimoji="1" lang="zh-CN" altLang="en-US" dirty="0"/>
           </a:p>
         </p:txBody>
       </p:sp>
     </p:spTree>
-    <p:extLst>
-      <p:ext uri="{BB962C8B-B14F-4D97-AF65-F5344CB8AC3E}">
-        <p14:creationId xmlns:p14="http://schemas.microsoft.com/office/powerpoint/2010/main" val="2442943992"/>
-      </p:ext>
-    </p:extLst>
   </p:cSld>
   <p:clrMapOvr>
     <a:masterClrMapping/>
@@ -7631,8 +7567,8 @@
           <a:lstStyle/>
           <a:p>
             <a:r>
-              <a:rPr kumimoji="1" lang="zh-CN" altLang="en-US" dirty="0" smtClean="0"/>
-              <a:t>应用启动流程</a:t>
+              <a:rPr kumimoji="1" lang="en-US" altLang="zh-CN" dirty="0" err="1" smtClean="0"/>
+              <a:t>EMConversation</a:t>
             </a:r>
             <a:endParaRPr kumimoji="1" lang="zh-CN" altLang="en-US" dirty="0"/>
           </a:p>
@@ -7650,42 +7586,40 @@
         </p:nvSpPr>
         <p:spPr/>
         <p:txBody>
-          <a:bodyPr/>
-          <a:lstStyle/>
-          <a:p>
-            <a:r>
-              <a:rPr kumimoji="1" lang="zh-CN" altLang="en-US" dirty="0" smtClean="0"/>
-              <a:t>进入开屏页面</a:t>
-            </a:r>
-            <a:endParaRPr kumimoji="1" lang="en-US" altLang="zh-CN" dirty="0" smtClean="0"/>
-          </a:p>
-          <a:p>
-            <a:r>
-              <a:rPr kumimoji="1" lang="zh-CN" altLang="en-US" dirty="0" smtClean="0"/>
-              <a:t>判断是否登录过</a:t>
-            </a:r>
-            <a:endParaRPr kumimoji="1" lang="en-US" altLang="zh-CN" dirty="0" smtClean="0"/>
-          </a:p>
-          <a:p>
-            <a:r>
-              <a:rPr kumimoji="1" lang="zh-CN" altLang="en-US" dirty="0" smtClean="0"/>
-              <a:t>如果登录过</a:t>
-            </a:r>
-            <a:r>
-              <a:rPr kumimoji="1" lang="en-US" altLang="zh-CN" dirty="0" smtClean="0"/>
-              <a:t>-》</a:t>
-            </a:r>
-            <a:r>
-              <a:rPr kumimoji="1" lang="zh-CN" altLang="en-US" dirty="0" smtClean="0"/>
-              <a:t>直接进入主界面</a:t>
-            </a:r>
-            <a:endParaRPr kumimoji="1" lang="en-US" altLang="zh-CN" dirty="0" smtClean="0"/>
+          <a:bodyPr>
+            <a:normAutofit fontScale="92500" lnSpcReduction="20000"/>
+          </a:bodyPr>
+          <a:lstStyle/>
+          <a:p>
+            <a:r>
+              <a:rPr kumimoji="1" lang="zh-CN" altLang="en-US" dirty="0" smtClean="0"/>
+              <a:t>会话实体类</a:t>
+            </a:r>
+            <a:endParaRPr kumimoji="1" lang="en-US" altLang="zh-CN" dirty="0" smtClean="0"/>
+          </a:p>
+          <a:p>
+            <a:endParaRPr kumimoji="1" lang="en-US" altLang="zh-CN" dirty="0"/>
+          </a:p>
+          <a:p>
+            <a:r>
+              <a:rPr kumimoji="1" lang="en-US" altLang="zh-CN" dirty="0" smtClean="0"/>
+              <a:t>Conversation</a:t>
+            </a:r>
+            <a:r>
+              <a:rPr kumimoji="1" lang="zh-CN" altLang="en-US" dirty="0" smtClean="0"/>
+              <a:t> </a:t>
+            </a:r>
+            <a:r>
+              <a:rPr kumimoji="1" lang="en-US" altLang="zh-CN" dirty="0" smtClean="0"/>
+              <a:t>ID</a:t>
+            </a:r>
+            <a:endParaRPr kumimoji="1" lang="en-US" altLang="zh-CN" dirty="0"/>
           </a:p>
           <a:p>
             <a:pPr lvl="1"/>
             <a:r>
               <a:rPr kumimoji="1" lang="zh-CN" altLang="en-US" dirty="0" smtClean="0"/>
-              <a:t>加载本地会话</a:t>
+              <a:t>聊天对方</a:t>
             </a:r>
             <a:endParaRPr kumimoji="1" lang="en-US" altLang="zh-CN" dirty="0" smtClean="0"/>
           </a:p>
@@ -7693,41 +7627,48 @@
             <a:pPr lvl="1"/>
             <a:r>
               <a:rPr kumimoji="1" lang="zh-CN" altLang="en-US" dirty="0" smtClean="0"/>
-              <a:t>加载本地群</a:t>
-            </a:r>
-            <a:endParaRPr kumimoji="1" lang="en-US" altLang="zh-CN" dirty="0" smtClean="0"/>
-          </a:p>
-          <a:p>
-            <a:r>
-              <a:rPr kumimoji="1" lang="zh-CN" altLang="en-US" dirty="0" smtClean="0"/>
-              <a:t>如果没登录过 </a:t>
-            </a:r>
-            <a:r>
-              <a:rPr kumimoji="1" lang="en-US" altLang="zh-CN" dirty="0" smtClean="0"/>
-              <a:t>-》</a:t>
-            </a:r>
-            <a:r>
-              <a:rPr kumimoji="1" lang="zh-CN" altLang="en-US" dirty="0" smtClean="0"/>
-              <a:t>接入未登录界面</a:t>
+              <a:t>或群，聊天室</a:t>
             </a:r>
             <a:endParaRPr kumimoji="1" lang="en-US" altLang="zh-CN" dirty="0" smtClean="0"/>
           </a:p>
           <a:p>
             <a:pPr lvl="1"/>
-            <a:r>
-              <a:rPr kumimoji="1" lang="zh-CN" altLang="en-US" dirty="0" smtClean="0"/>
-              <a:t>进入登录流程</a:t>
-            </a:r>
+            <a:endParaRPr kumimoji="1" lang="en-US" altLang="zh-CN" dirty="0"/>
+          </a:p>
+          <a:p>
+            <a:r>
+              <a:rPr kumimoji="1" lang="zh-CN" altLang="en-US" dirty="0" smtClean="0"/>
+              <a:t>获取相应的会话里的消息</a:t>
+            </a:r>
+            <a:endParaRPr kumimoji="1" lang="en-US" altLang="zh-CN" dirty="0" smtClean="0"/>
+          </a:p>
+          <a:p>
+            <a:pPr lvl="1"/>
+            <a:r>
+              <a:rPr kumimoji="1" lang="en-US" altLang="zh-CN" dirty="0" err="1" smtClean="0"/>
+              <a:t>loadMoreMsgFromDB</a:t>
+            </a:r>
+            <a:endParaRPr kumimoji="1" lang="en-US" altLang="zh-CN" dirty="0" smtClean="0"/>
+          </a:p>
+          <a:p>
+            <a:pPr lvl="1"/>
+            <a:endParaRPr kumimoji="1" lang="en-US" altLang="zh-CN" dirty="0"/>
+          </a:p>
+          <a:p>
+            <a:pPr lvl="1"/>
+            <a:r>
+              <a:rPr kumimoji="1" lang="en-US" altLang="zh-CN" dirty="0" err="1"/>
+              <a:t>getAllMessages</a:t>
+            </a:r>
+            <a:endParaRPr kumimoji="1" lang="en-US" altLang="zh-CN" dirty="0"/>
+          </a:p>
+          <a:p>
+            <a:pPr lvl="1"/>
             <a:endParaRPr kumimoji="1" lang="zh-CN" altLang="en-US" dirty="0"/>
           </a:p>
         </p:txBody>
       </p:sp>
     </p:spTree>
-    <p:extLst>
-      <p:ext uri="{BB962C8B-B14F-4D97-AF65-F5344CB8AC3E}">
-        <p14:creationId xmlns:p14="http://schemas.microsoft.com/office/powerpoint/2010/main" val="2763439093"/>
-      </p:ext>
-    </p:extLst>
   </p:cSld>
   <p:clrMapOvr>
     <a:masterClrMapping/>
@@ -7735,7 +7676,7 @@
   <p:timing>
     <p:tnLst>
       <p:par>
-        <p:cTn xmlns:p14="http://schemas.microsoft.com/office/powerpoint/2010/main" id="1" dur="indefinite" restart="never" nodeType="tmRoot"/>
+        <p:cTn id="1" dur="indefinite" restart="never" nodeType="tmRoot"/>
       </p:par>
     </p:tnLst>
   </p:timing>
@@ -7775,8 +7716,8 @@
           <a:lstStyle/>
           <a:p>
             <a:r>
-              <a:rPr kumimoji="1" lang="zh-CN" altLang="en-US" dirty="0" smtClean="0"/>
-              <a:t>添加联系人</a:t>
+              <a:rPr kumimoji="1" lang="en-US" altLang="zh-CN" dirty="0" err="1" smtClean="0"/>
+              <a:t>EMContact</a:t>
             </a:r>
             <a:endParaRPr kumimoji="1" lang="zh-CN" altLang="en-US" dirty="0"/>
           </a:p>
@@ -7798,33 +7739,10 @@
           <a:lstStyle/>
           <a:p>
             <a:r>
-              <a:rPr kumimoji="1" lang="en-US" altLang="zh-CN" dirty="0" err="1" smtClean="0"/>
-              <a:t>EMContactManager</a:t>
-            </a:r>
-            <a:r>
-              <a:rPr kumimoji="1" lang="zh-CN" altLang="en-US" dirty="0" smtClean="0"/>
-              <a:t>:</a:t>
-            </a:r>
-            <a:r>
-              <a:rPr kumimoji="1" lang="en-US" altLang="zh-CN" dirty="0" smtClean="0"/>
-              <a:t>:</a:t>
-            </a:r>
-            <a:r>
-              <a:rPr kumimoji="1" lang="en-US" altLang="zh-CN" dirty="0" err="1" smtClean="0"/>
-              <a:t>addContact</a:t>
-            </a:r>
-            <a:r>
-              <a:rPr kumimoji="1" lang="en-US" altLang="zh-CN" dirty="0" smtClean="0"/>
-              <a:t>(</a:t>
-            </a:r>
-            <a:r>
-              <a:rPr kumimoji="1" lang="en-US" altLang="zh-CN" dirty="0" err="1" smtClean="0"/>
-              <a:t>name,reason</a:t>
-            </a:r>
-            <a:r>
-              <a:rPr kumimoji="1" lang="en-US" altLang="zh-CN" dirty="0" smtClean="0"/>
-              <a:t>)</a:t>
-            </a:r>
+              <a:rPr kumimoji="1" lang="en-US" altLang="en-US" dirty="0" smtClean="0"/>
+              <a:t>环信联系人实体类</a:t>
+            </a:r>
+            <a:endParaRPr kumimoji="1" lang="en-US" altLang="en-US" dirty="0" smtClean="0"/>
           </a:p>
           <a:p>
             <a:endParaRPr kumimoji="1" lang="en-US" altLang="zh-CN" dirty="0"/>
@@ -7832,32 +7750,40 @@
           <a:p>
             <a:r>
               <a:rPr kumimoji="1" lang="zh-CN" altLang="en-US" dirty="0" smtClean="0"/>
-              <a:t>监听对方接受事件</a:t>
-            </a:r>
-            <a:endParaRPr kumimoji="1" lang="en-US" altLang="zh-CN" dirty="0" smtClean="0"/>
-          </a:p>
-          <a:p>
-            <a:endParaRPr kumimoji="1" lang="en-US" altLang="zh-CN" dirty="0"/>
-          </a:p>
-          <a:p>
-            <a:r>
-              <a:rPr kumimoji="1" lang="zh-CN" altLang="en-US" dirty="0" smtClean="0"/>
-              <a:t>把联系人加到缓存和数据库</a:t>
+              <a:t>存储环信</a:t>
+            </a:r>
+            <a:r>
+              <a:rPr kumimoji="1" lang="en-US" altLang="zh-CN" dirty="0" smtClean="0"/>
+              <a:t>ID</a:t>
+            </a:r>
+            <a:endParaRPr kumimoji="1" lang="en-US" altLang="zh-CN" dirty="0" smtClean="0"/>
+          </a:p>
+          <a:p>
+            <a:pPr lvl="1"/>
+            <a:r>
+              <a:rPr kumimoji="1" lang="en-US" altLang="zh-CN" dirty="0" err="1" smtClean="0"/>
+              <a:t>getUsername</a:t>
+            </a:r>
+            <a:r>
+              <a:rPr kumimoji="1" lang="en-US" altLang="zh-CN" dirty="0" smtClean="0"/>
+              <a:t>()</a:t>
             </a:r>
             <a:endParaRPr kumimoji="1" lang="zh-CN" altLang="en-US" dirty="0"/>
           </a:p>
         </p:txBody>
       </p:sp>
     </p:spTree>
-    <p:extLst>
-      <p:ext uri="{BB962C8B-B14F-4D97-AF65-F5344CB8AC3E}">
-        <p14:creationId xmlns:p14="http://schemas.microsoft.com/office/powerpoint/2010/main" val="556588356"/>
-      </p:ext>
-    </p:extLst>
   </p:cSld>
   <p:clrMapOvr>
     <a:masterClrMapping/>
   </p:clrMapOvr>
+  <p:timing>
+    <p:tnLst>
+      <p:par>
+        <p:cTn id="1" dur="indefinite" restart="never" nodeType="tmRoot"/>
+      </p:par>
+    </p:tnLst>
+  </p:timing>
 </p:sld>
 </file>
 
@@ -7894,12 +7820,8 @@
           <a:lstStyle/>
           <a:p>
             <a:r>
-              <a:rPr kumimoji="1" lang="zh-CN" altLang="en-US" dirty="0" smtClean="0"/>
-              <a:t>添加联系人</a:t>
-            </a:r>
-            <a:r>
-              <a:rPr kumimoji="1" lang="en-US" altLang="zh-CN" dirty="0" smtClean="0"/>
-              <a:t>Demo</a:t>
+              <a:rPr kumimoji="1" lang="en-US" altLang="zh-CN" dirty="0" err="1" smtClean="0"/>
+              <a:t>EMGroup</a:t>
             </a:r>
             <a:endParaRPr kumimoji="1" lang="zh-CN" altLang="en-US" dirty="0"/>
           </a:p>
@@ -7920,20 +7842,52 @@
           <a:bodyPr/>
           <a:lstStyle/>
           <a:p>
+            <a:r>
+              <a:rPr kumimoji="1" lang="zh-CN" altLang="en-US" dirty="0" smtClean="0"/>
+              <a:t>群实体类</a:t>
+            </a:r>
+            <a:endParaRPr kumimoji="1" lang="en-US" altLang="zh-CN" dirty="0" smtClean="0"/>
+          </a:p>
+          <a:p>
+            <a:endParaRPr kumimoji="1" lang="en-US" altLang="zh-CN" dirty="0"/>
+          </a:p>
+          <a:p>
+            <a:r>
+              <a:rPr kumimoji="1" lang="zh-CN" altLang="en-US" dirty="0" smtClean="0"/>
+              <a:t>群</a:t>
+            </a:r>
+            <a:r>
+              <a:rPr kumimoji="1" lang="en-US" altLang="zh-CN" dirty="0" smtClean="0"/>
+              <a:t>ID</a:t>
+            </a:r>
+            <a:endParaRPr kumimoji="1" lang="en-US" altLang="zh-CN" dirty="0" smtClean="0"/>
+          </a:p>
+          <a:p>
+            <a:pPr lvl="1"/>
+            <a:r>
+              <a:rPr kumimoji="1" lang="en-US" altLang="zh-CN" dirty="0" err="1" smtClean="0"/>
+              <a:t>getGroupId</a:t>
+            </a:r>
+            <a:r>
+              <a:rPr kumimoji="1" lang="en-US" altLang="zh-CN" dirty="0" smtClean="0"/>
+              <a:t>()</a:t>
+            </a:r>
             <a:endParaRPr kumimoji="1" lang="zh-CN" altLang="en-US" dirty="0"/>
           </a:p>
         </p:txBody>
       </p:sp>
     </p:spTree>
-    <p:extLst>
-      <p:ext uri="{BB962C8B-B14F-4D97-AF65-F5344CB8AC3E}">
-        <p14:creationId xmlns:p14="http://schemas.microsoft.com/office/powerpoint/2010/main" val="2985831294"/>
-      </p:ext>
-    </p:extLst>
   </p:cSld>
   <p:clrMapOvr>
     <a:masterClrMapping/>
   </p:clrMapOvr>
+  <p:timing>
+    <p:tnLst>
+      <p:par>
+        <p:cTn id="1" dur="indefinite" restart="never" nodeType="tmRoot"/>
+      </p:par>
+    </p:tnLst>
+  </p:timing>
 </p:sld>
 </file>
 
@@ -7964,48 +7918,25 @@
             <p:ph type="title"/>
           </p:nvPr>
         </p:nvSpPr>
-        <p:spPr/>
-        <p:txBody>
-          <a:bodyPr/>
-          <a:lstStyle/>
-          <a:p>
-            <a:r>
-              <a:rPr kumimoji="1" lang="en-US" altLang="en-US" dirty="0" smtClean="0"/>
-              <a:t>监听</a:t>
-            </a:r>
-            <a:r>
-              <a:rPr kumimoji="1" lang="zh-CN" altLang="en-US" dirty="0" smtClean="0"/>
-              <a:t>联系人事件</a:t>
+        <p:spPr>
+          <a:xfrm>
+            <a:off x="457200" y="3068218"/>
+            <a:ext cx="8229600" cy="1143000"/>
+          </a:xfrm>
+        </p:spPr>
+        <p:txBody>
+          <a:bodyPr/>
+          <a:lstStyle/>
+          <a:p>
+            <a:r>
+              <a:rPr kumimoji="1" lang="zh-CN" altLang="en-US" dirty="0" smtClean="0"/>
+              <a:t>集成场景</a:t>
             </a:r>
             <a:endParaRPr kumimoji="1" lang="zh-CN" altLang="en-US" dirty="0"/>
           </a:p>
         </p:txBody>
       </p:sp>
-      <p:sp>
-        <p:nvSpPr>
-          <p:cNvPr id="3" name="内容占位符 2"/>
-          <p:cNvSpPr>
-            <a:spLocks noGrp="1"/>
-          </p:cNvSpPr>
-          <p:nvPr>
-            <p:ph idx="1"/>
-          </p:nvPr>
-        </p:nvSpPr>
-        <p:spPr/>
-        <p:txBody>
-          <a:bodyPr/>
-          <a:lstStyle/>
-          <a:p>
-            <a:endParaRPr kumimoji="1" lang="zh-CN" altLang="en-US" dirty="0"/>
-          </a:p>
-        </p:txBody>
-      </p:sp>
     </p:spTree>
-    <p:extLst>
-      <p:ext uri="{BB962C8B-B14F-4D97-AF65-F5344CB8AC3E}">
-        <p14:creationId xmlns:p14="http://schemas.microsoft.com/office/powerpoint/2010/main" val="374258346"/>
-      </p:ext>
-    </p:extLst>
   </p:cSld>
   <p:clrMapOvr>
     <a:masterClrMapping/>
@@ -8047,15 +7978,7 @@
           <a:p>
             <a:r>
               <a:rPr kumimoji="1" lang="zh-CN" altLang="en-US" dirty="0" smtClean="0"/>
-              <a:t>发送</a:t>
-            </a:r>
-            <a:r>
-              <a:rPr kumimoji="1" lang="zh-CN" altLang="en-US" dirty="0" smtClean="0"/>
-              <a:t>消息</a:t>
-            </a:r>
-            <a:r>
-              <a:rPr kumimoji="1" lang="zh-CN" altLang="en-US" dirty="0" smtClean="0"/>
-              <a:t>流程</a:t>
+              <a:t>初始化流程</a:t>
             </a:r>
             <a:endParaRPr kumimoji="1" lang="zh-CN" altLang="en-US" dirty="0"/>
           </a:p>
@@ -8073,91 +7996,42 @@
         </p:nvSpPr>
         <p:spPr/>
         <p:txBody>
-          <a:bodyPr>
-            <a:normAutofit/>
-          </a:bodyPr>
-          <a:lstStyle/>
-          <a:p>
-            <a:r>
-              <a:rPr kumimoji="1" lang="en-US" altLang="zh-CN" dirty="0" err="1" smtClean="0"/>
-              <a:t>EMMessage.createXXXMessage</a:t>
-            </a:r>
-            <a:r>
-              <a:rPr kumimoji="1" lang="en-US" altLang="zh-CN" dirty="0" smtClean="0"/>
-              <a:t>()</a:t>
-            </a:r>
-            <a:r>
-              <a:rPr kumimoji="1" lang="zh-CN" altLang="en-US" dirty="0" smtClean="0"/>
-              <a:t> 创建消息体</a:t>
-            </a:r>
-            <a:endParaRPr kumimoji="1" lang="en-US" altLang="zh-CN" dirty="0" smtClean="0"/>
-          </a:p>
-          <a:p>
-            <a:endParaRPr kumimoji="1" lang="en-US" altLang="zh-CN" dirty="0" smtClean="0"/>
-          </a:p>
-          <a:p>
-            <a:r>
-              <a:rPr kumimoji="1" lang="zh-CN" altLang="en-US" dirty="0" smtClean="0"/>
-              <a:t>设置发送</a:t>
-            </a:r>
-            <a:r>
-              <a:rPr kumimoji="1" lang="en-US" altLang="zh-CN" dirty="0" smtClean="0"/>
-              <a:t>callback</a:t>
-            </a:r>
-            <a:r>
-              <a:rPr kumimoji="1" lang="zh-CN" altLang="en-US" dirty="0" smtClean="0"/>
-              <a:t>，以获取发送的状态，然后更新页面</a:t>
-            </a:r>
+          <a:bodyPr/>
+          <a:lstStyle/>
+          <a:p>
+            <a:r>
+              <a:rPr kumimoji="1" lang="en-US" altLang="en-US" dirty="0" smtClean="0"/>
+              <a:t>加判断，防自踢</a:t>
+            </a:r>
+            <a:endParaRPr kumimoji="1" lang="en-US" altLang="en-US" dirty="0" smtClean="0"/>
+          </a:p>
+          <a:p>
             <a:endParaRPr kumimoji="1" lang="en-US" altLang="zh-CN" dirty="0"/>
           </a:p>
           <a:p>
-            <a:endParaRPr kumimoji="1" lang="en-US" altLang="zh-CN" dirty="0" smtClean="0"/>
-          </a:p>
-          <a:p>
-            <a:r>
-              <a:rPr kumimoji="1" lang="en-US" altLang="zh-CN" dirty="0" err="1"/>
-              <a:t>EMClient.getInstance</a:t>
-            </a:r>
-            <a:r>
-              <a:rPr kumimoji="1" lang="en-US" altLang="zh-CN" dirty="0"/>
-              <a:t>().</a:t>
-            </a:r>
-            <a:r>
-              <a:rPr kumimoji="1" lang="en-US" altLang="zh-CN" dirty="0" err="1"/>
-              <a:t>chatManager</a:t>
-            </a:r>
-            <a:r>
-              <a:rPr kumimoji="1" lang="en-US" altLang="zh-CN" dirty="0"/>
-              <a:t>().</a:t>
-            </a:r>
-            <a:r>
-              <a:rPr kumimoji="1" lang="en-US" altLang="zh-CN" dirty="0" err="1"/>
-              <a:t>sendMessage</a:t>
-            </a:r>
-            <a:r>
-              <a:rPr kumimoji="1" lang="en-US" altLang="zh-CN" dirty="0"/>
-              <a:t>(</a:t>
-            </a:r>
-            <a:r>
-              <a:rPr kumimoji="1" lang="en-US" altLang="zh-CN" dirty="0" err="1"/>
-              <a:t>msg</a:t>
-            </a:r>
-            <a:r>
-              <a:rPr kumimoji="1" lang="en-US" altLang="zh-CN" dirty="0"/>
-              <a:t>)</a:t>
-            </a:r>
-          </a:p>
-          <a:p>
+            <a:r>
+              <a:rPr kumimoji="1" lang="zh-CN" altLang="en-US" dirty="0" smtClean="0"/>
+              <a:t>初始化</a:t>
+            </a:r>
+            <a:r>
+              <a:rPr kumimoji="1" lang="en-US" altLang="zh-CN" dirty="0" smtClean="0"/>
+              <a:t>SDK</a:t>
+            </a:r>
+            <a:endParaRPr kumimoji="1" lang="en-US" altLang="zh-CN" dirty="0" smtClean="0"/>
+          </a:p>
+          <a:p>
+            <a:endParaRPr kumimoji="1" lang="en-US" altLang="zh-CN" dirty="0"/>
+          </a:p>
+          <a:p>
+            <a:r>
+              <a:rPr kumimoji="1" lang="zh-CN" altLang="en-US" dirty="0" smtClean="0"/>
+              <a:t>监听全局事件</a:t>
+            </a:r>
             <a:endParaRPr kumimoji="1" lang="zh-CN" altLang="en-US" dirty="0"/>
           </a:p>
         </p:txBody>
       </p:sp>
     </p:spTree>
-    <p:extLst>
-      <p:ext uri="{BB962C8B-B14F-4D97-AF65-F5344CB8AC3E}">
-        <p14:creationId xmlns:p14="http://schemas.microsoft.com/office/powerpoint/2010/main" val="2700658824"/>
-      </p:ext>
-    </p:extLst>
   </p:cSld>
   <p:clrMapOvr>
     <a:masterClrMapping/>
@@ -8165,7 +8039,7 @@
   <p:timing>
     <p:tnLst>
       <p:par>
-        <p:cTn xmlns:p14="http://schemas.microsoft.com/office/powerpoint/2010/main" id="1" dur="indefinite" restart="never" nodeType="tmRoot"/>
+        <p:cTn id="1" dur="indefinite" restart="never" nodeType="tmRoot"/>
       </p:par>
     </p:tnLst>
   </p:timing>
@@ -8205,12 +8079,16 @@
           <a:lstStyle/>
           <a:p>
             <a:r>
-              <a:rPr kumimoji="1" lang="zh-CN" altLang="en-US" dirty="0" smtClean="0"/>
-              <a:t>发送消息</a:t>
-            </a:r>
-            <a:r>
-              <a:rPr kumimoji="1" lang="en-US" altLang="zh-CN" dirty="0" smtClean="0"/>
-              <a:t> Demo</a:t>
+              <a:rPr kumimoji="1" lang="zh-CN" altLang="en-US" dirty="0"/>
+              <a:t>初始化流</a:t>
+            </a:r>
+            <a:r>
+              <a:rPr kumimoji="1" lang="zh-CN" altLang="en-US" dirty="0" smtClean="0"/>
+              <a:t>程 </a:t>
+            </a:r>
+            <a:r>
+              <a:rPr kumimoji="1" lang="en-US" altLang="zh-CN" dirty="0" smtClean="0"/>
+              <a:t>Demo</a:t>
             </a:r>
             <a:endParaRPr kumimoji="1" lang="zh-CN" altLang="en-US" dirty="0"/>
           </a:p>
@@ -8231,16 +8109,23 @@
           <a:bodyPr/>
           <a:lstStyle/>
           <a:p>
-            <a:endParaRPr kumimoji="1" lang="zh-CN" altLang="en-US"/>
+            <a:r>
+              <a:rPr kumimoji="1" lang="en-US" altLang="zh-CN" dirty="0" smtClean="0"/>
+              <a:t>10</a:t>
+            </a:r>
+            <a:r>
+              <a:rPr kumimoji="1" lang="zh-CN" altLang="en-US" dirty="0" smtClean="0"/>
+              <a:t> </a:t>
+            </a:r>
+            <a:r>
+              <a:rPr kumimoji="1" lang="en-US" altLang="zh-CN" dirty="0" err="1" smtClean="0"/>
+              <a:t>mins</a:t>
+            </a:r>
+            <a:endParaRPr kumimoji="1" lang="zh-CN" altLang="en-US" dirty="0"/>
           </a:p>
         </p:txBody>
       </p:sp>
     </p:spTree>
-    <p:extLst>
-      <p:ext uri="{BB962C8B-B14F-4D97-AF65-F5344CB8AC3E}">
-        <p14:creationId xmlns:p14="http://schemas.microsoft.com/office/powerpoint/2010/main" val="1551448302"/>
-      </p:ext>
-    </p:extLst>
   </p:cSld>
   <p:clrMapOvr>
     <a:masterClrMapping/>
@@ -8282,151 +8167,160 @@
           <a:p>
             <a:r>
               <a:rPr kumimoji="1" lang="zh-CN" altLang="en-US" dirty="0" smtClean="0"/>
-              <a:t>课程最后任务</a:t>
-            </a:r>
+              <a:t>环境准备</a:t>
+            </a:r>
+            <a:endParaRPr kumimoji="1" lang="zh-CN" altLang="en-US" dirty="0" smtClean="0"/>
+          </a:p>
+        </p:txBody>
+      </p:sp>
+      <p:sp>
+        <p:nvSpPr>
+          <p:cNvPr id="3" name="内容占位符 2"/>
+          <p:cNvSpPr>
+            <a:spLocks noGrp="1"/>
+          </p:cNvSpPr>
+          <p:nvPr>
+            <p:ph idx="1"/>
+          </p:nvPr>
+        </p:nvSpPr>
+        <p:spPr>
+          <a:ln>
+            <a:solidFill>
+              <a:schemeClr val="bg2"/>
+            </a:solidFill>
+          </a:ln>
+        </p:spPr>
+        <p:txBody>
+          <a:bodyPr>
+            <a:normAutofit fontScale="90000" lnSpcReduction="10000"/>
+          </a:bodyPr>
+          <a:lstStyle/>
+          <a:p>
+            <a:r>
+              <a:rPr kumimoji="1" lang="zh-CN" altLang="en-US" dirty="0" smtClean="0">
+                <a:sym typeface="+mn-ea"/>
+              </a:rPr>
+              <a:t>注册应用</a:t>
+            </a:r>
+            <a:r>
+              <a:rPr kumimoji="1" lang="en-US" altLang="zh-CN" dirty="0" smtClean="0">
+                <a:sym typeface="+mn-ea"/>
+              </a:rPr>
+              <a:t>APP key</a:t>
+            </a:r>
+            <a:endParaRPr kumimoji="1" lang="en-US" altLang="zh-CN" dirty="0" smtClean="0">
+              <a:sym typeface="+mn-ea"/>
+            </a:endParaRPr>
+          </a:p>
+          <a:p>
             <a:endParaRPr kumimoji="1" lang="zh-CN" altLang="en-US" dirty="0"/>
           </a:p>
-        </p:txBody>
-      </p:sp>
-      <p:sp>
-        <p:nvSpPr>
-          <p:cNvPr id="3" name="内容占位符 2"/>
-          <p:cNvSpPr>
-            <a:spLocks noGrp="1"/>
-          </p:cNvSpPr>
-          <p:nvPr>
-            <p:ph idx="1"/>
-          </p:nvPr>
-        </p:nvSpPr>
-        <p:spPr/>
-        <p:txBody>
-          <a:bodyPr>
-            <a:normAutofit fontScale="62500" lnSpcReduction="20000"/>
-          </a:bodyPr>
-          <a:lstStyle/>
-          <a:p>
-            <a:r>
-              <a:rPr lang="en-US" altLang="zh-TW" b="1" dirty="0"/>
-              <a:t>IM Demo APP </a:t>
-            </a:r>
-            <a:r>
-              <a:rPr lang="zh-TW" altLang="en-US" b="1" dirty="0"/>
-              <a:t>实现</a:t>
-            </a:r>
-          </a:p>
-          <a:p>
-            <a:endParaRPr lang="en-US" altLang="zh-TW" dirty="0" smtClean="0"/>
-          </a:p>
-          <a:p>
-            <a:r>
-              <a:rPr lang="zh-TW" altLang="en-US" dirty="0" smtClean="0"/>
-              <a:t>每个人按需求实现一个简单</a:t>
-            </a:r>
-            <a:r>
-              <a:rPr lang="zh-TW" altLang="en-US" dirty="0"/>
-              <a:t>的聊天</a:t>
-            </a:r>
-            <a:r>
-              <a:rPr lang="en-US" altLang="zh-TW" dirty="0"/>
-              <a:t>APP</a:t>
-            </a:r>
-          </a:p>
-          <a:p>
-            <a:r>
-              <a:rPr lang="zh-CN" altLang="en-US" dirty="0"/>
-              <a:t>开屏页面</a:t>
-            </a:r>
-          </a:p>
-          <a:p>
-            <a:r>
-              <a:rPr lang="zh-CN" altLang="en-US" dirty="0"/>
-              <a:t>注册登录页面</a:t>
-            </a:r>
-          </a:p>
-          <a:p>
-            <a:r>
-              <a:rPr lang="zh-CN" altLang="en-US" dirty="0"/>
-              <a:t>主页面包含三个子页面</a:t>
-            </a:r>
-            <a:r>
-              <a:rPr lang="en-US" altLang="zh-CN" dirty="0"/>
-              <a:t>(</a:t>
-            </a:r>
-            <a:r>
-              <a:rPr lang="zh-CN" altLang="en-US" dirty="0"/>
-              <a:t>三个 </a:t>
-            </a:r>
-            <a:r>
-              <a:rPr lang="en-US" altLang="zh-CN" dirty="0"/>
-              <a:t>Fragment)</a:t>
-            </a:r>
+          <a:p>
+            <a:r>
+              <a:rPr kumimoji="1" lang="zh-CN" altLang="en-US" dirty="0"/>
+              <a:t>下载环信</a:t>
+            </a:r>
+            <a:r>
+              <a:rPr kumimoji="1" lang="en-US" altLang="zh-CN" dirty="0"/>
+              <a:t>IM SDK</a:t>
+            </a:r>
+            <a:endParaRPr kumimoji="1" lang="en-US" altLang="zh-CN" dirty="0" smtClean="0">
+              <a:hlinkClick r:id="rId1"/>
+            </a:endParaRPr>
           </a:p>
           <a:p>
             <a:pPr lvl="1"/>
             <a:r>
-              <a:rPr lang="zh-CN" altLang="en-US" dirty="0">
+              <a:rPr kumimoji="1" lang="en-US" altLang="zh-CN" dirty="0" smtClean="0">
+                <a:hlinkClick r:id="rId1"/>
+              </a:rPr>
+              <a:t>http</a:t>
+            </a:r>
+            <a:r>
+              <a:rPr kumimoji="1" lang="en-US" altLang="zh-CN" dirty="0">
+                <a:hlinkClick r:id="rId1"/>
+              </a:rPr>
+              <a:t>://www.easemob.com/download/</a:t>
+            </a:r>
+            <a:r>
+              <a:rPr kumimoji="1" lang="en-US" altLang="zh-CN" dirty="0" smtClean="0">
+                <a:hlinkClick r:id="rId1"/>
+              </a:rPr>
+              <a:t>im</a:t>
+            </a:r>
+            <a:endParaRPr kumimoji="1" lang="en-US" altLang="zh-CN" dirty="0" smtClean="0"/>
+          </a:p>
+          <a:p>
+            <a:endParaRPr kumimoji="1" lang="en-US" altLang="zh-CN" dirty="0"/>
+          </a:p>
+          <a:p>
+            <a:r>
+              <a:rPr kumimoji="1" lang="en-US" altLang="zh-CN" dirty="0" smtClean="0"/>
+              <a:t>Android</a:t>
+            </a:r>
+            <a:r>
+              <a:rPr kumimoji="1" lang="zh-CN" altLang="en-US" dirty="0" smtClean="0"/>
+              <a:t> </a:t>
+            </a:r>
+            <a:r>
+              <a:rPr kumimoji="1" lang="en-US" altLang="zh-CN" dirty="0" smtClean="0"/>
+              <a:t>Studio</a:t>
+            </a:r>
+            <a:endParaRPr kumimoji="1" lang="en-US" altLang="zh-CN" dirty="0" smtClean="0"/>
+          </a:p>
+          <a:p>
+            <a:endParaRPr kumimoji="1" lang="en-US" altLang="zh-CN" dirty="0"/>
+          </a:p>
+          <a:p>
+            <a:r>
+              <a:rPr kumimoji="1" lang="zh-CN" altLang="en-US" dirty="0" smtClean="0"/>
+              <a:t>我们的工作空间：</a:t>
+            </a:r>
+            <a:endParaRPr kumimoji="1" lang="en-US" altLang="zh-CN" dirty="0" smtClean="0"/>
+          </a:p>
+          <a:p>
+            <a:pPr lvl="1"/>
+            <a:r>
+              <a:rPr kumimoji="1" lang="zh-CN" altLang="en-US" dirty="0" smtClean="0"/>
+              <a:t> </a:t>
+            </a:r>
+            <a:r>
+              <a:rPr kumimoji="1" lang="en-US" altLang="zh-CN" dirty="0">
+                <a:solidFill>
+                  <a:schemeClr val="tx2"/>
+                </a:solidFill>
                 <a:hlinkClick r:id="rId2"/>
               </a:rPr>
-              <a:t>会话列表页面</a:t>
-            </a:r>
+              <a:t>https://github.com/atsiliconvalley/</a:t>
+            </a:r>
+            <a:r>
+              <a:rPr kumimoji="1" lang="en-US" altLang="zh-CN" dirty="0" smtClean="0">
+                <a:solidFill>
+                  <a:schemeClr val="tx2"/>
+                </a:solidFill>
+                <a:hlinkClick r:id="rId2"/>
+              </a:rPr>
+              <a:t>easemobintegration</a:t>
+            </a:r>
+            <a:endParaRPr kumimoji="1" lang="en-US" altLang="zh-CN" dirty="0" smtClean="0">
+              <a:solidFill>
+                <a:schemeClr val="tx2"/>
+              </a:solidFill>
+            </a:endParaRPr>
           </a:p>
           <a:p>
             <a:pPr lvl="1"/>
-            <a:r>
-              <a:rPr lang="zh-CN" altLang="en-US" dirty="0">
-                <a:hlinkClick r:id="rId3"/>
-              </a:rPr>
-              <a:t>联系人页面</a:t>
-            </a:r>
-          </a:p>
-          <a:p>
-            <a:pPr lvl="1"/>
-            <a:r>
-              <a:rPr lang="zh-CN" altLang="en-US" dirty="0"/>
-              <a:t>设置页面</a:t>
-            </a:r>
-          </a:p>
-          <a:p>
-            <a:r>
-              <a:rPr lang="zh-CN" altLang="en-US" dirty="0">
-                <a:hlinkClick r:id="rId4"/>
-              </a:rPr>
-              <a:t>会话页面</a:t>
-            </a:r>
-          </a:p>
-          <a:p>
-            <a:r>
-              <a:rPr lang="zh-CN" altLang="en-US" dirty="0"/>
-              <a:t>收到消息更新会话列表页面</a:t>
-            </a:r>
-          </a:p>
-          <a:p>
-            <a:r>
-              <a:rPr lang="zh-CN" altLang="en-US" dirty="0"/>
-              <a:t>点击联系人进入会话页面</a:t>
-            </a:r>
-          </a:p>
-          <a:p>
-            <a:r>
-              <a:rPr lang="zh-CN" altLang="en-US" dirty="0"/>
-              <a:t>可以发送文字，图片，和视频消息</a:t>
-            </a:r>
-          </a:p>
-          <a:p>
-            <a:r>
-              <a:rPr lang="zh-CN" altLang="en-US" dirty="0"/>
-              <a:t>每个人必须按要求创建一个分支，提交代码到此分支，老师会检查</a:t>
-            </a:r>
+            <a:endParaRPr kumimoji="1" lang="en-US" altLang="zh-CN" dirty="0" smtClean="0"/>
+          </a:p>
+          <a:p>
+            <a:endParaRPr kumimoji="1" lang="en-US" altLang="zh-CN" dirty="0"/>
+          </a:p>
+          <a:p>
             <a:endParaRPr kumimoji="1" lang="zh-CN" altLang="en-US" dirty="0"/>
           </a:p>
         </p:txBody>
       </p:sp>
     </p:spTree>
-    <p:extLst>
-      <p:ext uri="{BB962C8B-B14F-4D97-AF65-F5344CB8AC3E}">
-        <p14:creationId xmlns:p14="http://schemas.microsoft.com/office/powerpoint/2010/main" val="3298931268"/>
-      </p:ext>
-    </p:extLst>
   </p:cSld>
   <p:clrMapOvr>
     <a:masterClrMapping/>
@@ -8434,7 +8328,7 @@
   <p:timing>
     <p:tnLst>
       <p:par>
-        <p:cTn xmlns:p14="http://schemas.microsoft.com/office/powerpoint/2010/main" id="1" dur="indefinite" restart="never" nodeType="tmRoot"/>
+        <p:cTn id="1" dur="indefinite" restart="never" nodeType="tmRoot"/>
       </p:par>
     </p:tnLst>
   </p:timing>
@@ -8475,15 +8369,7 @@
           <a:p>
             <a:r>
               <a:rPr kumimoji="1" lang="zh-CN" altLang="en-US" dirty="0" smtClean="0"/>
-              <a:t>接收</a:t>
-            </a:r>
-            <a:r>
-              <a:rPr kumimoji="1" lang="zh-CN" altLang="en-US" dirty="0" smtClean="0"/>
-              <a:t>消息</a:t>
-            </a:r>
-            <a:r>
-              <a:rPr kumimoji="1" lang="zh-CN" altLang="en-US" dirty="0" smtClean="0"/>
-              <a:t>流程</a:t>
+              <a:t>登录流程</a:t>
             </a:r>
             <a:endParaRPr kumimoji="1" lang="zh-CN" altLang="en-US" dirty="0"/>
           </a:p>
@@ -8501,51 +8387,113 @@
         </p:nvSpPr>
         <p:spPr/>
         <p:txBody>
-          <a:bodyPr/>
-          <a:lstStyle/>
-          <a:p>
-            <a:r>
-              <a:rPr kumimoji="1" lang="zh-CN" altLang="en-US" dirty="0" smtClean="0"/>
-              <a:t>监听</a:t>
-            </a:r>
-            <a:r>
-              <a:rPr kumimoji="1" lang="en-US" altLang="zh-CN" dirty="0" smtClean="0"/>
+          <a:bodyPr>
+            <a:normAutofit fontScale="85000" lnSpcReduction="20000"/>
+          </a:bodyPr>
+          <a:lstStyle/>
+          <a:p>
+            <a:r>
+              <a:rPr kumimoji="1" lang="zh-CN" altLang="en-US" dirty="0" smtClean="0"/>
+              <a:t>调用登录</a:t>
+            </a:r>
+            <a:endParaRPr kumimoji="1" lang="en-US" altLang="zh-CN" dirty="0" smtClean="0"/>
+          </a:p>
+          <a:p>
+            <a:r>
+              <a:rPr kumimoji="1" lang="zh-CN" altLang="en-US" dirty="0" smtClean="0"/>
+              <a:t>等待登录结果</a:t>
+            </a:r>
+            <a:endParaRPr kumimoji="1" lang="en-US" altLang="zh-CN" dirty="0" smtClean="0"/>
+          </a:p>
+          <a:p>
+            <a:r>
+              <a:rPr kumimoji="1" lang="zh-CN" altLang="en-US" dirty="0" smtClean="0"/>
+              <a:t>登录成功</a:t>
+            </a:r>
+            <a:endParaRPr kumimoji="1" lang="en-US" altLang="zh-CN" dirty="0" smtClean="0"/>
+          </a:p>
+          <a:p>
+            <a:pPr lvl="1"/>
+            <a:r>
+              <a:rPr kumimoji="1" lang="zh-CN" altLang="en-US" dirty="0" smtClean="0"/>
+              <a:t>取联系人</a:t>
+            </a:r>
+            <a:endParaRPr kumimoji="1" lang="en-US" altLang="zh-CN" dirty="0" smtClean="0"/>
+          </a:p>
+          <a:p>
+            <a:pPr lvl="1"/>
+            <a:r>
+              <a:rPr kumimoji="1" lang="zh-CN" altLang="en-US" dirty="0" smtClean="0"/>
+              <a:t>存联系人到本地</a:t>
+            </a:r>
+            <a:endParaRPr kumimoji="1" lang="en-US" altLang="zh-CN" dirty="0" smtClean="0"/>
+          </a:p>
+          <a:p>
+            <a:pPr lvl="1"/>
+            <a:r>
+              <a:rPr kumimoji="1" lang="zh-CN" altLang="en-US" dirty="0" smtClean="0"/>
+              <a:t>取群组</a:t>
+            </a:r>
+            <a:endParaRPr kumimoji="1" lang="en-US" altLang="zh-CN" dirty="0" smtClean="0"/>
+          </a:p>
+          <a:p>
+            <a:pPr lvl="1"/>
+            <a:r>
+              <a:rPr kumimoji="1" lang="zh-CN" altLang="en-US" dirty="0" smtClean="0"/>
+              <a:t>加载会话</a:t>
+            </a:r>
+            <a:endParaRPr kumimoji="1" lang="en-US" altLang="zh-CN" dirty="0" smtClean="0"/>
+          </a:p>
+          <a:p>
+            <a:pPr lvl="1"/>
+            <a:r>
+              <a:rPr kumimoji="1" lang="zh-CN" altLang="en-US" dirty="0" smtClean="0"/>
+              <a:t>加载群组</a:t>
+            </a:r>
+            <a:endParaRPr kumimoji="1" lang="en-US" altLang="zh-CN" dirty="0" smtClean="0"/>
+          </a:p>
+          <a:p>
+            <a:pPr lvl="1"/>
+            <a:r>
+              <a:rPr kumimoji="1" lang="zh-CN" altLang="en-US" dirty="0" smtClean="0"/>
+              <a:t>进入主页面</a:t>
+            </a:r>
+            <a:endParaRPr kumimoji="1" lang="en-US" altLang="zh-CN" dirty="0" smtClean="0"/>
+          </a:p>
+          <a:p>
+            <a:r>
+              <a:rPr kumimoji="1" lang="zh-CN" altLang="en-US" dirty="0" smtClean="0"/>
+              <a:t>登录失败</a:t>
+            </a:r>
+            <a:endParaRPr kumimoji="1" lang="en-US" altLang="zh-CN" dirty="0" smtClean="0"/>
+          </a:p>
+          <a:p>
+            <a:pPr lvl="1"/>
+            <a:r>
+              <a:rPr kumimoji="1" lang="zh-CN" altLang="en-US" dirty="0" smtClean="0"/>
+              <a:t>弹出登录失败会话窗口 </a:t>
+            </a:r>
+            <a:r>
+              <a:rPr kumimoji="1" lang="en-US" altLang="zh-CN" dirty="0" smtClean="0"/>
+              <a:t>-&gt;toast</a:t>
+            </a:r>
+            <a:r>
+              <a:rPr kumimoji="1" lang="zh-CN" altLang="en-US" dirty="0" smtClean="0"/>
               <a:t> </a:t>
             </a:r>
             <a:r>
-              <a:rPr lang="en-US" altLang="zh-CN" b="1" dirty="0" err="1" smtClean="0"/>
-              <a:t>EMMessageListener</a:t>
-            </a:r>
-            <a:endParaRPr lang="en-US" altLang="zh-CN" b="1" dirty="0" smtClean="0"/>
-          </a:p>
-          <a:p>
-            <a:endParaRPr kumimoji="1" lang="en-US" altLang="zh-CN" b="1" dirty="0"/>
-          </a:p>
-          <a:p>
-            <a:r>
-              <a:rPr kumimoji="1" lang="zh-CN" altLang="en-US" b="1" dirty="0" smtClean="0"/>
-              <a:t>刷新会话列表</a:t>
-            </a:r>
-            <a:endParaRPr kumimoji="1" lang="en-US" altLang="zh-CN" b="1" dirty="0" smtClean="0"/>
-          </a:p>
-          <a:p>
-            <a:endParaRPr kumimoji="1" lang="en-US" altLang="zh-CN" b="1" dirty="0"/>
-          </a:p>
-          <a:p>
-            <a:r>
-              <a:rPr kumimoji="1" lang="zh-CN" altLang="en-US" b="1" dirty="0" smtClean="0"/>
-              <a:t>刷新会话页面</a:t>
+              <a:rPr kumimoji="1" lang="en-US" altLang="zh-CN" dirty="0" smtClean="0"/>
+              <a:t>error</a:t>
+            </a:r>
+            <a:r>
+              <a:rPr kumimoji="1" lang="zh-CN" altLang="en-US" dirty="0" smtClean="0"/>
+              <a:t> 即可</a:t>
             </a:r>
             <a:endParaRPr kumimoji="1" lang="zh-CN" altLang="en-US" dirty="0"/>
           </a:p>
         </p:txBody>
       </p:sp>
     </p:spTree>
-    <p:extLst>
-      <p:ext uri="{BB962C8B-B14F-4D97-AF65-F5344CB8AC3E}">
-        <p14:creationId xmlns:p14="http://schemas.microsoft.com/office/powerpoint/2010/main" val="3776496456"/>
-      </p:ext>
-    </p:extLst>
   </p:cSld>
   <p:clrMapOvr>
     <a:masterClrMapping/>
@@ -8553,7 +8501,7 @@
   <p:timing>
     <p:tnLst>
       <p:par>
-        <p:cTn xmlns:p14="http://schemas.microsoft.com/office/powerpoint/2010/main" id="1" dur="indefinite" restart="never" nodeType="tmRoot"/>
+        <p:cTn id="1" dur="indefinite" restart="never" nodeType="tmRoot"/>
       </p:par>
     </p:tnLst>
   </p:timing>
@@ -8594,7 +8542,7 @@
           <a:p>
             <a:r>
               <a:rPr kumimoji="1" lang="zh-CN" altLang="en-US" dirty="0" smtClean="0"/>
-              <a:t>接收消息</a:t>
+              <a:t>登录</a:t>
             </a:r>
             <a:r>
               <a:rPr kumimoji="1" lang="en-US" altLang="zh-CN" dirty="0" smtClean="0"/>
@@ -8624,11 +8572,6 @@
         </p:txBody>
       </p:sp>
     </p:spTree>
-    <p:extLst>
-      <p:ext uri="{BB962C8B-B14F-4D97-AF65-F5344CB8AC3E}">
-        <p14:creationId xmlns:p14="http://schemas.microsoft.com/office/powerpoint/2010/main" val="2331200377"/>
-      </p:ext>
-    </p:extLst>
   </p:cSld>
   <p:clrMapOvr>
     <a:masterClrMapping/>
@@ -8663,37 +8606,115 @@
             <p:ph type="title"/>
           </p:nvPr>
         </p:nvSpPr>
-        <p:spPr>
-          <a:xfrm>
-            <a:off x="457200" y="2989263"/>
-            <a:ext cx="8229600" cy="1143000"/>
-          </a:xfrm>
-        </p:spPr>
-        <p:txBody>
-          <a:bodyPr/>
-          <a:lstStyle/>
-          <a:p>
-            <a:r>
-              <a:rPr kumimoji="1" lang="en-US" altLang="zh-CN" dirty="0"/>
-              <a:t>IM Demo APP</a:t>
-            </a:r>
-            <a:r>
-              <a:rPr kumimoji="1" lang="zh-CN" altLang="en-US" dirty="0"/>
-              <a:t> 构建</a:t>
-            </a:r>
+        <p:spPr/>
+        <p:txBody>
+          <a:bodyPr/>
+          <a:lstStyle/>
+          <a:p>
+            <a:r>
+              <a:rPr kumimoji="1" lang="zh-CN" altLang="en-US" dirty="0" smtClean="0"/>
+              <a:t>应用启动流程</a:t>
+            </a:r>
+            <a:endParaRPr kumimoji="1" lang="zh-CN" altLang="en-US" dirty="0"/>
+          </a:p>
+        </p:txBody>
+      </p:sp>
+      <p:sp>
+        <p:nvSpPr>
+          <p:cNvPr id="3" name="内容占位符 2"/>
+          <p:cNvSpPr>
+            <a:spLocks noGrp="1"/>
+          </p:cNvSpPr>
+          <p:nvPr>
+            <p:ph idx="1"/>
+          </p:nvPr>
+        </p:nvSpPr>
+        <p:spPr/>
+        <p:txBody>
+          <a:bodyPr/>
+          <a:lstStyle/>
+          <a:p>
+            <a:r>
+              <a:rPr kumimoji="1" lang="zh-CN" altLang="en-US" dirty="0" smtClean="0"/>
+              <a:t>进入开屏页面</a:t>
+            </a:r>
+            <a:endParaRPr kumimoji="1" lang="en-US" altLang="zh-CN" dirty="0" smtClean="0"/>
+          </a:p>
+          <a:p>
+            <a:r>
+              <a:rPr kumimoji="1" lang="zh-CN" altLang="en-US" dirty="0" smtClean="0"/>
+              <a:t>判断是否登录过</a:t>
+            </a:r>
+            <a:endParaRPr kumimoji="1" lang="en-US" altLang="zh-CN" dirty="0" smtClean="0"/>
+          </a:p>
+          <a:p>
+            <a:r>
+              <a:rPr kumimoji="1" lang="zh-CN" altLang="en-US" dirty="0" smtClean="0"/>
+              <a:t>如果登录过</a:t>
+            </a:r>
+            <a:r>
+              <a:rPr kumimoji="1" lang="en-US" altLang="zh-CN" dirty="0" smtClean="0"/>
+              <a:t>-》</a:t>
+            </a:r>
+            <a:r>
+              <a:rPr kumimoji="1" lang="zh-CN" altLang="en-US" dirty="0" smtClean="0"/>
+              <a:t>直接进入主界面</a:t>
+            </a:r>
+            <a:endParaRPr kumimoji="1" lang="en-US" altLang="zh-CN" dirty="0" smtClean="0"/>
+          </a:p>
+          <a:p>
+            <a:pPr lvl="1"/>
+            <a:r>
+              <a:rPr kumimoji="1" lang="zh-CN" altLang="en-US" dirty="0" smtClean="0"/>
+              <a:t>加载本地会话</a:t>
+            </a:r>
+            <a:endParaRPr kumimoji="1" lang="en-US" altLang="zh-CN" dirty="0" smtClean="0"/>
+          </a:p>
+          <a:p>
+            <a:pPr lvl="1"/>
+            <a:r>
+              <a:rPr kumimoji="1" lang="zh-CN" altLang="en-US" dirty="0" smtClean="0"/>
+              <a:t>加载本地群</a:t>
+            </a:r>
+            <a:endParaRPr kumimoji="1" lang="en-US" altLang="zh-CN" dirty="0" smtClean="0"/>
+          </a:p>
+          <a:p>
+            <a:r>
+              <a:rPr kumimoji="1" lang="zh-CN" altLang="en-US" dirty="0" smtClean="0"/>
+              <a:t>如果没登录过 </a:t>
+            </a:r>
+            <a:r>
+              <a:rPr kumimoji="1" lang="en-US" altLang="zh-CN" dirty="0" smtClean="0"/>
+              <a:t>-》</a:t>
+            </a:r>
+            <a:r>
+              <a:rPr kumimoji="1" lang="zh-CN" altLang="en-US" dirty="0" smtClean="0"/>
+              <a:t>接入未登录界面</a:t>
+            </a:r>
+            <a:endParaRPr kumimoji="1" lang="en-US" altLang="zh-CN" dirty="0" smtClean="0"/>
+          </a:p>
+          <a:p>
+            <a:pPr lvl="1"/>
+            <a:r>
+              <a:rPr kumimoji="1" lang="zh-CN" altLang="en-US" dirty="0" smtClean="0"/>
+              <a:t>进入登录流程</a:t>
+            </a:r>
+            <a:endParaRPr kumimoji="1" lang="zh-CN" altLang="en-US" dirty="0"/>
           </a:p>
         </p:txBody>
       </p:sp>
     </p:spTree>
-    <p:extLst>
-      <p:ext uri="{BB962C8B-B14F-4D97-AF65-F5344CB8AC3E}">
-        <p14:creationId xmlns:p14="http://schemas.microsoft.com/office/powerpoint/2010/main" val="1530275363"/>
-      </p:ext>
-    </p:extLst>
   </p:cSld>
   <p:clrMapOvr>
     <a:masterClrMapping/>
   </p:clrMapOvr>
+  <p:timing>
+    <p:tnLst>
+      <p:par>
+        <p:cTn id="1" dur="indefinite" restart="never" nodeType="tmRoot"/>
+      </p:par>
+    </p:tnLst>
+  </p:timing>
 </p:sld>
 </file>
 
@@ -8731,53 +8752,84 @@
           <a:p>
             <a:r>
               <a:rPr kumimoji="1" lang="zh-CN" altLang="en-US" dirty="0" smtClean="0"/>
-              <a:t>构建联系人列表</a:t>
+              <a:t>添加联系人</a:t>
             </a:r>
             <a:endParaRPr kumimoji="1" lang="zh-CN" altLang="en-US" dirty="0"/>
           </a:p>
         </p:txBody>
       </p:sp>
-      <p:pic>
-        <p:nvPicPr>
-          <p:cNvPr id="7" name="内容占位符 6"/>
-          <p:cNvPicPr>
-            <a:picLocks noGrp="1" noChangeAspect="1"/>
-          </p:cNvPicPr>
+      <p:sp>
+        <p:nvSpPr>
+          <p:cNvPr id="3" name="内容占位符 2"/>
+          <p:cNvSpPr>
+            <a:spLocks noGrp="1"/>
+          </p:cNvSpPr>
           <p:nvPr>
             <p:ph idx="1"/>
           </p:nvPr>
-        </p:nvPicPr>
-        <p:blipFill>
-          <a:blip r:embed="rId2"/>
-          <a:srcRect l="-96173" r="-96173"/>
-          <a:stretch>
-            <a:fillRect/>
-          </a:stretch>
-        </p:blipFill>
-        <p:spPr>
-          <a:xfrm>
-            <a:off x="-131362" y="1600200"/>
-            <a:ext cx="9560306" cy="5257800"/>
-          </a:xfrm>
-        </p:spPr>
-      </p:pic>
+        </p:nvSpPr>
+        <p:spPr/>
+        <p:txBody>
+          <a:bodyPr/>
+          <a:lstStyle/>
+          <a:p>
+            <a:r>
+              <a:rPr kumimoji="1" lang="en-US" altLang="zh-CN" dirty="0" err="1" smtClean="0"/>
+              <a:t>EMContactManager</a:t>
+            </a:r>
+            <a:r>
+              <a:rPr kumimoji="1" lang="zh-CN" altLang="en-US" dirty="0" smtClean="0"/>
+              <a:t>:</a:t>
+            </a:r>
+            <a:r>
+              <a:rPr kumimoji="1" lang="en-US" altLang="zh-CN" dirty="0" smtClean="0"/>
+              <a:t>:</a:t>
+            </a:r>
+            <a:r>
+              <a:rPr kumimoji="1" lang="en-US" altLang="zh-CN" dirty="0" err="1" smtClean="0"/>
+              <a:t>addContact</a:t>
+            </a:r>
+            <a:r>
+              <a:rPr kumimoji="1" lang="en-US" altLang="zh-CN" dirty="0" smtClean="0"/>
+              <a:t>(</a:t>
+            </a:r>
+            <a:r>
+              <a:rPr kumimoji="1" lang="en-US" altLang="zh-CN" dirty="0" err="1" smtClean="0"/>
+              <a:t>name,reason</a:t>
+            </a:r>
+            <a:r>
+              <a:rPr kumimoji="1" lang="en-US" altLang="zh-CN" dirty="0" smtClean="0"/>
+              <a:t>)</a:t>
+            </a:r>
+            <a:endParaRPr kumimoji="1" lang="en-US" altLang="zh-CN" dirty="0" smtClean="0"/>
+          </a:p>
+          <a:p>
+            <a:endParaRPr kumimoji="1" lang="en-US" altLang="zh-CN" dirty="0"/>
+          </a:p>
+          <a:p>
+            <a:r>
+              <a:rPr kumimoji="1" lang="zh-CN" altLang="en-US" dirty="0" smtClean="0"/>
+              <a:t>监听对方接受事件</a:t>
+            </a:r>
+            <a:endParaRPr kumimoji="1" lang="en-US" altLang="zh-CN" dirty="0" smtClean="0"/>
+          </a:p>
+          <a:p>
+            <a:endParaRPr kumimoji="1" lang="en-US" altLang="zh-CN" dirty="0"/>
+          </a:p>
+          <a:p>
+            <a:r>
+              <a:rPr kumimoji="1" lang="zh-CN" altLang="en-US" dirty="0" smtClean="0"/>
+              <a:t>把联系人加到缓存和数据库</a:t>
+            </a:r>
+            <a:endParaRPr kumimoji="1" lang="zh-CN" altLang="en-US" dirty="0"/>
+          </a:p>
+        </p:txBody>
+      </p:sp>
     </p:spTree>
-    <p:extLst>
-      <p:ext uri="{BB962C8B-B14F-4D97-AF65-F5344CB8AC3E}">
-        <p14:creationId xmlns:p14="http://schemas.microsoft.com/office/powerpoint/2010/main" val="3695382598"/>
-      </p:ext>
-    </p:extLst>
   </p:cSld>
   <p:clrMapOvr>
     <a:masterClrMapping/>
   </p:clrMapOvr>
-  <p:timing>
-    <p:tnLst>
-      <p:par>
-        <p:cTn xmlns:p14="http://schemas.microsoft.com/office/powerpoint/2010/main" id="1" dur="indefinite" restart="never" nodeType="tmRoot"/>
-      </p:par>
-    </p:tnLst>
-  </p:timing>
 </p:sld>
 </file>
 
@@ -8814,12 +8866,12 @@
           <a:lstStyle/>
           <a:p>
             <a:r>
-              <a:rPr kumimoji="1" lang="en-US" altLang="en-US" dirty="0" smtClean="0"/>
-              <a:t>联系人</a:t>
-            </a:r>
-            <a:r>
-              <a:rPr kumimoji="1" lang="zh-CN" altLang="en-US" dirty="0" smtClean="0"/>
-              <a:t>列表构建流程</a:t>
+              <a:rPr kumimoji="1" lang="zh-CN" altLang="en-US" dirty="0" smtClean="0"/>
+              <a:t>添加联系人</a:t>
+            </a:r>
+            <a:r>
+              <a:rPr kumimoji="1" lang="en-US" altLang="zh-CN" dirty="0" smtClean="0"/>
+              <a:t>Demo</a:t>
             </a:r>
             <a:endParaRPr kumimoji="1" lang="zh-CN" altLang="en-US" dirty="0"/>
           </a:p>
@@ -8840,46 +8892,11 @@
           <a:bodyPr/>
           <a:lstStyle/>
           <a:p>
-            <a:r>
-              <a:rPr kumimoji="1" lang="zh-CN" altLang="en-US" dirty="0" smtClean="0"/>
-              <a:t>获取联系人</a:t>
-            </a:r>
-            <a:endParaRPr kumimoji="1" lang="en-US" altLang="zh-CN" dirty="0" smtClean="0"/>
-          </a:p>
-          <a:p>
-            <a:pPr lvl="1"/>
-            <a:r>
-              <a:rPr kumimoji="1" lang="en-US" altLang="zh-CN" dirty="0" err="1" smtClean="0"/>
-              <a:t>EMContactManager</a:t>
-            </a:r>
-            <a:r>
-              <a:rPr kumimoji="1" lang="en-US" altLang="zh-CN" dirty="0"/>
-              <a:t>. </a:t>
-            </a:r>
-            <a:r>
-              <a:rPr kumimoji="1" lang="en-US" altLang="zh-CN" dirty="0" err="1" smtClean="0"/>
-              <a:t>getAllContactsFromServer</a:t>
-            </a:r>
-            <a:r>
-              <a:rPr kumimoji="1" lang="en-US" altLang="zh-CN" dirty="0" smtClean="0"/>
-              <a:t>()</a:t>
-            </a:r>
-          </a:p>
-          <a:p>
-            <a:pPr lvl="1"/>
-            <a:endParaRPr kumimoji="1" lang="en-US" altLang="zh-CN" dirty="0"/>
-          </a:p>
-          <a:p>
             <a:endParaRPr kumimoji="1" lang="zh-CN" altLang="en-US" dirty="0"/>
           </a:p>
         </p:txBody>
       </p:sp>
     </p:spTree>
-    <p:extLst>
-      <p:ext uri="{BB962C8B-B14F-4D97-AF65-F5344CB8AC3E}">
-        <p14:creationId xmlns:p14="http://schemas.microsoft.com/office/powerpoint/2010/main" val="2794046610"/>
-      </p:ext>
-    </p:extLst>
   </p:cSld>
   <p:clrMapOvr>
     <a:masterClrMapping/>
@@ -8920,54 +8937,41 @@
           <a:lstStyle/>
           <a:p>
             <a:r>
-              <a:rPr kumimoji="1" lang="zh-CN" altLang="en-US" dirty="0" smtClean="0"/>
-              <a:t>构建会话列表</a:t>
+              <a:rPr kumimoji="1" lang="en-US" altLang="en-US" dirty="0" smtClean="0"/>
+              <a:t>监听</a:t>
+            </a:r>
+            <a:r>
+              <a:rPr kumimoji="1" lang="zh-CN" altLang="en-US" dirty="0" smtClean="0"/>
+              <a:t>联系人事件</a:t>
             </a:r>
             <a:endParaRPr kumimoji="1" lang="zh-CN" altLang="en-US" dirty="0"/>
           </a:p>
         </p:txBody>
       </p:sp>
-      <p:pic>
-        <p:nvPicPr>
-          <p:cNvPr id="6" name="内容占位符 5"/>
-          <p:cNvPicPr>
-            <a:picLocks noGrp="1" noChangeAspect="1"/>
-          </p:cNvPicPr>
+      <p:sp>
+        <p:nvSpPr>
+          <p:cNvPr id="3" name="内容占位符 2"/>
+          <p:cNvSpPr>
+            <a:spLocks noGrp="1"/>
+          </p:cNvSpPr>
           <p:nvPr>
             <p:ph idx="1"/>
           </p:nvPr>
-        </p:nvPicPr>
-        <p:blipFill>
-          <a:blip r:embed="rId2"/>
-          <a:srcRect l="-93905" r="-93905"/>
-          <a:stretch>
-            <a:fillRect/>
-          </a:stretch>
-        </p:blipFill>
-        <p:spPr>
-          <a:xfrm>
-            <a:off x="0" y="1600200"/>
-            <a:ext cx="9560306" cy="5257800"/>
-          </a:xfrm>
-        </p:spPr>
-      </p:pic>
+        </p:nvSpPr>
+        <p:spPr/>
+        <p:txBody>
+          <a:bodyPr/>
+          <a:lstStyle/>
+          <a:p>
+            <a:endParaRPr kumimoji="1" lang="zh-CN" altLang="en-US" dirty="0"/>
+          </a:p>
+        </p:txBody>
+      </p:sp>
     </p:spTree>
-    <p:extLst>
-      <p:ext uri="{BB962C8B-B14F-4D97-AF65-F5344CB8AC3E}">
-        <p14:creationId xmlns:p14="http://schemas.microsoft.com/office/powerpoint/2010/main" val="3265416453"/>
-      </p:ext>
-    </p:extLst>
   </p:cSld>
   <p:clrMapOvr>
     <a:masterClrMapping/>
   </p:clrMapOvr>
-  <p:timing>
-    <p:tnLst>
-      <p:par>
-        <p:cTn xmlns:p14="http://schemas.microsoft.com/office/powerpoint/2010/main" id="1" dur="indefinite" restart="never" nodeType="tmRoot"/>
-      </p:par>
-    </p:tnLst>
-  </p:timing>
 </p:sld>
 </file>
 
@@ -9005,11 +9009,7 @@
           <a:p>
             <a:r>
               <a:rPr kumimoji="1" lang="zh-CN" altLang="en-US" dirty="0" smtClean="0"/>
-              <a:t>会话列表构建流程</a:t>
-            </a:r>
-            <a:r>
-              <a:rPr kumimoji="1" lang="en-US" altLang="zh-CN" dirty="0" smtClean="0"/>
-              <a:t>(tips)</a:t>
+              <a:t>发送消息流程</a:t>
             </a:r>
             <a:endParaRPr kumimoji="1" lang="zh-CN" altLang="en-US" dirty="0"/>
           </a:p>
@@ -9028,48 +9028,49 @@
         <p:spPr/>
         <p:txBody>
           <a:bodyPr>
-            <a:normAutofit fontScale="85000" lnSpcReduction="20000"/>
+            <a:normAutofit/>
           </a:bodyPr>
           <a:lstStyle/>
           <a:p>
             <a:r>
               <a:rPr kumimoji="1" lang="en-US" altLang="zh-CN" dirty="0" err="1" smtClean="0"/>
-              <a:t>getAllConversations</a:t>
-            </a:r>
-            <a:endParaRPr kumimoji="1" lang="en-US" altLang="zh-CN" dirty="0" smtClean="0"/>
-          </a:p>
-          <a:p>
-            <a:pPr lvl="1"/>
-            <a:r>
-              <a:rPr kumimoji="1" lang="en-US" altLang="zh-CN" dirty="0" smtClean="0"/>
-              <a:t>Copy</a:t>
-            </a:r>
-            <a:r>
-              <a:rPr kumimoji="1" lang="zh-CN" altLang="en-US" dirty="0"/>
-              <a:t> </a:t>
-            </a:r>
-            <a:r>
-              <a:rPr kumimoji="1" lang="en-US" altLang="zh-CN" dirty="0" smtClean="0"/>
-              <a:t>conversations</a:t>
-            </a:r>
-            <a:endParaRPr kumimoji="1" lang="en-US" altLang="zh-CN" dirty="0" smtClean="0"/>
-          </a:p>
-          <a:p>
-            <a:pPr lvl="1"/>
+              <a:t>EMMessage.createXXXMessage</a:t>
+            </a:r>
+            <a:r>
+              <a:rPr kumimoji="1" lang="en-US" altLang="zh-CN" dirty="0" smtClean="0"/>
+              <a:t>()</a:t>
+            </a:r>
+            <a:r>
+              <a:rPr kumimoji="1" lang="zh-CN" altLang="en-US" dirty="0" smtClean="0"/>
+              <a:t> 创建消息体</a:t>
+            </a:r>
+            <a:endParaRPr kumimoji="1" lang="en-US" altLang="zh-CN" dirty="0" smtClean="0"/>
+          </a:p>
+          <a:p>
+            <a:endParaRPr kumimoji="1" lang="en-US" altLang="zh-CN" dirty="0" smtClean="0"/>
+          </a:p>
+          <a:p>
+            <a:r>
+              <a:rPr kumimoji="1" lang="zh-CN" altLang="en-US" dirty="0" smtClean="0"/>
+              <a:t>设置发送</a:t>
+            </a:r>
+            <a:r>
+              <a:rPr kumimoji="1" lang="en-US" altLang="zh-CN" dirty="0" smtClean="0"/>
+              <a:t>callback</a:t>
+            </a:r>
+            <a:r>
+              <a:rPr kumimoji="1" lang="zh-CN" altLang="en-US" dirty="0" smtClean="0"/>
+              <a:t>，以获取发送的状态，然后更新页面</a:t>
+            </a:r>
             <a:endParaRPr kumimoji="1" lang="en-US" altLang="zh-CN" dirty="0"/>
           </a:p>
           <a:p>
-            <a:r>
-              <a:rPr kumimoji="1" lang="zh-CN" altLang="en-US" dirty="0" smtClean="0"/>
-              <a:t>根据最后的消息时间进行会话列表的排序</a:t>
-            </a:r>
-            <a:endParaRPr kumimoji="1" lang="en-US" altLang="zh-CN" dirty="0" smtClean="0"/>
-          </a:p>
-          <a:p>
-            <a:pPr lvl="1"/>
-            <a:r>
-              <a:rPr kumimoji="1" lang="en-US" altLang="zh-CN" dirty="0" err="1" smtClean="0"/>
-              <a:t>conversation.getLastMessage</a:t>
+            <a:endParaRPr kumimoji="1" lang="en-US" altLang="zh-CN" dirty="0" smtClean="0"/>
+          </a:p>
+          <a:p>
+            <a:r>
+              <a:rPr kumimoji="1" lang="en-US" altLang="zh-CN" dirty="0" err="1"/>
+              <a:t>EMClient.getInstance</a:t>
             </a:r>
             <a:r>
               <a:rPr kumimoji="1" lang="en-US" altLang="zh-CN" dirty="0"/>
@@ -9077,81 +9078,47 @@
             </a:r>
             <a:r>
               <a:rPr kumimoji="1" lang="en-US" altLang="zh-CN" dirty="0" err="1"/>
-              <a:t>getMsgTime</a:t>
+              <a:t>chatManager</a:t>
+            </a:r>
+            <a:r>
+              <a:rPr kumimoji="1" lang="en-US" altLang="zh-CN" dirty="0"/>
+              <a:t>().</a:t>
+            </a:r>
+            <a:r>
+              <a:rPr kumimoji="1" lang="en-US" altLang="zh-CN" dirty="0" err="1"/>
+              <a:t>sendMessage</a:t>
             </a:r>
             <a:r>
               <a:rPr kumimoji="1" lang="en-US" altLang="zh-CN" dirty="0"/>
               <a:t>(</a:t>
             </a:r>
             <a:r>
-              <a:rPr kumimoji="1" lang="en-US" altLang="zh-CN" dirty="0" smtClean="0"/>
+              <a:rPr kumimoji="1" lang="en-US" altLang="zh-CN" dirty="0" err="1"/>
+              <a:t>msg</a:t>
+            </a:r>
+            <a:r>
+              <a:rPr kumimoji="1" lang="en-US" altLang="zh-CN" dirty="0"/>
               <a:t>)</a:t>
             </a:r>
-          </a:p>
-          <a:p>
-            <a:pPr lvl="1"/>
             <a:endParaRPr kumimoji="1" lang="en-US" altLang="zh-CN" dirty="0"/>
           </a:p>
           <a:p>
-            <a:r>
-              <a:rPr kumimoji="1" lang="zh-CN" altLang="en-US" dirty="0" smtClean="0"/>
-              <a:t>根据会话类型进行</a:t>
-            </a:r>
-            <a:r>
-              <a:rPr kumimoji="1" lang="en-US" altLang="zh-CN" dirty="0" smtClean="0"/>
-              <a:t>UI</a:t>
-            </a:r>
-            <a:r>
-              <a:rPr kumimoji="1" lang="zh-CN" altLang="en-US" dirty="0" smtClean="0"/>
-              <a:t>显示</a:t>
-            </a:r>
-            <a:endParaRPr kumimoji="1" lang="en-US" altLang="zh-CN" dirty="0" smtClean="0"/>
-          </a:p>
-          <a:p>
-            <a:pPr lvl="1"/>
-            <a:r>
-              <a:rPr kumimoji="1" lang="en-US" altLang="zh-CN" dirty="0" err="1" smtClean="0"/>
-              <a:t>getType</a:t>
-            </a:r>
-            <a:r>
-              <a:rPr kumimoji="1" lang="en-US" altLang="zh-CN" dirty="0" smtClean="0"/>
-              <a:t>()</a:t>
-            </a:r>
-          </a:p>
-          <a:p>
-            <a:pPr lvl="1"/>
-            <a:endParaRPr kumimoji="1" lang="en-US" altLang="zh-CN" dirty="0" smtClean="0"/>
-          </a:p>
-          <a:p>
-            <a:r>
-              <a:rPr kumimoji="1" lang="zh-CN" altLang="en-US" dirty="0" smtClean="0"/>
-              <a:t>显示未读消息</a:t>
-            </a:r>
-            <a:endParaRPr kumimoji="1" lang="en-US" altLang="zh-CN" dirty="0" smtClean="0"/>
-          </a:p>
-          <a:p>
-            <a:pPr lvl="1"/>
-            <a:r>
-              <a:rPr kumimoji="1" lang="en-US" altLang="zh-CN" dirty="0" err="1"/>
-              <a:t>getUnreadMsgCount</a:t>
-            </a:r>
-            <a:endParaRPr kumimoji="1" lang="en-US" altLang="zh-CN" dirty="0"/>
-          </a:p>
-          <a:p>
             <a:endParaRPr kumimoji="1" lang="zh-CN" altLang="en-US" dirty="0"/>
           </a:p>
         </p:txBody>
       </p:sp>
     </p:spTree>
-    <p:extLst>
-      <p:ext uri="{BB962C8B-B14F-4D97-AF65-F5344CB8AC3E}">
-        <p14:creationId xmlns:p14="http://schemas.microsoft.com/office/powerpoint/2010/main" val="3526615937"/>
-      </p:ext>
-    </p:extLst>
   </p:cSld>
   <p:clrMapOvr>
     <a:masterClrMapping/>
   </p:clrMapOvr>
+  <p:timing>
+    <p:tnLst>
+      <p:par>
+        <p:cTn id="1" dur="indefinite" restart="never" nodeType="tmRoot"/>
+      </p:par>
+    </p:tnLst>
+  </p:timing>
 </p:sld>
 </file>
 
@@ -9189,53 +9156,40 @@
           <a:p>
             <a:r>
               <a:rPr kumimoji="1" lang="zh-CN" altLang="en-US" dirty="0" smtClean="0"/>
-              <a:t>构建聊天页面</a:t>
+              <a:t>发送消息</a:t>
+            </a:r>
+            <a:r>
+              <a:rPr kumimoji="1" lang="en-US" altLang="zh-CN" dirty="0" smtClean="0"/>
+              <a:t> Demo</a:t>
             </a:r>
             <a:endParaRPr kumimoji="1" lang="zh-CN" altLang="en-US" dirty="0"/>
           </a:p>
         </p:txBody>
       </p:sp>
-      <p:pic>
-        <p:nvPicPr>
-          <p:cNvPr id="6" name="内容占位符 5"/>
-          <p:cNvPicPr>
-            <a:picLocks noGrp="1" noChangeAspect="1"/>
-          </p:cNvPicPr>
+      <p:sp>
+        <p:nvSpPr>
+          <p:cNvPr id="3" name="内容占位符 2"/>
+          <p:cNvSpPr>
+            <a:spLocks noGrp="1"/>
+          </p:cNvSpPr>
           <p:nvPr>
             <p:ph idx="1"/>
           </p:nvPr>
-        </p:nvPicPr>
-        <p:blipFill>
-          <a:blip r:embed="rId2"/>
-          <a:srcRect l="-93098" r="-93098"/>
-          <a:stretch>
-            <a:fillRect/>
-          </a:stretch>
-        </p:blipFill>
-        <p:spPr>
-          <a:xfrm>
-            <a:off x="-239781" y="1600200"/>
-            <a:ext cx="9560306" cy="5257800"/>
-          </a:xfrm>
-        </p:spPr>
-      </p:pic>
+        </p:nvSpPr>
+        <p:spPr/>
+        <p:txBody>
+          <a:bodyPr/>
+          <a:lstStyle/>
+          <a:p>
+            <a:endParaRPr kumimoji="1" lang="zh-CN" altLang="en-US"/>
+          </a:p>
+        </p:txBody>
+      </p:sp>
     </p:spTree>
-    <p:extLst>
-      <p:ext uri="{BB962C8B-B14F-4D97-AF65-F5344CB8AC3E}">
-        <p14:creationId xmlns:p14="http://schemas.microsoft.com/office/powerpoint/2010/main" val="2297933080"/>
-      </p:ext>
-    </p:extLst>
   </p:cSld>
   <p:clrMapOvr>
     <a:masterClrMapping/>
   </p:clrMapOvr>
-  <p:timing>
-    <p:tnLst>
-      <p:par>
-        <p:cTn xmlns:p14="http://schemas.microsoft.com/office/powerpoint/2010/main" id="1" dur="indefinite" restart="never" nodeType="tmRoot"/>
-      </p:par>
-    </p:tnLst>
-  </p:timing>
 </p:sld>
 </file>
 
@@ -9273,11 +9227,7 @@
           <a:p>
             <a:r>
               <a:rPr kumimoji="1" lang="zh-CN" altLang="en-US" dirty="0" smtClean="0"/>
-              <a:t>聊天页面构建流程</a:t>
-            </a:r>
-            <a:r>
-              <a:rPr kumimoji="1" lang="en-US" altLang="zh-CN" dirty="0" smtClean="0"/>
-              <a:t>(tips)</a:t>
+              <a:t>接收消息流程</a:t>
             </a:r>
             <a:endParaRPr kumimoji="1" lang="zh-CN" altLang="en-US" dirty="0"/>
           </a:p>
@@ -9295,132 +9245,57 @@
         </p:nvSpPr>
         <p:spPr/>
         <p:txBody>
-          <a:bodyPr>
-            <a:normAutofit fontScale="70000" lnSpcReduction="20000"/>
-          </a:bodyPr>
-          <a:lstStyle/>
-          <a:p>
-            <a:r>
-              <a:rPr kumimoji="1" lang="zh-CN" altLang="en-US" dirty="0" smtClean="0"/>
-              <a:t>定制发送和接收</a:t>
-            </a:r>
-            <a:r>
-              <a:rPr kumimoji="1" lang="en-US" altLang="zh-CN" dirty="0" smtClean="0"/>
-              <a:t>layout</a:t>
-            </a:r>
-          </a:p>
-          <a:p>
-            <a:endParaRPr kumimoji="1" lang="en-US" altLang="zh-CN" dirty="0"/>
-          </a:p>
-          <a:p>
-            <a:r>
-              <a:rPr kumimoji="1" lang="zh-CN" altLang="en-US" dirty="0" smtClean="0"/>
-              <a:t>自定义</a:t>
-            </a:r>
-            <a:r>
-              <a:rPr kumimoji="1" lang="en-US" altLang="zh-CN" dirty="0" smtClean="0"/>
-              <a:t>adapter</a:t>
-            </a:r>
-          </a:p>
-          <a:p>
-            <a:pPr lvl="1"/>
-            <a:r>
-              <a:rPr kumimoji="1" lang="zh-CN" altLang="en-US" dirty="0" smtClean="0"/>
-              <a:t>会话</a:t>
-            </a:r>
-            <a:r>
-              <a:rPr kumimoji="1" lang="en-US" altLang="zh-CN" dirty="0" smtClean="0"/>
-              <a:t>ID</a:t>
-            </a:r>
-            <a:endParaRPr kumimoji="1" lang="en-US" altLang="zh-CN" dirty="0"/>
-          </a:p>
-          <a:p>
-            <a:pPr lvl="1"/>
-            <a:endParaRPr kumimoji="1" lang="en-US" altLang="zh-CN" dirty="0" smtClean="0"/>
-          </a:p>
-          <a:p>
-            <a:r>
-              <a:rPr kumimoji="1" lang="zh-CN" altLang="en-US" dirty="0" smtClean="0"/>
-              <a:t>发送消息</a:t>
-            </a:r>
-            <a:endParaRPr kumimoji="1" lang="en-US" altLang="zh-CN" dirty="0" smtClean="0"/>
-          </a:p>
-          <a:p>
-            <a:pPr lvl="1"/>
-            <a:r>
-              <a:rPr kumimoji="1" lang="en-US" altLang="zh-CN" dirty="0" err="1" smtClean="0"/>
-              <a:t>EMMessage.createXXXMessage</a:t>
-            </a:r>
-            <a:r>
-              <a:rPr kumimoji="1" lang="en-US" altLang="zh-CN" dirty="0" smtClean="0"/>
-              <a:t>()</a:t>
-            </a:r>
-          </a:p>
-          <a:p>
-            <a:pPr lvl="1"/>
-            <a:r>
-              <a:rPr kumimoji="1" lang="en-US" altLang="zh-CN" dirty="0" err="1" smtClean="0"/>
-              <a:t>EMChatManager.sendMessage</a:t>
-            </a:r>
-            <a:r>
-              <a:rPr kumimoji="1" lang="en-US" altLang="zh-CN" dirty="0" smtClean="0"/>
-              <a:t>();</a:t>
-            </a:r>
-          </a:p>
-          <a:p>
-            <a:pPr lvl="1"/>
-            <a:r>
-              <a:rPr kumimoji="1" lang="en-US" altLang="zh-CN" dirty="0" err="1" smtClean="0"/>
-              <a:t>notifyDataChanged</a:t>
-            </a:r>
-            <a:endParaRPr kumimoji="1" lang="en-US" altLang="zh-CN" dirty="0" smtClean="0"/>
-          </a:p>
-          <a:p>
-            <a:pPr lvl="1"/>
-            <a:endParaRPr kumimoji="1" lang="en-US" altLang="zh-CN" dirty="0" smtClean="0"/>
-          </a:p>
-          <a:p>
-            <a:r>
-              <a:rPr kumimoji="1" lang="zh-CN" altLang="en-US" dirty="0" smtClean="0"/>
-              <a:t>监听消息接收</a:t>
-            </a:r>
-            <a:endParaRPr kumimoji="1" lang="en-US" altLang="zh-CN" dirty="0" smtClean="0"/>
-          </a:p>
-          <a:p>
-            <a:pPr lvl="1"/>
-            <a:r>
-              <a:rPr kumimoji="1" lang="en-US" altLang="zh-CN" dirty="0" err="1" smtClean="0"/>
+          <a:bodyPr/>
+          <a:lstStyle/>
+          <a:p>
+            <a:r>
+              <a:rPr kumimoji="1" lang="zh-CN" altLang="en-US" dirty="0" smtClean="0"/>
+              <a:t>监听</a:t>
+            </a:r>
+            <a:r>
+              <a:rPr kumimoji="1" lang="en-US" altLang="zh-CN" dirty="0" smtClean="0"/>
+              <a:t> </a:t>
+            </a:r>
+            <a:r>
+              <a:rPr lang="en-US" altLang="zh-CN" b="1" dirty="0" err="1" smtClean="0"/>
               <a:t>EMMessageListener</a:t>
             </a:r>
-            <a:endParaRPr kumimoji="1" lang="en-US" altLang="zh-CN" dirty="0" smtClean="0"/>
-          </a:p>
-          <a:p>
-            <a:pPr lvl="1"/>
-            <a:r>
-              <a:rPr kumimoji="1" lang="zh-CN" altLang="en-US" dirty="0" smtClean="0"/>
-              <a:t>刷新界面</a:t>
-            </a:r>
-            <a:endParaRPr kumimoji="1" lang="en-US" altLang="zh-CN" dirty="0" smtClean="0"/>
-          </a:p>
-          <a:p>
-            <a:pPr lvl="1"/>
-            <a:endParaRPr kumimoji="1" lang="en-US" altLang="zh-CN" dirty="0"/>
-          </a:p>
-          <a:p>
+            <a:endParaRPr lang="en-US" altLang="zh-CN" b="1" dirty="0" smtClean="0"/>
+          </a:p>
+          <a:p>
+            <a:endParaRPr kumimoji="1" lang="en-US" altLang="zh-CN" b="1" dirty="0"/>
+          </a:p>
+          <a:p>
+            <a:r>
+              <a:rPr kumimoji="1" lang="zh-CN" altLang="en-US" b="1" dirty="0" smtClean="0"/>
+              <a:t>刷新会话列表</a:t>
+            </a:r>
+            <a:endParaRPr kumimoji="1" lang="en-US" altLang="zh-CN" b="1" dirty="0" smtClean="0"/>
+          </a:p>
+          <a:p>
+            <a:endParaRPr kumimoji="1" lang="en-US" altLang="zh-CN" b="1" dirty="0"/>
+          </a:p>
+          <a:p>
+            <a:r>
+              <a:rPr kumimoji="1" lang="zh-CN" altLang="en-US" b="1" dirty="0" smtClean="0"/>
+              <a:t>刷新会话页面</a:t>
+            </a:r>
             <a:endParaRPr kumimoji="1" lang="zh-CN" altLang="en-US" dirty="0"/>
           </a:p>
         </p:txBody>
       </p:sp>
     </p:spTree>
-    <p:extLst>
-      <p:ext uri="{BB962C8B-B14F-4D97-AF65-F5344CB8AC3E}">
-        <p14:creationId xmlns:p14="http://schemas.microsoft.com/office/powerpoint/2010/main" val="3821008538"/>
-      </p:ext>
-    </p:extLst>
   </p:cSld>
   <p:clrMapOvr>
     <a:masterClrMapping/>
   </p:clrMapOvr>
+  <p:timing>
+    <p:tnLst>
+      <p:par>
+        <p:cTn id="1" dur="indefinite" restart="never" nodeType="tmRoot"/>
+      </p:par>
+    </p:tnLst>
+  </p:timing>
 </p:sld>
 </file>
 
@@ -9458,11 +9333,11 @@
           <a:p>
             <a:r>
               <a:rPr kumimoji="1" lang="zh-CN" altLang="en-US" dirty="0" smtClean="0"/>
-              <a:t>构建会话页面</a:t>
-            </a:r>
-            <a:r>
-              <a:rPr kumimoji="1" lang="en-US" altLang="zh-CN" dirty="0" smtClean="0"/>
-              <a:t>(adapter)</a:t>
+              <a:t>接收消息</a:t>
+            </a:r>
+            <a:r>
+              <a:rPr kumimoji="1" lang="en-US" altLang="zh-CN" dirty="0" smtClean="0"/>
+              <a:t> Demo</a:t>
             </a:r>
             <a:endParaRPr kumimoji="1" lang="zh-CN" altLang="en-US" dirty="0"/>
           </a:p>
@@ -9483,125 +9358,11 @@
           <a:bodyPr/>
           <a:lstStyle/>
           <a:p>
-            <a:r>
-              <a:rPr kumimoji="1" lang="zh-CN" altLang="en-US" dirty="0" smtClean="0"/>
-              <a:t>根据传入的</a:t>
-            </a:r>
-            <a:r>
-              <a:rPr kumimoji="1" lang="en-US" altLang="zh-CN" dirty="0" smtClean="0"/>
-              <a:t>adapter</a:t>
-            </a:r>
-            <a:r>
-              <a:rPr kumimoji="1" lang="zh-CN" altLang="en-US" dirty="0" smtClean="0"/>
-              <a:t>获取所有的会话消息</a:t>
-            </a:r>
-            <a:endParaRPr kumimoji="1" lang="en-US" altLang="zh-CN" dirty="0" smtClean="0"/>
-          </a:p>
-          <a:p>
-            <a:pPr lvl="1"/>
-            <a:r>
-              <a:rPr kumimoji="1" lang="en-US" altLang="zh-CN" dirty="0" err="1" smtClean="0"/>
-              <a:t>EMConversation.getAllMessages</a:t>
-            </a:r>
-            <a:r>
-              <a:rPr kumimoji="1" lang="en-US" altLang="zh-CN" dirty="0" smtClean="0"/>
-              <a:t>()</a:t>
-            </a:r>
-          </a:p>
-          <a:p>
-            <a:pPr lvl="1"/>
-            <a:r>
-              <a:rPr kumimoji="1" lang="en-US" altLang="zh-CN" dirty="0" smtClean="0"/>
-              <a:t>Copy</a:t>
-            </a:r>
-            <a:r>
-              <a:rPr kumimoji="1" lang="zh-CN" altLang="en-US" dirty="0" smtClean="0"/>
-              <a:t> </a:t>
-            </a:r>
-            <a:r>
-              <a:rPr kumimoji="1" lang="en-US" altLang="zh-CN" dirty="0" smtClean="0"/>
-              <a:t>all</a:t>
-            </a:r>
-            <a:r>
-              <a:rPr kumimoji="1" lang="zh-CN" altLang="en-US" dirty="0" smtClean="0"/>
-              <a:t> </a:t>
-            </a:r>
-            <a:r>
-              <a:rPr kumimoji="1" lang="en-US" altLang="zh-CN" dirty="0" smtClean="0"/>
-              <a:t>messages</a:t>
-            </a:r>
-          </a:p>
-          <a:p>
-            <a:pPr lvl="1"/>
-            <a:endParaRPr kumimoji="1" lang="en-US" altLang="zh-CN" dirty="0"/>
-          </a:p>
-          <a:p>
-            <a:r>
-              <a:rPr kumimoji="1" lang="zh-CN" altLang="en-US" dirty="0" smtClean="0"/>
-              <a:t>根据</a:t>
-            </a:r>
-            <a:r>
-              <a:rPr kumimoji="1" lang="en-US" altLang="zh-CN" dirty="0" smtClean="0"/>
-              <a:t>Message</a:t>
-            </a:r>
-            <a:r>
-              <a:rPr kumimoji="1" lang="zh-CN" altLang="zh-CN" dirty="0" smtClean="0"/>
-              <a:t>.</a:t>
-            </a:r>
-            <a:r>
-              <a:rPr kumimoji="1" lang="en-US" altLang="zh-CN" dirty="0" smtClean="0"/>
-              <a:t>direct()</a:t>
-            </a:r>
-            <a:r>
-              <a:rPr kumimoji="1" lang="zh-CN" altLang="en-US" dirty="0" smtClean="0"/>
-              <a:t>判断收发消息</a:t>
-            </a:r>
-            <a:endParaRPr kumimoji="1" lang="en-US" altLang="zh-CN" dirty="0" smtClean="0"/>
-          </a:p>
-          <a:p>
-            <a:pPr lvl="1"/>
-            <a:r>
-              <a:rPr kumimoji="1" lang="zh-CN" altLang="en-US" dirty="0" smtClean="0"/>
-              <a:t>发方代表自己 </a:t>
-            </a:r>
-            <a:r>
-              <a:rPr kumimoji="1" lang="en-US" altLang="zh-CN" dirty="0" smtClean="0"/>
-              <a:t>-》</a:t>
-            </a:r>
-            <a:r>
-              <a:rPr kumimoji="1" lang="zh-CN" altLang="en-US" dirty="0" smtClean="0"/>
-              <a:t>头像</a:t>
-            </a:r>
-            <a:endParaRPr kumimoji="1" lang="en-US" altLang="zh-CN" dirty="0" smtClean="0"/>
-          </a:p>
-          <a:p>
-            <a:pPr lvl="1"/>
-            <a:r>
-              <a:rPr kumimoji="1" lang="zh-CN" altLang="en-US" dirty="0" smtClean="0"/>
-              <a:t>收方代表对方 </a:t>
-            </a:r>
-            <a:r>
-              <a:rPr kumimoji="1" lang="en-US" altLang="zh-CN" dirty="0" smtClean="0"/>
-              <a:t>-》</a:t>
-            </a:r>
-            <a:r>
-              <a:rPr kumimoji="1" lang="zh-CN" altLang="en-US" dirty="0" smtClean="0"/>
-              <a:t>对方头像</a:t>
-            </a:r>
-            <a:endParaRPr kumimoji="1" lang="en-US" altLang="zh-CN" dirty="0" smtClean="0"/>
-          </a:p>
-          <a:p>
-            <a:pPr lvl="1"/>
             <a:endParaRPr kumimoji="1" lang="zh-CN" altLang="en-US" dirty="0"/>
           </a:p>
         </p:txBody>
       </p:sp>
     </p:spTree>
-    <p:extLst>
-      <p:ext uri="{BB962C8B-B14F-4D97-AF65-F5344CB8AC3E}">
-        <p14:creationId xmlns:p14="http://schemas.microsoft.com/office/powerpoint/2010/main" val="372565126"/>
-      </p:ext>
-    </p:extLst>
   </p:cSld>
   <p:clrMapOvr>
     <a:masterClrMapping/>
@@ -9618,14 +9379,7 @@
         <p:cNvGrpSpPr/>
         <p:nvPr/>
       </p:nvGrpSpPr>
-      <p:grpSpPr>
-        <a:xfrm>
-          <a:off x="0" y="0"/>
-          <a:ext cx="0" cy="0"/>
-          <a:chOff x="0" y="0"/>
-          <a:chExt cx="0" cy="0"/>
-        </a:xfrm>
-      </p:grpSpPr>
+      <p:grpSpPr/>
       <p:sp>
         <p:nvSpPr>
           <p:cNvPr id="2" name="标题 1"/>
@@ -9639,13 +9393,16 @@
         <p:spPr/>
         <p:txBody>
           <a:bodyPr/>
-          <a:lstStyle/>
-          <a:p>
-            <a:r>
-              <a:rPr kumimoji="1" lang="zh-CN" altLang="en-US" dirty="0" smtClean="0"/>
-              <a:t>集成前准备</a:t>
-            </a:r>
-            <a:endParaRPr kumimoji="1" lang="zh-CN" altLang="en-US" dirty="0"/>
+          <a:p>
+            <a:r>
+              <a:rPr lang="zh-CN" altLang="en-US"/>
+              <a:t>注册</a:t>
+            </a:r>
+            <a:r>
+              <a:rPr lang="en-US" altLang="zh-CN"/>
+              <a:t>APP Key</a:t>
+            </a:r>
+            <a:endParaRPr lang="en-US" altLang="zh-CN"/>
           </a:p>
         </p:txBody>
       </p:sp>
@@ -9659,190 +9416,53 @@
             <p:ph idx="1"/>
           </p:nvPr>
         </p:nvSpPr>
-        <p:spPr>
-          <a:ln>
-            <a:solidFill>
-              <a:schemeClr val="bg2"/>
-            </a:solidFill>
-          </a:ln>
-        </p:spPr>
-        <p:txBody>
-          <a:bodyPr>
-            <a:normAutofit fontScale="70000" lnSpcReduction="20000"/>
-          </a:bodyPr>
-          <a:lstStyle/>
-          <a:p>
-            <a:r>
-              <a:rPr kumimoji="1" lang="zh-CN" altLang="en-US" dirty="0"/>
-              <a:t>下载环信</a:t>
-            </a:r>
-            <a:r>
-              <a:rPr kumimoji="1" lang="en-US" altLang="zh-CN" dirty="0"/>
-              <a:t>IM SDK</a:t>
-            </a:r>
-            <a:endParaRPr kumimoji="1" lang="en-US" altLang="zh-CN" dirty="0" smtClean="0">
-              <a:hlinkClick r:id="rId2"/>
-            </a:endParaRPr>
-          </a:p>
-          <a:p>
-            <a:pPr lvl="1"/>
-            <a:r>
-              <a:rPr kumimoji="1" lang="en-US" altLang="zh-CN" dirty="0" smtClean="0">
-                <a:hlinkClick r:id="rId2"/>
-              </a:rPr>
-              <a:t>http</a:t>
-            </a:r>
-            <a:r>
-              <a:rPr kumimoji="1" lang="en-US" altLang="zh-CN" dirty="0">
-                <a:hlinkClick r:id="rId2"/>
-              </a:rPr>
-              <a:t>://www.easemob.com/download/</a:t>
-            </a:r>
-            <a:r>
-              <a:rPr kumimoji="1" lang="en-US" altLang="zh-CN" dirty="0" smtClean="0">
-                <a:hlinkClick r:id="rId2"/>
-              </a:rPr>
-              <a:t>im</a:t>
-            </a:r>
-            <a:endParaRPr kumimoji="1" lang="en-US" altLang="zh-CN" dirty="0" smtClean="0"/>
-          </a:p>
-          <a:p>
-            <a:endParaRPr kumimoji="1" lang="en-US" altLang="zh-CN" dirty="0" smtClean="0"/>
-          </a:p>
-          <a:p>
-            <a:r>
-              <a:rPr kumimoji="1" lang="en-US" altLang="zh-CN" dirty="0" err="1" smtClean="0"/>
-              <a:t>Git</a:t>
-            </a:r>
-            <a:endParaRPr kumimoji="1" lang="en-US" altLang="zh-CN" dirty="0" smtClean="0"/>
-          </a:p>
-          <a:p>
-            <a:endParaRPr kumimoji="1" lang="en-US" altLang="zh-CN" dirty="0" smtClean="0"/>
-          </a:p>
-          <a:p>
-            <a:r>
-              <a:rPr kumimoji="1" lang="en-US" altLang="zh-CN" dirty="0" err="1" smtClean="0"/>
-              <a:t>Github</a:t>
-            </a:r>
-            <a:r>
-              <a:rPr kumimoji="1" lang="zh-CN" altLang="en-US" dirty="0" smtClean="0"/>
-              <a:t> 账号注册，公钥上传</a:t>
-            </a:r>
-            <a:endParaRPr kumimoji="1" lang="en-US" altLang="zh-CN" dirty="0" smtClean="0"/>
-          </a:p>
-          <a:p>
-            <a:endParaRPr kumimoji="1" lang="en-US" altLang="zh-CN" dirty="0"/>
-          </a:p>
-          <a:p>
-            <a:r>
-              <a:rPr kumimoji="1" lang="en-US" altLang="zh-CN" dirty="0" smtClean="0"/>
-              <a:t>Android</a:t>
-            </a:r>
-            <a:r>
-              <a:rPr kumimoji="1" lang="zh-CN" altLang="en-US" dirty="0" smtClean="0"/>
-              <a:t> </a:t>
-            </a:r>
-            <a:r>
-              <a:rPr kumimoji="1" lang="en-US" altLang="zh-CN" dirty="0" smtClean="0"/>
-              <a:t>ADT</a:t>
-            </a:r>
-            <a:r>
-              <a:rPr kumimoji="1" lang="zh-CN" altLang="en-US" dirty="0" smtClean="0"/>
-              <a:t> </a:t>
-            </a:r>
-            <a:r>
-              <a:rPr kumimoji="1" lang="en-US" altLang="zh-CN" dirty="0" smtClean="0"/>
-              <a:t>+</a:t>
-            </a:r>
-            <a:r>
-              <a:rPr kumimoji="1" lang="zh-CN" altLang="en-US" dirty="0" smtClean="0"/>
-              <a:t> </a:t>
-            </a:r>
-            <a:r>
-              <a:rPr kumimoji="1" lang="en-US" altLang="zh-CN" dirty="0" smtClean="0"/>
-              <a:t>eclipse</a:t>
-            </a:r>
-            <a:endParaRPr kumimoji="1" lang="en-US" altLang="zh-CN" dirty="0" smtClean="0"/>
-          </a:p>
-          <a:p>
-            <a:endParaRPr kumimoji="1" lang="en-US" altLang="zh-CN" dirty="0"/>
-          </a:p>
-          <a:p>
-            <a:r>
-              <a:rPr kumimoji="1" lang="zh-CN" altLang="en-US" dirty="0" smtClean="0"/>
-              <a:t>注册应用</a:t>
-            </a:r>
-            <a:endParaRPr kumimoji="1" lang="en-US" altLang="zh-CN" dirty="0" smtClean="0"/>
-          </a:p>
-          <a:p>
-            <a:endParaRPr kumimoji="1" lang="en-US" altLang="zh-CN" dirty="0"/>
-          </a:p>
-          <a:p>
-            <a:r>
-              <a:rPr kumimoji="1" lang="zh-CN" altLang="en-US" dirty="0" smtClean="0"/>
-              <a:t>我们的工作空间：</a:t>
-            </a:r>
-            <a:endParaRPr kumimoji="1" lang="en-US" altLang="zh-CN" dirty="0" smtClean="0"/>
-          </a:p>
-          <a:p>
-            <a:pPr lvl="1"/>
-            <a:r>
-              <a:rPr kumimoji="1" lang="zh-CN" altLang="en-US" dirty="0" smtClean="0"/>
-              <a:t> </a:t>
-            </a:r>
-            <a:r>
-              <a:rPr kumimoji="1" lang="en-US" altLang="zh-CN" dirty="0">
-                <a:solidFill>
-                  <a:schemeClr val="tx2"/>
-                </a:solidFill>
-                <a:hlinkClick r:id="rId3"/>
-              </a:rPr>
-              <a:t>https://github.com/atsiliconvalley/</a:t>
-            </a:r>
-            <a:r>
-              <a:rPr kumimoji="1" lang="en-US" altLang="zh-CN" dirty="0" smtClean="0">
-                <a:solidFill>
-                  <a:schemeClr val="tx2"/>
-                </a:solidFill>
-                <a:hlinkClick r:id="rId3"/>
-              </a:rPr>
-              <a:t>easemobintegration</a:t>
-            </a:r>
-            <a:endParaRPr kumimoji="1" lang="en-US" altLang="zh-CN" dirty="0" smtClean="0">
-              <a:solidFill>
-                <a:schemeClr val="tx2"/>
-              </a:solidFill>
-            </a:endParaRPr>
-          </a:p>
-          <a:p>
-            <a:pPr lvl="1"/>
-            <a:endParaRPr kumimoji="1" lang="en-US" altLang="zh-CN" dirty="0" smtClean="0"/>
-          </a:p>
-          <a:p>
-            <a:endParaRPr kumimoji="1" lang="en-US" altLang="zh-CN" dirty="0"/>
-          </a:p>
-          <a:p>
-            <a:endParaRPr kumimoji="1" lang="zh-CN" altLang="en-US" dirty="0"/>
+        <p:spPr/>
+        <p:txBody>
+          <a:bodyPr/>
+          <a:p>
+            <a:r>
+              <a:rPr lang="en-US" altLang="zh-CN"/>
+              <a:t>App Key </a:t>
+            </a:r>
+            <a:r>
+              <a:rPr lang="zh-CN" altLang="en-US"/>
+              <a:t>是鉴定</a:t>
+            </a:r>
+            <a:r>
+              <a:rPr lang="en-US" altLang="zh-CN"/>
+              <a:t>APP</a:t>
+            </a:r>
+            <a:r>
+              <a:rPr lang="zh-CN" altLang="en-US"/>
+              <a:t>的唯一</a:t>
+            </a:r>
+            <a:r>
+              <a:rPr lang="en-US" altLang="zh-CN"/>
+              <a:t>ID</a:t>
+            </a:r>
+            <a:endParaRPr lang="en-US" altLang="zh-CN"/>
+          </a:p>
+          <a:p>
+            <a:endParaRPr lang="en-US" altLang="zh-CN"/>
+          </a:p>
+          <a:p>
+            <a:r>
+              <a:rPr lang="zh-CN" altLang="en-US"/>
+              <a:t>如何注册一个</a:t>
+            </a:r>
+            <a:r>
+              <a:rPr lang="en-US" altLang="zh-CN"/>
+              <a:t>APP Key</a:t>
+            </a:r>
+            <a:endParaRPr lang="en-US" altLang="zh-CN"/>
           </a:p>
         </p:txBody>
       </p:sp>
     </p:spTree>
-    <p:extLst>
-      <p:ext uri="{BB962C8B-B14F-4D97-AF65-F5344CB8AC3E}">
-        <p14:creationId xmlns:p14="http://schemas.microsoft.com/office/powerpoint/2010/main" val="2724013674"/>
-      </p:ext>
-    </p:extLst>
   </p:cSld>
   <p:clrMapOvr>
     <a:masterClrMapping/>
   </p:clrMapOvr>
-  <p:timing>
-    <p:tnLst>
-      <p:par>
-        <p:cTn xmlns:p14="http://schemas.microsoft.com/office/powerpoint/2010/main" id="1" dur="indefinite" restart="never" nodeType="tmRoot"/>
-      </p:par>
-    </p:tnLst>
-  </p:timing>
 </p:sld>
 </file>
 
@@ -9873,6 +9493,949 @@
             <p:ph type="title"/>
           </p:nvPr>
         </p:nvSpPr>
+        <p:spPr>
+          <a:xfrm>
+            <a:off x="457200" y="2989263"/>
+            <a:ext cx="8229600" cy="1143000"/>
+          </a:xfrm>
+        </p:spPr>
+        <p:txBody>
+          <a:bodyPr/>
+          <a:lstStyle/>
+          <a:p>
+            <a:r>
+              <a:rPr kumimoji="1" lang="en-US" altLang="zh-CN" dirty="0"/>
+              <a:t>IM Demo APP</a:t>
+            </a:r>
+            <a:r>
+              <a:rPr kumimoji="1" lang="zh-CN" altLang="en-US" dirty="0"/>
+              <a:t> 构建</a:t>
+            </a:r>
+            <a:endParaRPr kumimoji="1" lang="zh-CN" altLang="en-US" dirty="0"/>
+          </a:p>
+        </p:txBody>
+      </p:sp>
+    </p:spTree>
+  </p:cSld>
+  <p:clrMapOvr>
+    <a:masterClrMapping/>
+  </p:clrMapOvr>
+</p:sld>
+</file>
+
+<file path=ppt/slides/slide41.xml><?xml version="1.0" encoding="utf-8"?>
+<p:sld xmlns:a="http://schemas.openxmlformats.org/drawingml/2006/main" xmlns:r="http://schemas.openxmlformats.org/officeDocument/2006/relationships" xmlns:p="http://schemas.openxmlformats.org/presentationml/2006/main">
+  <p:cSld>
+    <p:spTree>
+      <p:nvGrpSpPr>
+        <p:cNvPr id="1" name=""/>
+        <p:cNvGrpSpPr/>
+        <p:nvPr/>
+      </p:nvGrpSpPr>
+      <p:grpSpPr>
+        <a:xfrm>
+          <a:off x="0" y="0"/>
+          <a:ext cx="0" cy="0"/>
+          <a:chOff x="0" y="0"/>
+          <a:chExt cx="0" cy="0"/>
+        </a:xfrm>
+      </p:grpSpPr>
+      <p:sp>
+        <p:nvSpPr>
+          <p:cNvPr id="2" name="标题 1"/>
+          <p:cNvSpPr>
+            <a:spLocks noGrp="1"/>
+          </p:cNvSpPr>
+          <p:nvPr>
+            <p:ph type="title"/>
+          </p:nvPr>
+        </p:nvSpPr>
+        <p:spPr/>
+        <p:txBody>
+          <a:bodyPr/>
+          <a:lstStyle/>
+          <a:p>
+            <a:r>
+              <a:rPr kumimoji="1" lang="zh-CN" altLang="en-US" dirty="0" smtClean="0"/>
+              <a:t>构建联系人列表</a:t>
+            </a:r>
+            <a:endParaRPr kumimoji="1" lang="zh-CN" altLang="en-US" dirty="0"/>
+          </a:p>
+        </p:txBody>
+      </p:sp>
+      <p:pic>
+        <p:nvPicPr>
+          <p:cNvPr id="7" name="内容占位符 6"/>
+          <p:cNvPicPr>
+            <a:picLocks noGrp="1" noChangeAspect="1"/>
+          </p:cNvPicPr>
+          <p:nvPr>
+            <p:ph idx="1"/>
+          </p:nvPr>
+        </p:nvPicPr>
+        <p:blipFill>
+          <a:blip r:embed="rId1"/>
+          <a:srcRect l="-96173" r="-96173"/>
+          <a:stretch>
+            <a:fillRect/>
+          </a:stretch>
+        </p:blipFill>
+        <p:spPr>
+          <a:xfrm>
+            <a:off x="-131362" y="1600200"/>
+            <a:ext cx="9560306" cy="5257800"/>
+          </a:xfrm>
+        </p:spPr>
+      </p:pic>
+    </p:spTree>
+  </p:cSld>
+  <p:clrMapOvr>
+    <a:masterClrMapping/>
+  </p:clrMapOvr>
+  <p:timing>
+    <p:tnLst>
+      <p:par>
+        <p:cTn id="1" dur="indefinite" restart="never" nodeType="tmRoot"/>
+      </p:par>
+    </p:tnLst>
+  </p:timing>
+</p:sld>
+</file>
+
+<file path=ppt/slides/slide42.xml><?xml version="1.0" encoding="utf-8"?>
+<p:sld xmlns:a="http://schemas.openxmlformats.org/drawingml/2006/main" xmlns:r="http://schemas.openxmlformats.org/officeDocument/2006/relationships" xmlns:p="http://schemas.openxmlformats.org/presentationml/2006/main">
+  <p:cSld>
+    <p:spTree>
+      <p:nvGrpSpPr>
+        <p:cNvPr id="1" name=""/>
+        <p:cNvGrpSpPr/>
+        <p:nvPr/>
+      </p:nvGrpSpPr>
+      <p:grpSpPr>
+        <a:xfrm>
+          <a:off x="0" y="0"/>
+          <a:ext cx="0" cy="0"/>
+          <a:chOff x="0" y="0"/>
+          <a:chExt cx="0" cy="0"/>
+        </a:xfrm>
+      </p:grpSpPr>
+      <p:sp>
+        <p:nvSpPr>
+          <p:cNvPr id="2" name="标题 1"/>
+          <p:cNvSpPr>
+            <a:spLocks noGrp="1"/>
+          </p:cNvSpPr>
+          <p:nvPr>
+            <p:ph type="title"/>
+          </p:nvPr>
+        </p:nvSpPr>
+        <p:spPr/>
+        <p:txBody>
+          <a:bodyPr/>
+          <a:lstStyle/>
+          <a:p>
+            <a:r>
+              <a:rPr kumimoji="1" lang="en-US" altLang="en-US" dirty="0" smtClean="0"/>
+              <a:t>联系人</a:t>
+            </a:r>
+            <a:r>
+              <a:rPr kumimoji="1" lang="zh-CN" altLang="en-US" dirty="0" smtClean="0"/>
+              <a:t>列表构建流程</a:t>
+            </a:r>
+            <a:endParaRPr kumimoji="1" lang="zh-CN" altLang="en-US" dirty="0"/>
+          </a:p>
+        </p:txBody>
+      </p:sp>
+      <p:sp>
+        <p:nvSpPr>
+          <p:cNvPr id="3" name="内容占位符 2"/>
+          <p:cNvSpPr>
+            <a:spLocks noGrp="1"/>
+          </p:cNvSpPr>
+          <p:nvPr>
+            <p:ph idx="1"/>
+          </p:nvPr>
+        </p:nvSpPr>
+        <p:spPr/>
+        <p:txBody>
+          <a:bodyPr/>
+          <a:lstStyle/>
+          <a:p>
+            <a:r>
+              <a:rPr kumimoji="1" lang="zh-CN" altLang="en-US" dirty="0" smtClean="0"/>
+              <a:t>获取联系人</a:t>
+            </a:r>
+            <a:endParaRPr kumimoji="1" lang="en-US" altLang="zh-CN" dirty="0" smtClean="0"/>
+          </a:p>
+          <a:p>
+            <a:pPr lvl="1"/>
+            <a:r>
+              <a:rPr kumimoji="1" lang="en-US" altLang="zh-CN" dirty="0" err="1" smtClean="0"/>
+              <a:t>EMContactManager</a:t>
+            </a:r>
+            <a:r>
+              <a:rPr kumimoji="1" lang="en-US" altLang="zh-CN" dirty="0"/>
+              <a:t>. </a:t>
+            </a:r>
+            <a:r>
+              <a:rPr kumimoji="1" lang="en-US" altLang="zh-CN" dirty="0" err="1" smtClean="0"/>
+              <a:t>getAllContactsFromServer</a:t>
+            </a:r>
+            <a:r>
+              <a:rPr kumimoji="1" lang="en-US" altLang="zh-CN" dirty="0" smtClean="0"/>
+              <a:t>()</a:t>
+            </a:r>
+            <a:endParaRPr kumimoji="1" lang="en-US" altLang="zh-CN" dirty="0" smtClean="0"/>
+          </a:p>
+          <a:p>
+            <a:pPr lvl="1"/>
+            <a:endParaRPr kumimoji="1" lang="en-US" altLang="zh-CN" dirty="0"/>
+          </a:p>
+          <a:p>
+            <a:endParaRPr kumimoji="1" lang="zh-CN" altLang="en-US" dirty="0"/>
+          </a:p>
+        </p:txBody>
+      </p:sp>
+    </p:spTree>
+  </p:cSld>
+  <p:clrMapOvr>
+    <a:masterClrMapping/>
+  </p:clrMapOvr>
+</p:sld>
+</file>
+
+<file path=ppt/slides/slide43.xml><?xml version="1.0" encoding="utf-8"?>
+<p:sld xmlns:a="http://schemas.openxmlformats.org/drawingml/2006/main" xmlns:r="http://schemas.openxmlformats.org/officeDocument/2006/relationships" xmlns:p="http://schemas.openxmlformats.org/presentationml/2006/main">
+  <p:cSld>
+    <p:spTree>
+      <p:nvGrpSpPr>
+        <p:cNvPr id="1" name=""/>
+        <p:cNvGrpSpPr/>
+        <p:nvPr/>
+      </p:nvGrpSpPr>
+      <p:grpSpPr>
+        <a:xfrm>
+          <a:off x="0" y="0"/>
+          <a:ext cx="0" cy="0"/>
+          <a:chOff x="0" y="0"/>
+          <a:chExt cx="0" cy="0"/>
+        </a:xfrm>
+      </p:grpSpPr>
+      <p:sp>
+        <p:nvSpPr>
+          <p:cNvPr id="2" name="标题 1"/>
+          <p:cNvSpPr>
+            <a:spLocks noGrp="1"/>
+          </p:cNvSpPr>
+          <p:nvPr>
+            <p:ph type="title"/>
+          </p:nvPr>
+        </p:nvSpPr>
+        <p:spPr/>
+        <p:txBody>
+          <a:bodyPr/>
+          <a:lstStyle/>
+          <a:p>
+            <a:r>
+              <a:rPr kumimoji="1" lang="zh-CN" altLang="en-US" dirty="0" smtClean="0"/>
+              <a:t>构建会话列表</a:t>
+            </a:r>
+            <a:endParaRPr kumimoji="1" lang="zh-CN" altLang="en-US" dirty="0"/>
+          </a:p>
+        </p:txBody>
+      </p:sp>
+      <p:pic>
+        <p:nvPicPr>
+          <p:cNvPr id="6" name="内容占位符 5"/>
+          <p:cNvPicPr>
+            <a:picLocks noGrp="1" noChangeAspect="1"/>
+          </p:cNvPicPr>
+          <p:nvPr>
+            <p:ph idx="1"/>
+          </p:nvPr>
+        </p:nvPicPr>
+        <p:blipFill>
+          <a:blip r:embed="rId1"/>
+          <a:srcRect l="-93905" r="-93905"/>
+          <a:stretch>
+            <a:fillRect/>
+          </a:stretch>
+        </p:blipFill>
+        <p:spPr>
+          <a:xfrm>
+            <a:off x="0" y="1600200"/>
+            <a:ext cx="9560306" cy="5257800"/>
+          </a:xfrm>
+        </p:spPr>
+      </p:pic>
+    </p:spTree>
+  </p:cSld>
+  <p:clrMapOvr>
+    <a:masterClrMapping/>
+  </p:clrMapOvr>
+  <p:timing>
+    <p:tnLst>
+      <p:par>
+        <p:cTn id="1" dur="indefinite" restart="never" nodeType="tmRoot"/>
+      </p:par>
+    </p:tnLst>
+  </p:timing>
+</p:sld>
+</file>
+
+<file path=ppt/slides/slide44.xml><?xml version="1.0" encoding="utf-8"?>
+<p:sld xmlns:a="http://schemas.openxmlformats.org/drawingml/2006/main" xmlns:r="http://schemas.openxmlformats.org/officeDocument/2006/relationships" xmlns:p="http://schemas.openxmlformats.org/presentationml/2006/main">
+  <p:cSld>
+    <p:spTree>
+      <p:nvGrpSpPr>
+        <p:cNvPr id="1" name=""/>
+        <p:cNvGrpSpPr/>
+        <p:nvPr/>
+      </p:nvGrpSpPr>
+      <p:grpSpPr>
+        <a:xfrm>
+          <a:off x="0" y="0"/>
+          <a:ext cx="0" cy="0"/>
+          <a:chOff x="0" y="0"/>
+          <a:chExt cx="0" cy="0"/>
+        </a:xfrm>
+      </p:grpSpPr>
+      <p:sp>
+        <p:nvSpPr>
+          <p:cNvPr id="2" name="标题 1"/>
+          <p:cNvSpPr>
+            <a:spLocks noGrp="1"/>
+          </p:cNvSpPr>
+          <p:nvPr>
+            <p:ph type="title"/>
+          </p:nvPr>
+        </p:nvSpPr>
+        <p:spPr/>
+        <p:txBody>
+          <a:bodyPr/>
+          <a:lstStyle/>
+          <a:p>
+            <a:r>
+              <a:rPr kumimoji="1" lang="zh-CN" altLang="en-US" dirty="0" smtClean="0"/>
+              <a:t>会话列表构建流程</a:t>
+            </a:r>
+            <a:r>
+              <a:rPr kumimoji="1" lang="en-US" altLang="zh-CN" dirty="0" smtClean="0"/>
+              <a:t>(tips)</a:t>
+            </a:r>
+            <a:endParaRPr kumimoji="1" lang="zh-CN" altLang="en-US" dirty="0"/>
+          </a:p>
+        </p:txBody>
+      </p:sp>
+      <p:sp>
+        <p:nvSpPr>
+          <p:cNvPr id="3" name="内容占位符 2"/>
+          <p:cNvSpPr>
+            <a:spLocks noGrp="1"/>
+          </p:cNvSpPr>
+          <p:nvPr>
+            <p:ph idx="1"/>
+          </p:nvPr>
+        </p:nvSpPr>
+        <p:spPr/>
+        <p:txBody>
+          <a:bodyPr>
+            <a:normAutofit fontScale="85000" lnSpcReduction="20000"/>
+          </a:bodyPr>
+          <a:lstStyle/>
+          <a:p>
+            <a:r>
+              <a:rPr kumimoji="1" lang="en-US" altLang="zh-CN" dirty="0" err="1" smtClean="0"/>
+              <a:t>getAllConversations</a:t>
+            </a:r>
+            <a:endParaRPr kumimoji="1" lang="en-US" altLang="zh-CN" dirty="0" smtClean="0"/>
+          </a:p>
+          <a:p>
+            <a:pPr lvl="1"/>
+            <a:r>
+              <a:rPr kumimoji="1" lang="en-US" altLang="zh-CN" dirty="0" smtClean="0"/>
+              <a:t>Copy</a:t>
+            </a:r>
+            <a:r>
+              <a:rPr kumimoji="1" lang="zh-CN" altLang="en-US" dirty="0"/>
+              <a:t> </a:t>
+            </a:r>
+            <a:r>
+              <a:rPr kumimoji="1" lang="en-US" altLang="zh-CN" dirty="0" smtClean="0"/>
+              <a:t>conversations</a:t>
+            </a:r>
+            <a:endParaRPr kumimoji="1" lang="en-US" altLang="zh-CN" dirty="0" smtClean="0"/>
+          </a:p>
+          <a:p>
+            <a:pPr lvl="1"/>
+            <a:endParaRPr kumimoji="1" lang="en-US" altLang="zh-CN" dirty="0"/>
+          </a:p>
+          <a:p>
+            <a:r>
+              <a:rPr kumimoji="1" lang="zh-CN" altLang="en-US" dirty="0" smtClean="0"/>
+              <a:t>根据最后的消息时间进行会话列表的排序</a:t>
+            </a:r>
+            <a:endParaRPr kumimoji="1" lang="en-US" altLang="zh-CN" dirty="0" smtClean="0"/>
+          </a:p>
+          <a:p>
+            <a:pPr lvl="1"/>
+            <a:r>
+              <a:rPr kumimoji="1" lang="en-US" altLang="zh-CN" dirty="0" err="1" smtClean="0"/>
+              <a:t>conversation.getLastMessage</a:t>
+            </a:r>
+            <a:r>
+              <a:rPr kumimoji="1" lang="en-US" altLang="zh-CN" dirty="0"/>
+              <a:t>().</a:t>
+            </a:r>
+            <a:r>
+              <a:rPr kumimoji="1" lang="en-US" altLang="zh-CN" dirty="0" err="1"/>
+              <a:t>getMsgTime</a:t>
+            </a:r>
+            <a:r>
+              <a:rPr kumimoji="1" lang="en-US" altLang="zh-CN" dirty="0"/>
+              <a:t>(</a:t>
+            </a:r>
+            <a:r>
+              <a:rPr kumimoji="1" lang="en-US" altLang="zh-CN" dirty="0" smtClean="0"/>
+              <a:t>)</a:t>
+            </a:r>
+            <a:endParaRPr kumimoji="1" lang="en-US" altLang="zh-CN" dirty="0" smtClean="0"/>
+          </a:p>
+          <a:p>
+            <a:pPr lvl="1"/>
+            <a:endParaRPr kumimoji="1" lang="en-US" altLang="zh-CN" dirty="0"/>
+          </a:p>
+          <a:p>
+            <a:r>
+              <a:rPr kumimoji="1" lang="zh-CN" altLang="en-US" dirty="0" smtClean="0"/>
+              <a:t>根据会话类型进行</a:t>
+            </a:r>
+            <a:r>
+              <a:rPr kumimoji="1" lang="en-US" altLang="zh-CN" dirty="0" smtClean="0"/>
+              <a:t>UI</a:t>
+            </a:r>
+            <a:r>
+              <a:rPr kumimoji="1" lang="zh-CN" altLang="en-US" dirty="0" smtClean="0"/>
+              <a:t>显示</a:t>
+            </a:r>
+            <a:endParaRPr kumimoji="1" lang="en-US" altLang="zh-CN" dirty="0" smtClean="0"/>
+          </a:p>
+          <a:p>
+            <a:pPr lvl="1"/>
+            <a:r>
+              <a:rPr kumimoji="1" lang="en-US" altLang="zh-CN" dirty="0" err="1" smtClean="0"/>
+              <a:t>getType</a:t>
+            </a:r>
+            <a:r>
+              <a:rPr kumimoji="1" lang="en-US" altLang="zh-CN" dirty="0" smtClean="0"/>
+              <a:t>()</a:t>
+            </a:r>
+            <a:endParaRPr kumimoji="1" lang="en-US" altLang="zh-CN" dirty="0" smtClean="0"/>
+          </a:p>
+          <a:p>
+            <a:pPr lvl="1"/>
+            <a:endParaRPr kumimoji="1" lang="en-US" altLang="zh-CN" dirty="0" smtClean="0"/>
+          </a:p>
+          <a:p>
+            <a:r>
+              <a:rPr kumimoji="1" lang="zh-CN" altLang="en-US" dirty="0" smtClean="0"/>
+              <a:t>显示未读消息</a:t>
+            </a:r>
+            <a:endParaRPr kumimoji="1" lang="en-US" altLang="zh-CN" dirty="0" smtClean="0"/>
+          </a:p>
+          <a:p>
+            <a:pPr lvl="1"/>
+            <a:r>
+              <a:rPr kumimoji="1" lang="en-US" altLang="zh-CN" dirty="0" err="1"/>
+              <a:t>getUnreadMsgCount</a:t>
+            </a:r>
+            <a:endParaRPr kumimoji="1" lang="en-US" altLang="zh-CN" dirty="0"/>
+          </a:p>
+          <a:p>
+            <a:endParaRPr kumimoji="1" lang="zh-CN" altLang="en-US" dirty="0"/>
+          </a:p>
+        </p:txBody>
+      </p:sp>
+    </p:spTree>
+  </p:cSld>
+  <p:clrMapOvr>
+    <a:masterClrMapping/>
+  </p:clrMapOvr>
+</p:sld>
+</file>
+
+<file path=ppt/slides/slide45.xml><?xml version="1.0" encoding="utf-8"?>
+<p:sld xmlns:a="http://schemas.openxmlformats.org/drawingml/2006/main" xmlns:r="http://schemas.openxmlformats.org/officeDocument/2006/relationships" xmlns:p="http://schemas.openxmlformats.org/presentationml/2006/main">
+  <p:cSld>
+    <p:spTree>
+      <p:nvGrpSpPr>
+        <p:cNvPr id="1" name=""/>
+        <p:cNvGrpSpPr/>
+        <p:nvPr/>
+      </p:nvGrpSpPr>
+      <p:grpSpPr>
+        <a:xfrm>
+          <a:off x="0" y="0"/>
+          <a:ext cx="0" cy="0"/>
+          <a:chOff x="0" y="0"/>
+          <a:chExt cx="0" cy="0"/>
+        </a:xfrm>
+      </p:grpSpPr>
+      <p:sp>
+        <p:nvSpPr>
+          <p:cNvPr id="2" name="标题 1"/>
+          <p:cNvSpPr>
+            <a:spLocks noGrp="1"/>
+          </p:cNvSpPr>
+          <p:nvPr>
+            <p:ph type="title"/>
+          </p:nvPr>
+        </p:nvSpPr>
+        <p:spPr/>
+        <p:txBody>
+          <a:bodyPr/>
+          <a:lstStyle/>
+          <a:p>
+            <a:r>
+              <a:rPr kumimoji="1" lang="zh-CN" altLang="en-US" dirty="0" smtClean="0"/>
+              <a:t>构建聊天页面</a:t>
+            </a:r>
+            <a:endParaRPr kumimoji="1" lang="zh-CN" altLang="en-US" dirty="0"/>
+          </a:p>
+        </p:txBody>
+      </p:sp>
+      <p:pic>
+        <p:nvPicPr>
+          <p:cNvPr id="6" name="内容占位符 5"/>
+          <p:cNvPicPr>
+            <a:picLocks noGrp="1" noChangeAspect="1"/>
+          </p:cNvPicPr>
+          <p:nvPr>
+            <p:ph idx="1"/>
+          </p:nvPr>
+        </p:nvPicPr>
+        <p:blipFill>
+          <a:blip r:embed="rId1"/>
+          <a:srcRect l="-93098" r="-93098"/>
+          <a:stretch>
+            <a:fillRect/>
+          </a:stretch>
+        </p:blipFill>
+        <p:spPr>
+          <a:xfrm>
+            <a:off x="-239781" y="1600200"/>
+            <a:ext cx="9560306" cy="5257800"/>
+          </a:xfrm>
+        </p:spPr>
+      </p:pic>
+    </p:spTree>
+  </p:cSld>
+  <p:clrMapOvr>
+    <a:masterClrMapping/>
+  </p:clrMapOvr>
+  <p:timing>
+    <p:tnLst>
+      <p:par>
+        <p:cTn id="1" dur="indefinite" restart="never" nodeType="tmRoot"/>
+      </p:par>
+    </p:tnLst>
+  </p:timing>
+</p:sld>
+</file>
+
+<file path=ppt/slides/slide46.xml><?xml version="1.0" encoding="utf-8"?>
+<p:sld xmlns:a="http://schemas.openxmlformats.org/drawingml/2006/main" xmlns:r="http://schemas.openxmlformats.org/officeDocument/2006/relationships" xmlns:p="http://schemas.openxmlformats.org/presentationml/2006/main">
+  <p:cSld>
+    <p:spTree>
+      <p:nvGrpSpPr>
+        <p:cNvPr id="1" name=""/>
+        <p:cNvGrpSpPr/>
+        <p:nvPr/>
+      </p:nvGrpSpPr>
+      <p:grpSpPr>
+        <a:xfrm>
+          <a:off x="0" y="0"/>
+          <a:ext cx="0" cy="0"/>
+          <a:chOff x="0" y="0"/>
+          <a:chExt cx="0" cy="0"/>
+        </a:xfrm>
+      </p:grpSpPr>
+      <p:sp>
+        <p:nvSpPr>
+          <p:cNvPr id="2" name="标题 1"/>
+          <p:cNvSpPr>
+            <a:spLocks noGrp="1"/>
+          </p:cNvSpPr>
+          <p:nvPr>
+            <p:ph type="title"/>
+          </p:nvPr>
+        </p:nvSpPr>
+        <p:spPr/>
+        <p:txBody>
+          <a:bodyPr/>
+          <a:lstStyle/>
+          <a:p>
+            <a:r>
+              <a:rPr kumimoji="1" lang="zh-CN" altLang="en-US" dirty="0" smtClean="0"/>
+              <a:t>聊天页面构建流程</a:t>
+            </a:r>
+            <a:r>
+              <a:rPr kumimoji="1" lang="en-US" altLang="zh-CN" dirty="0" smtClean="0"/>
+              <a:t>(tips)</a:t>
+            </a:r>
+            <a:endParaRPr kumimoji="1" lang="zh-CN" altLang="en-US" dirty="0"/>
+          </a:p>
+        </p:txBody>
+      </p:sp>
+      <p:sp>
+        <p:nvSpPr>
+          <p:cNvPr id="3" name="内容占位符 2"/>
+          <p:cNvSpPr>
+            <a:spLocks noGrp="1"/>
+          </p:cNvSpPr>
+          <p:nvPr>
+            <p:ph idx="1"/>
+          </p:nvPr>
+        </p:nvSpPr>
+        <p:spPr/>
+        <p:txBody>
+          <a:bodyPr>
+            <a:normAutofit fontScale="70000" lnSpcReduction="20000"/>
+          </a:bodyPr>
+          <a:lstStyle/>
+          <a:p>
+            <a:r>
+              <a:rPr kumimoji="1" lang="zh-CN" altLang="en-US" dirty="0" smtClean="0"/>
+              <a:t>定制发送和接收</a:t>
+            </a:r>
+            <a:r>
+              <a:rPr kumimoji="1" lang="en-US" altLang="zh-CN" dirty="0" smtClean="0"/>
+              <a:t>layout</a:t>
+            </a:r>
+            <a:endParaRPr kumimoji="1" lang="en-US" altLang="zh-CN" dirty="0" smtClean="0"/>
+          </a:p>
+          <a:p>
+            <a:endParaRPr kumimoji="1" lang="en-US" altLang="zh-CN" dirty="0"/>
+          </a:p>
+          <a:p>
+            <a:r>
+              <a:rPr kumimoji="1" lang="zh-CN" altLang="en-US" dirty="0" smtClean="0"/>
+              <a:t>自定义</a:t>
+            </a:r>
+            <a:r>
+              <a:rPr kumimoji="1" lang="en-US" altLang="zh-CN" dirty="0" smtClean="0"/>
+              <a:t>adapter</a:t>
+            </a:r>
+            <a:endParaRPr kumimoji="1" lang="en-US" altLang="zh-CN" dirty="0" smtClean="0"/>
+          </a:p>
+          <a:p>
+            <a:pPr lvl="1"/>
+            <a:r>
+              <a:rPr kumimoji="1" lang="zh-CN" altLang="en-US" dirty="0" smtClean="0"/>
+              <a:t>会话</a:t>
+            </a:r>
+            <a:r>
+              <a:rPr kumimoji="1" lang="en-US" altLang="zh-CN" dirty="0" smtClean="0"/>
+              <a:t>ID</a:t>
+            </a:r>
+            <a:endParaRPr kumimoji="1" lang="en-US" altLang="zh-CN" dirty="0"/>
+          </a:p>
+          <a:p>
+            <a:pPr lvl="1"/>
+            <a:endParaRPr kumimoji="1" lang="en-US" altLang="zh-CN" dirty="0" smtClean="0"/>
+          </a:p>
+          <a:p>
+            <a:r>
+              <a:rPr kumimoji="1" lang="zh-CN" altLang="en-US" dirty="0" smtClean="0"/>
+              <a:t>发送消息</a:t>
+            </a:r>
+            <a:endParaRPr kumimoji="1" lang="en-US" altLang="zh-CN" dirty="0" smtClean="0"/>
+          </a:p>
+          <a:p>
+            <a:pPr lvl="1"/>
+            <a:r>
+              <a:rPr kumimoji="1" lang="en-US" altLang="zh-CN" dirty="0" err="1" smtClean="0"/>
+              <a:t>EMMessage.createXXXMessage</a:t>
+            </a:r>
+            <a:r>
+              <a:rPr kumimoji="1" lang="en-US" altLang="zh-CN" dirty="0" smtClean="0"/>
+              <a:t>()</a:t>
+            </a:r>
+            <a:endParaRPr kumimoji="1" lang="en-US" altLang="zh-CN" dirty="0" smtClean="0"/>
+          </a:p>
+          <a:p>
+            <a:pPr lvl="1"/>
+            <a:r>
+              <a:rPr kumimoji="1" lang="en-US" altLang="zh-CN" dirty="0" err="1" smtClean="0"/>
+              <a:t>EMChatManager.sendMessage</a:t>
+            </a:r>
+            <a:r>
+              <a:rPr kumimoji="1" lang="en-US" altLang="zh-CN" dirty="0" smtClean="0"/>
+              <a:t>();</a:t>
+            </a:r>
+            <a:endParaRPr kumimoji="1" lang="en-US" altLang="zh-CN" dirty="0" smtClean="0"/>
+          </a:p>
+          <a:p>
+            <a:pPr lvl="1"/>
+            <a:r>
+              <a:rPr kumimoji="1" lang="en-US" altLang="zh-CN" dirty="0" err="1" smtClean="0"/>
+              <a:t>notifyDataChanged</a:t>
+            </a:r>
+            <a:endParaRPr kumimoji="1" lang="en-US" altLang="zh-CN" dirty="0" smtClean="0"/>
+          </a:p>
+          <a:p>
+            <a:pPr lvl="1"/>
+            <a:endParaRPr kumimoji="1" lang="en-US" altLang="zh-CN" dirty="0" smtClean="0"/>
+          </a:p>
+          <a:p>
+            <a:r>
+              <a:rPr kumimoji="1" lang="zh-CN" altLang="en-US" dirty="0" smtClean="0"/>
+              <a:t>监听消息接收</a:t>
+            </a:r>
+            <a:endParaRPr kumimoji="1" lang="en-US" altLang="zh-CN" dirty="0" smtClean="0"/>
+          </a:p>
+          <a:p>
+            <a:pPr lvl="1"/>
+            <a:r>
+              <a:rPr kumimoji="1" lang="en-US" altLang="zh-CN" dirty="0" err="1" smtClean="0"/>
+              <a:t>EMMessageListener</a:t>
+            </a:r>
+            <a:endParaRPr kumimoji="1" lang="en-US" altLang="zh-CN" dirty="0" smtClean="0"/>
+          </a:p>
+          <a:p>
+            <a:pPr lvl="1"/>
+            <a:r>
+              <a:rPr kumimoji="1" lang="zh-CN" altLang="en-US" dirty="0" smtClean="0"/>
+              <a:t>刷新界面</a:t>
+            </a:r>
+            <a:endParaRPr kumimoji="1" lang="en-US" altLang="zh-CN" dirty="0" smtClean="0"/>
+          </a:p>
+          <a:p>
+            <a:pPr lvl="1"/>
+            <a:endParaRPr kumimoji="1" lang="en-US" altLang="zh-CN" dirty="0"/>
+          </a:p>
+          <a:p>
+            <a:endParaRPr kumimoji="1" lang="zh-CN" altLang="en-US" dirty="0"/>
+          </a:p>
+        </p:txBody>
+      </p:sp>
+    </p:spTree>
+  </p:cSld>
+  <p:clrMapOvr>
+    <a:masterClrMapping/>
+  </p:clrMapOvr>
+</p:sld>
+</file>
+
+<file path=ppt/slides/slide47.xml><?xml version="1.0" encoding="utf-8"?>
+<p:sld xmlns:a="http://schemas.openxmlformats.org/drawingml/2006/main" xmlns:r="http://schemas.openxmlformats.org/officeDocument/2006/relationships" xmlns:p="http://schemas.openxmlformats.org/presentationml/2006/main">
+  <p:cSld>
+    <p:spTree>
+      <p:nvGrpSpPr>
+        <p:cNvPr id="1" name=""/>
+        <p:cNvGrpSpPr/>
+        <p:nvPr/>
+      </p:nvGrpSpPr>
+      <p:grpSpPr>
+        <a:xfrm>
+          <a:off x="0" y="0"/>
+          <a:ext cx="0" cy="0"/>
+          <a:chOff x="0" y="0"/>
+          <a:chExt cx="0" cy="0"/>
+        </a:xfrm>
+      </p:grpSpPr>
+      <p:sp>
+        <p:nvSpPr>
+          <p:cNvPr id="2" name="标题 1"/>
+          <p:cNvSpPr>
+            <a:spLocks noGrp="1"/>
+          </p:cNvSpPr>
+          <p:nvPr>
+            <p:ph type="title"/>
+          </p:nvPr>
+        </p:nvSpPr>
+        <p:spPr/>
+        <p:txBody>
+          <a:bodyPr/>
+          <a:lstStyle/>
+          <a:p>
+            <a:r>
+              <a:rPr kumimoji="1" lang="zh-CN" altLang="en-US" dirty="0" smtClean="0"/>
+              <a:t>构建会话页面</a:t>
+            </a:r>
+            <a:r>
+              <a:rPr kumimoji="1" lang="en-US" altLang="zh-CN" dirty="0" smtClean="0"/>
+              <a:t>(adapter)</a:t>
+            </a:r>
+            <a:endParaRPr kumimoji="1" lang="zh-CN" altLang="en-US" dirty="0"/>
+          </a:p>
+        </p:txBody>
+      </p:sp>
+      <p:sp>
+        <p:nvSpPr>
+          <p:cNvPr id="3" name="内容占位符 2"/>
+          <p:cNvSpPr>
+            <a:spLocks noGrp="1"/>
+          </p:cNvSpPr>
+          <p:nvPr>
+            <p:ph idx="1"/>
+          </p:nvPr>
+        </p:nvSpPr>
+        <p:spPr/>
+        <p:txBody>
+          <a:bodyPr/>
+          <a:lstStyle/>
+          <a:p>
+            <a:r>
+              <a:rPr kumimoji="1" lang="zh-CN" altLang="en-US" dirty="0" smtClean="0"/>
+              <a:t>根据传入的</a:t>
+            </a:r>
+            <a:r>
+              <a:rPr kumimoji="1" lang="en-US" altLang="zh-CN" dirty="0" smtClean="0"/>
+              <a:t>adapter</a:t>
+            </a:r>
+            <a:r>
+              <a:rPr kumimoji="1" lang="zh-CN" altLang="en-US" dirty="0" smtClean="0"/>
+              <a:t>获取所有的会话消息</a:t>
+            </a:r>
+            <a:endParaRPr kumimoji="1" lang="en-US" altLang="zh-CN" dirty="0" smtClean="0"/>
+          </a:p>
+          <a:p>
+            <a:pPr lvl="1"/>
+            <a:r>
+              <a:rPr kumimoji="1" lang="en-US" altLang="zh-CN" dirty="0" err="1" smtClean="0"/>
+              <a:t>EMConversation.getAllMessages</a:t>
+            </a:r>
+            <a:r>
+              <a:rPr kumimoji="1" lang="en-US" altLang="zh-CN" dirty="0" smtClean="0"/>
+              <a:t>()</a:t>
+            </a:r>
+            <a:endParaRPr kumimoji="1" lang="en-US" altLang="zh-CN" dirty="0" smtClean="0"/>
+          </a:p>
+          <a:p>
+            <a:pPr lvl="1"/>
+            <a:r>
+              <a:rPr kumimoji="1" lang="en-US" altLang="zh-CN" dirty="0" smtClean="0"/>
+              <a:t>Copy</a:t>
+            </a:r>
+            <a:r>
+              <a:rPr kumimoji="1" lang="zh-CN" altLang="en-US" dirty="0" smtClean="0"/>
+              <a:t> </a:t>
+            </a:r>
+            <a:r>
+              <a:rPr kumimoji="1" lang="en-US" altLang="zh-CN" dirty="0" smtClean="0"/>
+              <a:t>all</a:t>
+            </a:r>
+            <a:r>
+              <a:rPr kumimoji="1" lang="zh-CN" altLang="en-US" dirty="0" smtClean="0"/>
+              <a:t> </a:t>
+            </a:r>
+            <a:r>
+              <a:rPr kumimoji="1" lang="en-US" altLang="zh-CN" dirty="0" smtClean="0"/>
+              <a:t>messages</a:t>
+            </a:r>
+            <a:endParaRPr kumimoji="1" lang="en-US" altLang="zh-CN" dirty="0" smtClean="0"/>
+          </a:p>
+          <a:p>
+            <a:pPr lvl="1"/>
+            <a:endParaRPr kumimoji="1" lang="en-US" altLang="zh-CN" dirty="0"/>
+          </a:p>
+          <a:p>
+            <a:r>
+              <a:rPr kumimoji="1" lang="zh-CN" altLang="en-US" dirty="0" smtClean="0"/>
+              <a:t>根据</a:t>
+            </a:r>
+            <a:r>
+              <a:rPr kumimoji="1" lang="en-US" altLang="zh-CN" dirty="0" smtClean="0"/>
+              <a:t>Message</a:t>
+            </a:r>
+            <a:r>
+              <a:rPr kumimoji="1" lang="zh-CN" altLang="zh-CN" dirty="0" smtClean="0"/>
+              <a:t>.</a:t>
+            </a:r>
+            <a:r>
+              <a:rPr kumimoji="1" lang="en-US" altLang="zh-CN" dirty="0" smtClean="0"/>
+              <a:t>direct()</a:t>
+            </a:r>
+            <a:r>
+              <a:rPr kumimoji="1" lang="zh-CN" altLang="en-US" dirty="0" smtClean="0"/>
+              <a:t>判断收发消息</a:t>
+            </a:r>
+            <a:endParaRPr kumimoji="1" lang="en-US" altLang="zh-CN" dirty="0" smtClean="0"/>
+          </a:p>
+          <a:p>
+            <a:pPr lvl="1"/>
+            <a:r>
+              <a:rPr kumimoji="1" lang="zh-CN" altLang="en-US" dirty="0" smtClean="0"/>
+              <a:t>发方代表自己 </a:t>
+            </a:r>
+            <a:r>
+              <a:rPr kumimoji="1" lang="en-US" altLang="zh-CN" dirty="0" smtClean="0"/>
+              <a:t>-》</a:t>
+            </a:r>
+            <a:r>
+              <a:rPr kumimoji="1" lang="zh-CN" altLang="en-US" dirty="0" smtClean="0"/>
+              <a:t>头像</a:t>
+            </a:r>
+            <a:endParaRPr kumimoji="1" lang="en-US" altLang="zh-CN" dirty="0" smtClean="0"/>
+          </a:p>
+          <a:p>
+            <a:pPr lvl="1"/>
+            <a:r>
+              <a:rPr kumimoji="1" lang="zh-CN" altLang="en-US" dirty="0" smtClean="0"/>
+              <a:t>收方代表对方 </a:t>
+            </a:r>
+            <a:r>
+              <a:rPr kumimoji="1" lang="en-US" altLang="zh-CN" dirty="0" smtClean="0"/>
+              <a:t>-》</a:t>
+            </a:r>
+            <a:r>
+              <a:rPr kumimoji="1" lang="zh-CN" altLang="en-US" dirty="0" smtClean="0"/>
+              <a:t>对方头像</a:t>
+            </a:r>
+            <a:endParaRPr kumimoji="1" lang="en-US" altLang="zh-CN" dirty="0" smtClean="0"/>
+          </a:p>
+          <a:p>
+            <a:pPr lvl="1"/>
+            <a:endParaRPr kumimoji="1" lang="zh-CN" altLang="en-US" dirty="0"/>
+          </a:p>
+        </p:txBody>
+      </p:sp>
+    </p:spTree>
+  </p:cSld>
+  <p:clrMapOvr>
+    <a:masterClrMapping/>
+  </p:clrMapOvr>
+</p:sld>
+</file>
+
+<file path=ppt/slides/slide48.xml><?xml version="1.0" encoding="utf-8"?>
+<p:sld xmlns:a="http://schemas.openxmlformats.org/drawingml/2006/main" xmlns:r="http://schemas.openxmlformats.org/officeDocument/2006/relationships" xmlns:p="http://schemas.openxmlformats.org/presentationml/2006/main">
+  <p:cSld>
+    <p:spTree>
+      <p:nvGrpSpPr>
+        <p:cNvPr id="1" name=""/>
+        <p:cNvGrpSpPr/>
+        <p:nvPr/>
+      </p:nvGrpSpPr>
+      <p:grpSpPr>
+        <a:xfrm>
+          <a:off x="0" y="0"/>
+          <a:ext cx="0" cy="0"/>
+          <a:chOff x="0" y="0"/>
+          <a:chExt cx="0" cy="0"/>
+        </a:xfrm>
+      </p:grpSpPr>
+      <p:sp>
+        <p:nvSpPr>
+          <p:cNvPr id="2" name="标题 1"/>
+          <p:cNvSpPr>
+            <a:spLocks noGrp="1"/>
+          </p:cNvSpPr>
+          <p:nvPr>
+            <p:ph type="title"/>
+          </p:nvPr>
+        </p:nvSpPr>
         <p:spPr/>
         <p:txBody>
           <a:bodyPr/>
@@ -9948,11 +10511,6 @@
         </p:txBody>
       </p:sp>
     </p:spTree>
-    <p:extLst>
-      <p:ext uri="{BB962C8B-B14F-4D97-AF65-F5344CB8AC3E}">
-        <p14:creationId xmlns:p14="http://schemas.microsoft.com/office/powerpoint/2010/main" val="2391807585"/>
-      </p:ext>
-    </p:extLst>
   </p:cSld>
   <p:clrMapOvr>
     <a:masterClrMapping/>
@@ -9993,14 +10551,14 @@
           <a:lstStyle/>
           <a:p>
             <a:r>
-              <a:rPr kumimoji="1" lang="en-US" altLang="zh-CN" dirty="0" smtClean="0"/>
-              <a:t>IM </a:t>
-            </a:r>
-            <a:r>
-              <a:rPr kumimoji="1" lang="zh-CN" altLang="en-US" dirty="0" smtClean="0"/>
-              <a:t>基本知识</a:t>
-            </a:r>
-            <a:endParaRPr kumimoji="1" lang="zh-CN" altLang="en-US" dirty="0"/>
+              <a:rPr kumimoji="1" lang="zh-CN" altLang="en-US" dirty="0"/>
+              <a:t>下载环信</a:t>
+            </a:r>
+            <a:r>
+              <a:rPr kumimoji="1" lang="en-US" altLang="zh-CN" dirty="0"/>
+              <a:t>SDK</a:t>
+            </a:r>
+            <a:endParaRPr kumimoji="1" lang="en-US" altLang="zh-CN" dirty="0"/>
           </a:p>
         </p:txBody>
       </p:sp>
@@ -10021,11 +10579,31 @@
           <a:p>
             <a:r>
               <a:rPr kumimoji="1" lang="en-US" altLang="zh-CN" dirty="0" smtClean="0"/>
-              <a:t>IM</a:t>
-            </a:r>
-            <a:r>
-              <a:rPr kumimoji="1" lang="zh-CN" altLang="en-US" dirty="0" smtClean="0"/>
-              <a:t> </a:t>
+              <a:t>www.eaemob.com</a:t>
+            </a:r>
+            <a:endParaRPr kumimoji="1" lang="en-US" altLang="zh-CN" dirty="0" smtClean="0"/>
+          </a:p>
+          <a:p>
+            <a:endParaRPr kumimoji="1" lang="en-US" altLang="zh-CN" dirty="0"/>
+          </a:p>
+          <a:p>
+            <a:r>
+              <a:rPr kumimoji="1" lang="en-US" dirty="0" smtClean="0"/>
+              <a:t>SDK </a:t>
+            </a:r>
+            <a:r>
+              <a:rPr kumimoji="1" lang="zh-CN" altLang="en-US" dirty="0" smtClean="0"/>
+              <a:t>目录进行必要的讲解</a:t>
+            </a:r>
+            <a:endParaRPr kumimoji="1" lang="zh-CN" altLang="en-US" dirty="0" smtClean="0"/>
+          </a:p>
+          <a:p>
+            <a:endParaRPr kumimoji="1" lang="zh-CN" altLang="en-US" dirty="0" smtClean="0"/>
+          </a:p>
+          <a:p>
+            <a:r>
+              <a:rPr kumimoji="1" lang="zh-CN" altLang="en-US" dirty="0" smtClean="0"/>
+              <a:t>导入</a:t>
             </a:r>
             <a:r>
               <a:rPr kumimoji="1" lang="en-US" altLang="zh-CN" dirty="0" smtClean="0"/>
@@ -10033,64 +10611,17 @@
             </a:r>
             <a:r>
               <a:rPr kumimoji="1" lang="zh-CN" altLang="en-US" dirty="0" smtClean="0"/>
-              <a:t> 基本要素</a:t>
-            </a:r>
-            <a:endParaRPr kumimoji="1" lang="en-US" altLang="zh-CN" dirty="0" smtClean="0"/>
-          </a:p>
-          <a:p>
-            <a:endParaRPr kumimoji="1" lang="en-US" altLang="zh-CN" dirty="0"/>
-          </a:p>
-          <a:p>
-            <a:r>
-              <a:rPr kumimoji="1" lang="zh-CN" altLang="en-US" dirty="0" smtClean="0"/>
-              <a:t>参考 </a:t>
-            </a:r>
-            <a:r>
-              <a:rPr kumimoji="1" lang="en-US" altLang="zh-CN" dirty="0" smtClean="0"/>
-              <a:t>Inside</a:t>
-            </a:r>
-            <a:r>
-              <a:rPr kumimoji="1" lang="zh-CN" altLang="en-US" dirty="0" smtClean="0"/>
-              <a:t> </a:t>
-            </a:r>
-            <a:r>
-              <a:rPr kumimoji="1" lang="en-US" altLang="zh-CN" dirty="0" smtClean="0"/>
-              <a:t>IM</a:t>
-            </a:r>
-            <a:r>
-              <a:rPr kumimoji="1" lang="zh-CN" altLang="en-US" dirty="0" smtClean="0"/>
-              <a:t> </a:t>
-            </a:r>
-            <a:r>
-              <a:rPr kumimoji="1" lang="en-US" altLang="zh-CN" dirty="0" smtClean="0"/>
-              <a:t>SDK</a:t>
-            </a:r>
-            <a:r>
-              <a:rPr kumimoji="1" lang="zh-CN" altLang="en-US" dirty="0" smtClean="0"/>
-              <a:t> </a:t>
-            </a:r>
-            <a:r>
-              <a:rPr kumimoji="1" lang="en-US" altLang="zh-CN" dirty="0" smtClean="0"/>
-              <a:t>-</a:t>
-            </a:r>
-            <a:r>
-              <a:rPr kumimoji="1" lang="zh-CN" altLang="en-US" dirty="0" smtClean="0"/>
-              <a:t> </a:t>
-            </a:r>
-            <a:r>
-              <a:rPr kumimoji="1" lang="en-US" altLang="zh-CN" dirty="0" smtClean="0"/>
-              <a:t>youni</a:t>
-            </a:r>
-            <a:endParaRPr kumimoji="1" lang="zh-CN" altLang="en-US" dirty="0"/>
+              <a:t>自带的</a:t>
+            </a:r>
+            <a:r>
+              <a:rPr kumimoji="1" lang="en-US" altLang="zh-CN" dirty="0" smtClean="0"/>
+              <a:t>demo</a:t>
+            </a:r>
+            <a:endParaRPr kumimoji="1" lang="en-US" altLang="zh-CN" dirty="0" smtClean="0"/>
           </a:p>
         </p:txBody>
       </p:sp>
     </p:spTree>
-    <p:extLst>
-      <p:ext uri="{BB962C8B-B14F-4D97-AF65-F5344CB8AC3E}">
-        <p14:creationId xmlns:p14="http://schemas.microsoft.com/office/powerpoint/2010/main" val="8951330"/>
-      </p:ext>
-    </p:extLst>
   </p:cSld>
   <p:clrMapOvr>
     <a:masterClrMapping/>
@@ -10098,7 +10629,7 @@
   <p:timing>
     <p:tnLst>
       <p:par>
-        <p:cTn xmlns:p14="http://schemas.microsoft.com/office/powerpoint/2010/main" id="1" dur="indefinite" restart="never" nodeType="tmRoot"/>
+        <p:cTn id="1" dur="indefinite" restart="never" nodeType="tmRoot"/>
       </p:par>
     </p:tnLst>
   </p:timing>
@@ -10114,14 +10645,7 @@
         <p:cNvGrpSpPr/>
         <p:nvPr/>
       </p:nvGrpSpPr>
-      <p:grpSpPr>
-        <a:xfrm>
-          <a:off x="0" y="0"/>
-          <a:ext cx="0" cy="0"/>
-          <a:chOff x="0" y="0"/>
-          <a:chExt cx="0" cy="0"/>
-        </a:xfrm>
-      </p:grpSpPr>
+      <p:grpSpPr/>
       <p:sp>
         <p:nvSpPr>
           <p:cNvPr id="2" name="标题 1"/>
@@ -10132,41 +10656,81 @@
             <p:ph type="title"/>
           </p:nvPr>
         </p:nvSpPr>
-        <p:spPr>
-          <a:xfrm>
-            <a:off x="457200" y="2969820"/>
-            <a:ext cx="8229600" cy="1143000"/>
-          </a:xfrm>
-        </p:spPr>
-        <p:txBody>
-          <a:bodyPr/>
-          <a:lstStyle/>
-          <a:p>
-            <a:r>
-              <a:rPr kumimoji="1" lang="zh-CN" altLang="en-US" dirty="0" smtClean="0"/>
-              <a:t>核心类</a:t>
-            </a:r>
-            <a:endParaRPr kumimoji="1" lang="zh-CN" altLang="en-US" dirty="0"/>
+        <p:spPr/>
+        <p:txBody>
+          <a:bodyPr/>
+          <a:p>
+            <a:r>
+              <a:rPr lang="zh-CN" altLang="en-US"/>
+              <a:t>新建</a:t>
+            </a:r>
+            <a:r>
+              <a:rPr lang="en-US" altLang="zh-CN"/>
+              <a:t>Demo APP</a:t>
+            </a:r>
+            <a:endParaRPr lang="en-US" altLang="zh-CN"/>
+          </a:p>
+        </p:txBody>
+      </p:sp>
+      <p:sp>
+        <p:nvSpPr>
+          <p:cNvPr id="3" name="内容占位符 2"/>
+          <p:cNvSpPr>
+            <a:spLocks noGrp="1"/>
+          </p:cNvSpPr>
+          <p:nvPr>
+            <p:ph idx="1"/>
+          </p:nvPr>
+        </p:nvSpPr>
+        <p:spPr/>
+        <p:txBody>
+          <a:bodyPr/>
+          <a:p>
+            <a:r>
+              <a:rPr lang="zh-CN" altLang="en-US"/>
+              <a:t>新建</a:t>
+            </a:r>
+            <a:r>
+              <a:rPr lang="en-US" altLang="zh-CN"/>
+              <a:t>gradle Demo APP project</a:t>
+            </a:r>
+            <a:endParaRPr lang="en-US" altLang="zh-CN"/>
+          </a:p>
+          <a:p>
+            <a:endParaRPr lang="en-US" altLang="zh-CN"/>
+          </a:p>
+          <a:p>
+            <a:r>
+              <a:rPr lang="zh-CN" altLang="en-US"/>
+              <a:t>导入</a:t>
+            </a:r>
+            <a:r>
+              <a:rPr lang="en-US" altLang="zh-CN"/>
+              <a:t>EaseUI module</a:t>
+            </a:r>
+            <a:endParaRPr lang="en-US" altLang="zh-CN"/>
+          </a:p>
+          <a:p>
+            <a:endParaRPr lang="en-US" altLang="zh-CN"/>
+          </a:p>
+          <a:p>
+            <a:r>
+              <a:rPr lang="zh-CN" altLang="en-US"/>
+              <a:t>依赖</a:t>
+            </a:r>
+            <a:r>
+              <a:rPr lang="en-US" altLang="zh-CN"/>
+              <a:t>EaseUI module</a:t>
+            </a:r>
+            <a:endParaRPr lang="en-US" altLang="zh-CN"/>
           </a:p>
         </p:txBody>
       </p:sp>
     </p:spTree>
-    <p:extLst>
-      <p:ext uri="{BB962C8B-B14F-4D97-AF65-F5344CB8AC3E}">
-        <p14:creationId xmlns:p14="http://schemas.microsoft.com/office/powerpoint/2010/main" val="856571295"/>
-      </p:ext>
-    </p:extLst>
   </p:cSld>
   <p:clrMapOvr>
     <a:masterClrMapping/>
   </p:clrMapOvr>
-  <p:timing>
-    <p:tnLst>
-      <p:par>
-        <p:cTn xmlns:p14="http://schemas.microsoft.com/office/powerpoint/2010/main" id="1" dur="indefinite" restart="never" nodeType="tmRoot"/>
-      </p:par>
-    </p:tnLst>
-  </p:timing>
 </p:sld>
 </file>
 
@@ -10179,14 +10743,7 @@
         <p:cNvGrpSpPr/>
         <p:nvPr/>
       </p:nvGrpSpPr>
-      <p:grpSpPr>
-        <a:xfrm>
-          <a:off x="0" y="0"/>
-          <a:ext cx="0" cy="0"/>
-          <a:chOff x="0" y="0"/>
-          <a:chExt cx="0" cy="0"/>
-        </a:xfrm>
-      </p:grpSpPr>
+      <p:grpSpPr/>
       <p:sp>
         <p:nvSpPr>
           <p:cNvPr id="2" name="标题 1"/>
@@ -10200,13 +10757,16 @@
         <p:spPr/>
         <p:txBody>
           <a:bodyPr/>
-          <a:lstStyle/>
-          <a:p>
-            <a:r>
-              <a:rPr kumimoji="1" lang="en-US" altLang="zh-CN" dirty="0" err="1" smtClean="0"/>
-              <a:t>EMClient</a:t>
-            </a:r>
-            <a:endParaRPr kumimoji="1" lang="zh-CN" altLang="en-US" dirty="0"/>
+          <a:p>
+            <a:r>
+              <a:rPr lang="zh-CN" altLang="en-US"/>
+              <a:t>构建</a:t>
+            </a:r>
+            <a:r>
+              <a:rPr lang="en-US" altLang="zh-CN"/>
+              <a:t>AndroidManifext.xml</a:t>
+            </a:r>
+            <a:endParaRPr lang="en-US" altLang="zh-CN"/>
           </a:p>
         </p:txBody>
       </p:sp>
@@ -10223,79 +10783,44 @@
         <p:spPr/>
         <p:txBody>
           <a:bodyPr/>
-          <a:lstStyle/>
-          <a:p>
-            <a:r>
-              <a:rPr kumimoji="1" lang="en-US" altLang="zh-CN" dirty="0" smtClean="0"/>
-              <a:t>SDK</a:t>
-            </a:r>
-            <a:r>
-              <a:rPr kumimoji="1" lang="en-US" altLang="zh-CN" dirty="0" smtClean="0"/>
-              <a:t> </a:t>
-            </a:r>
-            <a:r>
-              <a:rPr kumimoji="1" lang="zh-CN" altLang="en-US" dirty="0" smtClean="0"/>
-              <a:t>入口类</a:t>
-            </a:r>
-            <a:endParaRPr kumimoji="1" lang="en-US" altLang="zh-CN" dirty="0" smtClean="0"/>
-          </a:p>
-          <a:p>
-            <a:endParaRPr kumimoji="1" lang="en-US" altLang="zh-CN" dirty="0"/>
-          </a:p>
-          <a:p>
-            <a:r>
-              <a:rPr kumimoji="1" lang="zh-CN" altLang="en-US" dirty="0" smtClean="0"/>
-              <a:t>通过此类可得到其他业务核心类</a:t>
-            </a:r>
-            <a:endParaRPr kumimoji="1" lang="en-US" altLang="zh-CN" dirty="0" smtClean="0"/>
-          </a:p>
-          <a:p>
-            <a:endParaRPr kumimoji="1" lang="en-US" altLang="zh-CN" dirty="0" smtClean="0"/>
-          </a:p>
-          <a:p>
-            <a:r>
-              <a:rPr kumimoji="1" lang="zh-CN" altLang="en-US" dirty="0" smtClean="0"/>
-              <a:t>初始化接口</a:t>
-            </a:r>
-            <a:endParaRPr kumimoji="1" lang="en-US" altLang="zh-CN" dirty="0" smtClean="0"/>
-          </a:p>
-          <a:p>
-            <a:endParaRPr kumimoji="1" lang="en-US" altLang="zh-CN" dirty="0"/>
-          </a:p>
-          <a:p>
-            <a:r>
-              <a:rPr kumimoji="1" lang="zh-CN" altLang="en-US" dirty="0" smtClean="0"/>
-              <a:t>注册</a:t>
-            </a:r>
-            <a:r>
-              <a:rPr kumimoji="1" lang="en-US" altLang="zh-CN" dirty="0" smtClean="0"/>
-              <a:t>/</a:t>
-            </a:r>
-            <a:r>
-              <a:rPr kumimoji="1" lang="zh-CN" altLang="en-US" dirty="0" smtClean="0"/>
-              <a:t>登录接口</a:t>
-            </a:r>
-            <a:endParaRPr kumimoji="1" lang="zh-CN" altLang="en-US" dirty="0"/>
+          <a:p>
+            <a:r>
+              <a:rPr lang="en-US" altLang="zh-CN"/>
+              <a:t>Appkey </a:t>
+            </a:r>
+            <a:endParaRPr lang="en-US" altLang="zh-CN"/>
+          </a:p>
+          <a:p>
+            <a:endParaRPr lang="en-US" altLang="zh-CN"/>
+          </a:p>
+          <a:p>
+            <a:r>
+              <a:rPr lang="en-US" altLang="zh-CN"/>
+              <a:t>permission</a:t>
+            </a:r>
+            <a:endParaRPr lang="en-US" altLang="zh-CN"/>
+          </a:p>
+          <a:p>
+            <a:endParaRPr lang="en-US" altLang="zh-CN"/>
+          </a:p>
+          <a:p>
+            <a:r>
+              <a:rPr lang="zh-CN" altLang="en-US"/>
+              <a:t>环信的</a:t>
+            </a:r>
+            <a:r>
+              <a:rPr lang="en-US" altLang="zh-CN"/>
+              <a:t>Service</a:t>
+            </a:r>
+            <a:endParaRPr lang="en-US" altLang="zh-CN"/>
           </a:p>
         </p:txBody>
       </p:sp>
     </p:spTree>
-    <p:extLst>
-      <p:ext uri="{BB962C8B-B14F-4D97-AF65-F5344CB8AC3E}">
-        <p14:creationId xmlns:p14="http://schemas.microsoft.com/office/powerpoint/2010/main" val="2320119921"/>
-      </p:ext>
-    </p:extLst>
   </p:cSld>
   <p:clrMapOvr>
     <a:masterClrMapping/>
   </p:clrMapOvr>
-  <p:timing>
-    <p:tnLst>
-      <p:par>
-        <p:cTn xmlns:p14="http://schemas.microsoft.com/office/powerpoint/2010/main" id="1" dur="indefinite" restart="never" nodeType="tmRoot"/>
-      </p:par>
-    </p:tnLst>
-  </p:timing>
 </p:sld>
 </file>
 
@@ -10308,14 +10833,7 @@
         <p:cNvGrpSpPr/>
         <p:nvPr/>
       </p:nvGrpSpPr>
-      <p:grpSpPr>
-        <a:xfrm>
-          <a:off x="0" y="0"/>
-          <a:ext cx="0" cy="0"/>
-          <a:chOff x="0" y="0"/>
-          <a:chExt cx="0" cy="0"/>
-        </a:xfrm>
-      </p:grpSpPr>
+      <p:grpSpPr/>
       <p:sp>
         <p:nvSpPr>
           <p:cNvPr id="2" name="标题 1"/>
@@ -10329,21 +10847,16 @@
         <p:spPr/>
         <p:txBody>
           <a:bodyPr/>
-          <a:lstStyle/>
-          <a:p>
-            <a:r>
-              <a:rPr kumimoji="1" lang="zh-CN" altLang="en-US" dirty="0" smtClean="0"/>
-              <a:t>登录 </a:t>
-            </a:r>
-            <a:r>
-              <a:rPr kumimoji="1" lang="en-US" altLang="zh-CN" dirty="0" smtClean="0"/>
-              <a:t>&amp; </a:t>
-            </a:r>
-            <a:r>
-              <a:rPr kumimoji="1" lang="zh-CN" altLang="en-US" dirty="0" smtClean="0"/>
-              <a:t>注册</a:t>
-            </a:r>
-            <a:endParaRPr kumimoji="1" lang="zh-CN" altLang="en-US" dirty="0"/>
+          <a:p>
+            <a:r>
+              <a:rPr lang="en-US" altLang="zh-CN"/>
+              <a:t>Demo APP </a:t>
+            </a:r>
+            <a:r>
+              <a:rPr lang="zh-CN" altLang="en-US"/>
+              <a:t>架构</a:t>
+            </a:r>
+            <a:endParaRPr lang="zh-CN" altLang="en-US"/>
           </a:p>
         </p:txBody>
       </p:sp>
@@ -10360,124 +10873,78 @@
         <p:spPr/>
         <p:txBody>
           <a:bodyPr>
-            <a:normAutofit fontScale="85000" lnSpcReduction="20000"/>
+            <a:normAutofit fontScale="90000" lnSpcReduction="20000"/>
           </a:bodyPr>
-          <a:lstStyle/>
-          <a:p>
-            <a:r>
-              <a:rPr kumimoji="1" lang="zh-CN" altLang="en-US" dirty="0" smtClean="0"/>
-              <a:t>注册</a:t>
-            </a:r>
-            <a:endParaRPr kumimoji="1" lang="en-US" altLang="zh-CN" dirty="0" smtClean="0"/>
+          <a:p>
+            <a:r>
+              <a:rPr lang="zh-CN" altLang="en-US"/>
+              <a:t>开屏页</a:t>
+            </a:r>
+            <a:endParaRPr lang="zh-CN" altLang="en-US"/>
+          </a:p>
+          <a:p>
+            <a:endParaRPr lang="zh-CN" altLang="en-US"/>
+          </a:p>
+          <a:p>
+            <a:r>
+              <a:rPr lang="zh-CN" altLang="en-US"/>
+              <a:t>登录鉴权页面</a:t>
+            </a:r>
+            <a:endParaRPr lang="zh-CN" altLang="en-US"/>
+          </a:p>
+          <a:p>
+            <a:endParaRPr lang="zh-CN" altLang="en-US"/>
+          </a:p>
+          <a:p>
+            <a:r>
+              <a:rPr lang="zh-CN" altLang="en-US"/>
+              <a:t>主页面</a:t>
+            </a:r>
+            <a:endParaRPr lang="zh-CN" altLang="en-US"/>
           </a:p>
           <a:p>
             <a:pPr lvl="1"/>
             <a:r>
-              <a:rPr kumimoji="1" lang="zh-CN" altLang="en-US" dirty="0" smtClean="0"/>
-              <a:t>开放注册</a:t>
-            </a:r>
-            <a:endParaRPr kumimoji="1" lang="en-US" altLang="zh-CN" dirty="0" smtClean="0"/>
+              <a:rPr lang="zh-CN" altLang="en-US"/>
+              <a:t>会话列表页面</a:t>
+            </a:r>
+            <a:endParaRPr lang="zh-CN" altLang="en-US"/>
           </a:p>
           <a:p>
             <a:pPr lvl="1"/>
             <a:r>
-              <a:rPr kumimoji="1" lang="zh-CN" altLang="en-US" dirty="0" smtClean="0"/>
-              <a:t>授权注册</a:t>
-            </a:r>
-            <a:endParaRPr kumimoji="1" lang="en-US" altLang="zh-CN" dirty="0" smtClean="0"/>
+              <a:rPr lang="zh-CN" altLang="en-US"/>
+              <a:t>联系人页面</a:t>
+            </a:r>
+            <a:endParaRPr lang="zh-CN" altLang="en-US"/>
           </a:p>
           <a:p>
             <a:pPr lvl="1"/>
-            <a:endParaRPr kumimoji="1" lang="en-US" altLang="zh-CN" dirty="0"/>
-          </a:p>
-          <a:p>
-            <a:r>
-              <a:rPr kumimoji="1" lang="zh-CN" altLang="en-US" dirty="0" smtClean="0"/>
-              <a:t>登录</a:t>
-            </a:r>
-            <a:endParaRPr kumimoji="1" lang="en-US" altLang="zh-CN" dirty="0" smtClean="0"/>
+            <a:r>
+              <a:rPr lang="zh-CN" altLang="en-US"/>
+              <a:t>设置页面</a:t>
+            </a:r>
+            <a:endParaRPr lang="zh-CN" altLang="en-US"/>
           </a:p>
           <a:p>
             <a:pPr lvl="1"/>
-            <a:r>
-              <a:rPr kumimoji="1" lang="zh-CN" altLang="en-US" dirty="0" smtClean="0"/>
-              <a:t>自动登录</a:t>
-            </a:r>
-            <a:r>
-              <a:rPr kumimoji="1" lang="en-US" altLang="zh-CN" dirty="0" smtClean="0"/>
-              <a:t> Auto login</a:t>
-            </a:r>
-          </a:p>
-          <a:p>
-            <a:pPr lvl="2"/>
-            <a:r>
-              <a:rPr kumimoji="1" lang="zh-CN" altLang="en-US" dirty="0" smtClean="0"/>
-              <a:t>取本地会话</a:t>
-            </a:r>
-            <a:endParaRPr kumimoji="1" lang="en-US" altLang="zh-CN" dirty="0" smtClean="0"/>
-          </a:p>
-          <a:p>
-            <a:pPr lvl="2"/>
-            <a:endParaRPr kumimoji="1" lang="en-US" altLang="zh-CN" dirty="0" smtClean="0"/>
-          </a:p>
-          <a:p>
-            <a:pPr lvl="1"/>
-            <a:r>
-              <a:rPr kumimoji="1" lang="zh-CN" altLang="en-US" dirty="0" smtClean="0"/>
-              <a:t>手动登录 </a:t>
-            </a:r>
-            <a:r>
-              <a:rPr kumimoji="1" lang="en-US" altLang="zh-CN" dirty="0" smtClean="0"/>
-              <a:t>Manual login</a:t>
-            </a:r>
-          </a:p>
-          <a:p>
-            <a:pPr lvl="2"/>
-            <a:r>
-              <a:rPr kumimoji="1" lang="zh-CN" altLang="en-US" dirty="0" smtClean="0"/>
-              <a:t>取本地会话</a:t>
-            </a:r>
-            <a:endParaRPr kumimoji="1" lang="en-US" altLang="zh-CN" dirty="0" smtClean="0"/>
-          </a:p>
-          <a:p>
-            <a:pPr lvl="2"/>
-            <a:r>
-              <a:rPr kumimoji="1" lang="zh-CN" altLang="en-US" dirty="0" smtClean="0"/>
-              <a:t>取联</a:t>
-            </a:r>
-            <a:r>
-              <a:rPr kumimoji="1" lang="zh-CN" altLang="en-US" dirty="0" smtClean="0"/>
-              <a:t>系人</a:t>
-            </a:r>
-            <a:endParaRPr kumimoji="1" lang="en-US" altLang="zh-CN" dirty="0" smtClean="0"/>
-          </a:p>
-          <a:p>
-            <a:pPr lvl="2"/>
-            <a:r>
-              <a:rPr kumimoji="1" lang="zh-CN" altLang="en-US" dirty="0" smtClean="0"/>
-              <a:t>取群组</a:t>
-            </a:r>
-            <a:endParaRPr kumimoji="1" lang="zh-CN" altLang="en-US" dirty="0"/>
+            <a:endParaRPr lang="zh-CN" altLang="en-US"/>
+          </a:p>
+          <a:p>
+            <a:pPr lvl="0"/>
+            <a:r>
+              <a:rPr lang="zh-CN" altLang="en-US"/>
+              <a:t>聊天页面</a:t>
+            </a:r>
+            <a:endParaRPr lang="zh-CN" altLang="en-US"/>
           </a:p>
         </p:txBody>
       </p:sp>
     </p:spTree>
-    <p:extLst>
-      <p:ext uri="{BB962C8B-B14F-4D97-AF65-F5344CB8AC3E}">
-        <p14:creationId xmlns:p14="http://schemas.microsoft.com/office/powerpoint/2010/main" val="1021520368"/>
-      </p:ext>
-    </p:extLst>
   </p:cSld>
   <p:clrMapOvr>
     <a:masterClrMapping/>
   </p:clrMapOvr>
-  <p:timing>
-    <p:tnLst>
-      <p:par>
-        <p:cTn xmlns:p14="http://schemas.microsoft.com/office/powerpoint/2010/main" id="1" dur="indefinite" restart="never" nodeType="tmRoot"/>
-      </p:par>
-    </p:tnLst>
-  </p:timing>
 </p:sld>
 </file>
 
@@ -10490,14 +10957,7 @@
         <p:cNvGrpSpPr/>
         <p:nvPr/>
       </p:nvGrpSpPr>
-      <p:grpSpPr>
-        <a:xfrm>
-          <a:off x="0" y="0"/>
-          <a:ext cx="0" cy="0"/>
-          <a:chOff x="0" y="0"/>
-          <a:chExt cx="0" cy="0"/>
-        </a:xfrm>
-      </p:grpSpPr>
+      <p:grpSpPr/>
       <p:sp>
         <p:nvSpPr>
           <p:cNvPr id="2" name="标题 1"/>
@@ -10511,13 +10971,16 @@
         <p:spPr/>
         <p:txBody>
           <a:bodyPr/>
-          <a:lstStyle/>
-          <a:p>
-            <a:r>
-              <a:rPr kumimoji="1" lang="en-US" altLang="zh-CN" dirty="0" err="1" smtClean="0"/>
-              <a:t>EMChatManager</a:t>
-            </a:r>
-            <a:endParaRPr kumimoji="1" lang="zh-CN" altLang="en-US" dirty="0"/>
+          <a:p>
+            <a:r>
+              <a:rPr lang="zh-CN" altLang="en-US"/>
+              <a:t>初始化环信</a:t>
+            </a:r>
+            <a:r>
+              <a:rPr lang="en-US" altLang="zh-CN"/>
+              <a:t>SDK</a:t>
+            </a:r>
+            <a:endParaRPr lang="en-US" altLang="zh-CN"/>
           </a:p>
         </p:txBody>
       </p:sp>
@@ -10534,63 +10997,54 @@
         <p:spPr/>
         <p:txBody>
           <a:bodyPr/>
-          <a:lstStyle/>
-          <a:p>
-            <a:r>
-              <a:rPr kumimoji="1" lang="zh-CN" altLang="en-US" dirty="0" smtClean="0"/>
-              <a:t>消息收发</a:t>
-            </a:r>
-            <a:endParaRPr kumimoji="1" lang="en-US" altLang="zh-CN" dirty="0" smtClean="0"/>
-          </a:p>
-          <a:p>
-            <a:endParaRPr kumimoji="1" lang="en-US" altLang="zh-CN" dirty="0"/>
-          </a:p>
-          <a:p>
-            <a:r>
-              <a:rPr kumimoji="1" lang="zh-CN" altLang="en-US" dirty="0" smtClean="0"/>
-              <a:t>会话管理</a:t>
-            </a:r>
-            <a:endParaRPr kumimoji="1" lang="en-US" altLang="zh-CN" dirty="0" smtClean="0"/>
-          </a:p>
-          <a:p>
-            <a:endParaRPr kumimoji="1" lang="en-US" altLang="zh-CN" dirty="0"/>
-          </a:p>
-          <a:p>
-            <a:r>
-              <a:rPr kumimoji="1" lang="zh-CN" altLang="en-US" dirty="0" smtClean="0"/>
-              <a:t>消息下载</a:t>
-            </a:r>
-            <a:endParaRPr kumimoji="1" lang="en-US" altLang="zh-CN" dirty="0" smtClean="0"/>
-          </a:p>
-          <a:p>
-            <a:endParaRPr kumimoji="1" lang="en-US" altLang="zh-CN" dirty="0"/>
-          </a:p>
-          <a:p>
-            <a:r>
-              <a:rPr kumimoji="1" lang="zh-CN" altLang="en-US" dirty="0" smtClean="0"/>
-              <a:t>消息监听</a:t>
-            </a:r>
-            <a:endParaRPr kumimoji="1" lang="zh-CN" altLang="en-US" dirty="0"/>
+          <a:p>
+            <a:r>
+              <a:rPr lang="en-US" altLang="zh-CN"/>
+              <a:t>Application </a:t>
+            </a:r>
+            <a:r>
+              <a:rPr lang="zh-CN" altLang="en-US"/>
+              <a:t>重载类</a:t>
+            </a:r>
+            <a:endParaRPr lang="zh-CN" altLang="en-US"/>
+          </a:p>
+          <a:p>
+            <a:endParaRPr lang="zh-CN" altLang="en-US"/>
+          </a:p>
+          <a:p>
+            <a:r>
+              <a:rPr lang="en-US" altLang="zh-CN"/>
+              <a:t>onCreate</a:t>
+            </a:r>
+            <a:endParaRPr lang="en-US" altLang="zh-CN"/>
+          </a:p>
+          <a:p>
+            <a:pPr lvl="1"/>
+            <a:r>
+              <a:rPr lang="en-US" altLang="zh-CN"/>
+              <a:t>EaseUI init</a:t>
+            </a:r>
+            <a:endParaRPr lang="en-US" altLang="zh-CN"/>
+          </a:p>
+          <a:p>
+            <a:pPr lvl="1"/>
+            <a:endParaRPr lang="en-US" altLang="zh-CN"/>
+          </a:p>
+          <a:p>
+            <a:pPr lvl="1"/>
+            <a:r>
+              <a:rPr lang="zh-CN" altLang="en-US"/>
+              <a:t>全局事件监听</a:t>
+            </a:r>
+            <a:endParaRPr lang="zh-CN" altLang="en-US"/>
           </a:p>
         </p:txBody>
       </p:sp>
     </p:spTree>
-    <p:extLst>
-      <p:ext uri="{BB962C8B-B14F-4D97-AF65-F5344CB8AC3E}">
-        <p14:creationId xmlns:p14="http://schemas.microsoft.com/office/powerpoint/2010/main" val="1879357437"/>
-      </p:ext>
-    </p:extLst>
   </p:cSld>
   <p:clrMapOvr>
     <a:masterClrMapping/>
   </p:clrMapOvr>
-  <p:timing>
-    <p:tnLst>
-      <p:par>
-        <p:cTn xmlns:p14="http://schemas.microsoft.com/office/powerpoint/2010/main" id="1" dur="indefinite" restart="never" nodeType="tmRoot"/>
-      </p:par>
-    </p:tnLst>
-  </p:timing>
 </p:sld>
 </file>
 
@@ -10911,6 +11365,11 @@
     </a:lnDef>
   </a:objectDefaults>
   <a:extraClrSchemeLst/>
+  <a:extLst>
+    <a:ext uri="{05A4C25C-085E-4340-85A3-A5531E510DB2}">
+      <thm15:themeFamily xmlns:thm15="http://schemas.microsoft.com/office/thememl/2012/main" name="Office Theme" id="{62F939B6-93AF-4DB8-9C6B-D6C7DFDC589F}" vid="{4A3C46E8-61CC-4603-A589-7422A47A8E4A}"/>
+    </a:ext>
+  </a:extLst>
 </a:theme>
 </file>
 
@@ -11231,5 +11690,10 @@
     </a:lnDef>
   </a:objectDefaults>
   <a:extraClrSchemeLst/>
+  <a:extLst>
+    <a:ext uri="{05A4C25C-085E-4340-85A3-A5531E510DB2}">
+      <thm15:themeFamily xmlns:thm15="http://schemas.microsoft.com/office/thememl/2012/main" name="Office Theme" id="{62F939B6-93AF-4DB8-9C6B-D6C7DFDC589F}" vid="{4A3C46E8-61CC-4603-A589-7422A47A8E4A}"/>
+    </a:ext>
+  </a:extLst>
 </a:theme>
 </file>